--- a/Text/02.화면설계도/3th_Project_화면 설계도(이유의).pptx
+++ b/Text/02.화면설계도/3th_Project_화면 설계도(이유의).pptx
@@ -7444,7 +7444,17 @@
                         <a:buFontTx/>
                         <a:buNone/>
                       </a:pPr>
-                      <a:endParaRPr lang="ko-KR" altLang="en-US" sz="1000" b="0" i="0" kern="1200">
+                      <a:r>
+                        <a:rPr lang="en-US" altLang="ko-KR" sz="1000" b="0" i="0" kern="1200">
+                          <a:solidFill>
+                            <a:schemeClr val="tx1"/>
+                          </a:solidFill>
+                          <a:latin typeface="맑은 고딕" panose="020B0503020000020004" charset="-127"/>
+                          <a:ea typeface="맑은 고딕" panose="020B0503020000020004" charset="-127"/>
+                        </a:rPr>
+                        <a:t>l;kjlk</a:t>
+                      </a:r>
+                      <a:endParaRPr lang="en-US" altLang="ko-KR" sz="1000" b="0" i="0" kern="1200">
                         <a:solidFill>
                           <a:schemeClr val="tx1"/>
                         </a:solidFill>

--- a/Text/02.화면설계도/3th_Project_화면 설계도(이유의).pptx
+++ b/Text/02.화면설계도/3th_Project_화면 설계도(이유의).pptx
@@ -7444,16 +7444,6 @@
                         <a:buFontTx/>
                         <a:buNone/>
                       </a:pPr>
-                      <a:r>
-                        <a:rPr lang="en-US" altLang="ko-KR" sz="1000" b="0" i="0" kern="1200">
-                          <a:solidFill>
-                            <a:schemeClr val="tx1"/>
-                          </a:solidFill>
-                          <a:latin typeface="맑은 고딕" panose="020B0503020000020004" charset="-127"/>
-                          <a:ea typeface="맑은 고딕" panose="020B0503020000020004" charset="-127"/>
-                        </a:rPr>
-                        <a:t>l;kjlk</a:t>
-                      </a:r>
                       <a:endParaRPr lang="en-US" altLang="ko-KR" sz="1000" b="0" i="0" kern="1200">
                         <a:solidFill>
                           <a:schemeClr val="tx1"/>
@@ -10422,7 +10412,7 @@
         </p:nvGraphicFramePr>
         <p:xfrm>
           <a:off x="9196070" y="718185"/>
-          <a:ext cx="2900680" cy="6014085"/>
+          <a:ext cx="2900680" cy="5941695"/>
         </p:xfrm>
         <a:graphic>
           <a:graphicData uri="http://schemas.openxmlformats.org/drawingml/2006/table">
@@ -10435,7 +10425,7 @@
                 <a:gridCol w="452755"/>
                 <a:gridCol w="2047875"/>
               </a:tblGrid>
-              <a:tr h="247650">
+              <a:tr h="240665">
                 <a:tc>
                   <a:txBody>
                     <a:bodyPr/>
@@ -10707,7 +10697,7 @@
                   </a:tcPr>
                 </a:tc>
               </a:tr>
-              <a:tr h="614680">
+              <a:tr h="597535">
                 <a:tc>
                   <a:txBody>
                     <a:bodyPr/>
@@ -10736,7 +10726,914 @@
                         </a:rPr>
                         <a:t>1</a:t>
                       </a:r>
-                      <a:endParaRPr lang="ko-KR" altLang="en-US" sz="1000" b="0" i="0" kern="1200">
+                      <a:endParaRPr lang="en-US" altLang="ko-KR" sz="1000" b="0" i="0" kern="1200">
+                        <a:solidFill>
+                          <a:schemeClr val="tx1"/>
+                        </a:solidFill>
+                        <a:latin typeface="맑은 고딕" panose="020B0503020000020004" charset="-127"/>
+                        <a:ea typeface="맑은 고딕" panose="020B0503020000020004" charset="-127"/>
+                      </a:endParaRPr>
+                    </a:p>
+                  </a:txBody>
+                  <a:tcPr marL="0" marR="0" marT="0" marB="0" anchor="ctr">
+                    <a:lnL w="12700" cap="flat" cmpd="sng" algn="ctr">
+                      <a:solidFill>
+                        <a:srgbClr val="000000">
+                          <a:alpha val="100000"/>
+                        </a:srgbClr>
+                      </a:solidFill>
+                      <a:prstDash val="solid"/>
+                      <a:round/>
+                      <a:headEnd type="none" w="med" len="med"/>
+                      <a:tailEnd type="none" w="med" len="med"/>
+                    </a:lnL>
+                    <a:lnR w="12700" cap="flat" cmpd="sng" algn="ctr">
+                      <a:solidFill>
+                        <a:srgbClr val="000000">
+                          <a:alpha val="100000"/>
+                        </a:srgbClr>
+                      </a:solidFill>
+                      <a:prstDash val="solid"/>
+                      <a:round/>
+                      <a:headEnd type="none" w="med" len="med"/>
+                      <a:tailEnd type="none" w="med" len="med"/>
+                    </a:lnR>
+                    <a:lnT w="12700" cap="flat" cmpd="sng" algn="ctr">
+                      <a:solidFill>
+                        <a:srgbClr val="000000">
+                          <a:alpha val="100000"/>
+                        </a:srgbClr>
+                      </a:solidFill>
+                      <a:prstDash val="solid"/>
+                      <a:round/>
+                      <a:headEnd type="none" w="med" len="med"/>
+                      <a:tailEnd type="none" w="med" len="med"/>
+                    </a:lnT>
+                    <a:lnB w="12700" cap="flat" cmpd="sng" algn="ctr">
+                      <a:solidFill>
+                        <a:srgbClr val="000000">
+                          <a:alpha val="100000"/>
+                        </a:srgbClr>
+                      </a:solidFill>
+                      <a:prstDash val="solid"/>
+                      <a:round/>
+                      <a:headEnd type="none" w="med" len="med"/>
+                      <a:tailEnd type="none" w="med" len="med"/>
+                    </a:lnB>
+                    <a:noFill/>
+                  </a:tcPr>
+                </a:tc>
+                <a:tc>
+                  <a:txBody>
+                    <a:bodyPr/>
+                    <a:lstStyle/>
+                    <a:p>
+                      <a:pPr marL="0" indent="0" algn="ctr" defTabSz="914400" eaLnBrk="1" latinLnBrk="1" hangingPunct="1">
+                        <a:lnSpc>
+                          <a:spcPct val="100000"/>
+                        </a:lnSpc>
+                        <a:spcBef>
+                          <a:spcPts val="0"/>
+                        </a:spcBef>
+                        <a:spcAft>
+                          <a:spcPts val="0"/>
+                        </a:spcAft>
+                        <a:buFontTx/>
+                        <a:buNone/>
+                      </a:pPr>
+                      <a:r>
+                        <a:rPr lang="en-US" altLang="ko-KR" sz="1000" b="0" i="0" kern="1200">
+                          <a:solidFill>
+                            <a:schemeClr val="tx1"/>
+                          </a:solidFill>
+                          <a:latin typeface="맑은 고딕" panose="020B0503020000020004" charset="-127"/>
+                          <a:ea typeface="맑은 고딕" panose="020B0503020000020004" charset="-127"/>
+                        </a:rPr>
+                        <a:t>R</a:t>
+                      </a:r>
+                      <a:endParaRPr lang="en-US" altLang="ko-KR" sz="1000" b="0" i="0" kern="1200">
+                        <a:solidFill>
+                          <a:schemeClr val="tx1"/>
+                        </a:solidFill>
+                        <a:latin typeface="맑은 고딕" panose="020B0503020000020004" charset="-127"/>
+                        <a:ea typeface="맑은 고딕" panose="020B0503020000020004" charset="-127"/>
+                      </a:endParaRPr>
+                    </a:p>
+                  </a:txBody>
+                  <a:tcPr marL="0" marR="0" marT="0" marB="0" anchor="ctr">
+                    <a:lnL w="12700" cap="flat" cmpd="sng" algn="ctr">
+                      <a:solidFill>
+                        <a:srgbClr val="000000">
+                          <a:alpha val="100000"/>
+                        </a:srgbClr>
+                      </a:solidFill>
+                      <a:prstDash val="solid"/>
+                      <a:round/>
+                      <a:headEnd type="none" w="med" len="med"/>
+                      <a:tailEnd type="none" w="med" len="med"/>
+                    </a:lnL>
+                    <a:lnR w="12700" cap="flat" cmpd="sng" algn="ctr">
+                      <a:solidFill>
+                        <a:srgbClr val="000000">
+                          <a:alpha val="100000"/>
+                        </a:srgbClr>
+                      </a:solidFill>
+                      <a:prstDash val="solid"/>
+                      <a:round/>
+                      <a:headEnd type="none" w="med" len="med"/>
+                      <a:tailEnd type="none" w="med" len="med"/>
+                    </a:lnR>
+                    <a:lnT w="12700" cap="flat" cmpd="sng" algn="ctr">
+                      <a:solidFill>
+                        <a:srgbClr val="000000">
+                          <a:alpha val="100000"/>
+                        </a:srgbClr>
+                      </a:solidFill>
+                      <a:prstDash val="solid"/>
+                      <a:round/>
+                      <a:headEnd type="none" w="med" len="med"/>
+                      <a:tailEnd type="none" w="med" len="med"/>
+                    </a:lnT>
+                    <a:lnB w="12700" cap="flat" cmpd="sng" algn="ctr">
+                      <a:solidFill>
+                        <a:srgbClr val="000000">
+                          <a:alpha val="100000"/>
+                        </a:srgbClr>
+                      </a:solidFill>
+                      <a:prstDash val="solid"/>
+                      <a:round/>
+                      <a:headEnd type="none" w="med" len="med"/>
+                      <a:tailEnd type="none" w="med" len="med"/>
+                    </a:lnB>
+                    <a:noFill/>
+                  </a:tcPr>
+                </a:tc>
+                <a:tc>
+                  <a:txBody>
+                    <a:bodyPr/>
+                    <a:lstStyle/>
+                    <a:p>
+                      <a:pPr marL="0" indent="0" algn="ctr" defTabSz="914400" eaLnBrk="1" latinLnBrk="1" hangingPunct="1">
+                        <a:lnSpc>
+                          <a:spcPct val="100000"/>
+                        </a:lnSpc>
+                        <a:spcBef>
+                          <a:spcPts val="0"/>
+                        </a:spcBef>
+                        <a:spcAft>
+                          <a:spcPts val="0"/>
+                        </a:spcAft>
+                        <a:buFontTx/>
+                        <a:buNone/>
+                      </a:pPr>
+                      <a:r>
+                        <a:rPr altLang="en-US" sz="1000" kern="1200">
+                          <a:solidFill>
+                            <a:schemeClr val="tx1"/>
+                          </a:solidFill>
+                          <a:latin typeface="맑은 고딕" panose="020B0503020000020004" charset="-127"/>
+                          <a:ea typeface="맑은 고딕" panose="020B0503020000020004" charset="-127"/>
+                        </a:rPr>
+                        <a:t>사용자가 선택</a:t>
+                      </a:r>
+                      <a:r>
+                        <a:rPr altLang="en-US" sz="1000" kern="1200">
+                          <a:solidFill>
+                            <a:schemeClr val="tx1"/>
+                          </a:solidFill>
+                          <a:latin typeface="맑은 고딕" panose="020B0503020000020004" charset="-127"/>
+                          <a:ea typeface="맑은 고딕" panose="020B0503020000020004" charset="-127"/>
+                        </a:rPr>
+                        <a:t>한 교재의 상품명 데이터를 </a:t>
+                      </a:r>
+                      <a:r>
+                        <a:rPr lang="en-US" altLang="ko-KR" sz="1000" kern="1200">
+                          <a:solidFill>
+                            <a:schemeClr val="tx1"/>
+                          </a:solidFill>
+                          <a:latin typeface="맑은 고딕" panose="020B0503020000020004" charset="-127"/>
+                          <a:ea typeface="맑은 고딕" panose="020B0503020000020004" charset="-127"/>
+                        </a:rPr>
+                        <a:t>DB</a:t>
+                      </a:r>
+                      <a:r>
+                        <a:rPr altLang="en-US" sz="1000" kern="1200">
+                          <a:solidFill>
+                            <a:schemeClr val="tx1"/>
+                          </a:solidFill>
+                          <a:latin typeface="맑은 고딕" panose="020B0503020000020004" charset="-127"/>
+                          <a:ea typeface="맑은 고딕" panose="020B0503020000020004" charset="-127"/>
+                        </a:rPr>
+                        <a:t>로부터 읽어</a:t>
+                      </a:r>
+                      <a:r>
+                        <a:rPr altLang="en-US" sz="1000" kern="1200">
+                          <a:solidFill>
+                            <a:schemeClr val="tx1"/>
+                          </a:solidFill>
+                          <a:latin typeface="맑은 고딕" panose="020B0503020000020004" charset="-127"/>
+                          <a:ea typeface="맑은 고딕" panose="020B0503020000020004" charset="-127"/>
+                        </a:rPr>
+                        <a:t>와 입력</a:t>
+                      </a:r>
+                      <a:endParaRPr altLang="en-US" sz="1000" kern="1200">
+                        <a:solidFill>
+                          <a:schemeClr val="tx1"/>
+                        </a:solidFill>
+                        <a:latin typeface="맑은 고딕" panose="020B0503020000020004" charset="-127"/>
+                        <a:ea typeface="맑은 고딕" panose="020B0503020000020004" charset="-127"/>
+                      </a:endParaRPr>
+                    </a:p>
+                  </a:txBody>
+                  <a:tcPr marL="0" marR="0" marT="0" marB="0" anchor="ctr">
+                    <a:lnL w="12700" cap="flat" cmpd="sng" algn="ctr">
+                      <a:solidFill>
+                        <a:srgbClr val="000000">
+                          <a:alpha val="100000"/>
+                        </a:srgbClr>
+                      </a:solidFill>
+                      <a:prstDash val="solid"/>
+                      <a:round/>
+                      <a:headEnd type="none" w="med" len="med"/>
+                      <a:tailEnd type="none" w="med" len="med"/>
+                    </a:lnL>
+                    <a:lnR w="12700" cap="flat" cmpd="sng" algn="ctr">
+                      <a:solidFill>
+                        <a:srgbClr val="000000">
+                          <a:alpha val="100000"/>
+                        </a:srgbClr>
+                      </a:solidFill>
+                      <a:prstDash val="solid"/>
+                      <a:round/>
+                      <a:headEnd type="none" w="med" len="med"/>
+                      <a:tailEnd type="none" w="med" len="med"/>
+                    </a:lnR>
+                    <a:lnT w="12700" cap="flat" cmpd="sng" algn="ctr">
+                      <a:solidFill>
+                        <a:srgbClr val="000000">
+                          <a:alpha val="100000"/>
+                        </a:srgbClr>
+                      </a:solidFill>
+                      <a:prstDash val="solid"/>
+                      <a:round/>
+                      <a:headEnd type="none" w="med" len="med"/>
+                      <a:tailEnd type="none" w="med" len="med"/>
+                    </a:lnT>
+                    <a:lnB w="12700" cap="flat" cmpd="sng" algn="ctr">
+                      <a:solidFill>
+                        <a:srgbClr val="000000">
+                          <a:alpha val="100000"/>
+                        </a:srgbClr>
+                      </a:solidFill>
+                      <a:prstDash val="solid"/>
+                      <a:round/>
+                      <a:headEnd type="none" w="med" len="med"/>
+                      <a:tailEnd type="none" w="med" len="med"/>
+                    </a:lnB>
+                    <a:solidFill>
+                      <a:schemeClr val="bg1"/>
+                    </a:solidFill>
+                  </a:tcPr>
+                </a:tc>
+              </a:tr>
+              <a:tr h="511810">
+                <a:tc>
+                  <a:txBody>
+                    <a:bodyPr/>
+                    <a:lstStyle/>
+                    <a:p>
+                      <a:pPr marL="0" indent="0" algn="ctr" defTabSz="914400" eaLnBrk="1" latinLnBrk="1" hangingPunct="1">
+                        <a:lnSpc>
+                          <a:spcPct val="100000"/>
+                        </a:lnSpc>
+                        <a:spcBef>
+                          <a:spcPts val="0"/>
+                        </a:spcBef>
+                        <a:spcAft>
+                          <a:spcPts val="0"/>
+                        </a:spcAft>
+                        <a:buFontTx/>
+                        <a:buNone/>
+                      </a:pPr>
+                      <a:r>
+                        <a:rPr lang="en-US" altLang="ko-KR" sz="1000" b="0" i="0" kern="1200">
+                          <a:solidFill>
+                            <a:schemeClr val="tx1"/>
+                          </a:solidFill>
+                          <a:latin typeface="맑은 고딕" panose="020B0503020000020004" charset="-127"/>
+                          <a:ea typeface="맑은 고딕" panose="020B0503020000020004" charset="-127"/>
+                        </a:rPr>
+                        <a:t>2</a:t>
+                      </a:r>
+                      <a:endParaRPr lang="en-US" altLang="ko-KR" sz="1000" b="0" i="0" kern="1200">
+                        <a:solidFill>
+                          <a:schemeClr val="tx1"/>
+                        </a:solidFill>
+                        <a:latin typeface="맑은 고딕" panose="020B0503020000020004" charset="-127"/>
+                        <a:ea typeface="맑은 고딕" panose="020B0503020000020004" charset="-127"/>
+                      </a:endParaRPr>
+                    </a:p>
+                  </a:txBody>
+                  <a:tcPr marL="0" marR="0" marT="0" marB="0" anchor="ctr">
+                    <a:lnL w="12700" cap="flat" cmpd="sng" algn="ctr">
+                      <a:solidFill>
+                        <a:srgbClr val="000000">
+                          <a:alpha val="100000"/>
+                        </a:srgbClr>
+                      </a:solidFill>
+                      <a:prstDash val="solid"/>
+                      <a:round/>
+                      <a:headEnd type="none" w="med" len="med"/>
+                      <a:tailEnd type="none" w="med" len="med"/>
+                    </a:lnL>
+                    <a:lnR w="12700" cap="flat" cmpd="sng" algn="ctr">
+                      <a:solidFill>
+                        <a:srgbClr val="000000">
+                          <a:alpha val="100000"/>
+                        </a:srgbClr>
+                      </a:solidFill>
+                      <a:prstDash val="solid"/>
+                      <a:round/>
+                      <a:headEnd type="none" w="med" len="med"/>
+                      <a:tailEnd type="none" w="med" len="med"/>
+                    </a:lnR>
+                    <a:lnT w="12700" cap="flat" cmpd="sng" algn="ctr">
+                      <a:solidFill>
+                        <a:srgbClr val="000000">
+                          <a:alpha val="100000"/>
+                        </a:srgbClr>
+                      </a:solidFill>
+                      <a:prstDash val="solid"/>
+                      <a:round/>
+                      <a:headEnd type="none" w="med" len="med"/>
+                      <a:tailEnd type="none" w="med" len="med"/>
+                    </a:lnT>
+                    <a:lnB w="12700" cap="flat" cmpd="sng" algn="ctr">
+                      <a:solidFill>
+                        <a:srgbClr val="000000">
+                          <a:alpha val="100000"/>
+                        </a:srgbClr>
+                      </a:solidFill>
+                      <a:prstDash val="solid"/>
+                      <a:round/>
+                      <a:headEnd type="none" w="med" len="med"/>
+                      <a:tailEnd type="none" w="med" len="med"/>
+                    </a:lnB>
+                    <a:noFill/>
+                  </a:tcPr>
+                </a:tc>
+                <a:tc>
+                  <a:txBody>
+                    <a:bodyPr/>
+                    <a:lstStyle/>
+                    <a:p>
+                      <a:pPr marL="0" indent="0" algn="ctr" defTabSz="914400" eaLnBrk="1" latinLnBrk="1" hangingPunct="1">
+                        <a:lnSpc>
+                          <a:spcPct val="100000"/>
+                        </a:lnSpc>
+                        <a:spcBef>
+                          <a:spcPts val="0"/>
+                        </a:spcBef>
+                        <a:spcAft>
+                          <a:spcPts val="0"/>
+                        </a:spcAft>
+                        <a:buFontTx/>
+                        <a:buNone/>
+                      </a:pPr>
+                      <a:r>
+                        <a:rPr lang="en-US" altLang="ko-KR" sz="1000" b="0" i="0" kern="1200">
+                          <a:solidFill>
+                            <a:schemeClr val="tx1"/>
+                          </a:solidFill>
+                          <a:latin typeface="맑은 고딕" panose="020B0503020000020004" charset="-127"/>
+                          <a:ea typeface="맑은 고딕" panose="020B0503020000020004" charset="-127"/>
+                        </a:rPr>
+                        <a:t>R</a:t>
+                      </a:r>
+                      <a:endParaRPr lang="en-US" altLang="ko-KR" sz="1000" b="0" i="0" kern="1200">
+                        <a:solidFill>
+                          <a:schemeClr val="tx1"/>
+                        </a:solidFill>
+                        <a:latin typeface="맑은 고딕" panose="020B0503020000020004" charset="-127"/>
+                        <a:ea typeface="맑은 고딕" panose="020B0503020000020004" charset="-127"/>
+                      </a:endParaRPr>
+                    </a:p>
+                  </a:txBody>
+                  <a:tcPr marL="0" marR="0" marT="0" marB="0" anchor="ctr">
+                    <a:lnL w="12700" cap="flat" cmpd="sng" algn="ctr">
+                      <a:solidFill>
+                        <a:srgbClr val="000000">
+                          <a:alpha val="100000"/>
+                        </a:srgbClr>
+                      </a:solidFill>
+                      <a:prstDash val="solid"/>
+                      <a:round/>
+                      <a:headEnd type="none" w="med" len="med"/>
+                      <a:tailEnd type="none" w="med" len="med"/>
+                    </a:lnL>
+                    <a:lnR w="12700" cap="flat" cmpd="sng" algn="ctr">
+                      <a:solidFill>
+                        <a:srgbClr val="000000">
+                          <a:alpha val="100000"/>
+                        </a:srgbClr>
+                      </a:solidFill>
+                      <a:prstDash val="solid"/>
+                      <a:round/>
+                      <a:headEnd type="none" w="med" len="med"/>
+                      <a:tailEnd type="none" w="med" len="med"/>
+                    </a:lnR>
+                    <a:lnT w="12700" cap="flat" cmpd="sng" algn="ctr">
+                      <a:solidFill>
+                        <a:srgbClr val="000000">
+                          <a:alpha val="100000"/>
+                        </a:srgbClr>
+                      </a:solidFill>
+                      <a:prstDash val="solid"/>
+                      <a:round/>
+                      <a:headEnd type="none" w="med" len="med"/>
+                      <a:tailEnd type="none" w="med" len="med"/>
+                    </a:lnT>
+                    <a:lnB w="12700" cap="flat" cmpd="sng" algn="ctr">
+                      <a:solidFill>
+                        <a:srgbClr val="000000">
+                          <a:alpha val="100000"/>
+                        </a:srgbClr>
+                      </a:solidFill>
+                      <a:prstDash val="solid"/>
+                      <a:round/>
+                      <a:headEnd type="none" w="med" len="med"/>
+                      <a:tailEnd type="none" w="med" len="med"/>
+                    </a:lnB>
+                    <a:noFill/>
+                  </a:tcPr>
+                </a:tc>
+                <a:tc>
+                  <a:txBody>
+                    <a:bodyPr/>
+                    <a:lstStyle/>
+                    <a:p>
+                      <a:pPr marL="0" indent="0" algn="ctr" defTabSz="914400" eaLnBrk="1" latinLnBrk="1" hangingPunct="1">
+                        <a:lnSpc>
+                          <a:spcPct val="100000"/>
+                        </a:lnSpc>
+                        <a:spcBef>
+                          <a:spcPts val="0"/>
+                        </a:spcBef>
+                        <a:spcAft>
+                          <a:spcPts val="0"/>
+                        </a:spcAft>
+                        <a:buFontTx/>
+                        <a:buNone/>
+                      </a:pPr>
+                      <a:r>
+                        <a:rPr altLang="en-US" sz="1000" kern="1200">
+                          <a:solidFill>
+                            <a:schemeClr val="tx1"/>
+                          </a:solidFill>
+                          <a:latin typeface="맑은 고딕" panose="020B0503020000020004" charset="-127"/>
+                          <a:ea typeface="맑은 고딕" panose="020B0503020000020004" charset="-127"/>
+                          <a:sym typeface="+mn-ea"/>
+                        </a:rPr>
+                        <a:t>사용자가 선택</a:t>
+                      </a:r>
+                      <a:r>
+                        <a:rPr altLang="en-US" sz="1000" kern="1200">
+                          <a:solidFill>
+                            <a:schemeClr val="tx1"/>
+                          </a:solidFill>
+                          <a:latin typeface="맑은 고딕" panose="020B0503020000020004" charset="-127"/>
+                          <a:ea typeface="맑은 고딕" panose="020B0503020000020004" charset="-127"/>
+                          <a:sym typeface="+mn-ea"/>
+                        </a:rPr>
+                        <a:t>한 교재의 판매가 데이터를 </a:t>
+                      </a:r>
+                      <a:r>
+                        <a:rPr lang="en-US" altLang="ko-KR" sz="1000" kern="1200">
+                          <a:solidFill>
+                            <a:schemeClr val="tx1"/>
+                          </a:solidFill>
+                          <a:latin typeface="맑은 고딕" panose="020B0503020000020004" charset="-127"/>
+                          <a:ea typeface="맑은 고딕" panose="020B0503020000020004" charset="-127"/>
+                          <a:sym typeface="+mn-ea"/>
+                        </a:rPr>
+                        <a:t>DB</a:t>
+                      </a:r>
+                      <a:r>
+                        <a:rPr altLang="en-US" sz="1000" kern="1200">
+                          <a:solidFill>
+                            <a:schemeClr val="tx1"/>
+                          </a:solidFill>
+                          <a:latin typeface="맑은 고딕" panose="020B0503020000020004" charset="-127"/>
+                          <a:ea typeface="맑은 고딕" panose="020B0503020000020004" charset="-127"/>
+                          <a:sym typeface="+mn-ea"/>
+                        </a:rPr>
+                        <a:t>로부터 읽어</a:t>
+                      </a:r>
+                      <a:r>
+                        <a:rPr altLang="en-US" sz="1000" kern="1200">
+                          <a:solidFill>
+                            <a:schemeClr val="tx1"/>
+                          </a:solidFill>
+                          <a:latin typeface="맑은 고딕" panose="020B0503020000020004" charset="-127"/>
+                          <a:ea typeface="맑은 고딕" panose="020B0503020000020004" charset="-127"/>
+                          <a:sym typeface="+mn-ea"/>
+                        </a:rPr>
+                        <a:t>와 입력</a:t>
+                      </a:r>
+                      <a:endParaRPr lang="ko-KR" altLang="en-US" sz="1000" kern="1200">
+                        <a:solidFill>
+                          <a:schemeClr val="tx1"/>
+                        </a:solidFill>
+                        <a:latin typeface="맑은 고딕" panose="020B0503020000020004" charset="-127"/>
+                        <a:ea typeface="맑은 고딕" panose="020B0503020000020004" charset="-127"/>
+                      </a:endParaRPr>
+                    </a:p>
+                  </a:txBody>
+                  <a:tcPr marL="0" marR="0" marT="0" marB="0" anchor="ctr">
+                    <a:lnL w="12700" cap="flat" cmpd="sng" algn="ctr">
+                      <a:solidFill>
+                        <a:srgbClr val="000000">
+                          <a:alpha val="100000"/>
+                        </a:srgbClr>
+                      </a:solidFill>
+                      <a:prstDash val="solid"/>
+                      <a:round/>
+                      <a:headEnd type="none" w="med" len="med"/>
+                      <a:tailEnd type="none" w="med" len="med"/>
+                    </a:lnL>
+                    <a:lnR w="12700" cap="flat" cmpd="sng" algn="ctr">
+                      <a:solidFill>
+                        <a:srgbClr val="000000">
+                          <a:alpha val="100000"/>
+                        </a:srgbClr>
+                      </a:solidFill>
+                      <a:prstDash val="solid"/>
+                      <a:round/>
+                      <a:headEnd type="none" w="med" len="med"/>
+                      <a:tailEnd type="none" w="med" len="med"/>
+                    </a:lnR>
+                    <a:lnT w="12700" cap="flat" cmpd="sng" algn="ctr">
+                      <a:solidFill>
+                        <a:srgbClr val="000000">
+                          <a:alpha val="100000"/>
+                        </a:srgbClr>
+                      </a:solidFill>
+                      <a:prstDash val="solid"/>
+                      <a:round/>
+                      <a:headEnd type="none" w="med" len="med"/>
+                      <a:tailEnd type="none" w="med" len="med"/>
+                    </a:lnT>
+                    <a:lnB w="12700" cap="flat" cmpd="sng" algn="ctr">
+                      <a:solidFill>
+                        <a:srgbClr val="000000">
+                          <a:alpha val="100000"/>
+                        </a:srgbClr>
+                      </a:solidFill>
+                      <a:prstDash val="solid"/>
+                      <a:round/>
+                      <a:headEnd type="none" w="med" len="med"/>
+                      <a:tailEnd type="none" w="med" len="med"/>
+                    </a:lnB>
+                    <a:solidFill>
+                      <a:schemeClr val="bg1"/>
+                    </a:solidFill>
+                  </a:tcPr>
+                </a:tc>
+              </a:tr>
+              <a:tr h="510540">
+                <a:tc>
+                  <a:txBody>
+                    <a:bodyPr/>
+                    <a:lstStyle/>
+                    <a:p>
+                      <a:pPr marL="0" indent="0" algn="ctr" defTabSz="914400" eaLnBrk="1" latinLnBrk="1" hangingPunct="1">
+                        <a:lnSpc>
+                          <a:spcPct val="100000"/>
+                        </a:lnSpc>
+                        <a:spcBef>
+                          <a:spcPts val="0"/>
+                        </a:spcBef>
+                        <a:spcAft>
+                          <a:spcPts val="0"/>
+                        </a:spcAft>
+                        <a:buFontTx/>
+                        <a:buNone/>
+                      </a:pPr>
+                      <a:r>
+                        <a:rPr lang="en-US" altLang="ko-KR" sz="1000" b="0" i="0" kern="1200">
+                          <a:solidFill>
+                            <a:schemeClr val="tx1"/>
+                          </a:solidFill>
+                          <a:latin typeface="맑은 고딕" panose="020B0503020000020004" charset="-127"/>
+                          <a:ea typeface="맑은 고딕" panose="020B0503020000020004" charset="-127"/>
+                        </a:rPr>
+                        <a:t>3</a:t>
+                      </a:r>
+                      <a:endParaRPr lang="en-US" altLang="ko-KR" sz="1000" b="0" i="0" kern="1200">
+                        <a:solidFill>
+                          <a:schemeClr val="tx1"/>
+                        </a:solidFill>
+                        <a:latin typeface="맑은 고딕" panose="020B0503020000020004" charset="-127"/>
+                        <a:ea typeface="맑은 고딕" panose="020B0503020000020004" charset="-127"/>
+                      </a:endParaRPr>
+                    </a:p>
+                  </a:txBody>
+                  <a:tcPr marL="0" marR="0" marT="0" marB="0" anchor="ctr">
+                    <a:lnL w="12700" cap="flat" cmpd="sng" algn="ctr">
+                      <a:solidFill>
+                        <a:srgbClr val="000000">
+                          <a:alpha val="100000"/>
+                        </a:srgbClr>
+                      </a:solidFill>
+                      <a:prstDash val="solid"/>
+                      <a:round/>
+                      <a:headEnd type="none" w="med" len="med"/>
+                      <a:tailEnd type="none" w="med" len="med"/>
+                    </a:lnL>
+                    <a:lnR w="12700" cap="flat" cmpd="sng" algn="ctr">
+                      <a:solidFill>
+                        <a:srgbClr val="000000">
+                          <a:alpha val="100000"/>
+                        </a:srgbClr>
+                      </a:solidFill>
+                      <a:prstDash val="solid"/>
+                      <a:round/>
+                      <a:headEnd type="none" w="med" len="med"/>
+                      <a:tailEnd type="none" w="med" len="med"/>
+                    </a:lnR>
+                    <a:lnT w="12700" cap="flat" cmpd="sng" algn="ctr">
+                      <a:solidFill>
+                        <a:srgbClr val="000000">
+                          <a:alpha val="100000"/>
+                        </a:srgbClr>
+                      </a:solidFill>
+                      <a:prstDash val="solid"/>
+                      <a:round/>
+                      <a:headEnd type="none" w="med" len="med"/>
+                      <a:tailEnd type="none" w="med" len="med"/>
+                    </a:lnT>
+                    <a:lnB w="12700" cap="flat" cmpd="sng" algn="ctr">
+                      <a:solidFill>
+                        <a:srgbClr val="000000">
+                          <a:alpha val="100000"/>
+                        </a:srgbClr>
+                      </a:solidFill>
+                      <a:prstDash val="solid"/>
+                      <a:round/>
+                      <a:headEnd type="none" w="med" len="med"/>
+                      <a:tailEnd type="none" w="med" len="med"/>
+                    </a:lnB>
+                    <a:noFill/>
+                  </a:tcPr>
+                </a:tc>
+                <a:tc>
+                  <a:txBody>
+                    <a:bodyPr/>
+                    <a:lstStyle/>
+                    <a:p>
+                      <a:pPr marL="0" indent="0" algn="ctr" defTabSz="914400" eaLnBrk="1" latinLnBrk="1" hangingPunct="1">
+                        <a:lnSpc>
+                          <a:spcPct val="100000"/>
+                        </a:lnSpc>
+                        <a:spcBef>
+                          <a:spcPts val="0"/>
+                        </a:spcBef>
+                        <a:spcAft>
+                          <a:spcPts val="0"/>
+                        </a:spcAft>
+                        <a:buFontTx/>
+                        <a:buNone/>
+                      </a:pPr>
+                      <a:r>
+                        <a:rPr lang="en-US" altLang="ko-KR" sz="1000" b="0" i="0" kern="1200">
+                          <a:solidFill>
+                            <a:schemeClr val="tx1"/>
+                          </a:solidFill>
+                          <a:latin typeface="맑은 고딕" panose="020B0503020000020004" charset="-127"/>
+                          <a:ea typeface="맑은 고딕" panose="020B0503020000020004" charset="-127"/>
+                        </a:rPr>
+                        <a:t>R</a:t>
+                      </a:r>
+                      <a:endParaRPr lang="en-US" altLang="ko-KR" sz="1000" b="0" i="0" kern="1200">
+                        <a:solidFill>
+                          <a:schemeClr val="tx1"/>
+                        </a:solidFill>
+                        <a:latin typeface="맑은 고딕" panose="020B0503020000020004" charset="-127"/>
+                        <a:ea typeface="맑은 고딕" panose="020B0503020000020004" charset="-127"/>
+                      </a:endParaRPr>
+                    </a:p>
+                  </a:txBody>
+                  <a:tcPr marL="0" marR="0" marT="0" marB="0" anchor="ctr">
+                    <a:lnL w="12700" cap="flat" cmpd="sng" algn="ctr">
+                      <a:solidFill>
+                        <a:srgbClr val="000000">
+                          <a:alpha val="100000"/>
+                        </a:srgbClr>
+                      </a:solidFill>
+                      <a:prstDash val="solid"/>
+                      <a:round/>
+                      <a:headEnd type="none" w="med" len="med"/>
+                      <a:tailEnd type="none" w="med" len="med"/>
+                    </a:lnL>
+                    <a:lnR w="12700" cap="flat" cmpd="sng" algn="ctr">
+                      <a:solidFill>
+                        <a:srgbClr val="000000">
+                          <a:alpha val="100000"/>
+                        </a:srgbClr>
+                      </a:solidFill>
+                      <a:prstDash val="solid"/>
+                      <a:round/>
+                      <a:headEnd type="none" w="med" len="med"/>
+                      <a:tailEnd type="none" w="med" len="med"/>
+                    </a:lnR>
+                    <a:lnT w="12700" cap="flat" cmpd="sng" algn="ctr">
+                      <a:solidFill>
+                        <a:srgbClr val="000000">
+                          <a:alpha val="100000"/>
+                        </a:srgbClr>
+                      </a:solidFill>
+                      <a:prstDash val="solid"/>
+                      <a:round/>
+                      <a:headEnd type="none" w="med" len="med"/>
+                      <a:tailEnd type="none" w="med" len="med"/>
+                    </a:lnT>
+                    <a:lnB w="12700" cap="flat" cmpd="sng" algn="ctr">
+                      <a:solidFill>
+                        <a:srgbClr val="000000">
+                          <a:alpha val="100000"/>
+                        </a:srgbClr>
+                      </a:solidFill>
+                      <a:prstDash val="solid"/>
+                      <a:round/>
+                      <a:headEnd type="none" w="med" len="med"/>
+                      <a:tailEnd type="none" w="med" len="med"/>
+                    </a:lnB>
+                    <a:noFill/>
+                  </a:tcPr>
+                </a:tc>
+                <a:tc>
+                  <a:txBody>
+                    <a:bodyPr/>
+                    <a:lstStyle/>
+                    <a:p>
+                      <a:pPr marL="0" indent="0" algn="ctr" defTabSz="914400" eaLnBrk="1" latinLnBrk="1" hangingPunct="1">
+                        <a:lnSpc>
+                          <a:spcPct val="100000"/>
+                        </a:lnSpc>
+                        <a:spcBef>
+                          <a:spcPts val="0"/>
+                        </a:spcBef>
+                        <a:spcAft>
+                          <a:spcPts val="0"/>
+                        </a:spcAft>
+                        <a:buFontTx/>
+                        <a:buNone/>
+                      </a:pPr>
+                      <a:r>
+                        <a:rPr altLang="en-US" sz="1000" kern="1200">
+                          <a:solidFill>
+                            <a:schemeClr val="tx1"/>
+                          </a:solidFill>
+                          <a:latin typeface="맑은 고딕" panose="020B0503020000020004" charset="-127"/>
+                          <a:ea typeface="맑은 고딕" panose="020B0503020000020004" charset="-127"/>
+                          <a:sym typeface="+mn-ea"/>
+                        </a:rPr>
+                        <a:t>사용자가 선택</a:t>
+                      </a:r>
+                      <a:r>
+                        <a:rPr altLang="en-US" sz="1000" kern="1200">
+                          <a:solidFill>
+                            <a:schemeClr val="tx1"/>
+                          </a:solidFill>
+                          <a:latin typeface="맑은 고딕" panose="020B0503020000020004" charset="-127"/>
+                          <a:ea typeface="맑은 고딕" panose="020B0503020000020004" charset="-127"/>
+                          <a:sym typeface="+mn-ea"/>
+                        </a:rPr>
+                        <a:t>한 교재의 할인가 데이터를 </a:t>
+                      </a:r>
+                      <a:r>
+                        <a:rPr lang="en-US" altLang="ko-KR" sz="1000" kern="1200">
+                          <a:solidFill>
+                            <a:schemeClr val="tx1"/>
+                          </a:solidFill>
+                          <a:latin typeface="맑은 고딕" panose="020B0503020000020004" charset="-127"/>
+                          <a:ea typeface="맑은 고딕" panose="020B0503020000020004" charset="-127"/>
+                          <a:sym typeface="+mn-ea"/>
+                        </a:rPr>
+                        <a:t>DB</a:t>
+                      </a:r>
+                      <a:r>
+                        <a:rPr altLang="en-US" sz="1000" kern="1200">
+                          <a:solidFill>
+                            <a:schemeClr val="tx1"/>
+                          </a:solidFill>
+                          <a:latin typeface="맑은 고딕" panose="020B0503020000020004" charset="-127"/>
+                          <a:ea typeface="맑은 고딕" panose="020B0503020000020004" charset="-127"/>
+                          <a:sym typeface="+mn-ea"/>
+                        </a:rPr>
+                        <a:t>로부터 읽어</a:t>
+                      </a:r>
+                      <a:r>
+                        <a:rPr altLang="en-US" sz="1000" kern="1200">
+                          <a:solidFill>
+                            <a:schemeClr val="tx1"/>
+                          </a:solidFill>
+                          <a:latin typeface="맑은 고딕" panose="020B0503020000020004" charset="-127"/>
+                          <a:ea typeface="맑은 고딕" panose="020B0503020000020004" charset="-127"/>
+                          <a:sym typeface="+mn-ea"/>
+                        </a:rPr>
+                        <a:t>와 입력</a:t>
+                      </a:r>
+                      <a:endParaRPr lang="ko-KR" altLang="en-US" sz="1000" kern="1200">
+                        <a:solidFill>
+                          <a:schemeClr val="tx1"/>
+                        </a:solidFill>
+                        <a:latin typeface="맑은 고딕" panose="020B0503020000020004" charset="-127"/>
+                        <a:ea typeface="맑은 고딕" panose="020B0503020000020004" charset="-127"/>
+                      </a:endParaRPr>
+                    </a:p>
+                  </a:txBody>
+                  <a:tcPr marL="0" marR="0" marT="0" marB="0" anchor="ctr">
+                    <a:lnL w="12700" cap="flat" cmpd="sng" algn="ctr">
+                      <a:solidFill>
+                        <a:srgbClr val="000000">
+                          <a:alpha val="100000"/>
+                        </a:srgbClr>
+                      </a:solidFill>
+                      <a:prstDash val="solid"/>
+                      <a:round/>
+                      <a:headEnd type="none" w="med" len="med"/>
+                      <a:tailEnd type="none" w="med" len="med"/>
+                    </a:lnL>
+                    <a:lnR w="12700" cap="flat" cmpd="sng" algn="ctr">
+                      <a:solidFill>
+                        <a:srgbClr val="000000">
+                          <a:alpha val="100000"/>
+                        </a:srgbClr>
+                      </a:solidFill>
+                      <a:prstDash val="solid"/>
+                      <a:round/>
+                      <a:headEnd type="none" w="med" len="med"/>
+                      <a:tailEnd type="none" w="med" len="med"/>
+                    </a:lnR>
+                    <a:lnT w="12700" cap="flat" cmpd="sng" algn="ctr">
+                      <a:solidFill>
+                        <a:srgbClr val="000000">
+                          <a:alpha val="100000"/>
+                        </a:srgbClr>
+                      </a:solidFill>
+                      <a:prstDash val="solid"/>
+                      <a:round/>
+                      <a:headEnd type="none" w="med" len="med"/>
+                      <a:tailEnd type="none" w="med" len="med"/>
+                    </a:lnT>
+                    <a:lnB w="12700" cap="flat" cmpd="sng" algn="ctr">
+                      <a:solidFill>
+                        <a:srgbClr val="000000">
+                          <a:alpha val="100000"/>
+                        </a:srgbClr>
+                      </a:solidFill>
+                      <a:prstDash val="solid"/>
+                      <a:round/>
+                      <a:headEnd type="none" w="med" len="med"/>
+                      <a:tailEnd type="none" w="med" len="med"/>
+                    </a:lnB>
+                    <a:solidFill>
+                      <a:schemeClr val="bg1"/>
+                    </a:solidFill>
+                  </a:tcPr>
+                </a:tc>
+              </a:tr>
+              <a:tr h="609600">
+                <a:tc>
+                  <a:txBody>
+                    <a:bodyPr/>
+                    <a:lstStyle/>
+                    <a:p>
+                      <a:pPr marL="0" indent="0" algn="ctr" defTabSz="914400" eaLnBrk="1" latinLnBrk="1" hangingPunct="1">
+                        <a:lnSpc>
+                          <a:spcPct val="100000"/>
+                        </a:lnSpc>
+                        <a:spcBef>
+                          <a:spcPts val="0"/>
+                        </a:spcBef>
+                        <a:spcAft>
+                          <a:spcPts val="0"/>
+                        </a:spcAft>
+                        <a:buFontTx/>
+                        <a:buNone/>
+                      </a:pPr>
+                      <a:r>
+                        <a:rPr lang="en-US" altLang="ko-KR" sz="1000" b="0" i="0" kern="1200">
+                          <a:solidFill>
+                            <a:schemeClr val="tx1"/>
+                          </a:solidFill>
+                          <a:latin typeface="맑은 고딕" panose="020B0503020000020004" charset="-127"/>
+                          <a:ea typeface="맑은 고딕" panose="020B0503020000020004" charset="-127"/>
+                        </a:rPr>
+                        <a:t>4</a:t>
+                      </a:r>
+                      <a:endParaRPr lang="en-US" altLang="ko-KR" sz="1000" b="0" i="0" kern="1200">
                         <a:solidFill>
                           <a:schemeClr val="tx1"/>
                         </a:solidFill>
@@ -11062,7 +11959,7 @@
                   </a:tcPr>
                 </a:tc>
               </a:tr>
-              <a:tr h="526415">
+              <a:tr h="511810">
                 <a:tc>
                   <a:txBody>
                     <a:bodyPr/>
@@ -11089,9 +11986,9 @@
                           <a:latin typeface="맑은 고딕" panose="020B0503020000020004" charset="-127"/>
                           <a:ea typeface="맑은 고딕" panose="020B0503020000020004" charset="-127"/>
                         </a:rPr>
-                        <a:t>2</a:t>
+                        <a:t>5</a:t>
                       </a:r>
-                      <a:endParaRPr lang="ko-KR" altLang="en-US" sz="1000" b="0" i="0" kern="1200">
+                      <a:endParaRPr lang="en-US" altLang="ko-KR" sz="1000" b="0" i="0" kern="1200">
                         <a:solidFill>
                           <a:schemeClr val="tx1"/>
                         </a:solidFill>
@@ -11259,7 +12156,89 @@
                           <a:latin typeface="맑은 고딕" panose="020B0503020000020004" charset="-127"/>
                           <a:ea typeface="맑은 고딕" panose="020B0503020000020004" charset="-127"/>
                         </a:rPr>
-                        <a:t>사용자로부터 입력 받은 입력박스 내의 교재 수량으로 수정하여 DB를 갱신</a:t>
+                        <a:t>사용자</a:t>
+                      </a:r>
+                      <a:r>
+                        <a:rPr altLang="en-US" sz="1000" kern="1200">
+                          <a:solidFill>
+                            <a:schemeClr val="tx1"/>
+                          </a:solidFill>
+                          <a:latin typeface="맑은 고딕" panose="020B0503020000020004" charset="-127"/>
+                          <a:ea typeface="맑은 고딕" panose="020B0503020000020004" charset="-127"/>
+                        </a:rPr>
+                        <a:t>가 입력한 </a:t>
+                      </a:r>
+                      <a:r>
+                        <a:rPr lang="en-US" altLang="ko-KR" sz="1000" kern="1200">
+                          <a:solidFill>
+                            <a:schemeClr val="tx1"/>
+                          </a:solidFill>
+                          <a:latin typeface="맑은 고딕" panose="020B0503020000020004" charset="-127"/>
+                          <a:ea typeface="맑은 고딕" panose="020B0503020000020004" charset="-127"/>
+                        </a:rPr>
+                        <a:t>교재 수량으로 </a:t>
+                      </a:r>
+                      <a:endParaRPr lang="en-US" altLang="ko-KR" sz="1000" kern="1200">
+                        <a:solidFill>
+                          <a:schemeClr val="tx1"/>
+                        </a:solidFill>
+                        <a:latin typeface="맑은 고딕" panose="020B0503020000020004" charset="-127"/>
+                        <a:ea typeface="맑은 고딕" panose="020B0503020000020004" charset="-127"/>
+                      </a:endParaRPr>
+                    </a:p>
+                    <a:p>
+                      <a:pPr marL="0" indent="0" algn="ctr" defTabSz="914400" eaLnBrk="1" latinLnBrk="1" hangingPunct="1">
+                        <a:lnSpc>
+                          <a:spcPct val="100000"/>
+                        </a:lnSpc>
+                        <a:spcBef>
+                          <a:spcPts val="0"/>
+                        </a:spcBef>
+                        <a:spcAft>
+                          <a:spcPts val="0"/>
+                        </a:spcAft>
+                        <a:buFontTx/>
+                        <a:buNone/>
+                      </a:pPr>
+                      <a:r>
+                        <a:rPr lang="en-US" altLang="ko-KR" sz="1000" kern="1200">
+                          <a:solidFill>
+                            <a:schemeClr val="tx1"/>
+                          </a:solidFill>
+                          <a:latin typeface="맑은 고딕" panose="020B0503020000020004" charset="-127"/>
+                          <a:ea typeface="맑은 고딕" panose="020B0503020000020004" charset="-127"/>
+                        </a:rPr>
+                        <a:t>수정하여 </a:t>
+                      </a:r>
+                      <a:r>
+                        <a:rPr altLang="en-US" sz="1000" kern="1200">
+                          <a:solidFill>
+                            <a:schemeClr val="tx1"/>
+                          </a:solidFill>
+                          <a:latin typeface="맑은 고딕" panose="020B0503020000020004" charset="-127"/>
+                          <a:ea typeface="맑은 고딕" panose="020B0503020000020004" charset="-127"/>
+                        </a:rPr>
+                        <a:t>합계 입력 및</a:t>
+                      </a:r>
+                      <a:r>
+                        <a:rPr altLang="en-US" sz="1000" kern="1200">
+                          <a:solidFill>
+                            <a:schemeClr val="tx1"/>
+                          </a:solidFill>
+                          <a:latin typeface="맑은 고딕" panose="020B0503020000020004" charset="-127"/>
+                          <a:ea typeface="맑은 고딕" panose="020B0503020000020004" charset="-127"/>
+                        </a:rPr>
+                        <a:t> </a:t>
+                      </a:r>
+                      <a:r>
+                        <a:rPr lang="en-US" altLang="ko-KR" sz="1000" kern="1200">
+                          <a:solidFill>
+                            <a:schemeClr val="tx1"/>
+                          </a:solidFill>
+                          <a:latin typeface="맑은 고딕" panose="020B0503020000020004" charset="-127"/>
+                          <a:ea typeface="맑은 고딕" panose="020B0503020000020004" charset="-127"/>
+                        </a:rPr>
+                        <a:t>DB를 갱신</a:t>
                       </a:r>
                       <a:endParaRPr lang="ko-KR" altLang="en-US" sz="1000" kern="1200">
                         <a:solidFill>
@@ -11321,7 +12300,7 @@
                   </a:tcPr>
                 </a:tc>
               </a:tr>
-              <a:tr h="526415">
+              <a:tr h="511810">
                 <a:tc>
                   <a:txBody>
                     <a:bodyPr/>
@@ -11348,9 +12327,9 @@
                           <a:latin typeface="맑은 고딕" panose="020B0503020000020004" charset="-127"/>
                           <a:ea typeface="맑은 고딕" panose="020B0503020000020004" charset="-127"/>
                         </a:rPr>
-                        <a:t>3</a:t>
+                        <a:t>6</a:t>
                       </a:r>
-                      <a:endParaRPr lang="ko-KR" altLang="en-US" sz="1000" b="0" i="0" kern="1200">
+                      <a:endParaRPr lang="en-US" altLang="ko-KR" sz="1000" b="0" i="0" kern="1200">
                         <a:solidFill>
                           <a:schemeClr val="tx1"/>
                         </a:solidFill>
@@ -11433,9 +12412,9 @@
                           <a:latin typeface="맑은 고딕" panose="020B0503020000020004" charset="-127"/>
                           <a:ea typeface="맑은 고딕" panose="020B0503020000020004" charset="-127"/>
                         </a:rPr>
-                        <a:t>D</a:t>
+                        <a:t>RU</a:t>
                       </a:r>
-                      <a:endParaRPr lang="ko-KR" altLang="en-US" sz="1000" b="0" i="0" kern="1200">
+                      <a:endParaRPr lang="en-US" altLang="ko-KR" sz="1000" b="0" i="0" kern="1200">
                         <a:solidFill>
                           <a:schemeClr val="tx1"/>
                         </a:solidFill>
@@ -11511,16 +12490,47 @@
                         <a:buNone/>
                       </a:pPr>
                       <a:r>
-                        <a:rPr lang="en-US" altLang="ko-KR" sz="1000" kern="1200">
+                        <a:rPr lang="ko-KR" altLang="en-US" sz="1000" b="0" i="0" kern="1200">
                           <a:solidFill>
                             <a:schemeClr val="tx1"/>
                           </a:solidFill>
                           <a:latin typeface="맑은 고딕" panose="020B0503020000020004" charset="-127"/>
                           <a:ea typeface="맑은 고딕" panose="020B0503020000020004" charset="-127"/>
                         </a:rPr>
-                        <a:t>사용자가 선택한 교재 목록을 </a:t>
+                        <a:t>할인가와</a:t>
                       </a:r>
-                      <a:endParaRPr lang="ko-KR" altLang="en-US" sz="1000" kern="1200">
+                      <a:r>
+                        <a:rPr lang="ko-KR" altLang="en-US" sz="1000" b="0" i="0" kern="1200">
+                          <a:solidFill>
+                            <a:schemeClr val="tx1"/>
+                          </a:solidFill>
+                          <a:latin typeface="맑은 고딕" panose="020B0503020000020004" charset="-127"/>
+                          <a:ea typeface="맑은 고딕" panose="020B0503020000020004" charset="-127"/>
+                        </a:rPr>
+                        <a:t> </a:t>
+                      </a:r>
+                      <a:r>
+                        <a:rPr altLang="en-US" sz="1000" kern="1200">
+                          <a:solidFill>
+                            <a:schemeClr val="tx1"/>
+                          </a:solidFill>
+                          <a:latin typeface="맑은 고딕" panose="020B0503020000020004" charset="-127"/>
+                          <a:ea typeface="맑은 고딕" panose="020B0503020000020004" charset="-127"/>
+                          <a:sym typeface="+mn-ea"/>
+                        </a:rPr>
+                        <a:t>수량을 </a:t>
+                      </a:r>
+                      <a:r>
+                        <a:rPr lang="ko-KR" altLang="en-US" sz="1000" b="0" i="0" kern="1200">
+                          <a:solidFill>
+                            <a:schemeClr val="tx1"/>
+                          </a:solidFill>
+                          <a:latin typeface="맑은 고딕" panose="020B0503020000020004" charset="-127"/>
+                          <a:ea typeface="맑은 고딕" panose="020B0503020000020004" charset="-127"/>
+                        </a:rPr>
+                        <a:t>곱셈하여 입력</a:t>
+                      </a:r>
+                      <a:endParaRPr lang="ko-KR" altLang="en-US" sz="1000" b="0" i="0" kern="1200">
                         <a:solidFill>
                           <a:schemeClr val="tx1"/>
                         </a:solidFill>
@@ -11528,6 +12538,233 @@
                         <a:ea typeface="맑은 고딕" panose="020B0503020000020004" charset="-127"/>
                       </a:endParaRPr>
                     </a:p>
+                  </a:txBody>
+                  <a:tcPr marL="0" marR="0" marT="0" marB="0" anchor="ctr">
+                    <a:lnL w="12700" cap="flat" cmpd="sng" algn="ctr">
+                      <a:solidFill>
+                        <a:srgbClr val="000000">
+                          <a:alpha val="100000"/>
+                        </a:srgbClr>
+                      </a:solidFill>
+                      <a:prstDash val="solid"/>
+                      <a:round/>
+                      <a:headEnd type="none" w="med" len="med"/>
+                      <a:tailEnd type="none" w="med" len="med"/>
+                    </a:lnL>
+                    <a:lnR w="12700" cap="flat" cmpd="sng" algn="ctr">
+                      <a:solidFill>
+                        <a:srgbClr val="000000">
+                          <a:alpha val="100000"/>
+                        </a:srgbClr>
+                      </a:solidFill>
+                      <a:prstDash val="solid"/>
+                      <a:round/>
+                      <a:headEnd type="none" w="med" len="med"/>
+                      <a:tailEnd type="none" w="med" len="med"/>
+                    </a:lnR>
+                    <a:lnT w="12700" cap="flat" cmpd="sng" algn="ctr">
+                      <a:solidFill>
+                        <a:srgbClr val="000000">
+                          <a:alpha val="100000"/>
+                        </a:srgbClr>
+                      </a:solidFill>
+                      <a:prstDash val="solid"/>
+                      <a:round/>
+                      <a:headEnd type="none" w="med" len="med"/>
+                      <a:tailEnd type="none" w="med" len="med"/>
+                    </a:lnT>
+                    <a:lnB w="12700" cap="flat" cmpd="sng" algn="ctr">
+                      <a:solidFill>
+                        <a:srgbClr val="000000">
+                          <a:alpha val="100000"/>
+                        </a:srgbClr>
+                      </a:solidFill>
+                      <a:prstDash val="solid"/>
+                      <a:round/>
+                      <a:headEnd type="none" w="med" len="med"/>
+                      <a:tailEnd type="none" w="med" len="med"/>
+                    </a:lnB>
+                    <a:solidFill>
+                      <a:schemeClr val="bg1"/>
+                    </a:solidFill>
+                  </a:tcPr>
+                </a:tc>
+              </a:tr>
+              <a:tr h="485775">
+                <a:tc>
+                  <a:txBody>
+                    <a:bodyPr/>
+                    <a:lstStyle/>
+                    <a:p>
+                      <a:pPr marL="0" indent="0" algn="ctr" defTabSz="914400" eaLnBrk="1" latinLnBrk="1" hangingPunct="1">
+                        <a:lnSpc>
+                          <a:spcPct val="100000"/>
+                        </a:lnSpc>
+                        <a:spcBef>
+                          <a:spcPts val="0"/>
+                        </a:spcBef>
+                        <a:spcAft>
+                          <a:spcPts val="0"/>
+                        </a:spcAft>
+                        <a:buFontTx/>
+                        <a:buNone/>
+                      </a:pPr>
+                      <a:r>
+                        <a:rPr lang="en-US" altLang="ko-KR" sz="1000" b="0" i="0" kern="1200">
+                          <a:solidFill>
+                            <a:schemeClr val="tx1"/>
+                          </a:solidFill>
+                          <a:latin typeface="맑은 고딕" panose="020B0503020000020004" charset="-127"/>
+                          <a:ea typeface="맑은 고딕" panose="020B0503020000020004" charset="-127"/>
+                        </a:rPr>
+                        <a:t>7</a:t>
+                      </a:r>
+                      <a:endParaRPr lang="en-US" altLang="ko-KR" sz="1000" b="0" i="0" kern="1200">
+                        <a:solidFill>
+                          <a:schemeClr val="tx1"/>
+                        </a:solidFill>
+                        <a:latin typeface="맑은 고딕" panose="020B0503020000020004" charset="-127"/>
+                        <a:ea typeface="맑은 고딕" panose="020B0503020000020004" charset="-127"/>
+                      </a:endParaRPr>
+                    </a:p>
+                  </a:txBody>
+                  <a:tcPr marL="0" marR="0" marT="0" marB="0" anchor="ctr">
+                    <a:lnL w="12700" cap="flat" cmpd="sng" algn="ctr">
+                      <a:solidFill>
+                        <a:srgbClr val="000000">
+                          <a:alpha val="100000"/>
+                        </a:srgbClr>
+                      </a:solidFill>
+                      <a:prstDash val="solid"/>
+                      <a:round/>
+                      <a:headEnd type="none" w="med" len="med"/>
+                      <a:tailEnd type="none" w="med" len="med"/>
+                    </a:lnL>
+                    <a:lnR w="12700" cap="flat" cmpd="sng" algn="ctr">
+                      <a:solidFill>
+                        <a:srgbClr val="000000">
+                          <a:alpha val="100000"/>
+                        </a:srgbClr>
+                      </a:solidFill>
+                      <a:prstDash val="solid"/>
+                      <a:round/>
+                      <a:headEnd type="none" w="med" len="med"/>
+                      <a:tailEnd type="none" w="med" len="med"/>
+                    </a:lnR>
+                    <a:lnT w="12700" cap="flat" cmpd="sng" algn="ctr">
+                      <a:solidFill>
+                        <a:srgbClr val="000000">
+                          <a:alpha val="100000"/>
+                        </a:srgbClr>
+                      </a:solidFill>
+                      <a:prstDash val="solid"/>
+                      <a:round/>
+                      <a:headEnd type="none" w="med" len="med"/>
+                      <a:tailEnd type="none" w="med" len="med"/>
+                    </a:lnT>
+                    <a:lnB w="12700" cap="flat" cmpd="sng" algn="ctr">
+                      <a:solidFill>
+                        <a:srgbClr val="000000">
+                          <a:alpha val="100000"/>
+                        </a:srgbClr>
+                      </a:solidFill>
+                      <a:prstDash val="solid"/>
+                      <a:round/>
+                      <a:headEnd type="none" w="med" len="med"/>
+                      <a:tailEnd type="none" w="med" len="med"/>
+                    </a:lnB>
+                    <a:noFill/>
+                  </a:tcPr>
+                </a:tc>
+                <a:tc>
+                  <a:txBody>
+                    <a:bodyPr/>
+                    <a:lstStyle/>
+                    <a:p>
+                      <a:pPr marL="0" indent="0" algn="ctr" defTabSz="914400" eaLnBrk="1" latinLnBrk="1" hangingPunct="1">
+                        <a:lnSpc>
+                          <a:spcPct val="100000"/>
+                        </a:lnSpc>
+                        <a:spcBef>
+                          <a:spcPts val="0"/>
+                        </a:spcBef>
+                        <a:spcAft>
+                          <a:spcPts val="0"/>
+                        </a:spcAft>
+                        <a:buFontTx/>
+                        <a:buNone/>
+                      </a:pPr>
+                      <a:r>
+                        <a:rPr lang="en-US" altLang="ko-KR" sz="1000" b="0" i="0" kern="1200">
+                          <a:solidFill>
+                            <a:schemeClr val="tx1"/>
+                          </a:solidFill>
+                          <a:latin typeface="맑은 고딕" panose="020B0503020000020004" charset="-127"/>
+                          <a:ea typeface="맑은 고딕" panose="020B0503020000020004" charset="-127"/>
+                        </a:rPr>
+                        <a:t>DU</a:t>
+                      </a:r>
+                      <a:endParaRPr lang="ko-KR" altLang="en-US" sz="1000" b="0" i="0" kern="1200">
+                        <a:solidFill>
+                          <a:schemeClr val="tx1"/>
+                        </a:solidFill>
+                        <a:latin typeface="맑은 고딕" panose="020B0503020000020004" charset="-127"/>
+                        <a:ea typeface="맑은 고딕" panose="020B0503020000020004" charset="-127"/>
+                      </a:endParaRPr>
+                    </a:p>
+                  </a:txBody>
+                  <a:tcPr marL="0" marR="0" marT="0" marB="0" anchor="ctr">
+                    <a:lnL w="12700" cap="flat" cmpd="sng" algn="ctr">
+                      <a:solidFill>
+                        <a:srgbClr val="000000">
+                          <a:alpha val="100000"/>
+                        </a:srgbClr>
+                      </a:solidFill>
+                      <a:prstDash val="solid"/>
+                      <a:round/>
+                      <a:headEnd type="none" w="med" len="med"/>
+                      <a:tailEnd type="none" w="med" len="med"/>
+                    </a:lnL>
+                    <a:lnR w="12700" cap="flat" cmpd="sng" algn="ctr">
+                      <a:solidFill>
+                        <a:srgbClr val="000000">
+                          <a:alpha val="100000"/>
+                        </a:srgbClr>
+                      </a:solidFill>
+                      <a:prstDash val="solid"/>
+                      <a:round/>
+                      <a:headEnd type="none" w="med" len="med"/>
+                      <a:tailEnd type="none" w="med" len="med"/>
+                    </a:lnR>
+                    <a:lnT w="12700" cap="flat" cmpd="sng" algn="ctr">
+                      <a:solidFill>
+                        <a:srgbClr val="000000">
+                          <a:alpha val="100000"/>
+                        </a:srgbClr>
+                      </a:solidFill>
+                      <a:prstDash val="solid"/>
+                      <a:round/>
+                      <a:headEnd type="none" w="med" len="med"/>
+                      <a:tailEnd type="none" w="med" len="med"/>
+                    </a:lnT>
+                    <a:lnB w="12700" cap="flat" cmpd="sng" algn="ctr">
+                      <a:solidFill>
+                        <a:srgbClr val="000000">
+                          <a:alpha val="100000"/>
+                        </a:srgbClr>
+                      </a:solidFill>
+                      <a:prstDash val="solid"/>
+                      <a:round/>
+                      <a:headEnd type="none" w="med" len="med"/>
+                      <a:tailEnd type="none" w="med" len="med"/>
+                    </a:lnB>
+                    <a:noFill/>
+                  </a:tcPr>
+                </a:tc>
+                <a:tc>
+                  <a:txBody>
+                    <a:bodyPr/>
+                    <a:lstStyle/>
                     <a:p>
                       <a:pPr marL="0" indent="0" algn="ctr" defTabSz="914400" eaLnBrk="1" latinLnBrk="1" hangingPunct="1">
                         <a:lnSpc>
@@ -11550,9 +12787,39 @@
                           <a:latin typeface="맑은 고딕" panose="020B0503020000020004" charset="-127"/>
                           <a:ea typeface="맑은 고딕" panose="020B0503020000020004" charset="-127"/>
                         </a:rPr>
-                        <a:t>장바구니에서 삭제하여 DB 갱신</a:t>
+                        <a:t>교재 목록을 장바구니에서 삭제 </a:t>
                       </a:r>
-                      <a:endParaRPr lang="ko-KR" altLang="en-US" sz="1000" kern="1200">
+                      <a:r>
+                        <a:rPr altLang="en-US" sz="1000" kern="1200">
+                          <a:solidFill>
+                            <a:schemeClr val="tx1"/>
+                          </a:solidFill>
+                          <a:latin typeface="맑은 고딕" panose="020B0503020000020004" charset="-127"/>
+                          <a:ea typeface="맑은 고딕" panose="020B0503020000020004" charset="-127"/>
+                        </a:rPr>
+                        <a:t>및 </a:t>
+                      </a:r>
+                      <a:r>
+                        <a:rPr lang="en-US" altLang="ko-KR" sz="1000" kern="1200">
+                          <a:solidFill>
+                            <a:schemeClr val="tx1"/>
+                          </a:solidFill>
+                          <a:latin typeface="맑은 고딕" panose="020B0503020000020004" charset="-127"/>
+                          <a:ea typeface="맑은 고딕" panose="020B0503020000020004" charset="-127"/>
+                        </a:rPr>
+                        <a:t>DB</a:t>
+                      </a:r>
+                      <a:r>
+                        <a:rPr altLang="en-US" sz="1000" kern="1200">
+                          <a:solidFill>
+                            <a:schemeClr val="tx1"/>
+                          </a:solidFill>
+                          <a:latin typeface="맑은 고딕" panose="020B0503020000020004" charset="-127"/>
+                          <a:ea typeface="맑은 고딕" panose="020B0503020000020004" charset="-127"/>
+                        </a:rPr>
+                        <a:t>갱신</a:t>
+                      </a:r>
+                      <a:endParaRPr altLang="en-US" sz="1000" kern="1200">
                         <a:solidFill>
                           <a:schemeClr val="tx1"/>
                         </a:solidFill>
@@ -11612,7 +12879,7 @@
                   </a:tcPr>
                 </a:tc>
               </a:tr>
-              <a:tr h="526415">
+              <a:tr h="494665">
                 <a:tc>
                   <a:txBody>
                     <a:bodyPr/>
@@ -11639,9 +12906,9 @@
                           <a:latin typeface="맑은 고딕" panose="020B0503020000020004" charset="-127"/>
                           <a:ea typeface="맑은 고딕" panose="020B0503020000020004" charset="-127"/>
                         </a:rPr>
-                        <a:t>4</a:t>
+                        <a:t>8</a:t>
                       </a:r>
-                      <a:endParaRPr lang="ko-KR" altLang="en-US" sz="1000" b="0" i="0" kern="1200">
+                      <a:endParaRPr lang="en-US" altLang="ko-KR" sz="1000" b="0" i="0" kern="1200">
                         <a:solidFill>
                           <a:schemeClr val="tx1"/>
                         </a:solidFill>
@@ -11903,7 +13170,7 @@
                   </a:tcPr>
                 </a:tc>
               </a:tr>
-              <a:tr h="526415">
+              <a:tr h="494665">
                 <a:tc>
                   <a:txBody>
                     <a:bodyPr/>
@@ -11930,9 +13197,9 @@
                           <a:latin typeface="맑은 고딕" panose="020B0503020000020004" charset="-127"/>
                           <a:ea typeface="맑은 고딕" panose="020B0503020000020004" charset="-127"/>
                         </a:rPr>
-                        <a:t>5</a:t>
+                        <a:t>9</a:t>
                       </a:r>
-                      <a:endParaRPr lang="ko-KR" altLang="en-US" sz="1000" b="0" i="0" kern="1200">
+                      <a:endParaRPr lang="en-US" altLang="ko-KR" sz="1000" b="0" i="0" kern="1200">
                         <a:solidFill>
                           <a:schemeClr val="tx1"/>
                         </a:solidFill>
@@ -12083,16 +13350,17 @@
                         <a:buNone/>
                       </a:pPr>
                       <a:r>
-                        <a:rPr lang="en-US" altLang="ko-KR" sz="1000" b="0" i="0" kern="1200">
+                        <a:rPr lang="en-US" altLang="ko-KR" sz="1000" kern="1200">
                           <a:solidFill>
                             <a:schemeClr val="tx1"/>
                           </a:solidFill>
                           <a:latin typeface="맑은 고딕" panose="020B0503020000020004" charset="-127"/>
                           <a:ea typeface="맑은 고딕" panose="020B0503020000020004" charset="-127"/>
+                          <a:sym typeface="+mn-ea"/>
                         </a:rPr>
                         <a:t>이전단계 교재구매 페이지로 이동</a:t>
                       </a:r>
-                      <a:endParaRPr lang="ko-KR" altLang="en-US" sz="1000" b="0" i="0" kern="1200">
+                      <a:endParaRPr lang="ko-KR" altLang="en-US" sz="1000" kern="1200">
                         <a:solidFill>
                           <a:schemeClr val="tx1"/>
                         </a:solidFill>
@@ -12152,7 +13420,7 @@
                   </a:tcPr>
                 </a:tc>
               </a:tr>
-              <a:tr h="526415">
+              <a:tr h="495300">
                 <a:tc>
                   <a:txBody>
                     <a:bodyPr/>
@@ -12179,9 +13447,9 @@
                           <a:latin typeface="맑은 고딕" panose="020B0503020000020004" charset="-127"/>
                           <a:ea typeface="맑은 고딕" panose="020B0503020000020004" charset="-127"/>
                         </a:rPr>
-                        <a:t>6</a:t>
+                        <a:t>10</a:t>
                       </a:r>
-                      <a:endParaRPr lang="ko-KR" altLang="en-US" sz="1000" b="0" i="0" kern="1200">
+                      <a:endParaRPr lang="en-US" altLang="ko-KR" sz="1000" b="0" i="0" kern="1200">
                         <a:solidFill>
                           <a:schemeClr val="tx1"/>
                         </a:solidFill>
@@ -12256,7 +13524,17 @@
                         <a:buFontTx/>
                         <a:buNone/>
                       </a:pPr>
-                      <a:endParaRPr lang="ko-KR" altLang="en-US" sz="1000" b="0" i="0" kern="1200">
+                      <a:r>
+                        <a:rPr lang="en-US" altLang="ko-KR" sz="1000" b="0" i="0" kern="1200">
+                          <a:solidFill>
+                            <a:schemeClr val="tx1"/>
+                          </a:solidFill>
+                          <a:latin typeface="맑은 고딕" panose="020B0503020000020004" charset="-127"/>
+                          <a:ea typeface="맑은 고딕" panose="020B0503020000020004" charset="-127"/>
+                        </a:rPr>
+                        <a:t>R</a:t>
+                      </a:r>
+                      <a:endParaRPr lang="en-US" altLang="ko-KR" sz="1000" b="0" i="0" kern="1200">
                         <a:solidFill>
                           <a:schemeClr val="tx1"/>
                         </a:solidFill>
@@ -12332,16 +13610,26 @@
                         <a:buNone/>
                       </a:pPr>
                       <a:r>
-                        <a:rPr lang="en-US" altLang="ko-KR" sz="1000" b="0" i="0" kern="1200">
+                        <a:rPr altLang="en-US" sz="1000" b="0" i="0" kern="1200">
                           <a:solidFill>
                             <a:schemeClr val="tx1"/>
                           </a:solidFill>
                           <a:latin typeface="맑은 고딕" panose="020B0503020000020004" charset="-127"/>
                           <a:ea typeface="맑은 고딕" panose="020B0503020000020004" charset="-127"/>
                         </a:rPr>
-                        <a:t>현재 페이지의 위치를 표시</a:t>
+                        <a:t>현재 페이지의 위치</a:t>
                       </a:r>
-                      <a:endParaRPr lang="ko-KR" altLang="en-US" sz="1000" b="0" i="0" kern="1200">
+                      <a:r>
+                        <a:rPr altLang="en-US" sz="1000" b="0" i="0" kern="1200">
+                          <a:solidFill>
+                            <a:schemeClr val="tx1"/>
+                          </a:solidFill>
+                          <a:latin typeface="맑은 고딕" panose="020B0503020000020004" charset="-127"/>
+                          <a:ea typeface="맑은 고딕" panose="020B0503020000020004" charset="-127"/>
+                        </a:rPr>
+                        <a:t>를 표시</a:t>
+                      </a:r>
+                      <a:endParaRPr altLang="en-US" sz="1000" b="0" i="0" kern="1200">
                         <a:solidFill>
                           <a:schemeClr val="tx1"/>
                         </a:solidFill>
@@ -12401,7 +13689,7 @@
                   </a:tcPr>
                 </a:tc>
               </a:tr>
-              <a:tr h="500380">
+              <a:tr h="477520">
                 <a:tc>
                   <a:txBody>
                     <a:bodyPr/>
@@ -12420,923 +13708,7 @@
                         <a:buFontTx/>
                         <a:buNone/>
                       </a:pPr>
-                      <a:endParaRPr lang="ko-KR" altLang="en-US" sz="1000" b="0" i="0" kern="1200">
-                        <a:solidFill>
-                          <a:schemeClr val="tx1"/>
-                        </a:solidFill>
-                        <a:latin typeface="맑은 고딕" panose="020B0503020000020004" charset="-127"/>
-                        <a:ea typeface="맑은 고딕" panose="020B0503020000020004" charset="-127"/>
-                      </a:endParaRPr>
-                    </a:p>
-                  </a:txBody>
-                  <a:tcPr marL="0" marR="0" marT="0" marB="0" anchor="ctr">
-                    <a:lnL w="12700" cap="flat" cmpd="sng" algn="ctr">
-                      <a:solidFill>
-                        <a:srgbClr val="000000">
-                          <a:alpha val="100000"/>
-                        </a:srgbClr>
-                      </a:solidFill>
-                      <a:prstDash val="solid"/>
-                      <a:round/>
-                      <a:headEnd type="none" w="med" len="med"/>
-                      <a:tailEnd type="none" w="med" len="med"/>
-                    </a:lnL>
-                    <a:lnR w="12700" cap="flat" cmpd="sng" algn="ctr">
-                      <a:solidFill>
-                        <a:srgbClr val="000000">
-                          <a:alpha val="100000"/>
-                        </a:srgbClr>
-                      </a:solidFill>
-                      <a:prstDash val="solid"/>
-                      <a:round/>
-                      <a:headEnd type="none" w="med" len="med"/>
-                      <a:tailEnd type="none" w="med" len="med"/>
-                    </a:lnR>
-                    <a:lnT w="12700" cap="flat" cmpd="sng" algn="ctr">
-                      <a:solidFill>
-                        <a:srgbClr val="000000">
-                          <a:alpha val="100000"/>
-                        </a:srgbClr>
-                      </a:solidFill>
-                      <a:prstDash val="solid"/>
-                      <a:round/>
-                      <a:headEnd type="none" w="med" len="med"/>
-                      <a:tailEnd type="none" w="med" len="med"/>
-                    </a:lnT>
-                    <a:lnB w="12700" cap="flat" cmpd="sng" algn="ctr">
-                      <a:solidFill>
-                        <a:srgbClr val="000000">
-                          <a:alpha val="100000"/>
-                        </a:srgbClr>
-                      </a:solidFill>
-                      <a:prstDash val="solid"/>
-                      <a:round/>
-                      <a:headEnd type="none" w="med" len="med"/>
-                      <a:tailEnd type="none" w="med" len="med"/>
-                    </a:lnB>
-                    <a:noFill/>
-                  </a:tcPr>
-                </a:tc>
-                <a:tc>
-                  <a:txBody>
-                    <a:bodyPr/>
-                    <a:lstStyle/>
-                    <a:p>
-                      <a:pPr marL="0" indent="0" algn="ctr" defTabSz="914400" eaLnBrk="1" latinLnBrk="1" hangingPunct="1">
-                        <a:lnSpc>
-                          <a:spcPct val="100000"/>
-                        </a:lnSpc>
-                        <a:spcBef>
-                          <a:spcPts val="0"/>
-                        </a:spcBef>
-                        <a:spcAft>
-                          <a:spcPts val="0"/>
-                        </a:spcAft>
-                        <a:buFontTx/>
-                        <a:buNone/>
-                      </a:pPr>
-                      <a:endParaRPr lang="ko-KR" altLang="en-US" sz="1000" b="0" i="0" kern="1200">
-                        <a:solidFill>
-                          <a:schemeClr val="tx1"/>
-                        </a:solidFill>
-                        <a:latin typeface="맑은 고딕" panose="020B0503020000020004" charset="-127"/>
-                        <a:ea typeface="맑은 고딕" panose="020B0503020000020004" charset="-127"/>
-                      </a:endParaRPr>
-                    </a:p>
-                  </a:txBody>
-                  <a:tcPr marL="0" marR="0" marT="0" marB="0" anchor="ctr">
-                    <a:lnL w="12700" cap="flat" cmpd="sng" algn="ctr">
-                      <a:solidFill>
-                        <a:srgbClr val="000000">
-                          <a:alpha val="100000"/>
-                        </a:srgbClr>
-                      </a:solidFill>
-                      <a:prstDash val="solid"/>
-                      <a:round/>
-                      <a:headEnd type="none" w="med" len="med"/>
-                      <a:tailEnd type="none" w="med" len="med"/>
-                    </a:lnL>
-                    <a:lnR w="12700" cap="flat" cmpd="sng" algn="ctr">
-                      <a:solidFill>
-                        <a:srgbClr val="000000">
-                          <a:alpha val="100000"/>
-                        </a:srgbClr>
-                      </a:solidFill>
-                      <a:prstDash val="solid"/>
-                      <a:round/>
-                      <a:headEnd type="none" w="med" len="med"/>
-                      <a:tailEnd type="none" w="med" len="med"/>
-                    </a:lnR>
-                    <a:lnT w="12700" cap="flat" cmpd="sng" algn="ctr">
-                      <a:solidFill>
-                        <a:srgbClr val="000000">
-                          <a:alpha val="100000"/>
-                        </a:srgbClr>
-                      </a:solidFill>
-                      <a:prstDash val="solid"/>
-                      <a:round/>
-                      <a:headEnd type="none" w="med" len="med"/>
-                      <a:tailEnd type="none" w="med" len="med"/>
-                    </a:lnT>
-                    <a:lnB w="12700" cap="flat" cmpd="sng" algn="ctr">
-                      <a:solidFill>
-                        <a:srgbClr val="000000">
-                          <a:alpha val="100000"/>
-                        </a:srgbClr>
-                      </a:solidFill>
-                      <a:prstDash val="solid"/>
-                      <a:round/>
-                      <a:headEnd type="none" w="med" len="med"/>
-                      <a:tailEnd type="none" w="med" len="med"/>
-                    </a:lnB>
-                    <a:noFill/>
-                  </a:tcPr>
-                </a:tc>
-                <a:tc>
-                  <a:txBody>
-                    <a:bodyPr/>
-                    <a:lstStyle/>
-                    <a:p>
-                      <a:pPr marL="0" indent="0" algn="ctr" defTabSz="914400" eaLnBrk="1" latinLnBrk="1" hangingPunct="1">
-                        <a:lnSpc>
-                          <a:spcPct val="100000"/>
-                        </a:lnSpc>
-                        <a:spcBef>
-                          <a:spcPts val="0"/>
-                        </a:spcBef>
-                        <a:spcAft>
-                          <a:spcPts val="0"/>
-                        </a:spcAft>
-                        <a:buFontTx/>
-                        <a:buNone/>
-                      </a:pPr>
-                      <a:endParaRPr lang="ko-KR" altLang="en-US" sz="1000" b="0" i="0" kern="1200">
-                        <a:solidFill>
-                          <a:schemeClr val="tx1"/>
-                        </a:solidFill>
-                        <a:latin typeface="맑은 고딕" panose="020B0503020000020004" charset="-127"/>
-                        <a:ea typeface="맑은 고딕" panose="020B0503020000020004" charset="-127"/>
-                      </a:endParaRPr>
-                    </a:p>
-                  </a:txBody>
-                  <a:tcPr marL="0" marR="0" marT="0" marB="0" anchor="ctr">
-                    <a:lnL w="12700" cap="flat" cmpd="sng" algn="ctr">
-                      <a:solidFill>
-                        <a:srgbClr val="000000">
-                          <a:alpha val="100000"/>
-                        </a:srgbClr>
-                      </a:solidFill>
-                      <a:prstDash val="solid"/>
-                      <a:round/>
-                      <a:headEnd type="none" w="med" len="med"/>
-                      <a:tailEnd type="none" w="med" len="med"/>
-                    </a:lnL>
-                    <a:lnR w="12700" cap="flat" cmpd="sng" algn="ctr">
-                      <a:solidFill>
-                        <a:srgbClr val="000000">
-                          <a:alpha val="100000"/>
-                        </a:srgbClr>
-                      </a:solidFill>
-                      <a:prstDash val="solid"/>
-                      <a:round/>
-                      <a:headEnd type="none" w="med" len="med"/>
-                      <a:tailEnd type="none" w="med" len="med"/>
-                    </a:lnR>
-                    <a:lnT w="12700" cap="flat" cmpd="sng" algn="ctr">
-                      <a:solidFill>
-                        <a:srgbClr val="000000">
-                          <a:alpha val="100000"/>
-                        </a:srgbClr>
-                      </a:solidFill>
-                      <a:prstDash val="solid"/>
-                      <a:round/>
-                      <a:headEnd type="none" w="med" len="med"/>
-                      <a:tailEnd type="none" w="med" len="med"/>
-                    </a:lnT>
-                    <a:lnB w="12700" cap="flat" cmpd="sng" algn="ctr">
-                      <a:solidFill>
-                        <a:srgbClr val="000000">
-                          <a:alpha val="100000"/>
-                        </a:srgbClr>
-                      </a:solidFill>
-                      <a:prstDash val="solid"/>
-                      <a:round/>
-                      <a:headEnd type="none" w="med" len="med"/>
-                      <a:tailEnd type="none" w="med" len="med"/>
-                    </a:lnB>
-                    <a:solidFill>
-                      <a:schemeClr val="bg1"/>
-                    </a:solidFill>
-                  </a:tcPr>
-                </a:tc>
-              </a:tr>
-              <a:tr h="509270">
-                <a:tc>
-                  <a:txBody>
-                    <a:bodyPr/>
-                    <a:lstStyle/>
-                    <a:p>
-                      <a:pPr marL="0" indent="0" algn="ctr" defTabSz="914400" eaLnBrk="1" latinLnBrk="1" hangingPunct="1">
-                        <a:lnSpc>
-                          <a:spcPct val="100000"/>
-                        </a:lnSpc>
-                        <a:spcBef>
-                          <a:spcPts val="0"/>
-                        </a:spcBef>
-                        <a:spcAft>
-                          <a:spcPts val="0"/>
-                        </a:spcAft>
-                        <a:buFontTx/>
-                        <a:buNone/>
-                      </a:pPr>
-                      <a:endParaRPr lang="ko-KR" altLang="en-US" sz="1000" b="0" i="0" kern="1200">
-                        <a:solidFill>
-                          <a:schemeClr val="tx1"/>
-                        </a:solidFill>
-                        <a:latin typeface="맑은 고딕" panose="020B0503020000020004" charset="-127"/>
-                        <a:ea typeface="맑은 고딕" panose="020B0503020000020004" charset="-127"/>
-                      </a:endParaRPr>
-                    </a:p>
-                  </a:txBody>
-                  <a:tcPr marL="0" marR="0" marT="0" marB="0" anchor="ctr">
-                    <a:lnL w="12700" cap="flat" cmpd="sng" algn="ctr">
-                      <a:solidFill>
-                        <a:srgbClr val="000000">
-                          <a:alpha val="100000"/>
-                        </a:srgbClr>
-                      </a:solidFill>
-                      <a:prstDash val="solid"/>
-                      <a:round/>
-                      <a:headEnd type="none" w="med" len="med"/>
-                      <a:tailEnd type="none" w="med" len="med"/>
-                    </a:lnL>
-                    <a:lnR w="12700" cap="flat" cmpd="sng" algn="ctr">
-                      <a:solidFill>
-                        <a:srgbClr val="000000">
-                          <a:alpha val="100000"/>
-                        </a:srgbClr>
-                      </a:solidFill>
-                      <a:prstDash val="solid"/>
-                      <a:round/>
-                      <a:headEnd type="none" w="med" len="med"/>
-                      <a:tailEnd type="none" w="med" len="med"/>
-                    </a:lnR>
-                    <a:lnT w="12700" cap="flat" cmpd="sng" algn="ctr">
-                      <a:solidFill>
-                        <a:srgbClr val="000000">
-                          <a:alpha val="100000"/>
-                        </a:srgbClr>
-                      </a:solidFill>
-                      <a:prstDash val="solid"/>
-                      <a:round/>
-                      <a:headEnd type="none" w="med" len="med"/>
-                      <a:tailEnd type="none" w="med" len="med"/>
-                    </a:lnT>
-                    <a:lnB w="12700" cap="flat" cmpd="sng" algn="ctr">
-                      <a:solidFill>
-                        <a:srgbClr val="000000">
-                          <a:alpha val="100000"/>
-                        </a:srgbClr>
-                      </a:solidFill>
-                      <a:prstDash val="solid"/>
-                      <a:round/>
-                      <a:headEnd type="none" w="med" len="med"/>
-                      <a:tailEnd type="none" w="med" len="med"/>
-                    </a:lnB>
-                    <a:noFill/>
-                  </a:tcPr>
-                </a:tc>
-                <a:tc>
-                  <a:txBody>
-                    <a:bodyPr/>
-                    <a:lstStyle/>
-                    <a:p>
-                      <a:pPr marL="0" indent="0" algn="ctr" defTabSz="914400" eaLnBrk="1" latinLnBrk="1" hangingPunct="1">
-                        <a:lnSpc>
-                          <a:spcPct val="100000"/>
-                        </a:lnSpc>
-                        <a:spcBef>
-                          <a:spcPts val="0"/>
-                        </a:spcBef>
-                        <a:spcAft>
-                          <a:spcPts val="0"/>
-                        </a:spcAft>
-                        <a:buFontTx/>
-                        <a:buNone/>
-                      </a:pPr>
-                      <a:endParaRPr lang="ko-KR" altLang="en-US" sz="1000" b="0" i="0" kern="1200">
-                        <a:solidFill>
-                          <a:schemeClr val="tx1"/>
-                        </a:solidFill>
-                        <a:latin typeface="맑은 고딕" panose="020B0503020000020004" charset="-127"/>
-                        <a:ea typeface="맑은 고딕" panose="020B0503020000020004" charset="-127"/>
-                      </a:endParaRPr>
-                    </a:p>
-                  </a:txBody>
-                  <a:tcPr marL="0" marR="0" marT="0" marB="0" anchor="ctr">
-                    <a:lnL w="12700" cap="flat" cmpd="sng" algn="ctr">
-                      <a:solidFill>
-                        <a:srgbClr val="000000">
-                          <a:alpha val="100000"/>
-                        </a:srgbClr>
-                      </a:solidFill>
-                      <a:prstDash val="solid"/>
-                      <a:round/>
-                      <a:headEnd type="none" w="med" len="med"/>
-                      <a:tailEnd type="none" w="med" len="med"/>
-                    </a:lnL>
-                    <a:lnR w="12700" cap="flat" cmpd="sng" algn="ctr">
-                      <a:solidFill>
-                        <a:srgbClr val="000000">
-                          <a:alpha val="100000"/>
-                        </a:srgbClr>
-                      </a:solidFill>
-                      <a:prstDash val="solid"/>
-                      <a:round/>
-                      <a:headEnd type="none" w="med" len="med"/>
-                      <a:tailEnd type="none" w="med" len="med"/>
-                    </a:lnR>
-                    <a:lnT w="12700" cap="flat" cmpd="sng" algn="ctr">
-                      <a:solidFill>
-                        <a:srgbClr val="000000">
-                          <a:alpha val="100000"/>
-                        </a:srgbClr>
-                      </a:solidFill>
-                      <a:prstDash val="solid"/>
-                      <a:round/>
-                      <a:headEnd type="none" w="med" len="med"/>
-                      <a:tailEnd type="none" w="med" len="med"/>
-                    </a:lnT>
-                    <a:lnB w="12700" cap="flat" cmpd="sng" algn="ctr">
-                      <a:solidFill>
-                        <a:srgbClr val="000000">
-                          <a:alpha val="100000"/>
-                        </a:srgbClr>
-                      </a:solidFill>
-                      <a:prstDash val="solid"/>
-                      <a:round/>
-                      <a:headEnd type="none" w="med" len="med"/>
-                      <a:tailEnd type="none" w="med" len="med"/>
-                    </a:lnB>
-                    <a:noFill/>
-                  </a:tcPr>
-                </a:tc>
-                <a:tc>
-                  <a:txBody>
-                    <a:bodyPr/>
-                    <a:lstStyle/>
-                    <a:p>
-                      <a:pPr marL="0" indent="0" algn="ctr" defTabSz="914400" eaLnBrk="1" latinLnBrk="1" hangingPunct="1">
-                        <a:lnSpc>
-                          <a:spcPct val="100000"/>
-                        </a:lnSpc>
-                        <a:spcBef>
-                          <a:spcPts val="0"/>
-                        </a:spcBef>
-                        <a:spcAft>
-                          <a:spcPts val="0"/>
-                        </a:spcAft>
-                        <a:buFontTx/>
-                        <a:buNone/>
-                      </a:pPr>
-                      <a:endParaRPr lang="ko-KR" altLang="en-US" sz="1000" b="0" i="0" kern="1200">
-                        <a:solidFill>
-                          <a:schemeClr val="tx1"/>
-                        </a:solidFill>
-                        <a:latin typeface="맑은 고딕" panose="020B0503020000020004" charset="-127"/>
-                        <a:ea typeface="맑은 고딕" panose="020B0503020000020004" charset="-127"/>
-                      </a:endParaRPr>
-                    </a:p>
-                  </a:txBody>
-                  <a:tcPr marL="0" marR="0" marT="0" marB="0" anchor="ctr">
-                    <a:lnL w="12700" cap="flat" cmpd="sng" algn="ctr">
-                      <a:solidFill>
-                        <a:srgbClr val="000000">
-                          <a:alpha val="100000"/>
-                        </a:srgbClr>
-                      </a:solidFill>
-                      <a:prstDash val="solid"/>
-                      <a:round/>
-                      <a:headEnd type="none" w="med" len="med"/>
-                      <a:tailEnd type="none" w="med" len="med"/>
-                    </a:lnL>
-                    <a:lnR w="12700" cap="flat" cmpd="sng" algn="ctr">
-                      <a:solidFill>
-                        <a:srgbClr val="000000">
-                          <a:alpha val="100000"/>
-                        </a:srgbClr>
-                      </a:solidFill>
-                      <a:prstDash val="solid"/>
-                      <a:round/>
-                      <a:headEnd type="none" w="med" len="med"/>
-                      <a:tailEnd type="none" w="med" len="med"/>
-                    </a:lnR>
-                    <a:lnT w="12700" cap="flat" cmpd="sng" algn="ctr">
-                      <a:solidFill>
-                        <a:srgbClr val="000000">
-                          <a:alpha val="100000"/>
-                        </a:srgbClr>
-                      </a:solidFill>
-                      <a:prstDash val="solid"/>
-                      <a:round/>
-                      <a:headEnd type="none" w="med" len="med"/>
-                      <a:tailEnd type="none" w="med" len="med"/>
-                    </a:lnT>
-                    <a:lnB w="12700" cap="flat" cmpd="sng" algn="ctr">
-                      <a:solidFill>
-                        <a:srgbClr val="000000">
-                          <a:alpha val="100000"/>
-                        </a:srgbClr>
-                      </a:solidFill>
-                      <a:prstDash val="solid"/>
-                      <a:round/>
-                      <a:headEnd type="none" w="med" len="med"/>
-                      <a:tailEnd type="none" w="med" len="med"/>
-                    </a:lnB>
-                    <a:solidFill>
-                      <a:schemeClr val="bg1"/>
-                    </a:solidFill>
-                  </a:tcPr>
-                </a:tc>
-              </a:tr>
-              <a:tr h="509270">
-                <a:tc>
-                  <a:txBody>
-                    <a:bodyPr/>
-                    <a:lstStyle/>
-                    <a:p>
-                      <a:pPr marL="0" indent="0" algn="ctr" defTabSz="914400" eaLnBrk="1" latinLnBrk="1" hangingPunct="1">
-                        <a:lnSpc>
-                          <a:spcPct val="100000"/>
-                        </a:lnSpc>
-                        <a:spcBef>
-                          <a:spcPts val="0"/>
-                        </a:spcBef>
-                        <a:spcAft>
-                          <a:spcPts val="0"/>
-                        </a:spcAft>
-                        <a:buFontTx/>
-                        <a:buNone/>
-                      </a:pPr>
-                      <a:endParaRPr lang="ko-KR" altLang="en-US" sz="1000" b="0" i="0" kern="1200">
-                        <a:solidFill>
-                          <a:schemeClr val="tx1"/>
-                        </a:solidFill>
-                        <a:latin typeface="맑은 고딕" panose="020B0503020000020004" charset="-127"/>
-                        <a:ea typeface="맑은 고딕" panose="020B0503020000020004" charset="-127"/>
-                      </a:endParaRPr>
-                    </a:p>
-                  </a:txBody>
-                  <a:tcPr marL="0" marR="0" marT="0" marB="0" anchor="ctr">
-                    <a:lnL w="12700" cap="flat" cmpd="sng" algn="ctr">
-                      <a:solidFill>
-                        <a:srgbClr val="000000">
-                          <a:alpha val="100000"/>
-                        </a:srgbClr>
-                      </a:solidFill>
-                      <a:prstDash val="solid"/>
-                      <a:round/>
-                      <a:headEnd type="none" w="med" len="med"/>
-                      <a:tailEnd type="none" w="med" len="med"/>
-                    </a:lnL>
-                    <a:lnR w="12700" cap="flat" cmpd="sng" algn="ctr">
-                      <a:solidFill>
-                        <a:srgbClr val="000000">
-                          <a:alpha val="100000"/>
-                        </a:srgbClr>
-                      </a:solidFill>
-                      <a:prstDash val="solid"/>
-                      <a:round/>
-                      <a:headEnd type="none" w="med" len="med"/>
-                      <a:tailEnd type="none" w="med" len="med"/>
-                    </a:lnR>
-                    <a:lnT w="12700" cap="flat" cmpd="sng" algn="ctr">
-                      <a:solidFill>
-                        <a:srgbClr val="000000">
-                          <a:alpha val="100000"/>
-                        </a:srgbClr>
-                      </a:solidFill>
-                      <a:prstDash val="solid"/>
-                      <a:round/>
-                      <a:headEnd type="none" w="med" len="med"/>
-                      <a:tailEnd type="none" w="med" len="med"/>
-                    </a:lnT>
-                    <a:lnB w="12700" cap="flat" cmpd="sng" algn="ctr">
-                      <a:solidFill>
-                        <a:srgbClr val="000000">
-                          <a:alpha val="100000"/>
-                        </a:srgbClr>
-                      </a:solidFill>
-                      <a:prstDash val="solid"/>
-                      <a:round/>
-                      <a:headEnd type="none" w="med" len="med"/>
-                      <a:tailEnd type="none" w="med" len="med"/>
-                    </a:lnB>
-                    <a:noFill/>
-                  </a:tcPr>
-                </a:tc>
-                <a:tc>
-                  <a:txBody>
-                    <a:bodyPr/>
-                    <a:lstStyle/>
-                    <a:p>
-                      <a:pPr marL="0" indent="0" algn="ctr" defTabSz="914400" eaLnBrk="1" latinLnBrk="1" hangingPunct="1">
-                        <a:lnSpc>
-                          <a:spcPct val="100000"/>
-                        </a:lnSpc>
-                        <a:spcBef>
-                          <a:spcPts val="0"/>
-                        </a:spcBef>
-                        <a:spcAft>
-                          <a:spcPts val="0"/>
-                        </a:spcAft>
-                        <a:buFontTx/>
-                        <a:buNone/>
-                      </a:pPr>
-                      <a:endParaRPr lang="ko-KR" altLang="en-US" sz="1000" b="0" i="0" kern="1200">
-                        <a:solidFill>
-                          <a:schemeClr val="tx1"/>
-                        </a:solidFill>
-                        <a:latin typeface="맑은 고딕" panose="020B0503020000020004" charset="-127"/>
-                        <a:ea typeface="맑은 고딕" panose="020B0503020000020004" charset="-127"/>
-                      </a:endParaRPr>
-                    </a:p>
-                  </a:txBody>
-                  <a:tcPr marL="0" marR="0" marT="0" marB="0" anchor="ctr">
-                    <a:lnL w="12700" cap="flat" cmpd="sng" algn="ctr">
-                      <a:solidFill>
-                        <a:srgbClr val="000000">
-                          <a:alpha val="100000"/>
-                        </a:srgbClr>
-                      </a:solidFill>
-                      <a:prstDash val="solid"/>
-                      <a:round/>
-                      <a:headEnd type="none" w="med" len="med"/>
-                      <a:tailEnd type="none" w="med" len="med"/>
-                    </a:lnL>
-                    <a:lnR w="12700" cap="flat" cmpd="sng" algn="ctr">
-                      <a:solidFill>
-                        <a:srgbClr val="000000">
-                          <a:alpha val="100000"/>
-                        </a:srgbClr>
-                      </a:solidFill>
-                      <a:prstDash val="solid"/>
-                      <a:round/>
-                      <a:headEnd type="none" w="med" len="med"/>
-                      <a:tailEnd type="none" w="med" len="med"/>
-                    </a:lnR>
-                    <a:lnT w="12700" cap="flat" cmpd="sng" algn="ctr">
-                      <a:solidFill>
-                        <a:srgbClr val="000000">
-                          <a:alpha val="100000"/>
-                        </a:srgbClr>
-                      </a:solidFill>
-                      <a:prstDash val="solid"/>
-                      <a:round/>
-                      <a:headEnd type="none" w="med" len="med"/>
-                      <a:tailEnd type="none" w="med" len="med"/>
-                    </a:lnT>
-                    <a:lnB w="12700" cap="flat" cmpd="sng" algn="ctr">
-                      <a:solidFill>
-                        <a:srgbClr val="000000">
-                          <a:alpha val="100000"/>
-                        </a:srgbClr>
-                      </a:solidFill>
-                      <a:prstDash val="solid"/>
-                      <a:round/>
-                      <a:headEnd type="none" w="med" len="med"/>
-                      <a:tailEnd type="none" w="med" len="med"/>
-                    </a:lnB>
-                    <a:noFill/>
-                  </a:tcPr>
-                </a:tc>
-                <a:tc>
-                  <a:txBody>
-                    <a:bodyPr/>
-                    <a:lstStyle/>
-                    <a:p>
-                      <a:pPr marL="0" indent="0" algn="ctr" defTabSz="914400" eaLnBrk="1" latinLnBrk="1" hangingPunct="1">
-                        <a:lnSpc>
-                          <a:spcPct val="100000"/>
-                        </a:lnSpc>
-                        <a:spcBef>
-                          <a:spcPts val="0"/>
-                        </a:spcBef>
-                        <a:spcAft>
-                          <a:spcPts val="0"/>
-                        </a:spcAft>
-                        <a:buFontTx/>
-                        <a:buNone/>
-                      </a:pPr>
-                      <a:endParaRPr lang="ko-KR" altLang="en-US" sz="1000" b="0" i="0" kern="1200">
-                        <a:solidFill>
-                          <a:schemeClr val="tx1"/>
-                        </a:solidFill>
-                        <a:latin typeface="맑은 고딕" panose="020B0503020000020004" charset="-127"/>
-                        <a:ea typeface="맑은 고딕" panose="020B0503020000020004" charset="-127"/>
-                      </a:endParaRPr>
-                    </a:p>
-                  </a:txBody>
-                  <a:tcPr marL="0" marR="0" marT="0" marB="0" anchor="ctr">
-                    <a:lnL w="12700" cap="flat" cmpd="sng" algn="ctr">
-                      <a:solidFill>
-                        <a:srgbClr val="000000">
-                          <a:alpha val="100000"/>
-                        </a:srgbClr>
-                      </a:solidFill>
-                      <a:prstDash val="solid"/>
-                      <a:round/>
-                      <a:headEnd type="none" w="med" len="med"/>
-                      <a:tailEnd type="none" w="med" len="med"/>
-                    </a:lnL>
-                    <a:lnR w="12700" cap="flat" cmpd="sng" algn="ctr">
-                      <a:solidFill>
-                        <a:srgbClr val="000000">
-                          <a:alpha val="100000"/>
-                        </a:srgbClr>
-                      </a:solidFill>
-                      <a:prstDash val="solid"/>
-                      <a:round/>
-                      <a:headEnd type="none" w="med" len="med"/>
-                      <a:tailEnd type="none" w="med" len="med"/>
-                    </a:lnR>
-                    <a:lnT w="12700" cap="flat" cmpd="sng" algn="ctr">
-                      <a:solidFill>
-                        <a:srgbClr val="000000">
-                          <a:alpha val="100000"/>
-                        </a:srgbClr>
-                      </a:solidFill>
-                      <a:prstDash val="solid"/>
-                      <a:round/>
-                      <a:headEnd type="none" w="med" len="med"/>
-                      <a:tailEnd type="none" w="med" len="med"/>
-                    </a:lnT>
-                    <a:lnB w="12700" cap="flat" cmpd="sng" algn="ctr">
-                      <a:solidFill>
-                        <a:srgbClr val="000000">
-                          <a:alpha val="100000"/>
-                        </a:srgbClr>
-                      </a:solidFill>
-                      <a:prstDash val="solid"/>
-                      <a:round/>
-                      <a:headEnd type="none" w="med" len="med"/>
-                      <a:tailEnd type="none" w="med" len="med"/>
-                    </a:lnB>
-                    <a:solidFill>
-                      <a:schemeClr val="bg1"/>
-                    </a:solidFill>
-                  </a:tcPr>
-                </a:tc>
-              </a:tr>
-              <a:tr h="509270">
-                <a:tc>
-                  <a:txBody>
-                    <a:bodyPr/>
-                    <a:lstStyle/>
-                    <a:p>
-                      <a:pPr marL="0" indent="0" algn="ctr" defTabSz="914400" eaLnBrk="1" latinLnBrk="1" hangingPunct="1">
-                        <a:lnSpc>
-                          <a:spcPct val="100000"/>
-                        </a:lnSpc>
-                        <a:spcBef>
-                          <a:spcPts val="0"/>
-                        </a:spcBef>
-                        <a:spcAft>
-                          <a:spcPts val="0"/>
-                        </a:spcAft>
-                        <a:buFontTx/>
-                        <a:buNone/>
-                      </a:pPr>
-                      <a:endParaRPr lang="ko-KR" altLang="en-US" sz="1000" b="0" i="0" kern="1200">
-                        <a:solidFill>
-                          <a:schemeClr val="tx1"/>
-                        </a:solidFill>
-                        <a:latin typeface="맑은 고딕" panose="020B0503020000020004" charset="-127"/>
-                        <a:ea typeface="맑은 고딕" panose="020B0503020000020004" charset="-127"/>
-                      </a:endParaRPr>
-                    </a:p>
-                  </a:txBody>
-                  <a:tcPr marL="0" marR="0" marT="0" marB="0" anchor="ctr">
-                    <a:lnL w="12700" cap="flat" cmpd="sng" algn="ctr">
-                      <a:solidFill>
-                        <a:srgbClr val="000000">
-                          <a:alpha val="100000"/>
-                        </a:srgbClr>
-                      </a:solidFill>
-                      <a:prstDash val="solid"/>
-                      <a:round/>
-                      <a:headEnd type="none" w="med" len="med"/>
-                      <a:tailEnd type="none" w="med" len="med"/>
-                    </a:lnL>
-                    <a:lnR w="12700" cap="flat" cmpd="sng" algn="ctr">
-                      <a:solidFill>
-                        <a:srgbClr val="000000">
-                          <a:alpha val="100000"/>
-                        </a:srgbClr>
-                      </a:solidFill>
-                      <a:prstDash val="solid"/>
-                      <a:round/>
-                      <a:headEnd type="none" w="med" len="med"/>
-                      <a:tailEnd type="none" w="med" len="med"/>
-                    </a:lnR>
-                    <a:lnT w="12700" cap="flat" cmpd="sng" algn="ctr">
-                      <a:solidFill>
-                        <a:srgbClr val="000000">
-                          <a:alpha val="100000"/>
-                        </a:srgbClr>
-                      </a:solidFill>
-                      <a:prstDash val="solid"/>
-                      <a:round/>
-                      <a:headEnd type="none" w="med" len="med"/>
-                      <a:tailEnd type="none" w="med" len="med"/>
-                    </a:lnT>
-                    <a:lnB w="12700" cap="flat" cmpd="sng" algn="ctr">
-                      <a:solidFill>
-                        <a:srgbClr val="000000">
-                          <a:alpha val="100000"/>
-                        </a:srgbClr>
-                      </a:solidFill>
-                      <a:prstDash val="solid"/>
-                      <a:round/>
-                      <a:headEnd type="none" w="med" len="med"/>
-                      <a:tailEnd type="none" w="med" len="med"/>
-                    </a:lnB>
-                    <a:noFill/>
-                  </a:tcPr>
-                </a:tc>
-                <a:tc>
-                  <a:txBody>
-                    <a:bodyPr/>
-                    <a:lstStyle/>
-                    <a:p>
-                      <a:pPr marL="0" indent="0" algn="ctr" defTabSz="914400" eaLnBrk="1" latinLnBrk="1" hangingPunct="1">
-                        <a:lnSpc>
-                          <a:spcPct val="100000"/>
-                        </a:lnSpc>
-                        <a:spcBef>
-                          <a:spcPts val="0"/>
-                        </a:spcBef>
-                        <a:spcAft>
-                          <a:spcPts val="0"/>
-                        </a:spcAft>
-                        <a:buFontTx/>
-                        <a:buNone/>
-                      </a:pPr>
-                      <a:endParaRPr lang="ko-KR" altLang="en-US" sz="1000" b="0" i="0" kern="1200">
-                        <a:solidFill>
-                          <a:schemeClr val="tx1"/>
-                        </a:solidFill>
-                        <a:latin typeface="맑은 고딕" panose="020B0503020000020004" charset="-127"/>
-                        <a:ea typeface="맑은 고딕" panose="020B0503020000020004" charset="-127"/>
-                      </a:endParaRPr>
-                    </a:p>
-                  </a:txBody>
-                  <a:tcPr marL="0" marR="0" marT="0" marB="0" anchor="ctr">
-                    <a:lnL w="12700" cap="flat" cmpd="sng" algn="ctr">
-                      <a:solidFill>
-                        <a:srgbClr val="000000">
-                          <a:alpha val="100000"/>
-                        </a:srgbClr>
-                      </a:solidFill>
-                      <a:prstDash val="solid"/>
-                      <a:round/>
-                      <a:headEnd type="none" w="med" len="med"/>
-                      <a:tailEnd type="none" w="med" len="med"/>
-                    </a:lnL>
-                    <a:lnR w="12700" cap="flat" cmpd="sng" algn="ctr">
-                      <a:solidFill>
-                        <a:srgbClr val="000000">
-                          <a:alpha val="100000"/>
-                        </a:srgbClr>
-                      </a:solidFill>
-                      <a:prstDash val="solid"/>
-                      <a:round/>
-                      <a:headEnd type="none" w="med" len="med"/>
-                      <a:tailEnd type="none" w="med" len="med"/>
-                    </a:lnR>
-                    <a:lnT w="12700" cap="flat" cmpd="sng" algn="ctr">
-                      <a:solidFill>
-                        <a:srgbClr val="000000">
-                          <a:alpha val="100000"/>
-                        </a:srgbClr>
-                      </a:solidFill>
-                      <a:prstDash val="solid"/>
-                      <a:round/>
-                      <a:headEnd type="none" w="med" len="med"/>
-                      <a:tailEnd type="none" w="med" len="med"/>
-                    </a:lnT>
-                    <a:lnB w="12700" cap="flat" cmpd="sng" algn="ctr">
-                      <a:solidFill>
-                        <a:srgbClr val="000000">
-                          <a:alpha val="100000"/>
-                        </a:srgbClr>
-                      </a:solidFill>
-                      <a:prstDash val="solid"/>
-                      <a:round/>
-                      <a:headEnd type="none" w="med" len="med"/>
-                      <a:tailEnd type="none" w="med" len="med"/>
-                    </a:lnB>
-                    <a:noFill/>
-                  </a:tcPr>
-                </a:tc>
-                <a:tc>
-                  <a:txBody>
-                    <a:bodyPr/>
-                    <a:lstStyle/>
-                    <a:p>
-                      <a:pPr marL="0" indent="0" algn="ctr" defTabSz="914400" eaLnBrk="1" latinLnBrk="1" hangingPunct="1">
-                        <a:lnSpc>
-                          <a:spcPct val="100000"/>
-                        </a:lnSpc>
-                        <a:spcBef>
-                          <a:spcPts val="0"/>
-                        </a:spcBef>
-                        <a:spcAft>
-                          <a:spcPts val="0"/>
-                        </a:spcAft>
-                        <a:buFontTx/>
-                        <a:buNone/>
-                      </a:pPr>
-                      <a:endParaRPr lang="ko-KR" altLang="en-US" sz="1000" b="0" i="0" kern="1200">
-                        <a:solidFill>
-                          <a:schemeClr val="tx1"/>
-                        </a:solidFill>
-                        <a:latin typeface="맑은 고딕" panose="020B0503020000020004" charset="-127"/>
-                        <a:ea typeface="맑은 고딕" panose="020B0503020000020004" charset="-127"/>
-                      </a:endParaRPr>
-                    </a:p>
-                  </a:txBody>
-                  <a:tcPr marL="0" marR="0" marT="0" marB="0" anchor="ctr">
-                    <a:lnL w="12700" cap="flat" cmpd="sng" algn="ctr">
-                      <a:solidFill>
-                        <a:srgbClr val="000000">
-                          <a:alpha val="100000"/>
-                        </a:srgbClr>
-                      </a:solidFill>
-                      <a:prstDash val="solid"/>
-                      <a:round/>
-                      <a:headEnd type="none" w="med" len="med"/>
-                      <a:tailEnd type="none" w="med" len="med"/>
-                    </a:lnL>
-                    <a:lnR w="12700" cap="flat" cmpd="sng" algn="ctr">
-                      <a:solidFill>
-                        <a:srgbClr val="000000">
-                          <a:alpha val="100000"/>
-                        </a:srgbClr>
-                      </a:solidFill>
-                      <a:prstDash val="solid"/>
-                      <a:round/>
-                      <a:headEnd type="none" w="med" len="med"/>
-                      <a:tailEnd type="none" w="med" len="med"/>
-                    </a:lnR>
-                    <a:lnT w="12700" cap="flat" cmpd="sng" algn="ctr">
-                      <a:solidFill>
-                        <a:srgbClr val="000000">
-                          <a:alpha val="100000"/>
-                        </a:srgbClr>
-                      </a:solidFill>
-                      <a:prstDash val="solid"/>
-                      <a:round/>
-                      <a:headEnd type="none" w="med" len="med"/>
-                      <a:tailEnd type="none" w="med" len="med"/>
-                    </a:lnT>
-                    <a:lnB w="12700" cap="flat" cmpd="sng" algn="ctr">
-                      <a:solidFill>
-                        <a:srgbClr val="000000">
-                          <a:alpha val="100000"/>
-                        </a:srgbClr>
-                      </a:solidFill>
-                      <a:prstDash val="solid"/>
-                      <a:round/>
-                      <a:headEnd type="none" w="med" len="med"/>
-                      <a:tailEnd type="none" w="med" len="med"/>
-                    </a:lnB>
-                    <a:solidFill>
-                      <a:schemeClr val="bg1"/>
-                    </a:solidFill>
-                  </a:tcPr>
-                </a:tc>
-              </a:tr>
-              <a:tr h="491490">
-                <a:tc>
-                  <a:txBody>
-                    <a:bodyPr/>
-                    <a:lstStyle/>
-                    <a:p>
-                      <a:pPr marL="0" indent="0" algn="ctr" defTabSz="914400" eaLnBrk="1" latinLnBrk="1" hangingPunct="1">
-                        <a:lnSpc>
-                          <a:spcPct val="100000"/>
-                        </a:lnSpc>
-                        <a:spcBef>
-                          <a:spcPts val="0"/>
-                        </a:spcBef>
-                        <a:spcAft>
-                          <a:spcPts val="0"/>
-                        </a:spcAft>
-                        <a:buFontTx/>
-                        <a:buNone/>
-                      </a:pPr>
-                      <a:endParaRPr lang="ko-KR" altLang="en-US" sz="1000" b="0" i="0" kern="1200">
+                      <a:endParaRPr lang="en-US" altLang="ko-KR" sz="1000" b="0" i="0" kern="1200">
                         <a:solidFill>
                           <a:schemeClr val="tx1"/>
                         </a:solidFill>
@@ -13590,10 +13962,10 @@
         </p:nvGrpSpPr>
         <p:grpSpPr>
           <a:xfrm rot="0">
-            <a:off x="4343400" y="3298825"/>
-            <a:ext cx="238760" cy="260985"/>
+            <a:off x="4343400" y="3289300"/>
+            <a:ext cx="239395" cy="260350"/>
             <a:chOff x="4343400" y="3298825"/>
-            <a:chExt cx="238760" cy="260985"/>
+            <a:chExt cx="239395" cy="260350"/>
           </a:xfrm>
         </p:grpSpPr>
         <p:sp>
@@ -13666,7 +14038,7 @@
           <p:spPr>
             <a:xfrm>
               <a:off x="4343400" y="3298825"/>
-              <a:ext cx="220345" cy="260985"/>
+              <a:ext cx="220345" cy="260350"/>
             </a:xfrm>
             <a:prstGeom prst="rect">
               <a:avLst/>
@@ -13700,9 +14072,9 @@
                   <a:latin typeface="맑은 고딕" panose="020B0503020000020004" charset="-127"/>
                   <a:ea typeface="맑은 고딕" panose="020B0503020000020004" charset="-127"/>
                 </a:rPr>
-                <a:t>1</a:t>
+                <a:t>4</a:t>
               </a:r>
-              <a:endParaRPr lang="ko-KR" altLang="en-US" sz="1100" b="1">
+              <a:endParaRPr lang="en-US" altLang="ko-KR" sz="1100" b="1">
                 <a:solidFill>
                   <a:schemeClr val="bg1"/>
                 </a:solidFill>
@@ -13722,9 +14094,9 @@
         <p:grpSpPr>
           <a:xfrm rot="0">
             <a:off x="5524500" y="3282315"/>
-            <a:ext cx="238760" cy="260985"/>
+            <a:ext cx="239395" cy="260350"/>
             <a:chOff x="5524500" y="3282315"/>
-            <a:chExt cx="238760" cy="260985"/>
+            <a:chExt cx="239395" cy="260350"/>
           </a:xfrm>
         </p:grpSpPr>
         <p:sp>
@@ -13797,7 +14169,7 @@
           <p:spPr>
             <a:xfrm>
               <a:off x="5524500" y="3282315"/>
-              <a:ext cx="220345" cy="260985"/>
+              <a:ext cx="220345" cy="260350"/>
             </a:xfrm>
             <a:prstGeom prst="rect">
               <a:avLst/>
@@ -13831,9 +14203,9 @@
                   <a:latin typeface="맑은 고딕" panose="020B0503020000020004" charset="-127"/>
                   <a:ea typeface="맑은 고딕" panose="020B0503020000020004" charset="-127"/>
                 </a:rPr>
-                <a:t>2</a:t>
+                <a:t>5</a:t>
               </a:r>
-              <a:endParaRPr lang="ko-KR" altLang="en-US" sz="1100" b="1">
+              <a:endParaRPr lang="en-US" altLang="ko-KR" sz="1100" b="1">
                 <a:solidFill>
                   <a:schemeClr val="bg1"/>
                 </a:solidFill>
@@ -13852,10 +14224,10 @@
         </p:nvGrpSpPr>
         <p:grpSpPr>
           <a:xfrm rot="0">
-            <a:off x="7352665" y="3282315"/>
-            <a:ext cx="238760" cy="260985"/>
+            <a:off x="6240145" y="3282315"/>
+            <a:ext cx="239395" cy="260350"/>
             <a:chOff x="7352665" y="3282315"/>
-            <a:chExt cx="238760" cy="260985"/>
+            <a:chExt cx="239395" cy="260350"/>
           </a:xfrm>
         </p:grpSpPr>
         <p:sp>
@@ -13928,7 +14300,7 @@
           <p:spPr>
             <a:xfrm>
               <a:off x="7352665" y="3282315"/>
-              <a:ext cx="220345" cy="260985"/>
+              <a:ext cx="220345" cy="260350"/>
             </a:xfrm>
             <a:prstGeom prst="rect">
               <a:avLst/>
@@ -13962,9 +14334,9 @@
                   <a:latin typeface="맑은 고딕" panose="020B0503020000020004" charset="-127"/>
                   <a:ea typeface="맑은 고딕" panose="020B0503020000020004" charset="-127"/>
                 </a:rPr>
-                <a:t>3</a:t>
+                <a:t>6</a:t>
               </a:r>
-              <a:endParaRPr lang="ko-KR" altLang="en-US" sz="1100" b="1">
+              <a:endParaRPr lang="en-US" altLang="ko-KR" sz="1100" b="1">
                 <a:solidFill>
                   <a:schemeClr val="bg1"/>
                 </a:solidFill>
@@ -13984,9 +14356,9 @@
         <p:grpSpPr>
           <a:xfrm rot="0">
             <a:off x="3289300" y="4148455"/>
-            <a:ext cx="238760" cy="260985"/>
+            <a:ext cx="239395" cy="260350"/>
             <a:chOff x="3289300" y="4148455"/>
-            <a:chExt cx="238760" cy="260985"/>
+            <a:chExt cx="239395" cy="260350"/>
           </a:xfrm>
         </p:grpSpPr>
         <p:sp>
@@ -14059,7 +14431,7 @@
           <p:spPr>
             <a:xfrm>
               <a:off x="3289300" y="4148455"/>
-              <a:ext cx="220345" cy="260985"/>
+              <a:ext cx="220345" cy="260350"/>
             </a:xfrm>
             <a:prstGeom prst="rect">
               <a:avLst/>
@@ -14093,9 +14465,9 @@
                   <a:latin typeface="맑은 고딕" panose="020B0503020000020004" charset="-127"/>
                   <a:ea typeface="맑은 고딕" panose="020B0503020000020004" charset="-127"/>
                 </a:rPr>
-                <a:t>4</a:t>
+                <a:t>8</a:t>
               </a:r>
-              <a:endParaRPr lang="ko-KR" altLang="en-US" sz="1100" b="1">
+              <a:endParaRPr lang="en-US" altLang="ko-KR" sz="1100" b="1">
                 <a:solidFill>
                   <a:schemeClr val="bg1"/>
                 </a:solidFill>
@@ -14114,10 +14486,10 @@
         </p:nvGrpSpPr>
         <p:grpSpPr>
           <a:xfrm rot="0">
-            <a:off x="5455920" y="4131945"/>
-            <a:ext cx="238760" cy="260985"/>
+            <a:off x="4474845" y="4141470"/>
+            <a:ext cx="239395" cy="260350"/>
             <a:chOff x="5455920" y="4131945"/>
-            <a:chExt cx="238760" cy="260985"/>
+            <a:chExt cx="239395" cy="260350"/>
           </a:xfrm>
         </p:grpSpPr>
         <p:sp>
@@ -14190,7 +14562,7 @@
           <p:spPr>
             <a:xfrm>
               <a:off x="5455920" y="4131945"/>
-              <a:ext cx="220345" cy="260985"/>
+              <a:ext cx="220345" cy="260350"/>
             </a:xfrm>
             <a:prstGeom prst="rect">
               <a:avLst/>
@@ -14224,9 +14596,9 @@
                   <a:latin typeface="맑은 고딕" panose="020B0503020000020004" charset="-127"/>
                   <a:ea typeface="맑은 고딕" panose="020B0503020000020004" charset="-127"/>
                 </a:rPr>
-                <a:t>5</a:t>
+                <a:t>9</a:t>
               </a:r>
-              <a:endParaRPr lang="ko-KR" altLang="en-US" sz="1100" b="1">
+              <a:endParaRPr lang="en-US" altLang="ko-KR" sz="1100" b="1">
                 <a:solidFill>
                   <a:schemeClr val="bg1"/>
                 </a:solidFill>
@@ -14245,10 +14617,10 @@
         </p:nvGrpSpPr>
         <p:grpSpPr>
           <a:xfrm rot="0">
-            <a:off x="5315585" y="2279015"/>
-            <a:ext cx="239395" cy="260985"/>
+            <a:off x="7014845" y="3285490"/>
+            <a:ext cx="239395" cy="260350"/>
             <a:chOff x="5315585" y="2279015"/>
-            <a:chExt cx="239395" cy="260985"/>
+            <a:chExt cx="239395" cy="260350"/>
           </a:xfrm>
         </p:grpSpPr>
         <p:sp>
@@ -14321,7 +14693,7 @@
           <p:spPr>
             <a:xfrm>
               <a:off x="5315585" y="2279015"/>
-              <a:ext cx="220345" cy="260985"/>
+              <a:ext cx="220345" cy="260350"/>
             </a:xfrm>
             <a:prstGeom prst="rect">
               <a:avLst/>
@@ -14355,9 +14727,9 @@
                   <a:latin typeface="맑은 고딕" panose="020B0503020000020004" charset="-127"/>
                   <a:ea typeface="맑은 고딕" panose="020B0503020000020004" charset="-127"/>
                 </a:rPr>
-                <a:t>6</a:t>
+                <a:t>7</a:t>
               </a:r>
-              <a:endParaRPr lang="ko-KR" altLang="en-US" sz="1100" b="1">
+              <a:endParaRPr lang="en-US" altLang="ko-KR" sz="1100" b="1">
                 <a:solidFill>
                   <a:schemeClr val="bg1"/>
                 </a:solidFill>
@@ -15121,6 +15493,522 @@
           </a:graphicData>
         </a:graphic>
       </p:graphicFrame>
+      <p:grpSp>
+        <p:nvGrpSpPr>
+          <p:cNvPr id="2" name="그룹 19"/>
+          <p:cNvGrpSpPr/>
+          <p:nvPr/>
+        </p:nvGrpSpPr>
+        <p:grpSpPr>
+          <a:xfrm rot="0">
+            <a:off x="1347470" y="3285490"/>
+            <a:ext cx="239395" cy="260350"/>
+            <a:chOff x="4343400" y="3298825"/>
+            <a:chExt cx="239395" cy="260350"/>
+          </a:xfrm>
+        </p:grpSpPr>
+        <p:sp>
+          <p:nvSpPr>
+            <p:cNvPr id="5" name="도형 15"/>
+            <p:cNvSpPr/>
+            <p:nvPr/>
+          </p:nvSpPr>
+          <p:spPr>
+            <a:xfrm>
+              <a:off x="4373245" y="3333750"/>
+              <a:ext cx="209550" cy="209550"/>
+            </a:xfrm>
+            <a:prstGeom prst="ellipse">
+              <a:avLst/>
+            </a:prstGeom>
+            <a:solidFill>
+              <a:srgbClr val="FF0000"/>
+            </a:solidFill>
+          </p:spPr>
+          <p:style>
+            <a:lnRef idx="1">
+              <a:schemeClr val="accent2"/>
+            </a:lnRef>
+            <a:fillRef idx="3">
+              <a:schemeClr val="accent2"/>
+            </a:fillRef>
+            <a:effectRef idx="2">
+              <a:schemeClr val="accent2"/>
+            </a:effectRef>
+            <a:fontRef idx="minor">
+              <a:schemeClr val="lt1"/>
+            </a:fontRef>
+          </p:style>
+          <p:txBody>
+            <a:bodyPr vert="horz" wrap="square" lIns="91440" tIns="45720" rIns="91440" bIns="45720" anchor="ctr">
+              <a:noAutofit/>
+            </a:bodyPr>
+            <a:p>
+              <a:pPr marL="0" indent="0" algn="ctr" defTabSz="914400" eaLnBrk="1" latinLnBrk="1" hangingPunct="1">
+                <a:lnSpc>
+                  <a:spcPct val="100000"/>
+                </a:lnSpc>
+                <a:spcBef>
+                  <a:spcPts val="0"/>
+                </a:spcBef>
+                <a:spcAft>
+                  <a:spcPts val="0"/>
+                </a:spcAft>
+                <a:buFontTx/>
+                <a:buNone/>
+              </a:pPr>
+              <a:endParaRPr lang="ko-KR" altLang="en-US" sz="1800">
+                <a:solidFill>
+                  <a:srgbClr val="000000"/>
+                </a:solidFill>
+                <a:latin typeface="맑은 고딕" panose="020B0503020000020004" charset="-127"/>
+                <a:ea typeface="맑은 고딕" panose="020B0503020000020004" charset="-127"/>
+              </a:endParaRPr>
+            </a:p>
+          </p:txBody>
+        </p:sp>
+        <p:sp>
+          <p:nvSpPr>
+            <p:cNvPr id="6" name="텍스트 상자 16"/>
+            <p:cNvSpPr txBox="1"/>
+            <p:nvPr/>
+          </p:nvSpPr>
+          <p:spPr>
+            <a:xfrm>
+              <a:off x="4343400" y="3298825"/>
+              <a:ext cx="220345" cy="260350"/>
+            </a:xfrm>
+            <a:prstGeom prst="rect">
+              <a:avLst/>
+            </a:prstGeom>
+            <a:noFill/>
+          </p:spPr>
+          <p:txBody>
+            <a:bodyPr vert="horz" wrap="square" lIns="91440" tIns="45720" rIns="91440" bIns="45720" anchor="t">
+              <a:spAutoFit/>
+            </a:bodyPr>
+            <a:p>
+              <a:pPr marL="0" indent="0" algn="l" defTabSz="914400" eaLnBrk="1" latinLnBrk="1" hangingPunct="1">
+                <a:lnSpc>
+                  <a:spcPct val="100000"/>
+                </a:lnSpc>
+                <a:spcBef>
+                  <a:spcPts val="0"/>
+                </a:spcBef>
+                <a:spcAft>
+                  <a:spcPts val="0"/>
+                </a:spcAft>
+                <a:buFontTx/>
+                <a:buNone/>
+              </a:pPr>
+              <a:r>
+                <a:rPr lang="en-US" altLang="ko-KR" sz="1100" b="1">
+                  <a:solidFill>
+                    <a:schemeClr val="bg1"/>
+                  </a:solidFill>
+                  <a:latin typeface="맑은 고딕" panose="020B0503020000020004" charset="-127"/>
+                  <a:ea typeface="맑은 고딕" panose="020B0503020000020004" charset="-127"/>
+                </a:rPr>
+                <a:t>1</a:t>
+              </a:r>
+              <a:endParaRPr lang="en-US" altLang="ko-KR" sz="1100" b="1">
+                <a:solidFill>
+                  <a:schemeClr val="bg1"/>
+                </a:solidFill>
+                <a:latin typeface="맑은 고딕" panose="020B0503020000020004" charset="-127"/>
+                <a:ea typeface="맑은 고딕" panose="020B0503020000020004" charset="-127"/>
+              </a:endParaRPr>
+            </a:p>
+          </p:txBody>
+        </p:sp>
+      </p:grpSp>
+      <p:grpSp>
+        <p:nvGrpSpPr>
+          <p:cNvPr id="8" name="그룹 19"/>
+          <p:cNvGrpSpPr/>
+          <p:nvPr/>
+        </p:nvGrpSpPr>
+        <p:grpSpPr>
+          <a:xfrm rot="0">
+            <a:off x="2480310" y="3288665"/>
+            <a:ext cx="239395" cy="260350"/>
+            <a:chOff x="4343400" y="3298825"/>
+            <a:chExt cx="239395" cy="260350"/>
+          </a:xfrm>
+        </p:grpSpPr>
+        <p:sp>
+          <p:nvSpPr>
+            <p:cNvPr id="9" name="도형 15"/>
+            <p:cNvSpPr/>
+            <p:nvPr/>
+          </p:nvSpPr>
+          <p:spPr>
+            <a:xfrm>
+              <a:off x="4373245" y="3333750"/>
+              <a:ext cx="209550" cy="209550"/>
+            </a:xfrm>
+            <a:prstGeom prst="ellipse">
+              <a:avLst/>
+            </a:prstGeom>
+            <a:solidFill>
+              <a:srgbClr val="FF0000"/>
+            </a:solidFill>
+          </p:spPr>
+          <p:style>
+            <a:lnRef idx="1">
+              <a:schemeClr val="accent2"/>
+            </a:lnRef>
+            <a:fillRef idx="3">
+              <a:schemeClr val="accent2"/>
+            </a:fillRef>
+            <a:effectRef idx="2">
+              <a:schemeClr val="accent2"/>
+            </a:effectRef>
+            <a:fontRef idx="minor">
+              <a:schemeClr val="lt1"/>
+            </a:fontRef>
+          </p:style>
+          <p:txBody>
+            <a:bodyPr vert="horz" wrap="square" lIns="91440" tIns="45720" rIns="91440" bIns="45720" anchor="ctr">
+              <a:noAutofit/>
+            </a:bodyPr>
+            <a:p>
+              <a:pPr marL="0" indent="0" algn="ctr" defTabSz="914400" eaLnBrk="1" latinLnBrk="1" hangingPunct="1">
+                <a:lnSpc>
+                  <a:spcPct val="100000"/>
+                </a:lnSpc>
+                <a:spcBef>
+                  <a:spcPts val="0"/>
+                </a:spcBef>
+                <a:spcAft>
+                  <a:spcPts val="0"/>
+                </a:spcAft>
+                <a:buFontTx/>
+                <a:buNone/>
+              </a:pPr>
+              <a:endParaRPr lang="ko-KR" altLang="en-US" sz="1800">
+                <a:solidFill>
+                  <a:srgbClr val="000000"/>
+                </a:solidFill>
+                <a:latin typeface="맑은 고딕" panose="020B0503020000020004" charset="-127"/>
+                <a:ea typeface="맑은 고딕" panose="020B0503020000020004" charset="-127"/>
+              </a:endParaRPr>
+            </a:p>
+          </p:txBody>
+        </p:sp>
+        <p:sp>
+          <p:nvSpPr>
+            <p:cNvPr id="10" name="텍스트 상자 16"/>
+            <p:cNvSpPr txBox="1"/>
+            <p:nvPr/>
+          </p:nvSpPr>
+          <p:spPr>
+            <a:xfrm>
+              <a:off x="4343400" y="3298825"/>
+              <a:ext cx="220345" cy="260350"/>
+            </a:xfrm>
+            <a:prstGeom prst="rect">
+              <a:avLst/>
+            </a:prstGeom>
+            <a:noFill/>
+          </p:spPr>
+          <p:txBody>
+            <a:bodyPr vert="horz" wrap="square" lIns="91440" tIns="45720" rIns="91440" bIns="45720" anchor="t">
+              <a:spAutoFit/>
+            </a:bodyPr>
+            <a:p>
+              <a:pPr marL="0" indent="0" algn="l" defTabSz="914400" eaLnBrk="1" latinLnBrk="1" hangingPunct="1">
+                <a:lnSpc>
+                  <a:spcPct val="100000"/>
+                </a:lnSpc>
+                <a:spcBef>
+                  <a:spcPts val="0"/>
+                </a:spcBef>
+                <a:spcAft>
+                  <a:spcPts val="0"/>
+                </a:spcAft>
+                <a:buFontTx/>
+                <a:buNone/>
+              </a:pPr>
+              <a:r>
+                <a:rPr lang="en-US" altLang="ko-KR" sz="1100" b="1">
+                  <a:solidFill>
+                    <a:schemeClr val="bg1"/>
+                  </a:solidFill>
+                  <a:latin typeface="맑은 고딕" panose="020B0503020000020004" charset="-127"/>
+                  <a:ea typeface="맑은 고딕" panose="020B0503020000020004" charset="-127"/>
+                </a:rPr>
+                <a:t>2</a:t>
+              </a:r>
+              <a:endParaRPr lang="en-US" altLang="ko-KR" sz="1100" b="1">
+                <a:solidFill>
+                  <a:schemeClr val="bg1"/>
+                </a:solidFill>
+                <a:latin typeface="맑은 고딕" panose="020B0503020000020004" charset="-127"/>
+                <a:ea typeface="맑은 고딕" panose="020B0503020000020004" charset="-127"/>
+              </a:endParaRPr>
+            </a:p>
+          </p:txBody>
+        </p:sp>
+      </p:grpSp>
+      <p:grpSp>
+        <p:nvGrpSpPr>
+          <p:cNvPr id="11" name="그룹 19"/>
+          <p:cNvGrpSpPr/>
+          <p:nvPr/>
+        </p:nvGrpSpPr>
+        <p:grpSpPr>
+          <a:xfrm rot="0">
+            <a:off x="3589020" y="3288665"/>
+            <a:ext cx="239395" cy="260350"/>
+            <a:chOff x="4343400" y="3298825"/>
+            <a:chExt cx="239395" cy="260350"/>
+          </a:xfrm>
+        </p:grpSpPr>
+        <p:sp>
+          <p:nvSpPr>
+            <p:cNvPr id="12" name="도형 15"/>
+            <p:cNvSpPr/>
+            <p:nvPr/>
+          </p:nvSpPr>
+          <p:spPr>
+            <a:xfrm>
+              <a:off x="4373245" y="3333750"/>
+              <a:ext cx="209550" cy="209550"/>
+            </a:xfrm>
+            <a:prstGeom prst="ellipse">
+              <a:avLst/>
+            </a:prstGeom>
+            <a:solidFill>
+              <a:srgbClr val="FF0000"/>
+            </a:solidFill>
+          </p:spPr>
+          <p:style>
+            <a:lnRef idx="1">
+              <a:schemeClr val="accent2"/>
+            </a:lnRef>
+            <a:fillRef idx="3">
+              <a:schemeClr val="accent2"/>
+            </a:fillRef>
+            <a:effectRef idx="2">
+              <a:schemeClr val="accent2"/>
+            </a:effectRef>
+            <a:fontRef idx="minor">
+              <a:schemeClr val="lt1"/>
+            </a:fontRef>
+          </p:style>
+          <p:txBody>
+            <a:bodyPr vert="horz" wrap="square" lIns="91440" tIns="45720" rIns="91440" bIns="45720" anchor="ctr">
+              <a:noAutofit/>
+            </a:bodyPr>
+            <a:p>
+              <a:pPr marL="0" indent="0" algn="ctr" defTabSz="914400" eaLnBrk="1" latinLnBrk="1" hangingPunct="1">
+                <a:lnSpc>
+                  <a:spcPct val="100000"/>
+                </a:lnSpc>
+                <a:spcBef>
+                  <a:spcPts val="0"/>
+                </a:spcBef>
+                <a:spcAft>
+                  <a:spcPts val="0"/>
+                </a:spcAft>
+                <a:buFontTx/>
+                <a:buNone/>
+              </a:pPr>
+              <a:endParaRPr lang="ko-KR" altLang="en-US" sz="1800">
+                <a:solidFill>
+                  <a:srgbClr val="000000"/>
+                </a:solidFill>
+                <a:latin typeface="맑은 고딕" panose="020B0503020000020004" charset="-127"/>
+                <a:ea typeface="맑은 고딕" panose="020B0503020000020004" charset="-127"/>
+              </a:endParaRPr>
+            </a:p>
+          </p:txBody>
+        </p:sp>
+        <p:sp>
+          <p:nvSpPr>
+            <p:cNvPr id="13" name="텍스트 상자 16"/>
+            <p:cNvSpPr txBox="1"/>
+            <p:nvPr/>
+          </p:nvSpPr>
+          <p:spPr>
+            <a:xfrm>
+              <a:off x="4343400" y="3298825"/>
+              <a:ext cx="220345" cy="260350"/>
+            </a:xfrm>
+            <a:prstGeom prst="rect">
+              <a:avLst/>
+            </a:prstGeom>
+            <a:noFill/>
+          </p:spPr>
+          <p:txBody>
+            <a:bodyPr vert="horz" wrap="square" lIns="91440" tIns="45720" rIns="91440" bIns="45720" anchor="t">
+              <a:spAutoFit/>
+            </a:bodyPr>
+            <a:p>
+              <a:pPr marL="0" indent="0" algn="l" defTabSz="914400" eaLnBrk="1" latinLnBrk="1" hangingPunct="1">
+                <a:lnSpc>
+                  <a:spcPct val="100000"/>
+                </a:lnSpc>
+                <a:spcBef>
+                  <a:spcPts val="0"/>
+                </a:spcBef>
+                <a:spcAft>
+                  <a:spcPts val="0"/>
+                </a:spcAft>
+                <a:buFontTx/>
+                <a:buNone/>
+              </a:pPr>
+              <a:r>
+                <a:rPr lang="en-US" altLang="ko-KR" sz="1100" b="1">
+                  <a:solidFill>
+                    <a:schemeClr val="bg1"/>
+                  </a:solidFill>
+                  <a:latin typeface="맑은 고딕" panose="020B0503020000020004" charset="-127"/>
+                  <a:ea typeface="맑은 고딕" panose="020B0503020000020004" charset="-127"/>
+                </a:rPr>
+                <a:t>3</a:t>
+              </a:r>
+              <a:endParaRPr lang="en-US" altLang="ko-KR" sz="1100" b="1">
+                <a:solidFill>
+                  <a:schemeClr val="bg1"/>
+                </a:solidFill>
+                <a:latin typeface="맑은 고딕" panose="020B0503020000020004" charset="-127"/>
+                <a:ea typeface="맑은 고딕" panose="020B0503020000020004" charset="-127"/>
+              </a:endParaRPr>
+            </a:p>
+          </p:txBody>
+        </p:sp>
+      </p:grpSp>
+      <p:grpSp>
+        <p:nvGrpSpPr>
+          <p:cNvPr id="14" name="그룹 29"/>
+          <p:cNvGrpSpPr/>
+          <p:nvPr/>
+        </p:nvGrpSpPr>
+        <p:grpSpPr>
+          <a:xfrm rot="0">
+            <a:off x="4832985" y="2380615"/>
+            <a:ext cx="401955" cy="275590"/>
+            <a:chOff x="5408295" y="4131945"/>
+            <a:chExt cx="401955" cy="275590"/>
+          </a:xfrm>
+        </p:grpSpPr>
+        <p:sp>
+          <p:nvSpPr>
+            <p:cNvPr id="34" name="도형 24"/>
+            <p:cNvSpPr/>
+            <p:nvPr/>
+          </p:nvSpPr>
+          <p:spPr>
+            <a:xfrm>
+              <a:off x="5485765" y="4166870"/>
+              <a:ext cx="209550" cy="209550"/>
+            </a:xfrm>
+            <a:prstGeom prst="ellipse">
+              <a:avLst/>
+            </a:prstGeom>
+            <a:solidFill>
+              <a:srgbClr val="FF0000"/>
+            </a:solidFill>
+          </p:spPr>
+          <p:style>
+            <a:lnRef idx="1">
+              <a:schemeClr val="accent2"/>
+            </a:lnRef>
+            <a:fillRef idx="3">
+              <a:schemeClr val="accent2"/>
+            </a:fillRef>
+            <a:effectRef idx="2">
+              <a:schemeClr val="accent2"/>
+            </a:effectRef>
+            <a:fontRef idx="minor">
+              <a:schemeClr val="lt1"/>
+            </a:fontRef>
+          </p:style>
+          <p:txBody>
+            <a:bodyPr vert="horz" wrap="square" lIns="91440" tIns="45720" rIns="91440" bIns="45720" anchor="ctr">
+              <a:noAutofit/>
+            </a:bodyPr>
+            <a:p>
+              <a:pPr marL="0" indent="0" algn="ctr" defTabSz="914400" eaLnBrk="1" latinLnBrk="1" hangingPunct="1">
+                <a:lnSpc>
+                  <a:spcPct val="100000"/>
+                </a:lnSpc>
+                <a:spcBef>
+                  <a:spcPts val="0"/>
+                </a:spcBef>
+                <a:spcAft>
+                  <a:spcPts val="0"/>
+                </a:spcAft>
+                <a:buFontTx/>
+                <a:buNone/>
+              </a:pPr>
+              <a:endParaRPr lang="ko-KR" altLang="en-US" sz="1800">
+                <a:solidFill>
+                  <a:srgbClr val="000000"/>
+                </a:solidFill>
+                <a:latin typeface="맑은 고딕" panose="020B0503020000020004" charset="-127"/>
+                <a:ea typeface="맑은 고딕" panose="020B0503020000020004" charset="-127"/>
+              </a:endParaRPr>
+            </a:p>
+          </p:txBody>
+        </p:sp>
+        <p:sp>
+          <p:nvSpPr>
+            <p:cNvPr id="35" name="텍스트 상자 25"/>
+            <p:cNvSpPr txBox="1"/>
+            <p:nvPr/>
+          </p:nvSpPr>
+          <p:spPr>
+            <a:xfrm>
+              <a:off x="5408295" y="4131945"/>
+              <a:ext cx="401955" cy="275590"/>
+            </a:xfrm>
+            <a:prstGeom prst="rect">
+              <a:avLst/>
+            </a:prstGeom>
+            <a:noFill/>
+          </p:spPr>
+          <p:txBody>
+            <a:bodyPr vert="horz" wrap="square" lIns="91440" tIns="45720" rIns="91440" bIns="45720" anchor="t">
+              <a:spAutoFit/>
+            </a:bodyPr>
+            <a:p>
+              <a:pPr marL="0" indent="0" algn="l" defTabSz="914400" eaLnBrk="1" latinLnBrk="1" hangingPunct="1">
+                <a:lnSpc>
+                  <a:spcPct val="100000"/>
+                </a:lnSpc>
+                <a:spcBef>
+                  <a:spcPts val="0"/>
+                </a:spcBef>
+                <a:spcAft>
+                  <a:spcPts val="0"/>
+                </a:spcAft>
+                <a:buFontTx/>
+                <a:buNone/>
+              </a:pPr>
+              <a:r>
+                <a:rPr lang="en-US" altLang="ko-KR" sz="1200" b="1">
+                  <a:solidFill>
+                    <a:schemeClr val="bg1"/>
+                  </a:solidFill>
+                  <a:latin typeface="맑은 고딕" panose="020B0503020000020004" charset="-127"/>
+                  <a:ea typeface="맑은 고딕" panose="020B0503020000020004" charset="-127"/>
+                </a:rPr>
+                <a:t>10</a:t>
+              </a:r>
+              <a:endParaRPr lang="en-US" altLang="ko-KR" sz="1200" b="1">
+                <a:solidFill>
+                  <a:schemeClr val="bg1"/>
+                </a:solidFill>
+                <a:latin typeface="맑은 고딕" panose="020B0503020000020004" charset="-127"/>
+                <a:ea typeface="맑은 고딕" panose="020B0503020000020004" charset="-127"/>
+              </a:endParaRPr>
+            </a:p>
+          </p:txBody>
+        </p:sp>
+      </p:grpSp>
     </p:spTree>
   </p:cSld>
   <p:clrMapOvr>
@@ -15555,7 +16443,286 @@
                         </a:rPr>
                         <a:t>1</a:t>
                       </a:r>
-                      <a:endParaRPr lang="ko-KR" altLang="en-US" sz="1000" b="0" i="0" kern="1200">
+                      <a:endParaRPr lang="en-US" altLang="ko-KR" sz="1000" b="0" i="0" kern="1200">
+                        <a:solidFill>
+                          <a:schemeClr val="tx1"/>
+                        </a:solidFill>
+                        <a:latin typeface="맑은 고딕" panose="020B0503020000020004" charset="-127"/>
+                        <a:ea typeface="맑은 고딕" panose="020B0503020000020004" charset="-127"/>
+                      </a:endParaRPr>
+                    </a:p>
+                  </a:txBody>
+                  <a:tcPr marL="0" marR="0" marT="0" marB="0" anchor="ctr">
+                    <a:lnL w="12700" cap="flat" cmpd="sng" algn="ctr">
+                      <a:solidFill>
+                        <a:srgbClr val="000000">
+                          <a:alpha val="100000"/>
+                        </a:srgbClr>
+                      </a:solidFill>
+                      <a:prstDash val="solid"/>
+                      <a:round/>
+                      <a:headEnd type="none" w="med" len="med"/>
+                      <a:tailEnd type="none" w="med" len="med"/>
+                    </a:lnL>
+                    <a:lnR w="12700" cap="flat" cmpd="sng" algn="ctr">
+                      <a:solidFill>
+                        <a:srgbClr val="000000">
+                          <a:alpha val="100000"/>
+                        </a:srgbClr>
+                      </a:solidFill>
+                      <a:prstDash val="solid"/>
+                      <a:round/>
+                      <a:headEnd type="none" w="med" len="med"/>
+                      <a:tailEnd type="none" w="med" len="med"/>
+                    </a:lnR>
+                    <a:lnT w="12700" cap="flat" cmpd="sng" algn="ctr">
+                      <a:solidFill>
+                        <a:srgbClr val="000000">
+                          <a:alpha val="100000"/>
+                        </a:srgbClr>
+                      </a:solidFill>
+                      <a:prstDash val="solid"/>
+                      <a:round/>
+                      <a:headEnd type="none" w="med" len="med"/>
+                      <a:tailEnd type="none" w="med" len="med"/>
+                    </a:lnT>
+                    <a:lnB w="12700" cap="flat" cmpd="sng" algn="ctr">
+                      <a:solidFill>
+                        <a:srgbClr val="000000">
+                          <a:alpha val="100000"/>
+                        </a:srgbClr>
+                      </a:solidFill>
+                      <a:prstDash val="solid"/>
+                      <a:round/>
+                      <a:headEnd type="none" w="med" len="med"/>
+                      <a:tailEnd type="none" w="med" len="med"/>
+                    </a:lnB>
+                    <a:noFill/>
+                  </a:tcPr>
+                </a:tc>
+                <a:tc>
+                  <a:txBody>
+                    <a:bodyPr/>
+                    <a:lstStyle/>
+                    <a:p>
+                      <a:pPr marL="0" indent="0" algn="ctr" defTabSz="914400" eaLnBrk="1" latinLnBrk="1" hangingPunct="1">
+                        <a:lnSpc>
+                          <a:spcPct val="100000"/>
+                        </a:lnSpc>
+                        <a:spcBef>
+                          <a:spcPts val="0"/>
+                        </a:spcBef>
+                        <a:spcAft>
+                          <a:spcPts val="0"/>
+                        </a:spcAft>
+                        <a:buFontTx/>
+                        <a:buNone/>
+                      </a:pPr>
+                      <a:r>
+                        <a:rPr lang="en-US" altLang="ko-KR" sz="1000" b="0" i="0" kern="1200">
+                          <a:solidFill>
+                            <a:schemeClr val="tx1"/>
+                          </a:solidFill>
+                          <a:latin typeface="맑은 고딕" panose="020B0503020000020004" charset="-127"/>
+                          <a:ea typeface="맑은 고딕" panose="020B0503020000020004" charset="-127"/>
+                        </a:rPr>
+                        <a:t>R</a:t>
+                      </a:r>
+                      <a:endParaRPr lang="en-US" altLang="ko-KR" sz="1000" b="0" i="0" kern="1200">
+                        <a:solidFill>
+                          <a:schemeClr val="tx1"/>
+                        </a:solidFill>
+                        <a:latin typeface="맑은 고딕" panose="020B0503020000020004" charset="-127"/>
+                        <a:ea typeface="맑은 고딕" panose="020B0503020000020004" charset="-127"/>
+                      </a:endParaRPr>
+                    </a:p>
+                  </a:txBody>
+                  <a:tcPr marL="0" marR="0" marT="0" marB="0" anchor="ctr">
+                    <a:lnL w="12700" cap="flat" cmpd="sng" algn="ctr">
+                      <a:solidFill>
+                        <a:srgbClr val="000000">
+                          <a:alpha val="100000"/>
+                        </a:srgbClr>
+                      </a:solidFill>
+                      <a:prstDash val="solid"/>
+                      <a:round/>
+                      <a:headEnd type="none" w="med" len="med"/>
+                      <a:tailEnd type="none" w="med" len="med"/>
+                    </a:lnL>
+                    <a:lnR w="12700" cap="flat" cmpd="sng" algn="ctr">
+                      <a:solidFill>
+                        <a:srgbClr val="000000">
+                          <a:alpha val="100000"/>
+                        </a:srgbClr>
+                      </a:solidFill>
+                      <a:prstDash val="solid"/>
+                      <a:round/>
+                      <a:headEnd type="none" w="med" len="med"/>
+                      <a:tailEnd type="none" w="med" len="med"/>
+                    </a:lnR>
+                    <a:lnT w="12700" cap="flat" cmpd="sng" algn="ctr">
+                      <a:solidFill>
+                        <a:srgbClr val="000000">
+                          <a:alpha val="100000"/>
+                        </a:srgbClr>
+                      </a:solidFill>
+                      <a:prstDash val="solid"/>
+                      <a:round/>
+                      <a:headEnd type="none" w="med" len="med"/>
+                      <a:tailEnd type="none" w="med" len="med"/>
+                    </a:lnT>
+                    <a:lnB w="12700" cap="flat" cmpd="sng" algn="ctr">
+                      <a:solidFill>
+                        <a:srgbClr val="000000">
+                          <a:alpha val="100000"/>
+                        </a:srgbClr>
+                      </a:solidFill>
+                      <a:prstDash val="solid"/>
+                      <a:round/>
+                      <a:headEnd type="none" w="med" len="med"/>
+                      <a:tailEnd type="none" w="med" len="med"/>
+                    </a:lnB>
+                    <a:noFill/>
+                  </a:tcPr>
+                </a:tc>
+                <a:tc>
+                  <a:txBody>
+                    <a:bodyPr/>
+                    <a:lstStyle/>
+                    <a:p>
+                      <a:pPr marL="0" indent="0" algn="ctr" defTabSz="914400" eaLnBrk="1" latinLnBrk="1" hangingPunct="1">
+                        <a:lnSpc>
+                          <a:spcPct val="100000"/>
+                        </a:lnSpc>
+                        <a:spcBef>
+                          <a:spcPts val="0"/>
+                        </a:spcBef>
+                        <a:spcAft>
+                          <a:spcPts val="0"/>
+                        </a:spcAft>
+                        <a:buFontTx/>
+                        <a:buNone/>
+                      </a:pPr>
+                      <a:r>
+                        <a:rPr lang="ko-KR" altLang="en-US" sz="1000" kern="1200">
+                          <a:solidFill>
+                            <a:schemeClr val="tx1"/>
+                          </a:solidFill>
+                          <a:latin typeface="맑은 고딕" panose="020B0503020000020004" charset="-127"/>
+                          <a:ea typeface="맑은 고딕" panose="020B0503020000020004" charset="-127"/>
+                        </a:rPr>
+                        <a:t>사용자의 이름 데이터를 </a:t>
+                      </a:r>
+                      <a:r>
+                        <a:rPr lang="en-US" altLang="ko-KR" sz="1000" kern="1200">
+                          <a:solidFill>
+                            <a:schemeClr val="tx1"/>
+                          </a:solidFill>
+                          <a:latin typeface="맑은 고딕" panose="020B0503020000020004" charset="-127"/>
+                          <a:ea typeface="맑은 고딕" panose="020B0503020000020004" charset="-127"/>
+                        </a:rPr>
+                        <a:t>DB</a:t>
+                      </a:r>
+                      <a:r>
+                        <a:rPr altLang="en-US" sz="1000" kern="1200">
+                          <a:solidFill>
+                            <a:schemeClr val="tx1"/>
+                          </a:solidFill>
+                          <a:latin typeface="맑은 고딕" panose="020B0503020000020004" charset="-127"/>
+                          <a:ea typeface="맑은 고딕" panose="020B0503020000020004" charset="-127"/>
+                        </a:rPr>
+                        <a:t>로부터 읽어와 입력</a:t>
+                      </a:r>
+                      <a:endParaRPr altLang="en-US" sz="1000" kern="1200">
+                        <a:solidFill>
+                          <a:schemeClr val="tx1"/>
+                        </a:solidFill>
+                        <a:latin typeface="맑은 고딕" panose="020B0503020000020004" charset="-127"/>
+                        <a:ea typeface="맑은 고딕" panose="020B0503020000020004" charset="-127"/>
+                      </a:endParaRPr>
+                    </a:p>
+                  </a:txBody>
+                  <a:tcPr marL="0" marR="0" marT="0" marB="0" anchor="ctr">
+                    <a:lnL w="12700" cap="flat" cmpd="sng" algn="ctr">
+                      <a:solidFill>
+                        <a:srgbClr val="000000">
+                          <a:alpha val="100000"/>
+                        </a:srgbClr>
+                      </a:solidFill>
+                      <a:prstDash val="solid"/>
+                      <a:round/>
+                      <a:headEnd type="none" w="med" len="med"/>
+                      <a:tailEnd type="none" w="med" len="med"/>
+                    </a:lnL>
+                    <a:lnR w="12700" cap="flat" cmpd="sng" algn="ctr">
+                      <a:solidFill>
+                        <a:srgbClr val="000000">
+                          <a:alpha val="100000"/>
+                        </a:srgbClr>
+                      </a:solidFill>
+                      <a:prstDash val="solid"/>
+                      <a:round/>
+                      <a:headEnd type="none" w="med" len="med"/>
+                      <a:tailEnd type="none" w="med" len="med"/>
+                    </a:lnR>
+                    <a:lnT w="12700" cap="flat" cmpd="sng" algn="ctr">
+                      <a:solidFill>
+                        <a:srgbClr val="000000">
+                          <a:alpha val="100000"/>
+                        </a:srgbClr>
+                      </a:solidFill>
+                      <a:prstDash val="solid"/>
+                      <a:round/>
+                      <a:headEnd type="none" w="med" len="med"/>
+                      <a:tailEnd type="none" w="med" len="med"/>
+                    </a:lnT>
+                    <a:lnB w="12700" cap="flat" cmpd="sng" algn="ctr">
+                      <a:solidFill>
+                        <a:srgbClr val="000000">
+                          <a:alpha val="100000"/>
+                        </a:srgbClr>
+                      </a:solidFill>
+                      <a:prstDash val="solid"/>
+                      <a:round/>
+                      <a:headEnd type="none" w="med" len="med"/>
+                      <a:tailEnd type="none" w="med" len="med"/>
+                    </a:lnB>
+                    <a:solidFill>
+                      <a:schemeClr val="bg1"/>
+                    </a:solidFill>
+                  </a:tcPr>
+                </a:tc>
+              </a:tr>
+              <a:tr h="526415">
+                <a:tc>
+                  <a:txBody>
+                    <a:bodyPr/>
+                    <a:lstStyle/>
+                    <a:p>
+                      <a:pPr marL="0" indent="0" algn="ctr" defTabSz="914400" eaLnBrk="1" latinLnBrk="1" hangingPunct="1">
+                        <a:lnSpc>
+                          <a:spcPct val="100000"/>
+                        </a:lnSpc>
+                        <a:spcBef>
+                          <a:spcPts val="0"/>
+                        </a:spcBef>
+                        <a:spcAft>
+                          <a:spcPts val="0"/>
+                        </a:spcAft>
+                        <a:buFontTx/>
+                        <a:buNone/>
+                      </a:pPr>
+                      <a:r>
+                        <a:rPr lang="en-US" altLang="ko-KR" sz="1000" b="0" i="0" kern="1200">
+                          <a:solidFill>
+                            <a:schemeClr val="tx1"/>
+                          </a:solidFill>
+                          <a:latin typeface="맑은 고딕" panose="020B0503020000020004" charset="-127"/>
+                          <a:ea typeface="맑은 고딕" panose="020B0503020000020004" charset="-127"/>
+                        </a:rPr>
+                        <a:t>2</a:t>
+                      </a:r>
+                      <a:endParaRPr lang="en-US" altLang="ko-KR" sz="1000" b="0" i="0" kern="1200">
                         <a:solidFill>
                           <a:schemeClr val="tx1"/>
                         </a:solidFill>
@@ -15812,9 +16979,9 @@
                           <a:latin typeface="맑은 고딕" panose="020B0503020000020004" charset="-127"/>
                           <a:ea typeface="맑은 고딕" panose="020B0503020000020004" charset="-127"/>
                         </a:rPr>
-                        <a:t>2</a:t>
+                        <a:t>3</a:t>
                       </a:r>
-                      <a:endParaRPr lang="ko-KR" altLang="en-US" sz="1000" b="0" i="0" kern="1200">
+                      <a:endParaRPr lang="en-US" altLang="ko-KR" sz="1000" b="0" i="0" kern="1200">
                         <a:solidFill>
                           <a:schemeClr val="tx1"/>
                         </a:solidFill>
@@ -16103,9 +17270,9 @@
                           <a:latin typeface="맑은 고딕" panose="020B0503020000020004" charset="-127"/>
                           <a:ea typeface="맑은 고딕" panose="020B0503020000020004" charset="-127"/>
                         </a:rPr>
-                        <a:t>3</a:t>
+                        <a:t>4</a:t>
                       </a:r>
-                      <a:endParaRPr lang="ko-KR" altLang="en-US" sz="1000" b="0" i="0" kern="1200">
+                      <a:endParaRPr lang="en-US" altLang="ko-KR" sz="1000" b="0" i="0" kern="1200">
                         <a:solidFill>
                           <a:schemeClr val="tx1"/>
                         </a:solidFill>
@@ -16394,9 +17561,9 @@
                           <a:latin typeface="맑은 고딕" panose="020B0503020000020004" charset="-127"/>
                           <a:ea typeface="맑은 고딕" panose="020B0503020000020004" charset="-127"/>
                         </a:rPr>
-                        <a:t>4</a:t>
+                        <a:t>5</a:t>
                       </a:r>
-                      <a:endParaRPr lang="ko-KR" altLang="en-US" sz="1000" b="0" i="0" kern="1200">
+                      <a:endParaRPr lang="en-US" altLang="ko-KR" sz="1000" b="0" i="0" kern="1200">
                         <a:solidFill>
                           <a:schemeClr val="tx1"/>
                         </a:solidFill>
@@ -16685,9 +17852,9 @@
                           <a:latin typeface="맑은 고딕" panose="020B0503020000020004" charset="-127"/>
                           <a:ea typeface="맑은 고딕" panose="020B0503020000020004" charset="-127"/>
                         </a:rPr>
-                        <a:t>5</a:t>
+                        <a:t>6</a:t>
                       </a:r>
-                      <a:endParaRPr lang="ko-KR" altLang="en-US" sz="1000" b="0" i="0" kern="1200">
+                      <a:endParaRPr lang="en-US" altLang="ko-KR" sz="1000" b="0" i="0" kern="1200">
                         <a:solidFill>
                           <a:schemeClr val="tx1"/>
                         </a:solidFill>
@@ -16889,7 +18056,17 @@
                         </a:rPr>
                         <a:t>선택시 사용자 입</a:t>
                       </a:r>
-                      <a:endParaRPr lang="ko-KR" altLang="en-US" sz="1000" kern="1200">
+                      <a:r>
+                        <a:rPr altLang="en-US" sz="1000" kern="1200">
+                          <a:solidFill>
+                            <a:schemeClr val="tx1"/>
+                          </a:solidFill>
+                          <a:latin typeface="맑은 고딕" panose="020B0503020000020004" charset="-127"/>
+                          <a:ea typeface="맑은 고딕" panose="020B0503020000020004" charset="-127"/>
+                        </a:rPr>
+                        <a:t>력</a:t>
+                      </a:r>
+                      <a:endParaRPr altLang="en-US" sz="1000" kern="1200">
                         <a:solidFill>
                           <a:schemeClr val="tx1"/>
                         </a:solidFill>
@@ -16949,7 +18126,7 @@
                   </a:tcPr>
                 </a:tc>
               </a:tr>
-              <a:tr h="526415">
+              <a:tr h="500380">
                 <a:tc>
                   <a:txBody>
                     <a:bodyPr/>
@@ -16976,9 +18153,9 @@
                           <a:latin typeface="맑은 고딕" panose="020B0503020000020004" charset="-127"/>
                           <a:ea typeface="맑은 고딕" panose="020B0503020000020004" charset="-127"/>
                         </a:rPr>
-                        <a:t>6</a:t>
+                        <a:t>7</a:t>
                       </a:r>
-                      <a:endParaRPr lang="ko-KR" altLang="en-US" sz="1000" b="0" i="0" kern="1200">
+                      <a:endParaRPr lang="en-US" altLang="ko-KR" sz="1000" b="0" i="0" kern="1200">
                         <a:solidFill>
                           <a:schemeClr val="tx1"/>
                         </a:solidFill>
@@ -17208,7 +18385,7 @@
                   </a:tcPr>
                 </a:tc>
               </a:tr>
-              <a:tr h="500380">
+              <a:tr h="509270">
                 <a:tc>
                   <a:txBody>
                     <a:bodyPr/>
@@ -17235,9 +18412,9 @@
                           <a:latin typeface="맑은 고딕" panose="020B0503020000020004" charset="-127"/>
                           <a:ea typeface="맑은 고딕" panose="020B0503020000020004" charset="-127"/>
                         </a:rPr>
-                        <a:t>7</a:t>
+                        <a:t>8</a:t>
                       </a:r>
-                      <a:endParaRPr lang="ko-KR" altLang="en-US" sz="1000" b="0" i="0" kern="1200">
+                      <a:endParaRPr lang="en-US" altLang="ko-KR" sz="1000" b="0" i="0" kern="1200">
                         <a:solidFill>
                           <a:schemeClr val="tx1"/>
                         </a:solidFill>
@@ -17397,235 +18574,6 @@
                         </a:rPr>
                         <a:t>현재 페이지의 위치를 표시</a:t>
                       </a:r>
-                      <a:endParaRPr lang="ko-KR" altLang="en-US" sz="1000" b="0" i="0" kern="1200">
-                        <a:solidFill>
-                          <a:schemeClr val="tx1"/>
-                        </a:solidFill>
-                        <a:latin typeface="맑은 고딕" panose="020B0503020000020004" charset="-127"/>
-                        <a:ea typeface="맑은 고딕" panose="020B0503020000020004" charset="-127"/>
-                      </a:endParaRPr>
-                    </a:p>
-                  </a:txBody>
-                  <a:tcPr marL="0" marR="0" marT="0" marB="0" anchor="ctr">
-                    <a:lnL w="12700" cap="flat" cmpd="sng" algn="ctr">
-                      <a:solidFill>
-                        <a:srgbClr val="000000">
-                          <a:alpha val="100000"/>
-                        </a:srgbClr>
-                      </a:solidFill>
-                      <a:prstDash val="solid"/>
-                      <a:round/>
-                      <a:headEnd type="none" w="med" len="med"/>
-                      <a:tailEnd type="none" w="med" len="med"/>
-                    </a:lnL>
-                    <a:lnR w="12700" cap="flat" cmpd="sng" algn="ctr">
-                      <a:solidFill>
-                        <a:srgbClr val="000000">
-                          <a:alpha val="100000"/>
-                        </a:srgbClr>
-                      </a:solidFill>
-                      <a:prstDash val="solid"/>
-                      <a:round/>
-                      <a:headEnd type="none" w="med" len="med"/>
-                      <a:tailEnd type="none" w="med" len="med"/>
-                    </a:lnR>
-                    <a:lnT w="12700" cap="flat" cmpd="sng" algn="ctr">
-                      <a:solidFill>
-                        <a:srgbClr val="000000">
-                          <a:alpha val="100000"/>
-                        </a:srgbClr>
-                      </a:solidFill>
-                      <a:prstDash val="solid"/>
-                      <a:round/>
-                      <a:headEnd type="none" w="med" len="med"/>
-                      <a:tailEnd type="none" w="med" len="med"/>
-                    </a:lnT>
-                    <a:lnB w="12700" cap="flat" cmpd="sng" algn="ctr">
-                      <a:solidFill>
-                        <a:srgbClr val="000000">
-                          <a:alpha val="100000"/>
-                        </a:srgbClr>
-                      </a:solidFill>
-                      <a:prstDash val="solid"/>
-                      <a:round/>
-                      <a:headEnd type="none" w="med" len="med"/>
-                      <a:tailEnd type="none" w="med" len="med"/>
-                    </a:lnB>
-                    <a:solidFill>
-                      <a:schemeClr val="bg1"/>
-                    </a:solidFill>
-                  </a:tcPr>
-                </a:tc>
-              </a:tr>
-              <a:tr h="509270">
-                <a:tc>
-                  <a:txBody>
-                    <a:bodyPr/>
-                    <a:lstStyle/>
-                    <a:p>
-                      <a:pPr marL="0" indent="0" algn="ctr" defTabSz="914400" eaLnBrk="1" latinLnBrk="1" hangingPunct="1">
-                        <a:lnSpc>
-                          <a:spcPct val="100000"/>
-                        </a:lnSpc>
-                        <a:spcBef>
-                          <a:spcPts val="0"/>
-                        </a:spcBef>
-                        <a:spcAft>
-                          <a:spcPts val="0"/>
-                        </a:spcAft>
-                        <a:buFontTx/>
-                        <a:buNone/>
-                      </a:pPr>
-                      <a:endParaRPr lang="ko-KR" altLang="en-US" sz="1000" b="0" i="0" kern="1200">
-                        <a:solidFill>
-                          <a:schemeClr val="tx1"/>
-                        </a:solidFill>
-                        <a:latin typeface="맑은 고딕" panose="020B0503020000020004" charset="-127"/>
-                        <a:ea typeface="맑은 고딕" panose="020B0503020000020004" charset="-127"/>
-                      </a:endParaRPr>
-                    </a:p>
-                  </a:txBody>
-                  <a:tcPr marL="0" marR="0" marT="0" marB="0" anchor="ctr">
-                    <a:lnL w="12700" cap="flat" cmpd="sng" algn="ctr">
-                      <a:solidFill>
-                        <a:srgbClr val="000000">
-                          <a:alpha val="100000"/>
-                        </a:srgbClr>
-                      </a:solidFill>
-                      <a:prstDash val="solid"/>
-                      <a:round/>
-                      <a:headEnd type="none" w="med" len="med"/>
-                      <a:tailEnd type="none" w="med" len="med"/>
-                    </a:lnL>
-                    <a:lnR w="12700" cap="flat" cmpd="sng" algn="ctr">
-                      <a:solidFill>
-                        <a:srgbClr val="000000">
-                          <a:alpha val="100000"/>
-                        </a:srgbClr>
-                      </a:solidFill>
-                      <a:prstDash val="solid"/>
-                      <a:round/>
-                      <a:headEnd type="none" w="med" len="med"/>
-                      <a:tailEnd type="none" w="med" len="med"/>
-                    </a:lnR>
-                    <a:lnT w="12700" cap="flat" cmpd="sng" algn="ctr">
-                      <a:solidFill>
-                        <a:srgbClr val="000000">
-                          <a:alpha val="100000"/>
-                        </a:srgbClr>
-                      </a:solidFill>
-                      <a:prstDash val="solid"/>
-                      <a:round/>
-                      <a:headEnd type="none" w="med" len="med"/>
-                      <a:tailEnd type="none" w="med" len="med"/>
-                    </a:lnT>
-                    <a:lnB w="12700" cap="flat" cmpd="sng" algn="ctr">
-                      <a:solidFill>
-                        <a:srgbClr val="000000">
-                          <a:alpha val="100000"/>
-                        </a:srgbClr>
-                      </a:solidFill>
-                      <a:prstDash val="solid"/>
-                      <a:round/>
-                      <a:headEnd type="none" w="med" len="med"/>
-                      <a:tailEnd type="none" w="med" len="med"/>
-                    </a:lnB>
-                    <a:noFill/>
-                  </a:tcPr>
-                </a:tc>
-                <a:tc>
-                  <a:txBody>
-                    <a:bodyPr/>
-                    <a:lstStyle/>
-                    <a:p>
-                      <a:pPr marL="0" indent="0" algn="ctr" defTabSz="914400" eaLnBrk="1" latinLnBrk="1" hangingPunct="1">
-                        <a:lnSpc>
-                          <a:spcPct val="100000"/>
-                        </a:lnSpc>
-                        <a:spcBef>
-                          <a:spcPts val="0"/>
-                        </a:spcBef>
-                        <a:spcAft>
-                          <a:spcPts val="0"/>
-                        </a:spcAft>
-                        <a:buFontTx/>
-                        <a:buNone/>
-                      </a:pPr>
-                      <a:endParaRPr lang="ko-KR" altLang="en-US" sz="1000" b="0" i="0" kern="1200">
-                        <a:solidFill>
-                          <a:schemeClr val="tx1"/>
-                        </a:solidFill>
-                        <a:latin typeface="맑은 고딕" panose="020B0503020000020004" charset="-127"/>
-                        <a:ea typeface="맑은 고딕" panose="020B0503020000020004" charset="-127"/>
-                      </a:endParaRPr>
-                    </a:p>
-                  </a:txBody>
-                  <a:tcPr marL="0" marR="0" marT="0" marB="0" anchor="ctr">
-                    <a:lnL w="12700" cap="flat" cmpd="sng" algn="ctr">
-                      <a:solidFill>
-                        <a:srgbClr val="000000">
-                          <a:alpha val="100000"/>
-                        </a:srgbClr>
-                      </a:solidFill>
-                      <a:prstDash val="solid"/>
-                      <a:round/>
-                      <a:headEnd type="none" w="med" len="med"/>
-                      <a:tailEnd type="none" w="med" len="med"/>
-                    </a:lnL>
-                    <a:lnR w="12700" cap="flat" cmpd="sng" algn="ctr">
-                      <a:solidFill>
-                        <a:srgbClr val="000000">
-                          <a:alpha val="100000"/>
-                        </a:srgbClr>
-                      </a:solidFill>
-                      <a:prstDash val="solid"/>
-                      <a:round/>
-                      <a:headEnd type="none" w="med" len="med"/>
-                      <a:tailEnd type="none" w="med" len="med"/>
-                    </a:lnR>
-                    <a:lnT w="12700" cap="flat" cmpd="sng" algn="ctr">
-                      <a:solidFill>
-                        <a:srgbClr val="000000">
-                          <a:alpha val="100000"/>
-                        </a:srgbClr>
-                      </a:solidFill>
-                      <a:prstDash val="solid"/>
-                      <a:round/>
-                      <a:headEnd type="none" w="med" len="med"/>
-                      <a:tailEnd type="none" w="med" len="med"/>
-                    </a:lnT>
-                    <a:lnB w="12700" cap="flat" cmpd="sng" algn="ctr">
-                      <a:solidFill>
-                        <a:srgbClr val="000000">
-                          <a:alpha val="100000"/>
-                        </a:srgbClr>
-                      </a:solidFill>
-                      <a:prstDash val="solid"/>
-                      <a:round/>
-                      <a:headEnd type="none" w="med" len="med"/>
-                      <a:tailEnd type="none" w="med" len="med"/>
-                    </a:lnB>
-                    <a:noFill/>
-                  </a:tcPr>
-                </a:tc>
-                <a:tc>
-                  <a:txBody>
-                    <a:bodyPr/>
-                    <a:lstStyle/>
-                    <a:p>
-                      <a:pPr marL="0" indent="0" algn="ctr" defTabSz="914400" eaLnBrk="1" latinLnBrk="1" hangingPunct="1">
-                        <a:lnSpc>
-                          <a:spcPct val="100000"/>
-                        </a:lnSpc>
-                        <a:spcBef>
-                          <a:spcPts val="0"/>
-                        </a:spcBef>
-                        <a:spcAft>
-                          <a:spcPts val="0"/>
-                        </a:spcAft>
-                        <a:buFontTx/>
-                        <a:buNone/>
-                      </a:pPr>
                       <a:endParaRPr lang="ko-KR" altLang="en-US" sz="1000" b="0" i="0" kern="1200">
                         <a:solidFill>
                           <a:schemeClr val="tx1"/>
@@ -18417,10 +19365,10 @@
         </p:nvGrpSpPr>
         <p:grpSpPr>
           <a:xfrm rot="0">
-            <a:off x="5463540" y="2632075"/>
-            <a:ext cx="238760" cy="260985"/>
+            <a:off x="5444490" y="2632075"/>
+            <a:ext cx="239395" cy="260350"/>
             <a:chOff x="5463540" y="2632075"/>
-            <a:chExt cx="238760" cy="260985"/>
+            <a:chExt cx="239395" cy="260350"/>
           </a:xfrm>
         </p:grpSpPr>
         <p:sp>
@@ -18493,7 +19441,7 @@
           <p:spPr>
             <a:xfrm>
               <a:off x="5463540" y="2632075"/>
-              <a:ext cx="220345" cy="260985"/>
+              <a:ext cx="220345" cy="260350"/>
             </a:xfrm>
             <a:prstGeom prst="rect">
               <a:avLst/>
@@ -18527,9 +19475,9 @@
                   <a:latin typeface="맑은 고딕" panose="020B0503020000020004" charset="-127"/>
                   <a:ea typeface="맑은 고딕" panose="020B0503020000020004" charset="-127"/>
                 </a:rPr>
-                <a:t>1</a:t>
+                <a:t>2</a:t>
               </a:r>
-              <a:endParaRPr lang="ko-KR" altLang="en-US" sz="1100" b="1">
+              <a:endParaRPr lang="en-US" altLang="ko-KR" sz="1100" b="1">
                 <a:solidFill>
                   <a:schemeClr val="bg1"/>
                 </a:solidFill>
@@ -18549,9 +19497,9 @@
         <p:grpSpPr>
           <a:xfrm rot="0">
             <a:off x="7463155" y="2640965"/>
-            <a:ext cx="239395" cy="260985"/>
+            <a:ext cx="239395" cy="260350"/>
             <a:chOff x="7463155" y="2640965"/>
-            <a:chExt cx="239395" cy="260985"/>
+            <a:chExt cx="239395" cy="260350"/>
           </a:xfrm>
         </p:grpSpPr>
         <p:sp>
@@ -18624,7 +19572,7 @@
           <p:spPr>
             <a:xfrm>
               <a:off x="7463155" y="2640965"/>
-              <a:ext cx="220345" cy="260985"/>
+              <a:ext cx="220345" cy="260350"/>
             </a:xfrm>
             <a:prstGeom prst="rect">
               <a:avLst/>
@@ -18658,9 +19606,9 @@
                   <a:latin typeface="맑은 고딕" panose="020B0503020000020004" charset="-127"/>
                   <a:ea typeface="맑은 고딕" panose="020B0503020000020004" charset="-127"/>
                 </a:rPr>
-                <a:t>2</a:t>
+                <a:t>3</a:t>
               </a:r>
-              <a:endParaRPr lang="ko-KR" altLang="en-US" sz="1100" b="1">
+              <a:endParaRPr lang="en-US" altLang="ko-KR" sz="1100" b="1">
                 <a:solidFill>
                   <a:schemeClr val="bg1"/>
                 </a:solidFill>
@@ -18680,9 +19628,9 @@
         <p:grpSpPr>
           <a:xfrm rot="0">
             <a:off x="5607050" y="3279775"/>
-            <a:ext cx="239395" cy="260985"/>
+            <a:ext cx="239395" cy="260350"/>
             <a:chOff x="5607050" y="3279775"/>
-            <a:chExt cx="239395" cy="260985"/>
+            <a:chExt cx="239395" cy="260350"/>
           </a:xfrm>
         </p:grpSpPr>
         <p:sp>
@@ -18755,7 +19703,7 @@
           <p:spPr>
             <a:xfrm>
               <a:off x="5607050" y="3279775"/>
-              <a:ext cx="220345" cy="260985"/>
+              <a:ext cx="220345" cy="260350"/>
             </a:xfrm>
             <a:prstGeom prst="rect">
               <a:avLst/>
@@ -18789,9 +19737,9 @@
                   <a:latin typeface="맑은 고딕" panose="020B0503020000020004" charset="-127"/>
                   <a:ea typeface="맑은 고딕" panose="020B0503020000020004" charset="-127"/>
                 </a:rPr>
-                <a:t>3</a:t>
+                <a:t>4</a:t>
               </a:r>
-              <a:endParaRPr lang="ko-KR" altLang="en-US" sz="1100" b="1">
+              <a:endParaRPr lang="en-US" altLang="ko-KR" sz="1100" b="1">
                 <a:solidFill>
                   <a:schemeClr val="bg1"/>
                 </a:solidFill>
@@ -18811,9 +19759,9 @@
         <p:grpSpPr>
           <a:xfrm rot="0">
             <a:off x="5826760" y="3892550"/>
-            <a:ext cx="239395" cy="260985"/>
+            <a:ext cx="239395" cy="260350"/>
             <a:chOff x="5826760" y="3892550"/>
-            <a:chExt cx="239395" cy="260985"/>
+            <a:chExt cx="239395" cy="260350"/>
           </a:xfrm>
         </p:grpSpPr>
         <p:sp>
@@ -18886,7 +19834,7 @@
           <p:spPr>
             <a:xfrm>
               <a:off x="5826760" y="3892550"/>
-              <a:ext cx="220345" cy="260985"/>
+              <a:ext cx="220345" cy="260350"/>
             </a:xfrm>
             <a:prstGeom prst="rect">
               <a:avLst/>
@@ -18920,9 +19868,9 @@
                   <a:latin typeface="맑은 고딕" panose="020B0503020000020004" charset="-127"/>
                   <a:ea typeface="맑은 고딕" panose="020B0503020000020004" charset="-127"/>
                 </a:rPr>
-                <a:t>4</a:t>
+                <a:t>5</a:t>
               </a:r>
-              <a:endParaRPr lang="ko-KR" altLang="en-US" sz="1100" b="1">
+              <a:endParaRPr lang="en-US" altLang="ko-KR" sz="1100" b="1">
                 <a:solidFill>
                   <a:schemeClr val="bg1"/>
                 </a:solidFill>
@@ -18942,9 +19890,9 @@
         <p:grpSpPr>
           <a:xfrm rot="0">
             <a:off x="7039610" y="3892550"/>
-            <a:ext cx="239395" cy="260985"/>
+            <a:ext cx="239395" cy="260350"/>
             <a:chOff x="7039610" y="3892550"/>
-            <a:chExt cx="239395" cy="260985"/>
+            <a:chExt cx="239395" cy="260350"/>
           </a:xfrm>
         </p:grpSpPr>
         <p:sp>
@@ -19017,7 +19965,7 @@
           <p:spPr>
             <a:xfrm>
               <a:off x="7039610" y="3892550"/>
-              <a:ext cx="220345" cy="260985"/>
+              <a:ext cx="220345" cy="260350"/>
             </a:xfrm>
             <a:prstGeom prst="rect">
               <a:avLst/>
@@ -19051,9 +19999,9 @@
                   <a:latin typeface="맑은 고딕" panose="020B0503020000020004" charset="-127"/>
                   <a:ea typeface="맑은 고딕" panose="020B0503020000020004" charset="-127"/>
                 </a:rPr>
-                <a:t>4</a:t>
+                <a:t>5</a:t>
               </a:r>
-              <a:endParaRPr lang="ko-KR" altLang="en-US" sz="1100" b="1">
+              <a:endParaRPr lang="en-US" altLang="ko-KR" sz="1100" b="1">
                 <a:solidFill>
                   <a:schemeClr val="bg1"/>
                 </a:solidFill>
@@ -19073,9 +20021,9 @@
         <p:grpSpPr>
           <a:xfrm rot="0">
             <a:off x="4886960" y="3892550"/>
-            <a:ext cx="239395" cy="260985"/>
+            <a:ext cx="239395" cy="260350"/>
             <a:chOff x="4886960" y="3892550"/>
-            <a:chExt cx="239395" cy="260985"/>
+            <a:chExt cx="239395" cy="260350"/>
           </a:xfrm>
         </p:grpSpPr>
         <p:sp>
@@ -19148,7 +20096,7 @@
           <p:spPr>
             <a:xfrm>
               <a:off x="4886960" y="3892550"/>
-              <a:ext cx="220345" cy="260985"/>
+              <a:ext cx="220345" cy="260350"/>
             </a:xfrm>
             <a:prstGeom prst="rect">
               <a:avLst/>
@@ -19182,9 +20130,9 @@
                   <a:latin typeface="맑은 고딕" panose="020B0503020000020004" charset="-127"/>
                   <a:ea typeface="맑은 고딕" panose="020B0503020000020004" charset="-127"/>
                 </a:rPr>
-                <a:t>4</a:t>
+                <a:t>5</a:t>
               </a:r>
-              <a:endParaRPr lang="ko-KR" altLang="en-US" sz="1100" b="1">
+              <a:endParaRPr lang="en-US" altLang="ko-KR" sz="1100" b="1">
                 <a:solidFill>
                   <a:schemeClr val="bg1"/>
                 </a:solidFill>
@@ -19203,10 +20151,10 @@
         </p:nvGrpSpPr>
         <p:grpSpPr>
           <a:xfrm rot="0">
-            <a:off x="4902200" y="4562475"/>
-            <a:ext cx="239395" cy="260985"/>
+            <a:off x="4892675" y="4562475"/>
+            <a:ext cx="239395" cy="260350"/>
             <a:chOff x="4902200" y="4562475"/>
-            <a:chExt cx="239395" cy="260985"/>
+            <a:chExt cx="239395" cy="260350"/>
           </a:xfrm>
         </p:grpSpPr>
         <p:sp>
@@ -19279,7 +20227,7 @@
           <p:spPr>
             <a:xfrm>
               <a:off x="4902200" y="4562475"/>
-              <a:ext cx="220345" cy="260985"/>
+              <a:ext cx="220345" cy="260350"/>
             </a:xfrm>
             <a:prstGeom prst="rect">
               <a:avLst/>
@@ -19313,9 +20261,9 @@
                   <a:latin typeface="맑은 고딕" panose="020B0503020000020004" charset="-127"/>
                   <a:ea typeface="맑은 고딕" panose="020B0503020000020004" charset="-127"/>
                 </a:rPr>
-                <a:t>5</a:t>
+                <a:t>6</a:t>
               </a:r>
-              <a:endParaRPr lang="ko-KR" altLang="en-US" sz="1100" b="1">
+              <a:endParaRPr lang="en-US" altLang="ko-KR" sz="1100" b="1">
                 <a:solidFill>
                   <a:schemeClr val="bg1"/>
                 </a:solidFill>
@@ -19335,9 +20283,9 @@
         <p:grpSpPr>
           <a:xfrm rot="0">
             <a:off x="4901565" y="5191125"/>
-            <a:ext cx="239395" cy="260985"/>
+            <a:ext cx="239395" cy="260350"/>
             <a:chOff x="4901565" y="5191125"/>
-            <a:chExt cx="239395" cy="260985"/>
+            <a:chExt cx="239395" cy="260350"/>
           </a:xfrm>
         </p:grpSpPr>
         <p:sp>
@@ -19410,7 +20358,7 @@
           <p:spPr>
             <a:xfrm>
               <a:off x="4901565" y="5191125"/>
-              <a:ext cx="220345" cy="260985"/>
+              <a:ext cx="220345" cy="260350"/>
             </a:xfrm>
             <a:prstGeom prst="rect">
               <a:avLst/>
@@ -19444,9 +20392,9 @@
                   <a:latin typeface="맑은 고딕" panose="020B0503020000020004" charset="-127"/>
                   <a:ea typeface="맑은 고딕" panose="020B0503020000020004" charset="-127"/>
                 </a:rPr>
-                <a:t>6</a:t>
+                <a:t>7</a:t>
               </a:r>
-              <a:endParaRPr lang="ko-KR" altLang="en-US" sz="1100" b="1">
+              <a:endParaRPr lang="en-US" altLang="ko-KR" sz="1100" b="1">
                 <a:solidFill>
                   <a:schemeClr val="bg1"/>
                 </a:solidFill>
@@ -19498,9 +20446,9 @@
         <p:grpSpPr>
           <a:xfrm rot="0">
             <a:off x="6963410" y="1317625"/>
-            <a:ext cx="239395" cy="260985"/>
+            <a:ext cx="239395" cy="260350"/>
             <a:chOff x="6963410" y="1317625"/>
-            <a:chExt cx="239395" cy="260985"/>
+            <a:chExt cx="239395" cy="260350"/>
           </a:xfrm>
         </p:grpSpPr>
         <p:sp>
@@ -19573,7 +20521,7 @@
           <p:spPr>
             <a:xfrm>
               <a:off x="6963410" y="1317625"/>
-              <a:ext cx="220345" cy="260985"/>
+              <a:ext cx="220345" cy="260350"/>
             </a:xfrm>
             <a:prstGeom prst="rect">
               <a:avLst/>
@@ -19607,9 +20555,9 @@
                   <a:latin typeface="맑은 고딕" panose="020B0503020000020004" charset="-127"/>
                   <a:ea typeface="맑은 고딕" panose="020B0503020000020004" charset="-127"/>
                 </a:rPr>
-                <a:t>7</a:t>
+                <a:t>8</a:t>
               </a:r>
-              <a:endParaRPr lang="ko-KR" altLang="en-US" sz="1100" b="1">
+              <a:endParaRPr lang="en-US" altLang="ko-KR" sz="1100" b="1">
                 <a:solidFill>
                   <a:schemeClr val="bg1"/>
                 </a:solidFill>
@@ -20393,6 +21341,135 @@
           </a:graphicData>
         </a:graphic>
       </p:graphicFrame>
+      <p:grpSp>
+        <p:nvGrpSpPr>
+          <p:cNvPr id="8" name="그룹 19"/>
+          <p:cNvGrpSpPr/>
+          <p:nvPr/>
+        </p:nvGrpSpPr>
+        <p:grpSpPr>
+          <a:xfrm rot="0">
+            <a:off x="6175375" y="2039620"/>
+            <a:ext cx="238760" cy="260985"/>
+            <a:chOff x="5463540" y="2632075"/>
+            <a:chExt cx="238760" cy="260985"/>
+          </a:xfrm>
+        </p:grpSpPr>
+        <p:sp>
+          <p:nvSpPr>
+            <p:cNvPr id="9" name="도형 15"/>
+            <p:cNvSpPr/>
+            <p:nvPr/>
+          </p:nvSpPr>
+          <p:spPr>
+            <a:xfrm>
+              <a:off x="5493385" y="2667000"/>
+              <a:ext cx="209550" cy="209550"/>
+            </a:xfrm>
+            <a:prstGeom prst="ellipse">
+              <a:avLst/>
+            </a:prstGeom>
+            <a:solidFill>
+              <a:srgbClr val="FF0000"/>
+            </a:solidFill>
+          </p:spPr>
+          <p:style>
+            <a:lnRef idx="1">
+              <a:schemeClr val="accent2"/>
+            </a:lnRef>
+            <a:fillRef idx="3">
+              <a:schemeClr val="accent2"/>
+            </a:fillRef>
+            <a:effectRef idx="2">
+              <a:schemeClr val="accent2"/>
+            </a:effectRef>
+            <a:fontRef idx="minor">
+              <a:schemeClr val="lt1"/>
+            </a:fontRef>
+          </p:style>
+          <p:txBody>
+            <a:bodyPr vert="horz" wrap="square" lIns="91440" tIns="45720" rIns="91440" bIns="45720" anchor="ctr">
+              <a:noAutofit/>
+            </a:bodyPr>
+            <a:p>
+              <a:pPr marL="0" indent="0" algn="ctr" defTabSz="914400" eaLnBrk="1" latinLnBrk="1" hangingPunct="1">
+                <a:lnSpc>
+                  <a:spcPct val="100000"/>
+                </a:lnSpc>
+                <a:spcBef>
+                  <a:spcPts val="0"/>
+                </a:spcBef>
+                <a:spcAft>
+                  <a:spcPts val="0"/>
+                </a:spcAft>
+                <a:buFontTx/>
+                <a:buNone/>
+              </a:pPr>
+              <a:endParaRPr lang="ko-KR" altLang="en-US" sz="1800">
+                <a:solidFill>
+                  <a:srgbClr val="000000"/>
+                </a:solidFill>
+                <a:latin typeface="맑은 고딕" panose="020B0503020000020004" charset="-127"/>
+                <a:ea typeface="맑은 고딕" panose="020B0503020000020004" charset="-127"/>
+              </a:endParaRPr>
+            </a:p>
+          </p:txBody>
+        </p:sp>
+        <p:sp>
+          <p:nvSpPr>
+            <p:cNvPr id="10" name="텍스트 상자 16"/>
+            <p:cNvSpPr txBox="1"/>
+            <p:nvPr/>
+          </p:nvSpPr>
+          <p:spPr>
+            <a:xfrm>
+              <a:off x="5463540" y="2632075"/>
+              <a:ext cx="220345" cy="260985"/>
+            </a:xfrm>
+            <a:prstGeom prst="rect">
+              <a:avLst/>
+            </a:prstGeom>
+            <a:noFill/>
+          </p:spPr>
+          <p:txBody>
+            <a:bodyPr vert="horz" wrap="square" lIns="91440" tIns="45720" rIns="91440" bIns="45720" anchor="t">
+              <a:spAutoFit/>
+            </a:bodyPr>
+            <a:p>
+              <a:pPr marL="0" indent="0" algn="l" defTabSz="914400" eaLnBrk="1" latinLnBrk="1" hangingPunct="1">
+                <a:lnSpc>
+                  <a:spcPct val="100000"/>
+                </a:lnSpc>
+                <a:spcBef>
+                  <a:spcPts val="0"/>
+                </a:spcBef>
+                <a:spcAft>
+                  <a:spcPts val="0"/>
+                </a:spcAft>
+                <a:buFontTx/>
+                <a:buNone/>
+              </a:pPr>
+              <a:r>
+                <a:rPr lang="en-US" altLang="ko-KR" sz="1100" b="1">
+                  <a:solidFill>
+                    <a:schemeClr val="bg1"/>
+                  </a:solidFill>
+                  <a:latin typeface="맑은 고딕" panose="020B0503020000020004" charset="-127"/>
+                  <a:ea typeface="맑은 고딕" panose="020B0503020000020004" charset="-127"/>
+                </a:rPr>
+                <a:t>1</a:t>
+              </a:r>
+              <a:endParaRPr lang="ko-KR" altLang="en-US" sz="1100" b="1">
+                <a:solidFill>
+                  <a:schemeClr val="bg1"/>
+                </a:solidFill>
+                <a:latin typeface="맑은 고딕" panose="020B0503020000020004" charset="-127"/>
+                <a:ea typeface="맑은 고딕" panose="020B0503020000020004" charset="-127"/>
+              </a:endParaRPr>
+            </a:p>
+          </p:txBody>
+        </p:sp>
+      </p:grpSp>
     </p:spTree>
   </p:cSld>
   <p:clrMapOvr>

--- a/Text/02.화면설계도/3th_Project_화면 설계도(이유의).pptx
+++ b/Text/02.화면설계도/3th_Project_화면 설계도(이유의).pptx
@@ -11,13 +11,13 @@
     <p:handoutMasterId r:id="rId11"/>
   </p:handoutMasterIdLst>
   <p:sldIdLst>
-    <p:sldId id="281" r:id="rId3"/>
-    <p:sldId id="282" r:id="rId5"/>
-    <p:sldId id="283" r:id="rId6"/>
-    <p:sldId id="284" r:id="rId7"/>
-    <p:sldId id="285" r:id="rId8"/>
-    <p:sldId id="286" r:id="rId9"/>
-    <p:sldId id="287" r:id="rId10"/>
+    <p:sldId id="288" r:id="rId3"/>
+    <p:sldId id="289" r:id="rId5"/>
+    <p:sldId id="290" r:id="rId6"/>
+    <p:sldId id="291" r:id="rId7"/>
+    <p:sldId id="292" r:id="rId8"/>
+    <p:sldId id="293" r:id="rId9"/>
+    <p:sldId id="294" r:id="rId10"/>
   </p:sldIdLst>
   <p:sldSz cx="12192000" cy="6858000"/>
   <p:notesSz cx="6858000" cy="9144000"/>
@@ -654,7 +654,7 @@
         <p:spPr>
           <a:xfrm>
             <a:off x="685800" y="1143000"/>
-            <a:ext cx="5487035" cy="3086735"/>
+            <a:ext cx="5487670" cy="3087370"/>
           </a:xfrm>
           <a:prstGeom prst="rect">
             <a:avLst/>
@@ -702,7 +702,7 @@
         <p:spPr>
           <a:xfrm>
             <a:off x="685800" y="4400550"/>
-            <a:ext cx="5487035" cy="3601085"/>
+            <a:ext cx="5487670" cy="3601720"/>
           </a:xfrm>
           <a:prstGeom prst="rect">
             <a:avLst/>
@@ -741,7 +741,7 @@
         <p:spPr>
           <a:xfrm>
             <a:off x="3884930" y="8685530"/>
-            <a:ext cx="2972435" cy="459105"/>
+            <a:ext cx="2973070" cy="459740"/>
           </a:xfrm>
           <a:prstGeom prst="rect">
             <a:avLst/>
@@ -811,7 +811,7 @@
         <p:spPr>
           <a:xfrm>
             <a:off x="685800" y="1143000"/>
-            <a:ext cx="5487035" cy="3086735"/>
+            <a:ext cx="5487670" cy="3087370"/>
           </a:xfrm>
           <a:prstGeom prst="rect">
             <a:avLst/>
@@ -859,7 +859,7 @@
         <p:spPr>
           <a:xfrm>
             <a:off x="685800" y="4400550"/>
-            <a:ext cx="5487035" cy="3601085"/>
+            <a:ext cx="5487670" cy="3601720"/>
           </a:xfrm>
           <a:prstGeom prst="rect">
             <a:avLst/>
@@ -898,7 +898,7 @@
         <p:spPr>
           <a:xfrm>
             <a:off x="3884930" y="8685530"/>
-            <a:ext cx="2972435" cy="459105"/>
+            <a:ext cx="2973070" cy="459740"/>
           </a:xfrm>
           <a:prstGeom prst="rect">
             <a:avLst/>
@@ -968,7 +968,7 @@
         <p:spPr>
           <a:xfrm>
             <a:off x="685800" y="1143000"/>
-            <a:ext cx="5487035" cy="3086735"/>
+            <a:ext cx="5487670" cy="3087370"/>
           </a:xfrm>
           <a:prstGeom prst="rect">
             <a:avLst/>
@@ -1016,7 +1016,7 @@
         <p:spPr>
           <a:xfrm>
             <a:off x="685800" y="4400550"/>
-            <a:ext cx="5487035" cy="3601085"/>
+            <a:ext cx="5487670" cy="3601720"/>
           </a:xfrm>
           <a:prstGeom prst="rect">
             <a:avLst/>
@@ -1055,7 +1055,7 @@
         <p:spPr>
           <a:xfrm>
             <a:off x="3884930" y="8685530"/>
-            <a:ext cx="2972435" cy="459105"/>
+            <a:ext cx="2973070" cy="459740"/>
           </a:xfrm>
           <a:prstGeom prst="rect">
             <a:avLst/>
@@ -1125,7 +1125,7 @@
         <p:spPr>
           <a:xfrm>
             <a:off x="685800" y="1143000"/>
-            <a:ext cx="5487035" cy="3086735"/>
+            <a:ext cx="5487670" cy="3087370"/>
           </a:xfrm>
           <a:prstGeom prst="rect">
             <a:avLst/>
@@ -1173,7 +1173,7 @@
         <p:spPr>
           <a:xfrm>
             <a:off x="685800" y="4400550"/>
-            <a:ext cx="5487035" cy="3601085"/>
+            <a:ext cx="5487670" cy="3601720"/>
           </a:xfrm>
           <a:prstGeom prst="rect">
             <a:avLst/>
@@ -1212,7 +1212,7 @@
         <p:spPr>
           <a:xfrm>
             <a:off x="3884930" y="8685530"/>
-            <a:ext cx="2972435" cy="459105"/>
+            <a:ext cx="2973070" cy="459740"/>
           </a:xfrm>
           <a:prstGeom prst="rect">
             <a:avLst/>
@@ -1282,7 +1282,7 @@
         <p:spPr>
           <a:xfrm>
             <a:off x="685800" y="1143000"/>
-            <a:ext cx="5487035" cy="3086735"/>
+            <a:ext cx="5487670" cy="3087370"/>
           </a:xfrm>
           <a:prstGeom prst="rect">
             <a:avLst/>
@@ -1330,7 +1330,7 @@
         <p:spPr>
           <a:xfrm>
             <a:off x="685800" y="4400550"/>
-            <a:ext cx="5487035" cy="3601085"/>
+            <a:ext cx="5487670" cy="3601720"/>
           </a:xfrm>
           <a:prstGeom prst="rect">
             <a:avLst/>
@@ -1369,7 +1369,7 @@
         <p:spPr>
           <a:xfrm>
             <a:off x="3884930" y="8685530"/>
-            <a:ext cx="2972435" cy="459105"/>
+            <a:ext cx="2973070" cy="459740"/>
           </a:xfrm>
           <a:prstGeom prst="rect">
             <a:avLst/>
@@ -1439,7 +1439,7 @@
         <p:spPr>
           <a:xfrm>
             <a:off x="685800" y="1143000"/>
-            <a:ext cx="5487035" cy="3086735"/>
+            <a:ext cx="5487670" cy="3087370"/>
           </a:xfrm>
           <a:prstGeom prst="rect">
             <a:avLst/>
@@ -1487,7 +1487,7 @@
         <p:spPr>
           <a:xfrm>
             <a:off x="685800" y="4400550"/>
-            <a:ext cx="5487035" cy="3601085"/>
+            <a:ext cx="5487670" cy="3601720"/>
           </a:xfrm>
           <a:prstGeom prst="rect">
             <a:avLst/>
@@ -1526,7 +1526,7 @@
         <p:spPr>
           <a:xfrm>
             <a:off x="3884930" y="8685530"/>
-            <a:ext cx="2972435" cy="459105"/>
+            <a:ext cx="2973070" cy="459740"/>
           </a:xfrm>
           <a:prstGeom prst="rect">
             <a:avLst/>
@@ -1596,7 +1596,7 @@
         <p:spPr>
           <a:xfrm>
             <a:off x="685800" y="1143000"/>
-            <a:ext cx="5487035" cy="3086735"/>
+            <a:ext cx="5487670" cy="3087370"/>
           </a:xfrm>
           <a:prstGeom prst="rect">
             <a:avLst/>
@@ -1644,7 +1644,7 @@
         <p:spPr>
           <a:xfrm>
             <a:off x="685800" y="4400550"/>
-            <a:ext cx="5487035" cy="3601085"/>
+            <a:ext cx="5487670" cy="3601720"/>
           </a:xfrm>
           <a:prstGeom prst="rect">
             <a:avLst/>
@@ -1683,7 +1683,7 @@
         <p:spPr>
           <a:xfrm>
             <a:off x="3884930" y="8685530"/>
-            <a:ext cx="2972435" cy="459105"/>
+            <a:ext cx="2973070" cy="459740"/>
           </a:xfrm>
           <a:prstGeom prst="rect">
             <a:avLst/>
@@ -6130,7 +6130,7 @@
         <p:spPr>
           <a:xfrm>
             <a:off x="142875" y="714375"/>
-            <a:ext cx="8993505" cy="5945505"/>
+            <a:ext cx="8994140" cy="5946140"/>
           </a:xfrm>
           <a:prstGeom prst="rect">
             <a:avLst/>
@@ -6665,17 +6665,7 @@
                         <a:buFontTx/>
                         <a:buNone/>
                       </a:pPr>
-                      <a:r>
-                        <a:rPr lang="en-US" altLang="ko-KR" sz="1000" kern="1200">
-                          <a:solidFill>
-                            <a:schemeClr val="tx1"/>
-                          </a:solidFill>
-                          <a:latin typeface="맑은 고딕" panose="020B0503020000020004" charset="-127"/>
-                          <a:ea typeface="맑은 고딕" panose="020B0503020000020004" charset="-127"/>
-                        </a:rPr>
-                        <a:t>사용자로부터 교재의 수량을 입력 받음</a:t>
-                      </a:r>
-                      <a:endParaRPr lang="ko-KR" altLang="en-US" sz="1000" kern="1200">
+                      <a:endParaRPr lang="en-US" altLang="ko-KR" sz="1000" kern="1200">
                         <a:solidFill>
                           <a:schemeClr val="tx1"/>
                         </a:solidFill>
@@ -7444,7 +7434,7 @@
                         <a:buFontTx/>
                         <a:buNone/>
                       </a:pPr>
-                      <a:endParaRPr lang="en-US" altLang="ko-KR" sz="1000" b="0" i="0" kern="1200">
+                      <a:endParaRPr lang="ko-KR" altLang="en-US" sz="1000" b="0" i="0" kern="1200">
                         <a:solidFill>
                           <a:schemeClr val="tx1"/>
                         </a:solidFill>
@@ -9120,27 +9110,21 @@
         <p:grpSpPr>
           <a:xfrm rot="0">
             <a:off x="2323465" y="720725"/>
-            <a:ext cx="4742815" cy="5850255"/>
+            <a:ext cx="4743450" cy="5850890"/>
             <a:chOff x="2323465" y="720725"/>
-            <a:chExt cx="4742815" cy="5850255"/>
+            <a:chExt cx="4743450" cy="5850890"/>
           </a:xfrm>
         </p:grpSpPr>
         <p:pic>
           <p:nvPicPr>
-            <p:cNvPr id="34" name="그림 33" descr="C:/Users/KOSMO-08/AppData/Roaming/PolarisOffice/ETemp/11312_17366784/fImage711519426827.png"/>
+            <p:cNvPr id="34" name="그림 33" descr="C:/Users/KOSMO-08/AppData/Roaming/PolarisOffice/ETemp/12752_7558552/fImage711512826962.png"/>
             <p:cNvPicPr>
               <a:picLocks noChangeAspect="1"/>
             </p:cNvPicPr>
             <p:nvPr/>
           </p:nvPicPr>
           <p:blipFill rotWithShape="1">
-            <a:blip r:embed="rId1" cstate="print">
-              <a:extLst>
-                <a:ext uri="{28A0092B-C50C-407E-A947-70E740481C1C}">
-                  <a14:useLocalDpi xmlns:a14="http://schemas.microsoft.com/office/drawing/2010/main" val="0"/>
-                </a:ext>
-              </a:extLst>
-            </a:blip>
+            <a:blip r:embed="rId1" cstate="hqprint"/>
             <a:srcRect/>
             <a:stretch>
               <a:fillRect/>
@@ -9149,7 +9133,7 @@
           <p:spPr>
             <a:xfrm>
               <a:off x="2323465" y="720725"/>
-              <a:ext cx="4742815" cy="5800090"/>
+              <a:ext cx="4743450" cy="5800725"/>
             </a:xfrm>
             <a:prstGeom prst="rect">
               <a:avLst/>
@@ -9166,7 +9150,7 @@
           <p:spPr>
             <a:xfrm>
               <a:off x="4003675" y="2434590"/>
-              <a:ext cx="207645" cy="207645"/>
+              <a:ext cx="208280" cy="208280"/>
             </a:xfrm>
             <a:prstGeom prst="ellipse">
               <a:avLst/>
@@ -9227,7 +9211,7 @@
           <p:spPr>
             <a:xfrm>
               <a:off x="3973830" y="2400300"/>
-              <a:ext cx="217805" cy="260985"/>
+              <a:ext cx="218440" cy="261620"/>
             </a:xfrm>
             <a:prstGeom prst="rect">
               <a:avLst/>
@@ -9282,7 +9266,7 @@
           <p:spPr>
             <a:xfrm>
               <a:off x="4296410" y="2686050"/>
-              <a:ext cx="207645" cy="207645"/>
+              <a:ext cx="208280" cy="208280"/>
             </a:xfrm>
             <a:prstGeom prst="ellipse">
               <a:avLst/>
@@ -9343,7 +9327,7 @@
           <p:spPr>
             <a:xfrm>
               <a:off x="4266565" y="2651760"/>
-              <a:ext cx="217805" cy="260985"/>
+              <a:ext cx="218440" cy="261620"/>
             </a:xfrm>
             <a:prstGeom prst="rect">
               <a:avLst/>
@@ -9391,20 +9375,14 @@
         </p:sp>
         <p:pic>
           <p:nvPicPr>
-            <p:cNvPr id="39" name="그림 38" descr="C:/Users/KOSMO-08/AppData/Roaming/PolarisOffice/ETemp/11312_17366784/fImage14429479961.png"/>
+            <p:cNvPr id="39" name="그림 38" descr="C:/Users/KOSMO-08/AppData/Roaming/PolarisOffice/ETemp/12752_7558552/fImage14422874464.png"/>
             <p:cNvPicPr>
               <a:picLocks noChangeAspect="1"/>
             </p:cNvPicPr>
             <p:nvPr/>
           </p:nvPicPr>
           <p:blipFill rotWithShape="1">
-            <a:blip r:embed="rId2" cstate="print">
-              <a:extLst>
-                <a:ext uri="{28A0092B-C50C-407E-A947-70E740481C1C}">
-                  <a14:useLocalDpi xmlns:a14="http://schemas.microsoft.com/office/drawing/2010/main" val="0"/>
-                </a:ext>
-              </a:extLst>
-            </a:blip>
+            <a:blip r:embed="rId2" cstate="hqprint"/>
             <a:srcRect/>
             <a:stretch>
               <a:fillRect/>
@@ -9413,7 +9391,7 @@
           <p:spPr>
             <a:xfrm>
               <a:off x="4247515" y="6242685"/>
-              <a:ext cx="811530" cy="328295"/>
+              <a:ext cx="812165" cy="328930"/>
             </a:xfrm>
             <a:prstGeom prst="rect">
               <a:avLst/>
@@ -9430,7 +9408,7 @@
           <p:spPr>
             <a:xfrm>
               <a:off x="4851400" y="6167120"/>
-              <a:ext cx="207645" cy="207645"/>
+              <a:ext cx="208280" cy="208280"/>
             </a:xfrm>
             <a:prstGeom prst="ellipse">
               <a:avLst/>
@@ -9491,7 +9469,7 @@
           <p:spPr>
             <a:xfrm>
               <a:off x="4822190" y="6132195"/>
-              <a:ext cx="217805" cy="260985"/>
+              <a:ext cx="218440" cy="261620"/>
             </a:xfrm>
             <a:prstGeom prst="rect">
               <a:avLst/>
@@ -9540,7 +9518,7 @@
       </p:grpSp>
       <p:graphicFrame>
         <p:nvGraphicFramePr>
-          <p:cNvPr id="8" name="표 1"/>
+          <p:cNvPr id="8" name="표 7"/>
           <p:cNvGraphicFramePr>
             <a:graphicFrameLocks noGrp="1"/>
           </p:cNvGraphicFramePr>
@@ -9566,6 +9544,7 @@
                 <a:tc>
                   <a:txBody>
                     <a:bodyPr/>
+                    <a:lstStyle/>
                     <a:p>
                       <a:pPr marL="0" indent="0" algn="ctr" defTabSz="914400" eaLnBrk="1" latinLnBrk="1" hangingPunct="1">
                         <a:lnSpc>
@@ -9655,6 +9634,7 @@
                 <a:tc>
                   <a:txBody>
                     <a:bodyPr/>
+                    <a:lstStyle/>
                     <a:p>
                       <a:pPr marL="0" indent="0" algn="ctr" defTabSz="914400" eaLnBrk="1" latinLnBrk="1" hangingPunct="1">
                         <a:lnSpc>
@@ -9744,6 +9724,7 @@
                 <a:tc>
                   <a:txBody>
                     <a:bodyPr/>
+                    <a:lstStyle/>
                     <a:p>
                       <a:pPr marL="0" indent="0" algn="ctr" defTabSz="914400" eaLnBrk="1" latinLnBrk="1" hangingPunct="1">
                         <a:lnSpc>
@@ -9833,6 +9814,7 @@
                 <a:tc>
                   <a:txBody>
                     <a:bodyPr/>
+                    <a:lstStyle/>
                     <a:p>
                       <a:pPr marL="0" indent="0" algn="ctr" defTabSz="914400" eaLnBrk="1" latinLnBrk="1" hangingPunct="1">
                         <a:lnSpc>
@@ -9924,6 +9906,7 @@
                 <a:tc>
                   <a:txBody>
                     <a:bodyPr/>
+                    <a:lstStyle/>
                     <a:p>
                       <a:pPr marL="0" indent="0" algn="ctr" defTabSz="914400" eaLnBrk="1" latinLnBrk="1" hangingPunct="1">
                         <a:lnSpc>
@@ -9939,23 +9922,21 @@
                         <a:buNone/>
                       </a:pPr>
                       <a:r>
-                        <a:rPr lang="en-US" altLang="ko-KR" sz="1000" b="0">
+                        <a:rPr lang="en-US" altLang="ko-KR" sz="1000" b="0" kern="1200">
                           <a:solidFill>
                             <a:schemeClr val="tx1"/>
                           </a:solidFill>
                           <a:latin typeface="맑은 고딕" panose="020B0503020000020004" charset="-127"/>
                           <a:ea typeface="맑은 고딕" panose="020B0503020000020004" charset="-127"/>
-                          <a:sym typeface="+mn-ea"/>
                         </a:rPr>
                         <a:t>F-BP-BS</a:t>
                       </a:r>
-                      <a:endParaRPr lang="en-US" altLang="ko-KR" sz="1000" b="0" i="0" kern="1200">
+                      <a:endParaRPr lang="ko-KR" altLang="en-US" sz="1000" b="0" kern="1200">
                         <a:solidFill>
                           <a:schemeClr val="tx1"/>
                         </a:solidFill>
                         <a:latin typeface="맑은 고딕" panose="020B0503020000020004" charset="-127"/>
                         <a:ea typeface="맑은 고딕" panose="020B0503020000020004" charset="-127"/>
-                        <a:sym typeface="+mn-ea"/>
                       </a:endParaRPr>
                     </a:p>
                   </a:txBody>
@@ -10012,6 +9993,7 @@
                 <a:tc>
                   <a:txBody>
                     <a:bodyPr/>
+                    <a:lstStyle/>
                     <a:p>
                       <a:pPr marL="0" indent="0" algn="ctr" defTabSz="914400" eaLnBrk="1" latinLnBrk="1" hangingPunct="1">
                         <a:lnSpc>
@@ -10036,7 +10018,7 @@
                         </a:rPr>
                         <a:t>buybook.html</a:t>
                       </a:r>
-                      <a:endParaRPr lang="en-US" altLang="ko-KR" sz="1000" b="0" i="0" kern="1200">
+                      <a:endParaRPr lang="ko-KR" altLang="en-US" sz="1000" b="0" i="0" kern="1200">
                         <a:solidFill>
                           <a:schemeClr val="tx1"/>
                         </a:solidFill>
@@ -10098,6 +10080,7 @@
                 <a:tc>
                   <a:txBody>
                     <a:bodyPr/>
+                    <a:lstStyle/>
                     <a:p>
                       <a:pPr marL="0" indent="0" algn="ctr" defTabSz="914400" eaLnBrk="1" latinLnBrk="1" hangingPunct="1">
                         <a:lnSpc>
@@ -10112,16 +10095,6 @@
                         <a:buFontTx/>
                         <a:buNone/>
                       </a:pPr>
-                      <a:r>
-                        <a:rPr lang="ko-KR" altLang="en-US" sz="1000" b="0" i="0" kern="1200">
-                          <a:solidFill>
-                            <a:schemeClr val="tx1"/>
-                          </a:solidFill>
-                          <a:latin typeface="맑은 고딕" panose="020B0503020000020004" charset="-127"/>
-                          <a:ea typeface="맑은 고딕" panose="020B0503020000020004" charset="-127"/>
-                        </a:rPr>
-                        <a:t>교재구매 </a:t>
-                      </a:r>
                       <a:r>
                         <a:rPr lang="en-US" altLang="ko-KR" sz="1000" b="0" i="0" kern="1200">
                           <a:solidFill>
@@ -10130,17 +10103,7 @@
                           <a:latin typeface="맑은 고딕" panose="020B0503020000020004" charset="-127"/>
                           <a:ea typeface="맑은 고딕" panose="020B0503020000020004" charset="-127"/>
                         </a:rPr>
-                        <a:t>&gt; </a:t>
-                      </a:r>
-                      <a:r>
-                        <a:rPr lang="ko-KR" altLang="en-US" sz="1000" b="0" i="0" kern="1200">
-                          <a:solidFill>
-                            <a:schemeClr val="tx1"/>
-                          </a:solidFill>
-                          <a:latin typeface="맑은 고딕" panose="020B0503020000020004" charset="-127"/>
-                          <a:ea typeface="맑은 고딕" panose="020B0503020000020004" charset="-127"/>
-                        </a:rPr>
-                        <a:t>구매</a:t>
+                        <a:t>교재구매 &gt; 구매</a:t>
                       </a:r>
                       <a:endParaRPr lang="ko-KR" altLang="en-US" sz="1000" b="0" i="0" kern="1200">
                         <a:solidFill>
@@ -10204,6 +10167,7 @@
                 <a:tc>
                   <a:txBody>
                     <a:bodyPr/>
+                    <a:lstStyle/>
                     <a:p>
                       <a:pPr marL="0" indent="0" algn="ctr" defTabSz="914400" eaLnBrk="1" latinLnBrk="1" hangingPunct="1">
                         <a:lnSpc>
@@ -10219,7 +10183,7 @@
                         <a:buNone/>
                       </a:pPr>
                       <a:r>
-                        <a:rPr lang="ko-KR" altLang="en-US" sz="1000" b="0" i="0" kern="1200">
+                        <a:rPr lang="en-US" altLang="ko-KR" sz="1000" b="0" i="0" kern="1200">
                           <a:solidFill>
                             <a:schemeClr val="tx1"/>
                           </a:solidFill>
@@ -10341,7 +10305,7 @@
         <p:spPr>
           <a:xfrm>
             <a:off x="142875" y="714375"/>
-            <a:ext cx="8993505" cy="5945505"/>
+            <a:ext cx="8994140" cy="5946140"/>
           </a:xfrm>
           <a:prstGeom prst="rect">
             <a:avLst/>
@@ -10412,7 +10376,7 @@
         </p:nvGraphicFramePr>
         <p:xfrm>
           <a:off x="9196070" y="718185"/>
-          <a:ext cx="2900680" cy="5941695"/>
+          <a:ext cx="2900680" cy="5946775"/>
         </p:xfrm>
         <a:graphic>
           <a:graphicData uri="http://schemas.openxmlformats.org/drawingml/2006/table">
@@ -10726,7 +10690,7 @@
                         </a:rPr>
                         <a:t>1</a:t>
                       </a:r>
-                      <a:endParaRPr lang="en-US" altLang="ko-KR" sz="1000" b="0" i="0" kern="1200">
+                      <a:endParaRPr lang="ko-KR" altLang="en-US" sz="1000" b="0" i="0" kern="1200">
                         <a:solidFill>
                           <a:schemeClr val="tx1"/>
                         </a:solidFill>
@@ -10811,7 +10775,7 @@
                         </a:rPr>
                         <a:t>R</a:t>
                       </a:r>
-                      <a:endParaRPr lang="en-US" altLang="ko-KR" sz="1000" b="0" i="0" kern="1200">
+                      <a:endParaRPr lang="ko-KR" altLang="en-US" sz="1000" b="0" i="0" kern="1200">
                         <a:solidFill>
                           <a:schemeClr val="tx1"/>
                         </a:solidFill>
@@ -10887,26 +10851,6 @@
                         <a:buNone/>
                       </a:pPr>
                       <a:r>
-                        <a:rPr altLang="en-US" sz="1000" kern="1200">
-                          <a:solidFill>
-                            <a:schemeClr val="tx1"/>
-                          </a:solidFill>
-                          <a:latin typeface="맑은 고딕" panose="020B0503020000020004" charset="-127"/>
-                          <a:ea typeface="맑은 고딕" panose="020B0503020000020004" charset="-127"/>
-                        </a:rPr>
-                        <a:t>사용자가 선택</a:t>
-                      </a:r>
-                      <a:r>
-                        <a:rPr altLang="en-US" sz="1000" kern="1200">
-                          <a:solidFill>
-                            <a:schemeClr val="tx1"/>
-                          </a:solidFill>
-                          <a:latin typeface="맑은 고딕" panose="020B0503020000020004" charset="-127"/>
-                          <a:ea typeface="맑은 고딕" panose="020B0503020000020004" charset="-127"/>
-                        </a:rPr>
-                        <a:t>한 교재의 상품명 데이터를 </a:t>
-                      </a:r>
-                      <a:r>
                         <a:rPr lang="en-US" altLang="ko-KR" sz="1000" kern="1200">
                           <a:solidFill>
                             <a:schemeClr val="tx1"/>
@@ -10914,29 +10858,9 @@
                           <a:latin typeface="맑은 고딕" panose="020B0503020000020004" charset="-127"/>
                           <a:ea typeface="맑은 고딕" panose="020B0503020000020004" charset="-127"/>
                         </a:rPr>
-                        <a:t>DB</a:t>
+                        <a:t>사용자가 선택한 교재의 상품명 데이터를 DB로부터 읽어와 입력</a:t>
                       </a:r>
-                      <a:r>
-                        <a:rPr altLang="en-US" sz="1000" kern="1200">
-                          <a:solidFill>
-                            <a:schemeClr val="tx1"/>
-                          </a:solidFill>
-                          <a:latin typeface="맑은 고딕" panose="020B0503020000020004" charset="-127"/>
-                          <a:ea typeface="맑은 고딕" panose="020B0503020000020004" charset="-127"/>
-                        </a:rPr>
-                        <a:t>로부터 읽어</a:t>
-                      </a:r>
-                      <a:r>
-                        <a:rPr altLang="en-US" sz="1000" kern="1200">
-                          <a:solidFill>
-                            <a:schemeClr val="tx1"/>
-                          </a:solidFill>
-                          <a:latin typeface="맑은 고딕" panose="020B0503020000020004" charset="-127"/>
-                          <a:ea typeface="맑은 고딕" panose="020B0503020000020004" charset="-127"/>
-                        </a:rPr>
-                        <a:t>와 입력</a:t>
-                      </a:r>
-                      <a:endParaRPr altLang="en-US" sz="1000" kern="1200">
+                      <a:endParaRPr lang="ko-KR" altLang="en-US" sz="1000" kern="1200">
                         <a:solidFill>
                           <a:schemeClr val="tx1"/>
                         </a:solidFill>
@@ -11025,7 +10949,7 @@
                         </a:rPr>
                         <a:t>2</a:t>
                       </a:r>
-                      <a:endParaRPr lang="en-US" altLang="ko-KR" sz="1000" b="0" i="0" kern="1200">
+                      <a:endParaRPr lang="ko-KR" altLang="en-US" sz="1000" b="0" i="0" kern="1200">
                         <a:solidFill>
                           <a:schemeClr val="tx1"/>
                         </a:solidFill>
@@ -11110,7 +11034,7 @@
                         </a:rPr>
                         <a:t>R</a:t>
                       </a:r>
-                      <a:endParaRPr lang="en-US" altLang="ko-KR" sz="1000" b="0" i="0" kern="1200">
+                      <a:endParaRPr lang="ko-KR" altLang="en-US" sz="1000" b="0" i="0" kern="1200">
                         <a:solidFill>
                           <a:schemeClr val="tx1"/>
                         </a:solidFill>
@@ -11186,59 +11110,14 @@
                         <a:buNone/>
                       </a:pPr>
                       <a:r>
-                        <a:rPr altLang="en-US" sz="1000" kern="1200">
-                          <a:solidFill>
-                            <a:schemeClr val="tx1"/>
-                          </a:solidFill>
-                          <a:latin typeface="맑은 고딕" panose="020B0503020000020004" charset="-127"/>
-                          <a:ea typeface="맑은 고딕" panose="020B0503020000020004" charset="-127"/>
-                          <a:sym typeface="+mn-ea"/>
-                        </a:rPr>
-                        <a:t>사용자가 선택</a:t>
-                      </a:r>
-                      <a:r>
-                        <a:rPr altLang="en-US" sz="1000" kern="1200">
-                          <a:solidFill>
-                            <a:schemeClr val="tx1"/>
-                          </a:solidFill>
-                          <a:latin typeface="맑은 고딕" panose="020B0503020000020004" charset="-127"/>
-                          <a:ea typeface="맑은 고딕" panose="020B0503020000020004" charset="-127"/>
-                          <a:sym typeface="+mn-ea"/>
-                        </a:rPr>
-                        <a:t>한 교재의 판매가 데이터를 </a:t>
-                      </a:r>
-                      <a:r>
                         <a:rPr lang="en-US" altLang="ko-KR" sz="1000" kern="1200">
                           <a:solidFill>
                             <a:schemeClr val="tx1"/>
                           </a:solidFill>
                           <a:latin typeface="맑은 고딕" panose="020B0503020000020004" charset="-127"/>
                           <a:ea typeface="맑은 고딕" panose="020B0503020000020004" charset="-127"/>
-                          <a:sym typeface="+mn-ea"/>
                         </a:rPr>
-                        <a:t>DB</a:t>
-                      </a:r>
-                      <a:r>
-                        <a:rPr altLang="en-US" sz="1000" kern="1200">
-                          <a:solidFill>
-                            <a:schemeClr val="tx1"/>
-                          </a:solidFill>
-                          <a:latin typeface="맑은 고딕" panose="020B0503020000020004" charset="-127"/>
-                          <a:ea typeface="맑은 고딕" panose="020B0503020000020004" charset="-127"/>
-                          <a:sym typeface="+mn-ea"/>
-                        </a:rPr>
-                        <a:t>로부터 읽어</a:t>
-                      </a:r>
-                      <a:r>
-                        <a:rPr altLang="en-US" sz="1000" kern="1200">
-                          <a:solidFill>
-                            <a:schemeClr val="tx1"/>
-                          </a:solidFill>
-                          <a:latin typeface="맑은 고딕" panose="020B0503020000020004" charset="-127"/>
-                          <a:ea typeface="맑은 고딕" panose="020B0503020000020004" charset="-127"/>
-                          <a:sym typeface="+mn-ea"/>
-                        </a:rPr>
-                        <a:t>와 입력</a:t>
+                        <a:t>사용자가 선택한 교재의 판매가 데이터를 DB로부터 읽어와 입력</a:t>
                       </a:r>
                       <a:endParaRPr lang="ko-KR" altLang="en-US" sz="1000" kern="1200">
                         <a:solidFill>
@@ -11329,7 +11208,7 @@
                         </a:rPr>
                         <a:t>3</a:t>
                       </a:r>
-                      <a:endParaRPr lang="en-US" altLang="ko-KR" sz="1000" b="0" i="0" kern="1200">
+                      <a:endParaRPr lang="ko-KR" altLang="en-US" sz="1000" b="0" i="0" kern="1200">
                         <a:solidFill>
                           <a:schemeClr val="tx1"/>
                         </a:solidFill>
@@ -11414,7 +11293,7 @@
                         </a:rPr>
                         <a:t>R</a:t>
                       </a:r>
-                      <a:endParaRPr lang="en-US" altLang="ko-KR" sz="1000" b="0" i="0" kern="1200">
+                      <a:endParaRPr lang="ko-KR" altLang="en-US" sz="1000" b="0" i="0" kern="1200">
                         <a:solidFill>
                           <a:schemeClr val="tx1"/>
                         </a:solidFill>
@@ -11490,59 +11369,14 @@
                         <a:buNone/>
                       </a:pPr>
                       <a:r>
-                        <a:rPr altLang="en-US" sz="1000" kern="1200">
-                          <a:solidFill>
-                            <a:schemeClr val="tx1"/>
-                          </a:solidFill>
-                          <a:latin typeface="맑은 고딕" panose="020B0503020000020004" charset="-127"/>
-                          <a:ea typeface="맑은 고딕" panose="020B0503020000020004" charset="-127"/>
-                          <a:sym typeface="+mn-ea"/>
-                        </a:rPr>
-                        <a:t>사용자가 선택</a:t>
-                      </a:r>
-                      <a:r>
-                        <a:rPr altLang="en-US" sz="1000" kern="1200">
-                          <a:solidFill>
-                            <a:schemeClr val="tx1"/>
-                          </a:solidFill>
-                          <a:latin typeface="맑은 고딕" panose="020B0503020000020004" charset="-127"/>
-                          <a:ea typeface="맑은 고딕" panose="020B0503020000020004" charset="-127"/>
-                          <a:sym typeface="+mn-ea"/>
-                        </a:rPr>
-                        <a:t>한 교재의 할인가 데이터를 </a:t>
-                      </a:r>
-                      <a:r>
                         <a:rPr lang="en-US" altLang="ko-KR" sz="1000" kern="1200">
                           <a:solidFill>
                             <a:schemeClr val="tx1"/>
                           </a:solidFill>
                           <a:latin typeface="맑은 고딕" panose="020B0503020000020004" charset="-127"/>
                           <a:ea typeface="맑은 고딕" panose="020B0503020000020004" charset="-127"/>
-                          <a:sym typeface="+mn-ea"/>
                         </a:rPr>
-                        <a:t>DB</a:t>
-                      </a:r>
-                      <a:r>
-                        <a:rPr altLang="en-US" sz="1000" kern="1200">
-                          <a:solidFill>
-                            <a:schemeClr val="tx1"/>
-                          </a:solidFill>
-                          <a:latin typeface="맑은 고딕" panose="020B0503020000020004" charset="-127"/>
-                          <a:ea typeface="맑은 고딕" panose="020B0503020000020004" charset="-127"/>
-                          <a:sym typeface="+mn-ea"/>
-                        </a:rPr>
-                        <a:t>로부터 읽어</a:t>
-                      </a:r>
-                      <a:r>
-                        <a:rPr altLang="en-US" sz="1000" kern="1200">
-                          <a:solidFill>
-                            <a:schemeClr val="tx1"/>
-                          </a:solidFill>
-                          <a:latin typeface="맑은 고딕" panose="020B0503020000020004" charset="-127"/>
-                          <a:ea typeface="맑은 고딕" panose="020B0503020000020004" charset="-127"/>
-                          <a:sym typeface="+mn-ea"/>
-                        </a:rPr>
-                        <a:t>와 입력</a:t>
+                        <a:t>사용자가 선택한 교재의 할인가 데이터를 DB로부터 읽어와 입력</a:t>
                       </a:r>
                       <a:endParaRPr lang="ko-KR" altLang="en-US" sz="1000" kern="1200">
                         <a:solidFill>
@@ -11604,7 +11438,7 @@
                   </a:tcPr>
                 </a:tc>
               </a:tr>
-              <a:tr h="609600">
+              <a:tr h="614680">
                 <a:tc>
                   <a:txBody>
                     <a:bodyPr/>
@@ -11633,7 +11467,7 @@
                         </a:rPr>
                         <a:t>4</a:t>
                       </a:r>
-                      <a:endParaRPr lang="en-US" altLang="ko-KR" sz="1000" b="0" i="0" kern="1200">
+                      <a:endParaRPr lang="ko-KR" altLang="en-US" sz="1000" b="0" i="0" kern="1200">
                         <a:solidFill>
                           <a:schemeClr val="tx1"/>
                         </a:solidFill>
@@ -11988,7 +11822,7 @@
                         </a:rPr>
                         <a:t>5</a:t>
                       </a:r>
-                      <a:endParaRPr lang="en-US" altLang="ko-KR" sz="1000" b="0" i="0" kern="1200">
+                      <a:endParaRPr lang="ko-KR" altLang="en-US" sz="1000" b="0" i="0" kern="1200">
                         <a:solidFill>
                           <a:schemeClr val="tx1"/>
                         </a:solidFill>
@@ -12156,29 +11990,9 @@
                           <a:latin typeface="맑은 고딕" panose="020B0503020000020004" charset="-127"/>
                           <a:ea typeface="맑은 고딕" panose="020B0503020000020004" charset="-127"/>
                         </a:rPr>
-                        <a:t>사용자</a:t>
+                        <a:t>사용자가 입력한 교재 수량으로 </a:t>
                       </a:r>
-                      <a:r>
-                        <a:rPr altLang="en-US" sz="1000" kern="1200">
-                          <a:solidFill>
-                            <a:schemeClr val="tx1"/>
-                          </a:solidFill>
-                          <a:latin typeface="맑은 고딕" panose="020B0503020000020004" charset="-127"/>
-                          <a:ea typeface="맑은 고딕" panose="020B0503020000020004" charset="-127"/>
-                        </a:rPr>
-                        <a:t>가 입력한 </a:t>
-                      </a:r>
-                      <a:r>
-                        <a:rPr lang="en-US" altLang="ko-KR" sz="1000" kern="1200">
-                          <a:solidFill>
-                            <a:schemeClr val="tx1"/>
-                          </a:solidFill>
-                          <a:latin typeface="맑은 고딕" panose="020B0503020000020004" charset="-127"/>
-                          <a:ea typeface="맑은 고딕" panose="020B0503020000020004" charset="-127"/>
-                        </a:rPr>
-                        <a:t>교재 수량으로 </a:t>
-                      </a:r>
-                      <a:endParaRPr lang="en-US" altLang="ko-KR" sz="1000" kern="1200">
+                      <a:endParaRPr lang="ko-KR" altLang="en-US" sz="1000" kern="1200">
                         <a:solidFill>
                           <a:schemeClr val="tx1"/>
                         </a:solidFill>
@@ -12208,37 +12022,7 @@
                           <a:latin typeface="맑은 고딕" panose="020B0503020000020004" charset="-127"/>
                           <a:ea typeface="맑은 고딕" panose="020B0503020000020004" charset="-127"/>
                         </a:rPr>
-                        <a:t>수정하여 </a:t>
-                      </a:r>
-                      <a:r>
-                        <a:rPr altLang="en-US" sz="1000" kern="1200">
-                          <a:solidFill>
-                            <a:schemeClr val="tx1"/>
-                          </a:solidFill>
-                          <a:latin typeface="맑은 고딕" panose="020B0503020000020004" charset="-127"/>
-                          <a:ea typeface="맑은 고딕" panose="020B0503020000020004" charset="-127"/>
-                        </a:rPr>
-                        <a:t>합계 입력 및</a:t>
-                      </a:r>
-                      <a:r>
-                        <a:rPr altLang="en-US" sz="1000" kern="1200">
-                          <a:solidFill>
-                            <a:schemeClr val="tx1"/>
-                          </a:solidFill>
-                          <a:latin typeface="맑은 고딕" panose="020B0503020000020004" charset="-127"/>
-                          <a:ea typeface="맑은 고딕" panose="020B0503020000020004" charset="-127"/>
-                        </a:rPr>
-                        <a:t> </a:t>
-                      </a:r>
-                      <a:r>
-                        <a:rPr lang="en-US" altLang="ko-KR" sz="1000" kern="1200">
-                          <a:solidFill>
-                            <a:schemeClr val="tx1"/>
-                          </a:solidFill>
-                          <a:latin typeface="맑은 고딕" panose="020B0503020000020004" charset="-127"/>
-                          <a:ea typeface="맑은 고딕" panose="020B0503020000020004" charset="-127"/>
-                        </a:rPr>
-                        <a:t>DB를 갱신</a:t>
+                        <a:t>수정하여 합계 입력 및 DB를 갱신</a:t>
                       </a:r>
                       <a:endParaRPr lang="ko-KR" altLang="en-US" sz="1000" kern="1200">
                         <a:solidFill>
@@ -12329,7 +12113,7 @@
                         </a:rPr>
                         <a:t>6</a:t>
                       </a:r>
-                      <a:endParaRPr lang="en-US" altLang="ko-KR" sz="1000" b="0" i="0" kern="1200">
+                      <a:endParaRPr lang="ko-KR" altLang="en-US" sz="1000" b="0" i="0" kern="1200">
                         <a:solidFill>
                           <a:schemeClr val="tx1"/>
                         </a:solidFill>
@@ -12414,7 +12198,7 @@
                         </a:rPr>
                         <a:t>RU</a:t>
                       </a:r>
-                      <a:endParaRPr lang="en-US" altLang="ko-KR" sz="1000" b="0" i="0" kern="1200">
+                      <a:endParaRPr lang="ko-KR" altLang="en-US" sz="1000" b="0" i="0" kern="1200">
                         <a:solidFill>
                           <a:schemeClr val="tx1"/>
                         </a:solidFill>
@@ -12490,38 +12274,27 @@
                         <a:buNone/>
                       </a:pPr>
                       <a:r>
-                        <a:rPr lang="ko-KR" altLang="en-US" sz="1000" b="0" i="0" kern="1200">
+                        <a:rPr lang="en-US" altLang="ko-KR" sz="1000" b="0" i="0" kern="1200">
                           <a:solidFill>
                             <a:schemeClr val="tx1"/>
                           </a:solidFill>
                           <a:latin typeface="맑은 고딕" panose="020B0503020000020004" charset="-127"/>
                           <a:ea typeface="맑은 고딕" panose="020B0503020000020004" charset="-127"/>
                         </a:rPr>
-                        <a:t>할인가와</a:t>
+                        <a:t>할인가와 </a:t>
                       </a:r>
                       <a:r>
-                        <a:rPr lang="ko-KR" altLang="en-US" sz="1000" b="0" i="0" kern="1200">
+                        <a:rPr lang="en-US" altLang="ko-KR" sz="1000" kern="1200">
                           <a:solidFill>
                             <a:schemeClr val="tx1"/>
                           </a:solidFill>
                           <a:latin typeface="맑은 고딕" panose="020B0503020000020004" charset="-127"/>
                           <a:ea typeface="맑은 고딕" panose="020B0503020000020004" charset="-127"/>
                         </a:rPr>
-                        <a:t> </a:t>
-                      </a:r>
-                      <a:r>
-                        <a:rPr altLang="en-US" sz="1000" kern="1200">
-                          <a:solidFill>
-                            <a:schemeClr val="tx1"/>
-                          </a:solidFill>
-                          <a:latin typeface="맑은 고딕" panose="020B0503020000020004" charset="-127"/>
-                          <a:ea typeface="맑은 고딕" panose="020B0503020000020004" charset="-127"/>
-                          <a:sym typeface="+mn-ea"/>
-                        </a:rPr>
                         <a:t>수량을 </a:t>
                       </a:r>
                       <a:r>
-                        <a:rPr lang="ko-KR" altLang="en-US" sz="1000" b="0" i="0" kern="1200">
+                        <a:rPr lang="en-US" altLang="ko-KR" sz="1000" b="0" i="0" kern="1200">
                           <a:solidFill>
                             <a:schemeClr val="tx1"/>
                           </a:solidFill>
@@ -12619,7 +12392,7 @@
                         </a:rPr>
                         <a:t>7</a:t>
                       </a:r>
-                      <a:endParaRPr lang="en-US" altLang="ko-KR" sz="1000" b="0" i="0" kern="1200">
+                      <a:endParaRPr lang="ko-KR" altLang="en-US" sz="1000" b="0" i="0" kern="1200">
                         <a:solidFill>
                           <a:schemeClr val="tx1"/>
                         </a:solidFill>
@@ -12787,39 +12560,9 @@
                           <a:latin typeface="맑은 고딕" panose="020B0503020000020004" charset="-127"/>
                           <a:ea typeface="맑은 고딕" panose="020B0503020000020004" charset="-127"/>
                         </a:rPr>
-                        <a:t>교재 목록을 장바구니에서 삭제 </a:t>
+                        <a:t>교재 목록을 장바구니에서 삭제 및 DB갱신</a:t>
                       </a:r>
-                      <a:r>
-                        <a:rPr altLang="en-US" sz="1000" kern="1200">
-                          <a:solidFill>
-                            <a:schemeClr val="tx1"/>
-                          </a:solidFill>
-                          <a:latin typeface="맑은 고딕" panose="020B0503020000020004" charset="-127"/>
-                          <a:ea typeface="맑은 고딕" panose="020B0503020000020004" charset="-127"/>
-                        </a:rPr>
-                        <a:t>및 </a:t>
-                      </a:r>
-                      <a:r>
-                        <a:rPr lang="en-US" altLang="ko-KR" sz="1000" kern="1200">
-                          <a:solidFill>
-                            <a:schemeClr val="tx1"/>
-                          </a:solidFill>
-                          <a:latin typeface="맑은 고딕" panose="020B0503020000020004" charset="-127"/>
-                          <a:ea typeface="맑은 고딕" panose="020B0503020000020004" charset="-127"/>
-                        </a:rPr>
-                        <a:t>DB</a:t>
-                      </a:r>
-                      <a:r>
-                        <a:rPr altLang="en-US" sz="1000" kern="1200">
-                          <a:solidFill>
-                            <a:schemeClr val="tx1"/>
-                          </a:solidFill>
-                          <a:latin typeface="맑은 고딕" panose="020B0503020000020004" charset="-127"/>
-                          <a:ea typeface="맑은 고딕" panose="020B0503020000020004" charset="-127"/>
-                        </a:rPr>
-                        <a:t>갱신</a:t>
-                      </a:r>
-                      <a:endParaRPr altLang="en-US" sz="1000" kern="1200">
+                      <a:endParaRPr lang="ko-KR" altLang="en-US" sz="1000" kern="1200">
                         <a:solidFill>
                           <a:schemeClr val="tx1"/>
                         </a:solidFill>
@@ -12908,7 +12651,7 @@
                         </a:rPr>
                         <a:t>8</a:t>
                       </a:r>
-                      <a:endParaRPr lang="en-US" altLang="ko-KR" sz="1000" b="0" i="0" kern="1200">
+                      <a:endParaRPr lang="ko-KR" altLang="en-US" sz="1000" b="0" i="0" kern="1200">
                         <a:solidFill>
                           <a:schemeClr val="tx1"/>
                         </a:solidFill>
@@ -13199,7 +12942,7 @@
                         </a:rPr>
                         <a:t>9</a:t>
                       </a:r>
-                      <a:endParaRPr lang="en-US" altLang="ko-KR" sz="1000" b="0" i="0" kern="1200">
+                      <a:endParaRPr lang="ko-KR" altLang="en-US" sz="1000" b="0" i="0" kern="1200">
                         <a:solidFill>
                           <a:schemeClr val="tx1"/>
                         </a:solidFill>
@@ -13356,7 +13099,6 @@
                           </a:solidFill>
                           <a:latin typeface="맑은 고딕" panose="020B0503020000020004" charset="-127"/>
                           <a:ea typeface="맑은 고딕" panose="020B0503020000020004" charset="-127"/>
-                          <a:sym typeface="+mn-ea"/>
                         </a:rPr>
                         <a:t>이전단계 교재구매 페이지로 이동</a:t>
                       </a:r>
@@ -13449,7 +13191,7 @@
                         </a:rPr>
                         <a:t>10</a:t>
                       </a:r>
-                      <a:endParaRPr lang="en-US" altLang="ko-KR" sz="1000" b="0" i="0" kern="1200">
+                      <a:endParaRPr lang="ko-KR" altLang="en-US" sz="1000" b="0" i="0" kern="1200">
                         <a:solidFill>
                           <a:schemeClr val="tx1"/>
                         </a:solidFill>
@@ -13534,7 +13276,7 @@
                         </a:rPr>
                         <a:t>R</a:t>
                       </a:r>
-                      <a:endParaRPr lang="en-US" altLang="ko-KR" sz="1000" b="0" i="0" kern="1200">
+                      <a:endParaRPr lang="ko-KR" altLang="en-US" sz="1000" b="0" i="0" kern="1200">
                         <a:solidFill>
                           <a:schemeClr val="tx1"/>
                         </a:solidFill>
@@ -13610,26 +13352,16 @@
                         <a:buNone/>
                       </a:pPr>
                       <a:r>
-                        <a:rPr altLang="en-US" sz="1000" b="0" i="0" kern="1200">
+                        <a:rPr lang="en-US" altLang="ko-KR" sz="1000" b="0" i="0" kern="1200">
                           <a:solidFill>
                             <a:schemeClr val="tx1"/>
                           </a:solidFill>
                           <a:latin typeface="맑은 고딕" panose="020B0503020000020004" charset="-127"/>
                           <a:ea typeface="맑은 고딕" panose="020B0503020000020004" charset="-127"/>
                         </a:rPr>
-                        <a:t>현재 페이지의 위치</a:t>
+                        <a:t>현재 페이지의 위치를 표시</a:t>
                       </a:r>
-                      <a:r>
-                        <a:rPr altLang="en-US" sz="1000" b="0" i="0" kern="1200">
-                          <a:solidFill>
-                            <a:schemeClr val="tx1"/>
-                          </a:solidFill>
-                          <a:latin typeface="맑은 고딕" panose="020B0503020000020004" charset="-127"/>
-                          <a:ea typeface="맑은 고딕" panose="020B0503020000020004" charset="-127"/>
-                        </a:rPr>
-                        <a:t>를 표시</a:t>
-                      </a:r>
-                      <a:endParaRPr altLang="en-US" sz="1000" b="0" i="0" kern="1200">
+                      <a:endParaRPr lang="ko-KR" altLang="en-US" sz="1000" b="0" i="0" kern="1200">
                         <a:solidFill>
                           <a:schemeClr val="tx1"/>
                         </a:solidFill>
@@ -13708,7 +13440,7 @@
                         <a:buFontTx/>
                         <a:buNone/>
                       </a:pPr>
-                      <a:endParaRPr lang="en-US" altLang="ko-KR" sz="1000" b="0" i="0" kern="1200">
+                      <a:endParaRPr lang="ko-KR" altLang="en-US" sz="1000" b="0" i="0" kern="1200">
                         <a:solidFill>
                           <a:schemeClr val="tx1"/>
                         </a:solidFill>
@@ -13924,20 +13656,14 @@
       </p:graphicFrame>
       <p:pic>
         <p:nvPicPr>
-          <p:cNvPr id="15" name="그림 14" descr="C:/Users/KOSMO-08/AppData/Roaming/PolarisOffice/ETemp/11312_17366784/fImage27018959491.png"/>
+          <p:cNvPr id="15" name="그림 14" descr="C:/Users/KOSMO-08/AppData/Roaming/PolarisOffice/ETemp/12752_7558552/fImage270182975705.png"/>
           <p:cNvPicPr>
             <a:picLocks noChangeAspect="1"/>
           </p:cNvPicPr>
           <p:nvPr/>
         </p:nvPicPr>
         <p:blipFill rotWithShape="1">
-          <a:blip r:embed="rId1" cstate="print">
-            <a:extLst>
-              <a:ext uri="{28A0092B-C50C-407E-A947-70E740481C1C}">
-                <a14:useLocalDpi xmlns:a14="http://schemas.microsoft.com/office/drawing/2010/main" val="0"/>
-              </a:ext>
-            </a:extLst>
-          </a:blip>
+          <a:blip r:embed="rId1" cstate="hqprint"/>
           <a:srcRect/>
           <a:stretch>
             <a:fillRect/>
@@ -13946,7 +13672,7 @@
         <p:spPr>
           <a:xfrm>
             <a:off x="211455" y="1634490"/>
-            <a:ext cx="8855710" cy="3707765"/>
+            <a:ext cx="8856345" cy="3708400"/>
           </a:xfrm>
           <a:prstGeom prst="rect">
             <a:avLst/>
@@ -13963,9 +13689,9 @@
         <p:grpSpPr>
           <a:xfrm rot="0">
             <a:off x="4343400" y="3289300"/>
-            <a:ext cx="239395" cy="260350"/>
-            <a:chOff x="4343400" y="3298825"/>
-            <a:chExt cx="239395" cy="260350"/>
+            <a:ext cx="240030" cy="260985"/>
+            <a:chOff x="4343400" y="3289300"/>
+            <a:chExt cx="240030" cy="260985"/>
           </a:xfrm>
         </p:grpSpPr>
         <p:sp>
@@ -13976,8 +13702,8 @@
           </p:nvSpPr>
           <p:spPr>
             <a:xfrm>
-              <a:off x="4373245" y="3333750"/>
-              <a:ext cx="209550" cy="209550"/>
+              <a:off x="4373245" y="3324225"/>
+              <a:ext cx="210185" cy="210185"/>
             </a:xfrm>
             <a:prstGeom prst="ellipse">
               <a:avLst/>
@@ -14037,8 +13763,8 @@
           </p:nvSpPr>
           <p:spPr>
             <a:xfrm>
-              <a:off x="4343400" y="3298825"/>
-              <a:ext cx="220345" cy="260350"/>
+              <a:off x="4343400" y="3289300"/>
+              <a:ext cx="220980" cy="260985"/>
             </a:xfrm>
             <a:prstGeom prst="rect">
               <a:avLst/>
@@ -14074,7 +13800,7 @@
                 </a:rPr>
                 <a:t>4</a:t>
               </a:r>
-              <a:endParaRPr lang="en-US" altLang="ko-KR" sz="1100" b="1">
+              <a:endParaRPr lang="ko-KR" altLang="en-US" sz="1100" b="1">
                 <a:solidFill>
                   <a:schemeClr val="bg1"/>
                 </a:solidFill>
@@ -14094,9 +13820,9 @@
         <p:grpSpPr>
           <a:xfrm rot="0">
             <a:off x="5524500" y="3282315"/>
-            <a:ext cx="239395" cy="260350"/>
+            <a:ext cx="240030" cy="260985"/>
             <a:chOff x="5524500" y="3282315"/>
-            <a:chExt cx="239395" cy="260350"/>
+            <a:chExt cx="240030" cy="260985"/>
           </a:xfrm>
         </p:grpSpPr>
         <p:sp>
@@ -14108,7 +13834,7 @@
           <p:spPr>
             <a:xfrm>
               <a:off x="5554345" y="3317240"/>
-              <a:ext cx="209550" cy="209550"/>
+              <a:ext cx="210185" cy="210185"/>
             </a:xfrm>
             <a:prstGeom prst="ellipse">
               <a:avLst/>
@@ -14169,7 +13895,7 @@
           <p:spPr>
             <a:xfrm>
               <a:off x="5524500" y="3282315"/>
-              <a:ext cx="220345" cy="260350"/>
+              <a:ext cx="220980" cy="260985"/>
             </a:xfrm>
             <a:prstGeom prst="rect">
               <a:avLst/>
@@ -14205,7 +13931,7 @@
                 </a:rPr>
                 <a:t>5</a:t>
               </a:r>
-              <a:endParaRPr lang="en-US" altLang="ko-KR" sz="1100" b="1">
+              <a:endParaRPr lang="ko-KR" altLang="en-US" sz="1100" b="1">
                 <a:solidFill>
                   <a:schemeClr val="bg1"/>
                 </a:solidFill>
@@ -14225,9 +13951,9 @@
         <p:grpSpPr>
           <a:xfrm rot="0">
             <a:off x="6240145" y="3282315"/>
-            <a:ext cx="239395" cy="260350"/>
-            <a:chOff x="7352665" y="3282315"/>
-            <a:chExt cx="239395" cy="260350"/>
+            <a:ext cx="240030" cy="260985"/>
+            <a:chOff x="6240145" y="3282315"/>
+            <a:chExt cx="240030" cy="260985"/>
           </a:xfrm>
         </p:grpSpPr>
         <p:sp>
@@ -14238,8 +13964,8 @@
           </p:nvSpPr>
           <p:spPr>
             <a:xfrm>
-              <a:off x="7382510" y="3317240"/>
-              <a:ext cx="209550" cy="209550"/>
+              <a:off x="6269990" y="3317240"/>
+              <a:ext cx="210185" cy="210185"/>
             </a:xfrm>
             <a:prstGeom prst="ellipse">
               <a:avLst/>
@@ -14299,8 +14025,8 @@
           </p:nvSpPr>
           <p:spPr>
             <a:xfrm>
-              <a:off x="7352665" y="3282315"/>
-              <a:ext cx="220345" cy="260350"/>
+              <a:off x="6240145" y="3282315"/>
+              <a:ext cx="220980" cy="260985"/>
             </a:xfrm>
             <a:prstGeom prst="rect">
               <a:avLst/>
@@ -14336,7 +14062,7 @@
                 </a:rPr>
                 <a:t>6</a:t>
               </a:r>
-              <a:endParaRPr lang="en-US" altLang="ko-KR" sz="1100" b="1">
+              <a:endParaRPr lang="ko-KR" altLang="en-US" sz="1100" b="1">
                 <a:solidFill>
                   <a:schemeClr val="bg1"/>
                 </a:solidFill>
@@ -14356,9 +14082,9 @@
         <p:grpSpPr>
           <a:xfrm rot="0">
             <a:off x="3289300" y="4148455"/>
-            <a:ext cx="239395" cy="260350"/>
+            <a:ext cx="240030" cy="260985"/>
             <a:chOff x="3289300" y="4148455"/>
-            <a:chExt cx="239395" cy="260350"/>
+            <a:chExt cx="240030" cy="260985"/>
           </a:xfrm>
         </p:grpSpPr>
         <p:sp>
@@ -14370,7 +14096,7 @@
           <p:spPr>
             <a:xfrm>
               <a:off x="3319145" y="4183380"/>
-              <a:ext cx="209550" cy="209550"/>
+              <a:ext cx="210185" cy="210185"/>
             </a:xfrm>
             <a:prstGeom prst="ellipse">
               <a:avLst/>
@@ -14431,7 +14157,7 @@
           <p:spPr>
             <a:xfrm>
               <a:off x="3289300" y="4148455"/>
-              <a:ext cx="220345" cy="260350"/>
+              <a:ext cx="220980" cy="260985"/>
             </a:xfrm>
             <a:prstGeom prst="rect">
               <a:avLst/>
@@ -14467,7 +14193,7 @@
                 </a:rPr>
                 <a:t>8</a:t>
               </a:r>
-              <a:endParaRPr lang="en-US" altLang="ko-KR" sz="1100" b="1">
+              <a:endParaRPr lang="ko-KR" altLang="en-US" sz="1100" b="1">
                 <a:solidFill>
                   <a:schemeClr val="bg1"/>
                 </a:solidFill>
@@ -14487,9 +14213,9 @@
         <p:grpSpPr>
           <a:xfrm rot="0">
             <a:off x="4474845" y="4141470"/>
-            <a:ext cx="239395" cy="260350"/>
-            <a:chOff x="5455920" y="4131945"/>
-            <a:chExt cx="239395" cy="260350"/>
+            <a:ext cx="240030" cy="260985"/>
+            <a:chOff x="4474845" y="4141470"/>
+            <a:chExt cx="240030" cy="260985"/>
           </a:xfrm>
         </p:grpSpPr>
         <p:sp>
@@ -14500,8 +14226,8 @@
           </p:nvSpPr>
           <p:spPr>
             <a:xfrm>
-              <a:off x="5485765" y="4166870"/>
-              <a:ext cx="209550" cy="209550"/>
+              <a:off x="4504690" y="4176395"/>
+              <a:ext cx="210185" cy="210185"/>
             </a:xfrm>
             <a:prstGeom prst="ellipse">
               <a:avLst/>
@@ -14561,8 +14287,8 @@
           </p:nvSpPr>
           <p:spPr>
             <a:xfrm>
-              <a:off x="5455920" y="4131945"/>
-              <a:ext cx="220345" cy="260350"/>
+              <a:off x="4474845" y="4141470"/>
+              <a:ext cx="220980" cy="260985"/>
             </a:xfrm>
             <a:prstGeom prst="rect">
               <a:avLst/>
@@ -14598,7 +14324,7 @@
                 </a:rPr>
                 <a:t>9</a:t>
               </a:r>
-              <a:endParaRPr lang="en-US" altLang="ko-KR" sz="1100" b="1">
+              <a:endParaRPr lang="ko-KR" altLang="en-US" sz="1100" b="1">
                 <a:solidFill>
                   <a:schemeClr val="bg1"/>
                 </a:solidFill>
@@ -14618,9 +14344,9 @@
         <p:grpSpPr>
           <a:xfrm rot="0">
             <a:off x="7014845" y="3285490"/>
-            <a:ext cx="239395" cy="260350"/>
-            <a:chOff x="5315585" y="2279015"/>
-            <a:chExt cx="239395" cy="260350"/>
+            <a:ext cx="240030" cy="260985"/>
+            <a:chOff x="7014845" y="3285490"/>
+            <a:chExt cx="240030" cy="260985"/>
           </a:xfrm>
         </p:grpSpPr>
         <p:sp>
@@ -14631,8 +14357,8 @@
           </p:nvSpPr>
           <p:spPr>
             <a:xfrm>
-              <a:off x="5345430" y="2313940"/>
-              <a:ext cx="209550" cy="209550"/>
+              <a:off x="7044690" y="3320415"/>
+              <a:ext cx="210185" cy="210185"/>
             </a:xfrm>
             <a:prstGeom prst="ellipse">
               <a:avLst/>
@@ -14692,8 +14418,8 @@
           </p:nvSpPr>
           <p:spPr>
             <a:xfrm>
-              <a:off x="5315585" y="2279015"/>
-              <a:ext cx="220345" cy="260350"/>
+              <a:off x="7014845" y="3285490"/>
+              <a:ext cx="220980" cy="260985"/>
             </a:xfrm>
             <a:prstGeom prst="rect">
               <a:avLst/>
@@ -14729,7 +14455,7 @@
                 </a:rPr>
                 <a:t>7</a:t>
               </a:r>
-              <a:endParaRPr lang="en-US" altLang="ko-KR" sz="1100" b="1">
+              <a:endParaRPr lang="ko-KR" altLang="en-US" sz="1100" b="1">
                 <a:solidFill>
                   <a:schemeClr val="bg1"/>
                 </a:solidFill>
@@ -14742,7 +14468,7 @@
       </p:grpSp>
       <p:graphicFrame>
         <p:nvGraphicFramePr>
-          <p:cNvPr id="7" name="표 1"/>
+          <p:cNvPr id="7" name="표 6"/>
           <p:cNvGraphicFramePr>
             <a:graphicFrameLocks noGrp="1"/>
           </p:cNvGraphicFramePr>
@@ -14768,6 +14494,7 @@
                 <a:tc>
                   <a:txBody>
                     <a:bodyPr/>
+                    <a:lstStyle/>
                     <a:p>
                       <a:pPr marL="0" indent="0" algn="ctr" defTabSz="914400" eaLnBrk="1" latinLnBrk="1" hangingPunct="1">
                         <a:lnSpc>
@@ -14857,6 +14584,7 @@
                 <a:tc>
                   <a:txBody>
                     <a:bodyPr/>
+                    <a:lstStyle/>
                     <a:p>
                       <a:pPr marL="0" indent="0" algn="ctr" defTabSz="914400" eaLnBrk="1" latinLnBrk="1" hangingPunct="1">
                         <a:lnSpc>
@@ -14946,6 +14674,7 @@
                 <a:tc>
                   <a:txBody>
                     <a:bodyPr/>
+                    <a:lstStyle/>
                     <a:p>
                       <a:pPr marL="0" indent="0" algn="ctr" defTabSz="914400" eaLnBrk="1" latinLnBrk="1" hangingPunct="1">
                         <a:lnSpc>
@@ -15035,6 +14764,7 @@
                 <a:tc>
                   <a:txBody>
                     <a:bodyPr/>
+                    <a:lstStyle/>
                     <a:p>
                       <a:pPr marL="0" indent="0" algn="ctr" defTabSz="914400" eaLnBrk="1" latinLnBrk="1" hangingPunct="1">
                         <a:lnSpc>
@@ -15126,6 +14856,7 @@
                 <a:tc>
                   <a:txBody>
                     <a:bodyPr/>
+                    <a:lstStyle/>
                     <a:p>
                       <a:pPr marL="0" indent="0" algn="ctr" defTabSz="914400" eaLnBrk="1" latinLnBrk="1" hangingPunct="1">
                         <a:lnSpc>
@@ -15141,17 +14872,16 @@
                         <a:buNone/>
                       </a:pPr>
                       <a:r>
-                        <a:rPr lang="en-US" altLang="ko-KR" sz="1000" b="0">
+                        <a:rPr lang="en-US" altLang="ko-KR" sz="1000" b="0" kern="1200">
                           <a:solidFill>
                             <a:schemeClr val="tx1"/>
                           </a:solidFill>
                           <a:latin typeface="맑은 고딕" panose="020B0503020000020004" charset="-127"/>
                           <a:ea typeface="맑은 고딕" panose="020B0503020000020004" charset="-127"/>
-                          <a:sym typeface="+mn-ea"/>
                         </a:rPr>
                         <a:t>F-BP-BC</a:t>
                       </a:r>
-                      <a:endParaRPr lang="ko-KR" altLang="en-US" sz="1000" b="0" i="0" kern="1200">
+                      <a:endParaRPr lang="ko-KR" altLang="en-US" sz="1000" b="0" kern="1200">
                         <a:solidFill>
                           <a:schemeClr val="tx1"/>
                         </a:solidFill>
@@ -15213,6 +14943,7 @@
                 <a:tc>
                   <a:txBody>
                     <a:bodyPr/>
+                    <a:lstStyle/>
                     <a:p>
                       <a:pPr marL="0" indent="0" algn="ctr" defTabSz="914400" eaLnBrk="1" latinLnBrk="1" hangingPunct="1">
                         <a:lnSpc>
@@ -15299,6 +15030,7 @@
                 <a:tc>
                   <a:txBody>
                     <a:bodyPr/>
+                    <a:lstStyle/>
                     <a:p>
                       <a:pPr marL="0" indent="0" algn="ctr" defTabSz="914400" eaLnBrk="1" latinLnBrk="1" hangingPunct="1">
                         <a:lnSpc>
@@ -15313,16 +15045,6 @@
                         <a:buFontTx/>
                         <a:buNone/>
                       </a:pPr>
-                      <a:r>
-                        <a:rPr lang="ko-KR" altLang="en-US" sz="1000" b="0" i="0" kern="1200">
-                          <a:solidFill>
-                            <a:schemeClr val="tx1"/>
-                          </a:solidFill>
-                          <a:latin typeface="맑은 고딕" panose="020B0503020000020004" charset="-127"/>
-                          <a:ea typeface="맑은 고딕" panose="020B0503020000020004" charset="-127"/>
-                        </a:rPr>
-                        <a:t>교재구매 </a:t>
-                      </a:r>
                       <a:r>
                         <a:rPr lang="en-US" altLang="ko-KR" sz="1000" b="0" i="0" kern="1200">
                           <a:solidFill>
@@ -15331,17 +15053,7 @@
                           <a:latin typeface="맑은 고딕" panose="020B0503020000020004" charset="-127"/>
                           <a:ea typeface="맑은 고딕" panose="020B0503020000020004" charset="-127"/>
                         </a:rPr>
-                        <a:t>&gt; </a:t>
-                      </a:r>
-                      <a:r>
-                        <a:rPr lang="ko-KR" altLang="en-US" sz="1000" b="0" i="0" kern="1200">
-                          <a:solidFill>
-                            <a:schemeClr val="tx1"/>
-                          </a:solidFill>
-                          <a:latin typeface="맑은 고딕" panose="020B0503020000020004" charset="-127"/>
-                          <a:ea typeface="맑은 고딕" panose="020B0503020000020004" charset="-127"/>
-                        </a:rPr>
-                        <a:t>장바구니</a:t>
+                        <a:t>교재구매 &gt; 장바구니</a:t>
                       </a:r>
                       <a:endParaRPr lang="ko-KR" altLang="en-US" sz="1000" b="0" i="0" kern="1200">
                         <a:solidFill>
@@ -15405,6 +15117,7 @@
                 <a:tc>
                   <a:txBody>
                     <a:bodyPr/>
+                    <a:lstStyle/>
                     <a:p>
                       <a:pPr marL="0" indent="0" algn="ctr" defTabSz="914400" eaLnBrk="1" latinLnBrk="1" hangingPunct="1">
                         <a:lnSpc>
@@ -15420,7 +15133,7 @@
                         <a:buNone/>
                       </a:pPr>
                       <a:r>
-                        <a:rPr lang="ko-KR" altLang="en-US" sz="1000" b="0" i="0" kern="1200">
+                        <a:rPr lang="en-US" altLang="ko-KR" sz="1000" b="0" i="0" kern="1200">
                           <a:solidFill>
                             <a:schemeClr val="tx1"/>
                           </a:solidFill>
@@ -15495,28 +15208,28 @@
       </p:graphicFrame>
       <p:grpSp>
         <p:nvGrpSpPr>
-          <p:cNvPr id="2" name="그룹 19"/>
+          <p:cNvPr id="2" name="그룹 1"/>
           <p:cNvGrpSpPr/>
           <p:nvPr/>
         </p:nvGrpSpPr>
         <p:grpSpPr>
           <a:xfrm rot="0">
             <a:off x="1347470" y="3285490"/>
-            <a:ext cx="239395" cy="260350"/>
-            <a:chOff x="4343400" y="3298825"/>
-            <a:chExt cx="239395" cy="260350"/>
+            <a:ext cx="240030" cy="260985"/>
+            <a:chOff x="1347470" y="3285490"/>
+            <a:chExt cx="240030" cy="260985"/>
           </a:xfrm>
         </p:grpSpPr>
         <p:sp>
           <p:nvSpPr>
-            <p:cNvPr id="5" name="도형 15"/>
+            <p:cNvPr id="5" name="도형 4"/>
             <p:cNvSpPr/>
             <p:nvPr/>
           </p:nvSpPr>
           <p:spPr>
             <a:xfrm>
-              <a:off x="4373245" y="3333750"/>
-              <a:ext cx="209550" cy="209550"/>
+              <a:off x="1377315" y="3320415"/>
+              <a:ext cx="210185" cy="210185"/>
             </a:xfrm>
             <a:prstGeom prst="ellipse">
               <a:avLst/>
@@ -15543,6 +15256,7 @@
             <a:bodyPr vert="horz" wrap="square" lIns="91440" tIns="45720" rIns="91440" bIns="45720" anchor="ctr">
               <a:noAutofit/>
             </a:bodyPr>
+            <a:lstStyle/>
             <a:p>
               <a:pPr marL="0" indent="0" algn="ctr" defTabSz="914400" eaLnBrk="1" latinLnBrk="1" hangingPunct="1">
                 <a:lnSpc>
@@ -15569,14 +15283,14 @@
         </p:sp>
         <p:sp>
           <p:nvSpPr>
-            <p:cNvPr id="6" name="텍스트 상자 16"/>
+            <p:cNvPr id="6" name="텍스트 상자 5"/>
             <p:cNvSpPr txBox="1"/>
             <p:nvPr/>
           </p:nvSpPr>
           <p:spPr>
             <a:xfrm>
-              <a:off x="4343400" y="3298825"/>
-              <a:ext cx="220345" cy="260350"/>
+              <a:off x="1347470" y="3285490"/>
+              <a:ext cx="220980" cy="260985"/>
             </a:xfrm>
             <a:prstGeom prst="rect">
               <a:avLst/>
@@ -15587,6 +15301,7 @@
             <a:bodyPr vert="horz" wrap="square" lIns="91440" tIns="45720" rIns="91440" bIns="45720" anchor="t">
               <a:spAutoFit/>
             </a:bodyPr>
+            <a:lstStyle/>
             <a:p>
               <a:pPr marL="0" indent="0" algn="l" defTabSz="914400" eaLnBrk="1" latinLnBrk="1" hangingPunct="1">
                 <a:lnSpc>
@@ -15611,7 +15326,7 @@
                 </a:rPr>
                 <a:t>1</a:t>
               </a:r>
-              <a:endParaRPr lang="en-US" altLang="ko-KR" sz="1100" b="1">
+              <a:endParaRPr lang="ko-KR" altLang="en-US" sz="1100" b="1">
                 <a:solidFill>
                   <a:schemeClr val="bg1"/>
                 </a:solidFill>
@@ -15624,28 +15339,28 @@
       </p:grpSp>
       <p:grpSp>
         <p:nvGrpSpPr>
-          <p:cNvPr id="8" name="그룹 19"/>
+          <p:cNvPr id="8" name="그룹 7"/>
           <p:cNvGrpSpPr/>
           <p:nvPr/>
         </p:nvGrpSpPr>
         <p:grpSpPr>
           <a:xfrm rot="0">
             <a:off x="2480310" y="3288665"/>
-            <a:ext cx="239395" cy="260350"/>
-            <a:chOff x="4343400" y="3298825"/>
-            <a:chExt cx="239395" cy="260350"/>
+            <a:ext cx="240030" cy="260985"/>
+            <a:chOff x="2480310" y="3288665"/>
+            <a:chExt cx="240030" cy="260985"/>
           </a:xfrm>
         </p:grpSpPr>
         <p:sp>
           <p:nvSpPr>
-            <p:cNvPr id="9" name="도형 15"/>
+            <p:cNvPr id="9" name="도형 8"/>
             <p:cNvSpPr/>
             <p:nvPr/>
           </p:nvSpPr>
           <p:spPr>
             <a:xfrm>
-              <a:off x="4373245" y="3333750"/>
-              <a:ext cx="209550" cy="209550"/>
+              <a:off x="2510155" y="3323590"/>
+              <a:ext cx="210185" cy="210185"/>
             </a:xfrm>
             <a:prstGeom prst="ellipse">
               <a:avLst/>
@@ -15672,6 +15387,7 @@
             <a:bodyPr vert="horz" wrap="square" lIns="91440" tIns="45720" rIns="91440" bIns="45720" anchor="ctr">
               <a:noAutofit/>
             </a:bodyPr>
+            <a:lstStyle/>
             <a:p>
               <a:pPr marL="0" indent="0" algn="ctr" defTabSz="914400" eaLnBrk="1" latinLnBrk="1" hangingPunct="1">
                 <a:lnSpc>
@@ -15698,14 +15414,14 @@
         </p:sp>
         <p:sp>
           <p:nvSpPr>
-            <p:cNvPr id="10" name="텍스트 상자 16"/>
+            <p:cNvPr id="10" name="텍스트 상자 9"/>
             <p:cNvSpPr txBox="1"/>
             <p:nvPr/>
           </p:nvSpPr>
           <p:spPr>
             <a:xfrm>
-              <a:off x="4343400" y="3298825"/>
-              <a:ext cx="220345" cy="260350"/>
+              <a:off x="2480310" y="3288665"/>
+              <a:ext cx="220980" cy="260985"/>
             </a:xfrm>
             <a:prstGeom prst="rect">
               <a:avLst/>
@@ -15716,6 +15432,7 @@
             <a:bodyPr vert="horz" wrap="square" lIns="91440" tIns="45720" rIns="91440" bIns="45720" anchor="t">
               <a:spAutoFit/>
             </a:bodyPr>
+            <a:lstStyle/>
             <a:p>
               <a:pPr marL="0" indent="0" algn="l" defTabSz="914400" eaLnBrk="1" latinLnBrk="1" hangingPunct="1">
                 <a:lnSpc>
@@ -15740,7 +15457,7 @@
                 </a:rPr>
                 <a:t>2</a:t>
               </a:r>
-              <a:endParaRPr lang="en-US" altLang="ko-KR" sz="1100" b="1">
+              <a:endParaRPr lang="ko-KR" altLang="en-US" sz="1100" b="1">
                 <a:solidFill>
                   <a:schemeClr val="bg1"/>
                 </a:solidFill>
@@ -15753,28 +15470,28 @@
       </p:grpSp>
       <p:grpSp>
         <p:nvGrpSpPr>
-          <p:cNvPr id="11" name="그룹 19"/>
+          <p:cNvPr id="11" name="그룹 10"/>
           <p:cNvGrpSpPr/>
           <p:nvPr/>
         </p:nvGrpSpPr>
         <p:grpSpPr>
           <a:xfrm rot="0">
             <a:off x="3589020" y="3288665"/>
-            <a:ext cx="239395" cy="260350"/>
-            <a:chOff x="4343400" y="3298825"/>
-            <a:chExt cx="239395" cy="260350"/>
+            <a:ext cx="240030" cy="260985"/>
+            <a:chOff x="3589020" y="3288665"/>
+            <a:chExt cx="240030" cy="260985"/>
           </a:xfrm>
         </p:grpSpPr>
         <p:sp>
           <p:nvSpPr>
-            <p:cNvPr id="12" name="도형 15"/>
+            <p:cNvPr id="12" name="도형 11"/>
             <p:cNvSpPr/>
             <p:nvPr/>
           </p:nvSpPr>
           <p:spPr>
             <a:xfrm>
-              <a:off x="4373245" y="3333750"/>
-              <a:ext cx="209550" cy="209550"/>
+              <a:off x="3618865" y="3323590"/>
+              <a:ext cx="210185" cy="210185"/>
             </a:xfrm>
             <a:prstGeom prst="ellipse">
               <a:avLst/>
@@ -15801,6 +15518,7 @@
             <a:bodyPr vert="horz" wrap="square" lIns="91440" tIns="45720" rIns="91440" bIns="45720" anchor="ctr">
               <a:noAutofit/>
             </a:bodyPr>
+            <a:lstStyle/>
             <a:p>
               <a:pPr marL="0" indent="0" algn="ctr" defTabSz="914400" eaLnBrk="1" latinLnBrk="1" hangingPunct="1">
                 <a:lnSpc>
@@ -15827,14 +15545,14 @@
         </p:sp>
         <p:sp>
           <p:nvSpPr>
-            <p:cNvPr id="13" name="텍스트 상자 16"/>
+            <p:cNvPr id="13" name="텍스트 상자 12"/>
             <p:cNvSpPr txBox="1"/>
             <p:nvPr/>
           </p:nvSpPr>
           <p:spPr>
             <a:xfrm>
-              <a:off x="4343400" y="3298825"/>
-              <a:ext cx="220345" cy="260350"/>
+              <a:off x="3589020" y="3288665"/>
+              <a:ext cx="220980" cy="260985"/>
             </a:xfrm>
             <a:prstGeom prst="rect">
               <a:avLst/>
@@ -15845,6 +15563,7 @@
             <a:bodyPr vert="horz" wrap="square" lIns="91440" tIns="45720" rIns="91440" bIns="45720" anchor="t">
               <a:spAutoFit/>
             </a:bodyPr>
+            <a:lstStyle/>
             <a:p>
               <a:pPr marL="0" indent="0" algn="l" defTabSz="914400" eaLnBrk="1" latinLnBrk="1" hangingPunct="1">
                 <a:lnSpc>
@@ -15869,7 +15588,7 @@
                 </a:rPr>
                 <a:t>3</a:t>
               </a:r>
-              <a:endParaRPr lang="en-US" altLang="ko-KR" sz="1100" b="1">
+              <a:endParaRPr lang="ko-KR" altLang="en-US" sz="1100" b="1">
                 <a:solidFill>
                   <a:schemeClr val="bg1"/>
                 </a:solidFill>
@@ -15882,28 +15601,28 @@
       </p:grpSp>
       <p:grpSp>
         <p:nvGrpSpPr>
-          <p:cNvPr id="14" name="그룹 29"/>
+          <p:cNvPr id="14" name="그룹 13"/>
           <p:cNvGrpSpPr/>
           <p:nvPr/>
         </p:nvGrpSpPr>
         <p:grpSpPr>
           <a:xfrm rot="0">
             <a:off x="4832985" y="2380615"/>
-            <a:ext cx="401955" cy="275590"/>
-            <a:chOff x="5408295" y="4131945"/>
-            <a:chExt cx="401955" cy="275590"/>
+            <a:ext cx="402590" cy="276225"/>
+            <a:chOff x="4832985" y="2380615"/>
+            <a:chExt cx="402590" cy="276225"/>
           </a:xfrm>
         </p:grpSpPr>
         <p:sp>
           <p:nvSpPr>
-            <p:cNvPr id="34" name="도형 24"/>
+            <p:cNvPr id="34" name="도형 33"/>
             <p:cNvSpPr/>
             <p:nvPr/>
           </p:nvSpPr>
           <p:spPr>
             <a:xfrm>
-              <a:off x="5485765" y="4166870"/>
-              <a:ext cx="209550" cy="209550"/>
+              <a:off x="4910455" y="2415540"/>
+              <a:ext cx="210185" cy="210185"/>
             </a:xfrm>
             <a:prstGeom prst="ellipse">
               <a:avLst/>
@@ -15930,6 +15649,7 @@
             <a:bodyPr vert="horz" wrap="square" lIns="91440" tIns="45720" rIns="91440" bIns="45720" anchor="ctr">
               <a:noAutofit/>
             </a:bodyPr>
+            <a:lstStyle/>
             <a:p>
               <a:pPr marL="0" indent="0" algn="ctr" defTabSz="914400" eaLnBrk="1" latinLnBrk="1" hangingPunct="1">
                 <a:lnSpc>
@@ -15956,14 +15676,14 @@
         </p:sp>
         <p:sp>
           <p:nvSpPr>
-            <p:cNvPr id="35" name="텍스트 상자 25"/>
+            <p:cNvPr id="35" name="텍스트 상자 34"/>
             <p:cNvSpPr txBox="1"/>
             <p:nvPr/>
           </p:nvSpPr>
           <p:spPr>
             <a:xfrm>
-              <a:off x="5408295" y="4131945"/>
-              <a:ext cx="401955" cy="275590"/>
+              <a:off x="4832985" y="2380615"/>
+              <a:ext cx="402590" cy="276225"/>
             </a:xfrm>
             <a:prstGeom prst="rect">
               <a:avLst/>
@@ -15974,6 +15694,7 @@
             <a:bodyPr vert="horz" wrap="square" lIns="91440" tIns="45720" rIns="91440" bIns="45720" anchor="t">
               <a:spAutoFit/>
             </a:bodyPr>
+            <a:lstStyle/>
             <a:p>
               <a:pPr marL="0" indent="0" algn="l" defTabSz="914400" eaLnBrk="1" latinLnBrk="1" hangingPunct="1">
                 <a:lnSpc>
@@ -15998,7 +15719,7 @@
                 </a:rPr>
                 <a:t>10</a:t>
               </a:r>
-              <a:endParaRPr lang="en-US" altLang="ko-KR" sz="1200" b="1">
+              <a:endParaRPr lang="ko-KR" altLang="en-US" sz="1200" b="1">
                 <a:solidFill>
                   <a:schemeClr val="bg1"/>
                 </a:solidFill>
@@ -16058,7 +15779,7 @@
         <p:spPr>
           <a:xfrm>
             <a:off x="142875" y="714375"/>
-            <a:ext cx="8993505" cy="5945505"/>
+            <a:ext cx="8994140" cy="5946140"/>
           </a:xfrm>
           <a:prstGeom prst="rect">
             <a:avLst/>
@@ -16443,286 +16164,7 @@
                         </a:rPr>
                         <a:t>1</a:t>
                       </a:r>
-                      <a:endParaRPr lang="en-US" altLang="ko-KR" sz="1000" b="0" i="0" kern="1200">
-                        <a:solidFill>
-                          <a:schemeClr val="tx1"/>
-                        </a:solidFill>
-                        <a:latin typeface="맑은 고딕" panose="020B0503020000020004" charset="-127"/>
-                        <a:ea typeface="맑은 고딕" panose="020B0503020000020004" charset="-127"/>
-                      </a:endParaRPr>
-                    </a:p>
-                  </a:txBody>
-                  <a:tcPr marL="0" marR="0" marT="0" marB="0" anchor="ctr">
-                    <a:lnL w="12700" cap="flat" cmpd="sng" algn="ctr">
-                      <a:solidFill>
-                        <a:srgbClr val="000000">
-                          <a:alpha val="100000"/>
-                        </a:srgbClr>
-                      </a:solidFill>
-                      <a:prstDash val="solid"/>
-                      <a:round/>
-                      <a:headEnd type="none" w="med" len="med"/>
-                      <a:tailEnd type="none" w="med" len="med"/>
-                    </a:lnL>
-                    <a:lnR w="12700" cap="flat" cmpd="sng" algn="ctr">
-                      <a:solidFill>
-                        <a:srgbClr val="000000">
-                          <a:alpha val="100000"/>
-                        </a:srgbClr>
-                      </a:solidFill>
-                      <a:prstDash val="solid"/>
-                      <a:round/>
-                      <a:headEnd type="none" w="med" len="med"/>
-                      <a:tailEnd type="none" w="med" len="med"/>
-                    </a:lnR>
-                    <a:lnT w="12700" cap="flat" cmpd="sng" algn="ctr">
-                      <a:solidFill>
-                        <a:srgbClr val="000000">
-                          <a:alpha val="100000"/>
-                        </a:srgbClr>
-                      </a:solidFill>
-                      <a:prstDash val="solid"/>
-                      <a:round/>
-                      <a:headEnd type="none" w="med" len="med"/>
-                      <a:tailEnd type="none" w="med" len="med"/>
-                    </a:lnT>
-                    <a:lnB w="12700" cap="flat" cmpd="sng" algn="ctr">
-                      <a:solidFill>
-                        <a:srgbClr val="000000">
-                          <a:alpha val="100000"/>
-                        </a:srgbClr>
-                      </a:solidFill>
-                      <a:prstDash val="solid"/>
-                      <a:round/>
-                      <a:headEnd type="none" w="med" len="med"/>
-                      <a:tailEnd type="none" w="med" len="med"/>
-                    </a:lnB>
-                    <a:noFill/>
-                  </a:tcPr>
-                </a:tc>
-                <a:tc>
-                  <a:txBody>
-                    <a:bodyPr/>
-                    <a:lstStyle/>
-                    <a:p>
-                      <a:pPr marL="0" indent="0" algn="ctr" defTabSz="914400" eaLnBrk="1" latinLnBrk="1" hangingPunct="1">
-                        <a:lnSpc>
-                          <a:spcPct val="100000"/>
-                        </a:lnSpc>
-                        <a:spcBef>
-                          <a:spcPts val="0"/>
-                        </a:spcBef>
-                        <a:spcAft>
-                          <a:spcPts val="0"/>
-                        </a:spcAft>
-                        <a:buFontTx/>
-                        <a:buNone/>
-                      </a:pPr>
-                      <a:r>
-                        <a:rPr lang="en-US" altLang="ko-KR" sz="1000" b="0" i="0" kern="1200">
-                          <a:solidFill>
-                            <a:schemeClr val="tx1"/>
-                          </a:solidFill>
-                          <a:latin typeface="맑은 고딕" panose="020B0503020000020004" charset="-127"/>
-                          <a:ea typeface="맑은 고딕" panose="020B0503020000020004" charset="-127"/>
-                        </a:rPr>
-                        <a:t>R</a:t>
-                      </a:r>
-                      <a:endParaRPr lang="en-US" altLang="ko-KR" sz="1000" b="0" i="0" kern="1200">
-                        <a:solidFill>
-                          <a:schemeClr val="tx1"/>
-                        </a:solidFill>
-                        <a:latin typeface="맑은 고딕" panose="020B0503020000020004" charset="-127"/>
-                        <a:ea typeface="맑은 고딕" panose="020B0503020000020004" charset="-127"/>
-                      </a:endParaRPr>
-                    </a:p>
-                  </a:txBody>
-                  <a:tcPr marL="0" marR="0" marT="0" marB="0" anchor="ctr">
-                    <a:lnL w="12700" cap="flat" cmpd="sng" algn="ctr">
-                      <a:solidFill>
-                        <a:srgbClr val="000000">
-                          <a:alpha val="100000"/>
-                        </a:srgbClr>
-                      </a:solidFill>
-                      <a:prstDash val="solid"/>
-                      <a:round/>
-                      <a:headEnd type="none" w="med" len="med"/>
-                      <a:tailEnd type="none" w="med" len="med"/>
-                    </a:lnL>
-                    <a:lnR w="12700" cap="flat" cmpd="sng" algn="ctr">
-                      <a:solidFill>
-                        <a:srgbClr val="000000">
-                          <a:alpha val="100000"/>
-                        </a:srgbClr>
-                      </a:solidFill>
-                      <a:prstDash val="solid"/>
-                      <a:round/>
-                      <a:headEnd type="none" w="med" len="med"/>
-                      <a:tailEnd type="none" w="med" len="med"/>
-                    </a:lnR>
-                    <a:lnT w="12700" cap="flat" cmpd="sng" algn="ctr">
-                      <a:solidFill>
-                        <a:srgbClr val="000000">
-                          <a:alpha val="100000"/>
-                        </a:srgbClr>
-                      </a:solidFill>
-                      <a:prstDash val="solid"/>
-                      <a:round/>
-                      <a:headEnd type="none" w="med" len="med"/>
-                      <a:tailEnd type="none" w="med" len="med"/>
-                    </a:lnT>
-                    <a:lnB w="12700" cap="flat" cmpd="sng" algn="ctr">
-                      <a:solidFill>
-                        <a:srgbClr val="000000">
-                          <a:alpha val="100000"/>
-                        </a:srgbClr>
-                      </a:solidFill>
-                      <a:prstDash val="solid"/>
-                      <a:round/>
-                      <a:headEnd type="none" w="med" len="med"/>
-                      <a:tailEnd type="none" w="med" len="med"/>
-                    </a:lnB>
-                    <a:noFill/>
-                  </a:tcPr>
-                </a:tc>
-                <a:tc>
-                  <a:txBody>
-                    <a:bodyPr/>
-                    <a:lstStyle/>
-                    <a:p>
-                      <a:pPr marL="0" indent="0" algn="ctr" defTabSz="914400" eaLnBrk="1" latinLnBrk="1" hangingPunct="1">
-                        <a:lnSpc>
-                          <a:spcPct val="100000"/>
-                        </a:lnSpc>
-                        <a:spcBef>
-                          <a:spcPts val="0"/>
-                        </a:spcBef>
-                        <a:spcAft>
-                          <a:spcPts val="0"/>
-                        </a:spcAft>
-                        <a:buFontTx/>
-                        <a:buNone/>
-                      </a:pPr>
-                      <a:r>
-                        <a:rPr lang="ko-KR" altLang="en-US" sz="1000" kern="1200">
-                          <a:solidFill>
-                            <a:schemeClr val="tx1"/>
-                          </a:solidFill>
-                          <a:latin typeface="맑은 고딕" panose="020B0503020000020004" charset="-127"/>
-                          <a:ea typeface="맑은 고딕" panose="020B0503020000020004" charset="-127"/>
-                        </a:rPr>
-                        <a:t>사용자의 이름 데이터를 </a:t>
-                      </a:r>
-                      <a:r>
-                        <a:rPr lang="en-US" altLang="ko-KR" sz="1000" kern="1200">
-                          <a:solidFill>
-                            <a:schemeClr val="tx1"/>
-                          </a:solidFill>
-                          <a:latin typeface="맑은 고딕" panose="020B0503020000020004" charset="-127"/>
-                          <a:ea typeface="맑은 고딕" panose="020B0503020000020004" charset="-127"/>
-                        </a:rPr>
-                        <a:t>DB</a:t>
-                      </a:r>
-                      <a:r>
-                        <a:rPr altLang="en-US" sz="1000" kern="1200">
-                          <a:solidFill>
-                            <a:schemeClr val="tx1"/>
-                          </a:solidFill>
-                          <a:latin typeface="맑은 고딕" panose="020B0503020000020004" charset="-127"/>
-                          <a:ea typeface="맑은 고딕" panose="020B0503020000020004" charset="-127"/>
-                        </a:rPr>
-                        <a:t>로부터 읽어와 입력</a:t>
-                      </a:r>
-                      <a:endParaRPr altLang="en-US" sz="1000" kern="1200">
-                        <a:solidFill>
-                          <a:schemeClr val="tx1"/>
-                        </a:solidFill>
-                        <a:latin typeface="맑은 고딕" panose="020B0503020000020004" charset="-127"/>
-                        <a:ea typeface="맑은 고딕" panose="020B0503020000020004" charset="-127"/>
-                      </a:endParaRPr>
-                    </a:p>
-                  </a:txBody>
-                  <a:tcPr marL="0" marR="0" marT="0" marB="0" anchor="ctr">
-                    <a:lnL w="12700" cap="flat" cmpd="sng" algn="ctr">
-                      <a:solidFill>
-                        <a:srgbClr val="000000">
-                          <a:alpha val="100000"/>
-                        </a:srgbClr>
-                      </a:solidFill>
-                      <a:prstDash val="solid"/>
-                      <a:round/>
-                      <a:headEnd type="none" w="med" len="med"/>
-                      <a:tailEnd type="none" w="med" len="med"/>
-                    </a:lnL>
-                    <a:lnR w="12700" cap="flat" cmpd="sng" algn="ctr">
-                      <a:solidFill>
-                        <a:srgbClr val="000000">
-                          <a:alpha val="100000"/>
-                        </a:srgbClr>
-                      </a:solidFill>
-                      <a:prstDash val="solid"/>
-                      <a:round/>
-                      <a:headEnd type="none" w="med" len="med"/>
-                      <a:tailEnd type="none" w="med" len="med"/>
-                    </a:lnR>
-                    <a:lnT w="12700" cap="flat" cmpd="sng" algn="ctr">
-                      <a:solidFill>
-                        <a:srgbClr val="000000">
-                          <a:alpha val="100000"/>
-                        </a:srgbClr>
-                      </a:solidFill>
-                      <a:prstDash val="solid"/>
-                      <a:round/>
-                      <a:headEnd type="none" w="med" len="med"/>
-                      <a:tailEnd type="none" w="med" len="med"/>
-                    </a:lnT>
-                    <a:lnB w="12700" cap="flat" cmpd="sng" algn="ctr">
-                      <a:solidFill>
-                        <a:srgbClr val="000000">
-                          <a:alpha val="100000"/>
-                        </a:srgbClr>
-                      </a:solidFill>
-                      <a:prstDash val="solid"/>
-                      <a:round/>
-                      <a:headEnd type="none" w="med" len="med"/>
-                      <a:tailEnd type="none" w="med" len="med"/>
-                    </a:lnB>
-                    <a:solidFill>
-                      <a:schemeClr val="bg1"/>
-                    </a:solidFill>
-                  </a:tcPr>
-                </a:tc>
-              </a:tr>
-              <a:tr h="526415">
-                <a:tc>
-                  <a:txBody>
-                    <a:bodyPr/>
-                    <a:lstStyle/>
-                    <a:p>
-                      <a:pPr marL="0" indent="0" algn="ctr" defTabSz="914400" eaLnBrk="1" latinLnBrk="1" hangingPunct="1">
-                        <a:lnSpc>
-                          <a:spcPct val="100000"/>
-                        </a:lnSpc>
-                        <a:spcBef>
-                          <a:spcPts val="0"/>
-                        </a:spcBef>
-                        <a:spcAft>
-                          <a:spcPts val="0"/>
-                        </a:spcAft>
-                        <a:buFontTx/>
-                        <a:buNone/>
-                      </a:pPr>
-                      <a:r>
-                        <a:rPr lang="en-US" altLang="ko-KR" sz="1000" b="0" i="0" kern="1200">
-                          <a:solidFill>
-                            <a:schemeClr val="tx1"/>
-                          </a:solidFill>
-                          <a:latin typeface="맑은 고딕" panose="020B0503020000020004" charset="-127"/>
-                          <a:ea typeface="맑은 고딕" panose="020B0503020000020004" charset="-127"/>
-                        </a:rPr>
-                        <a:t>2</a:t>
-                      </a:r>
-                      <a:endParaRPr lang="en-US" altLang="ko-KR" sz="1000" b="0" i="0" kern="1200">
+                      <a:endParaRPr lang="ko-KR" altLang="en-US" sz="1000" b="0" i="0" kern="1200">
                         <a:solidFill>
                           <a:schemeClr val="tx1"/>
                         </a:solidFill>
@@ -16890,7 +16332,47 @@
                           <a:latin typeface="맑은 고딕" panose="020B0503020000020004" charset="-127"/>
                           <a:ea typeface="맑은 고딕" panose="020B0503020000020004" charset="-127"/>
                         </a:rPr>
-                        <a:t>DB에 저장되어 있는 사용자의 회원정보를 불러와 이름 / 주소 / 연락처 자동입력</a:t>
+                        <a:t>사용자의 </a:t>
+                      </a:r>
+                      <a:r>
+                        <a:rPr lang="en-US" altLang="ko-KR" sz="1000" kern="1200">
+                          <a:solidFill>
+                            <a:schemeClr val="tx1"/>
+                          </a:solidFill>
+                          <a:latin typeface="맑은 고딕" panose="020B0503020000020004" charset="-127"/>
+                          <a:ea typeface="맑은 고딕" panose="020B0503020000020004" charset="-127"/>
+                        </a:rPr>
+                        <a:t>이</a:t>
+                      </a:r>
+                      <a:r>
+                        <a:rPr lang="en-US" altLang="ko-KR" sz="1000" kern="1200">
+                          <a:solidFill>
+                            <a:schemeClr val="tx1"/>
+                          </a:solidFill>
+                          <a:latin typeface="맑은 고딕" panose="020B0503020000020004" charset="-127"/>
+                          <a:ea typeface="맑은 고딕" panose="020B0503020000020004" charset="-127"/>
+                        </a:rPr>
+                        <a:t>름 데이터</a:t>
+                      </a:r>
+                      <a:r>
+                        <a:rPr lang="en-US" altLang="ko-KR" sz="1000" kern="1200">
+                          <a:solidFill>
+                            <a:schemeClr val="tx1"/>
+                          </a:solidFill>
+                          <a:latin typeface="맑은 고딕" panose="020B0503020000020004" charset="-127"/>
+                          <a:ea typeface="맑은 고딕" panose="020B0503020000020004" charset="-127"/>
+                        </a:rPr>
+                        <a:t>를</a:t>
+                      </a:r>
+                      <a:r>
+                        <a:rPr lang="en-US" altLang="ko-KR" sz="1000" kern="1200">
+                          <a:solidFill>
+                            <a:schemeClr val="tx1"/>
+                          </a:solidFill>
+                          <a:latin typeface="맑은 고딕" panose="020B0503020000020004" charset="-127"/>
+                          <a:ea typeface="맑은 고딕" panose="020B0503020000020004" charset="-127"/>
+                        </a:rPr>
+                        <a:t> DB로부터 읽어와 입력</a:t>
                       </a:r>
                       <a:endParaRPr lang="ko-KR" altLang="en-US" sz="1000" kern="1200">
                         <a:solidFill>
@@ -16979,9 +16461,268 @@
                           <a:latin typeface="맑은 고딕" panose="020B0503020000020004" charset="-127"/>
                           <a:ea typeface="맑은 고딕" panose="020B0503020000020004" charset="-127"/>
                         </a:rPr>
+                        <a:t>2</a:t>
+                      </a:r>
+                      <a:endParaRPr lang="ko-KR" altLang="en-US" sz="1000" b="0" i="0" kern="1200">
+                        <a:solidFill>
+                          <a:schemeClr val="tx1"/>
+                        </a:solidFill>
+                        <a:latin typeface="맑은 고딕" panose="020B0503020000020004" charset="-127"/>
+                        <a:ea typeface="맑은 고딕" panose="020B0503020000020004" charset="-127"/>
+                      </a:endParaRPr>
+                    </a:p>
+                  </a:txBody>
+                  <a:tcPr marL="0" marR="0" marT="0" marB="0" anchor="ctr">
+                    <a:lnL w="12700" cap="flat" cmpd="sng" algn="ctr">
+                      <a:solidFill>
+                        <a:srgbClr val="000000">
+                          <a:alpha val="100000"/>
+                        </a:srgbClr>
+                      </a:solidFill>
+                      <a:prstDash val="solid"/>
+                      <a:round/>
+                      <a:headEnd type="none" w="med" len="med"/>
+                      <a:tailEnd type="none" w="med" len="med"/>
+                    </a:lnL>
+                    <a:lnR w="12700" cap="flat" cmpd="sng" algn="ctr">
+                      <a:solidFill>
+                        <a:srgbClr val="000000">
+                          <a:alpha val="100000"/>
+                        </a:srgbClr>
+                      </a:solidFill>
+                      <a:prstDash val="solid"/>
+                      <a:round/>
+                      <a:headEnd type="none" w="med" len="med"/>
+                      <a:tailEnd type="none" w="med" len="med"/>
+                    </a:lnR>
+                    <a:lnT w="12700" cap="flat" cmpd="sng" algn="ctr">
+                      <a:solidFill>
+                        <a:srgbClr val="000000">
+                          <a:alpha val="100000"/>
+                        </a:srgbClr>
+                      </a:solidFill>
+                      <a:prstDash val="solid"/>
+                      <a:round/>
+                      <a:headEnd type="none" w="med" len="med"/>
+                      <a:tailEnd type="none" w="med" len="med"/>
+                    </a:lnT>
+                    <a:lnB w="12700" cap="flat" cmpd="sng" algn="ctr">
+                      <a:solidFill>
+                        <a:srgbClr val="000000">
+                          <a:alpha val="100000"/>
+                        </a:srgbClr>
+                      </a:solidFill>
+                      <a:prstDash val="solid"/>
+                      <a:round/>
+                      <a:headEnd type="none" w="med" len="med"/>
+                      <a:tailEnd type="none" w="med" len="med"/>
+                    </a:lnB>
+                    <a:noFill/>
+                  </a:tcPr>
+                </a:tc>
+                <a:tc>
+                  <a:txBody>
+                    <a:bodyPr/>
+                    <a:lstStyle/>
+                    <a:p>
+                      <a:pPr marL="0" indent="0" algn="ctr" defTabSz="914400" eaLnBrk="1" latinLnBrk="1" hangingPunct="1">
+                        <a:lnSpc>
+                          <a:spcPct val="100000"/>
+                        </a:lnSpc>
+                        <a:spcBef>
+                          <a:spcPts val="0"/>
+                        </a:spcBef>
+                        <a:spcAft>
+                          <a:spcPts val="0"/>
+                        </a:spcAft>
+                        <a:buFontTx/>
+                        <a:buNone/>
+                      </a:pPr>
+                      <a:r>
+                        <a:rPr lang="en-US" altLang="ko-KR" sz="1000" b="0" i="0" kern="1200">
+                          <a:solidFill>
+                            <a:schemeClr val="tx1"/>
+                          </a:solidFill>
+                          <a:latin typeface="맑은 고딕" panose="020B0503020000020004" charset="-127"/>
+                          <a:ea typeface="맑은 고딕" panose="020B0503020000020004" charset="-127"/>
+                        </a:rPr>
+                        <a:t>R</a:t>
+                      </a:r>
+                      <a:endParaRPr lang="ko-KR" altLang="en-US" sz="1000" b="0" i="0" kern="1200">
+                        <a:solidFill>
+                          <a:schemeClr val="tx1"/>
+                        </a:solidFill>
+                        <a:latin typeface="맑은 고딕" panose="020B0503020000020004" charset="-127"/>
+                        <a:ea typeface="맑은 고딕" panose="020B0503020000020004" charset="-127"/>
+                      </a:endParaRPr>
+                    </a:p>
+                  </a:txBody>
+                  <a:tcPr marL="0" marR="0" marT="0" marB="0" anchor="ctr">
+                    <a:lnL w="12700" cap="flat" cmpd="sng" algn="ctr">
+                      <a:solidFill>
+                        <a:srgbClr val="000000">
+                          <a:alpha val="100000"/>
+                        </a:srgbClr>
+                      </a:solidFill>
+                      <a:prstDash val="solid"/>
+                      <a:round/>
+                      <a:headEnd type="none" w="med" len="med"/>
+                      <a:tailEnd type="none" w="med" len="med"/>
+                    </a:lnL>
+                    <a:lnR w="12700" cap="flat" cmpd="sng" algn="ctr">
+                      <a:solidFill>
+                        <a:srgbClr val="000000">
+                          <a:alpha val="100000"/>
+                        </a:srgbClr>
+                      </a:solidFill>
+                      <a:prstDash val="solid"/>
+                      <a:round/>
+                      <a:headEnd type="none" w="med" len="med"/>
+                      <a:tailEnd type="none" w="med" len="med"/>
+                    </a:lnR>
+                    <a:lnT w="12700" cap="flat" cmpd="sng" algn="ctr">
+                      <a:solidFill>
+                        <a:srgbClr val="000000">
+                          <a:alpha val="100000"/>
+                        </a:srgbClr>
+                      </a:solidFill>
+                      <a:prstDash val="solid"/>
+                      <a:round/>
+                      <a:headEnd type="none" w="med" len="med"/>
+                      <a:tailEnd type="none" w="med" len="med"/>
+                    </a:lnT>
+                    <a:lnB w="12700" cap="flat" cmpd="sng" algn="ctr">
+                      <a:solidFill>
+                        <a:srgbClr val="000000">
+                          <a:alpha val="100000"/>
+                        </a:srgbClr>
+                      </a:solidFill>
+                      <a:prstDash val="solid"/>
+                      <a:round/>
+                      <a:headEnd type="none" w="med" len="med"/>
+                      <a:tailEnd type="none" w="med" len="med"/>
+                    </a:lnB>
+                    <a:noFill/>
+                  </a:tcPr>
+                </a:tc>
+                <a:tc>
+                  <a:txBody>
+                    <a:bodyPr/>
+                    <a:lstStyle/>
+                    <a:p>
+                      <a:pPr marL="0" indent="0" algn="ctr" defTabSz="914400" eaLnBrk="1" latinLnBrk="1" hangingPunct="1">
+                        <a:lnSpc>
+                          <a:spcPct val="100000"/>
+                        </a:lnSpc>
+                        <a:spcBef>
+                          <a:spcPts val="0"/>
+                        </a:spcBef>
+                        <a:spcAft>
+                          <a:spcPts val="0"/>
+                        </a:spcAft>
+                        <a:buFontTx/>
+                        <a:buNone/>
+                      </a:pPr>
+                      <a:r>
+                        <a:rPr lang="en-US" altLang="ko-KR" sz="1000" kern="1200">
+                          <a:solidFill>
+                            <a:schemeClr val="tx1"/>
+                          </a:solidFill>
+                          <a:latin typeface="맑은 고딕" panose="020B0503020000020004" charset="-127"/>
+                          <a:ea typeface="맑은 고딕" panose="020B0503020000020004" charset="-127"/>
+                        </a:rPr>
+                        <a:t>DB에 저장되어 있는 사용자의 회원정보를 불러와 이름 / 주소 / 연락처 자동입력</a:t>
+                      </a:r>
+                      <a:endParaRPr lang="ko-KR" altLang="en-US" sz="1000" kern="1200">
+                        <a:solidFill>
+                          <a:schemeClr val="tx1"/>
+                        </a:solidFill>
+                        <a:latin typeface="맑은 고딕" panose="020B0503020000020004" charset="-127"/>
+                        <a:ea typeface="맑은 고딕" panose="020B0503020000020004" charset="-127"/>
+                      </a:endParaRPr>
+                    </a:p>
+                  </a:txBody>
+                  <a:tcPr marL="0" marR="0" marT="0" marB="0" anchor="ctr">
+                    <a:lnL w="12700" cap="flat" cmpd="sng" algn="ctr">
+                      <a:solidFill>
+                        <a:srgbClr val="000000">
+                          <a:alpha val="100000"/>
+                        </a:srgbClr>
+                      </a:solidFill>
+                      <a:prstDash val="solid"/>
+                      <a:round/>
+                      <a:headEnd type="none" w="med" len="med"/>
+                      <a:tailEnd type="none" w="med" len="med"/>
+                    </a:lnL>
+                    <a:lnR w="12700" cap="flat" cmpd="sng" algn="ctr">
+                      <a:solidFill>
+                        <a:srgbClr val="000000">
+                          <a:alpha val="100000"/>
+                        </a:srgbClr>
+                      </a:solidFill>
+                      <a:prstDash val="solid"/>
+                      <a:round/>
+                      <a:headEnd type="none" w="med" len="med"/>
+                      <a:tailEnd type="none" w="med" len="med"/>
+                    </a:lnR>
+                    <a:lnT w="12700" cap="flat" cmpd="sng" algn="ctr">
+                      <a:solidFill>
+                        <a:srgbClr val="000000">
+                          <a:alpha val="100000"/>
+                        </a:srgbClr>
+                      </a:solidFill>
+                      <a:prstDash val="solid"/>
+                      <a:round/>
+                      <a:headEnd type="none" w="med" len="med"/>
+                      <a:tailEnd type="none" w="med" len="med"/>
+                    </a:lnT>
+                    <a:lnB w="12700" cap="flat" cmpd="sng" algn="ctr">
+                      <a:solidFill>
+                        <a:srgbClr val="000000">
+                          <a:alpha val="100000"/>
+                        </a:srgbClr>
+                      </a:solidFill>
+                      <a:prstDash val="solid"/>
+                      <a:round/>
+                      <a:headEnd type="none" w="med" len="med"/>
+                      <a:tailEnd type="none" w="med" len="med"/>
+                    </a:lnB>
+                    <a:solidFill>
+                      <a:schemeClr val="bg1"/>
+                    </a:solidFill>
+                  </a:tcPr>
+                </a:tc>
+              </a:tr>
+              <a:tr h="526415">
+                <a:tc>
+                  <a:txBody>
+                    <a:bodyPr/>
+                    <a:lstStyle/>
+                    <a:p>
+                      <a:pPr marL="0" indent="0" algn="ctr" defTabSz="914400" eaLnBrk="1" latinLnBrk="1" hangingPunct="1">
+                        <a:lnSpc>
+                          <a:spcPct val="100000"/>
+                        </a:lnSpc>
+                        <a:spcBef>
+                          <a:spcPts val="0"/>
+                        </a:spcBef>
+                        <a:spcAft>
+                          <a:spcPts val="0"/>
+                        </a:spcAft>
+                        <a:buFontTx/>
+                        <a:buNone/>
+                      </a:pPr>
+                      <a:r>
+                        <a:rPr lang="en-US" altLang="ko-KR" sz="1000" b="0" i="0" kern="1200">
+                          <a:solidFill>
+                            <a:schemeClr val="tx1"/>
+                          </a:solidFill>
+                          <a:latin typeface="맑은 고딕" panose="020B0503020000020004" charset="-127"/>
+                          <a:ea typeface="맑은 고딕" panose="020B0503020000020004" charset="-127"/>
+                        </a:rPr>
                         <a:t>3</a:t>
                       </a:r>
-                      <a:endParaRPr lang="en-US" altLang="ko-KR" sz="1000" b="0" i="0" kern="1200">
+                      <a:endParaRPr lang="ko-KR" altLang="en-US" sz="1000" b="0" i="0" kern="1200">
                         <a:solidFill>
                           <a:schemeClr val="tx1"/>
                         </a:solidFill>
@@ -17272,7 +17013,7 @@
                         </a:rPr>
                         <a:t>4</a:t>
                       </a:r>
-                      <a:endParaRPr lang="en-US" altLang="ko-KR" sz="1000" b="0" i="0" kern="1200">
+                      <a:endParaRPr lang="ko-KR" altLang="en-US" sz="1000" b="0" i="0" kern="1200">
                         <a:solidFill>
                           <a:schemeClr val="tx1"/>
                         </a:solidFill>
@@ -17563,7 +17304,324 @@
                         </a:rPr>
                         <a:t>5</a:t>
                       </a:r>
+                      <a:endParaRPr lang="ko-KR" altLang="en-US" sz="1000" b="0" i="0" kern="1200">
+                        <a:solidFill>
+                          <a:schemeClr val="tx1"/>
+                        </a:solidFill>
+                        <a:latin typeface="맑은 고딕" panose="020B0503020000020004" charset="-127"/>
+                        <a:ea typeface="맑은 고딕" panose="020B0503020000020004" charset="-127"/>
+                      </a:endParaRPr>
+                    </a:p>
+                  </a:txBody>
+                  <a:tcPr marL="0" marR="0" marT="0" marB="0" anchor="ctr">
+                    <a:lnL w="12700" cap="flat" cmpd="sng" algn="ctr">
+                      <a:solidFill>
+                        <a:srgbClr val="000000">
+                          <a:alpha val="100000"/>
+                        </a:srgbClr>
+                      </a:solidFill>
+                      <a:prstDash val="solid"/>
+                      <a:round/>
+                      <a:headEnd type="none" w="med" len="med"/>
+                      <a:tailEnd type="none" w="med" len="med"/>
+                    </a:lnL>
+                    <a:lnR w="12700" cap="flat" cmpd="sng" algn="ctr">
+                      <a:solidFill>
+                        <a:srgbClr val="000000">
+                          <a:alpha val="100000"/>
+                        </a:srgbClr>
+                      </a:solidFill>
+                      <a:prstDash val="solid"/>
+                      <a:round/>
+                      <a:headEnd type="none" w="med" len="med"/>
+                      <a:tailEnd type="none" w="med" len="med"/>
+                    </a:lnR>
+                    <a:lnT w="12700" cap="flat" cmpd="sng" algn="ctr">
+                      <a:solidFill>
+                        <a:srgbClr val="000000">
+                          <a:alpha val="100000"/>
+                        </a:srgbClr>
+                      </a:solidFill>
+                      <a:prstDash val="solid"/>
+                      <a:round/>
+                      <a:headEnd type="none" w="med" len="med"/>
+                      <a:tailEnd type="none" w="med" len="med"/>
+                    </a:lnT>
+                    <a:lnB w="12700" cap="flat" cmpd="sng" algn="ctr">
+                      <a:solidFill>
+                        <a:srgbClr val="000000">
+                          <a:alpha val="100000"/>
+                        </a:srgbClr>
+                      </a:solidFill>
+                      <a:prstDash val="solid"/>
+                      <a:round/>
+                      <a:headEnd type="none" w="med" len="med"/>
+                      <a:tailEnd type="none" w="med" len="med"/>
+                    </a:lnB>
+                    <a:noFill/>
+                  </a:tcPr>
+                </a:tc>
+                <a:tc>
+                  <a:txBody>
+                    <a:bodyPr/>
+                    <a:lstStyle/>
+                    <a:p>
+                      <a:pPr marL="0" indent="0" algn="ctr" defTabSz="914400" eaLnBrk="1" latinLnBrk="1" hangingPunct="1">
+                        <a:lnSpc>
+                          <a:spcPct val="100000"/>
+                        </a:lnSpc>
+                        <a:spcBef>
+                          <a:spcPts val="0"/>
+                        </a:spcBef>
+                        <a:spcAft>
+                          <a:spcPts val="0"/>
+                        </a:spcAft>
+                        <a:buFontTx/>
+                        <a:buNone/>
+                      </a:pPr>
+                      <a:r>
+                        <a:rPr lang="en-US" altLang="ko-KR" sz="1000" b="0" i="0" kern="1200">
+                          <a:solidFill>
+                            <a:schemeClr val="tx1"/>
+                          </a:solidFill>
+                          <a:latin typeface="맑은 고딕" panose="020B0503020000020004" charset="-127"/>
+                          <a:ea typeface="맑은 고딕" panose="020B0503020000020004" charset="-127"/>
+                        </a:rPr>
+                        <a:t>RC</a:t>
+                      </a:r>
                       <a:endParaRPr lang="en-US" altLang="ko-KR" sz="1000" b="0" i="0" kern="1200">
+                        <a:solidFill>
+                          <a:schemeClr val="tx1"/>
+                        </a:solidFill>
+                        <a:latin typeface="맑은 고딕" panose="020B0503020000020004" charset="-127"/>
+                        <a:ea typeface="맑은 고딕" panose="020B0503020000020004" charset="-127"/>
+                      </a:endParaRPr>
+                    </a:p>
+                  </a:txBody>
+                  <a:tcPr marL="0" marR="0" marT="0" marB="0" anchor="ctr">
+                    <a:lnL w="12700" cap="flat" cmpd="sng" algn="ctr">
+                      <a:solidFill>
+                        <a:srgbClr val="000000">
+                          <a:alpha val="100000"/>
+                        </a:srgbClr>
+                      </a:solidFill>
+                      <a:prstDash val="solid"/>
+                      <a:round/>
+                      <a:headEnd type="none" w="med" len="med"/>
+                      <a:tailEnd type="none" w="med" len="med"/>
+                    </a:lnL>
+                    <a:lnR w="12700" cap="flat" cmpd="sng" algn="ctr">
+                      <a:solidFill>
+                        <a:srgbClr val="000000">
+                          <a:alpha val="100000"/>
+                        </a:srgbClr>
+                      </a:solidFill>
+                      <a:prstDash val="solid"/>
+                      <a:round/>
+                      <a:headEnd type="none" w="med" len="med"/>
+                      <a:tailEnd type="none" w="med" len="med"/>
+                    </a:lnR>
+                    <a:lnT w="12700" cap="flat" cmpd="sng" algn="ctr">
+                      <a:solidFill>
+                        <a:srgbClr val="000000">
+                          <a:alpha val="100000"/>
+                        </a:srgbClr>
+                      </a:solidFill>
+                      <a:prstDash val="solid"/>
+                      <a:round/>
+                      <a:headEnd type="none" w="med" len="med"/>
+                      <a:tailEnd type="none" w="med" len="med"/>
+                    </a:lnT>
+                    <a:lnB w="12700" cap="flat" cmpd="sng" algn="ctr">
+                      <a:solidFill>
+                        <a:srgbClr val="000000">
+                          <a:alpha val="100000"/>
+                        </a:srgbClr>
+                      </a:solidFill>
+                      <a:prstDash val="solid"/>
+                      <a:round/>
+                      <a:headEnd type="none" w="med" len="med"/>
+                      <a:tailEnd type="none" w="med" len="med"/>
+                    </a:lnB>
+                    <a:noFill/>
+                  </a:tcPr>
+                </a:tc>
+                <a:tc>
+                  <a:txBody>
+                    <a:bodyPr/>
+                    <a:lstStyle/>
+                    <a:p>
+                      <a:pPr marL="0" indent="0" algn="ctr" defTabSz="914400" eaLnBrk="1" latinLnBrk="1" hangingPunct="1">
+                        <a:lnSpc>
+                          <a:spcPct val="100000"/>
+                        </a:lnSpc>
+                        <a:spcBef>
+                          <a:spcPts val="0"/>
+                        </a:spcBef>
+                        <a:spcAft>
+                          <a:spcPts val="0"/>
+                        </a:spcAft>
+                        <a:buFontTx/>
+                        <a:buNone/>
+                      </a:pPr>
+                      <a:r>
+                        <a:rPr lang="en-US" altLang="ko-KR" sz="1000" kern="1200">
+                          <a:solidFill>
+                            <a:schemeClr val="tx1"/>
+                          </a:solidFill>
+                          <a:latin typeface="맑은 고딕" panose="020B0503020000020004" charset="-127"/>
+                          <a:ea typeface="맑은 고딕" panose="020B0503020000020004" charset="-127"/>
+                          <a:sym typeface="+mn-ea"/>
+                        </a:rPr>
+                        <a:t>[기본배송지] 선택시 DB 연동하여 데이터 자동 입력, [</a:t>
+                      </a:r>
+                      <a:r>
+                        <a:rPr altLang="en-US" sz="1000" kern="1200">
+                          <a:solidFill>
+                            <a:schemeClr val="tx1"/>
+                          </a:solidFill>
+                          <a:latin typeface="맑은 고딕" panose="020B0503020000020004" charset="-127"/>
+                          <a:ea typeface="맑은 고딕" panose="020B0503020000020004" charset="-127"/>
+                          <a:sym typeface="+mn-ea"/>
+                        </a:rPr>
+                        <a:t>신규배송지</a:t>
+                      </a:r>
+                      <a:r>
+                        <a:rPr lang="en-US" altLang="ko-KR" sz="1000" kern="1200">
+                          <a:solidFill>
+                            <a:schemeClr val="tx1"/>
+                          </a:solidFill>
+                          <a:latin typeface="맑은 고딕" panose="020B0503020000020004" charset="-127"/>
+                          <a:ea typeface="맑은 고딕" panose="020B0503020000020004" charset="-127"/>
+                          <a:sym typeface="+mn-ea"/>
+                        </a:rPr>
+                        <a:t>]</a:t>
+                      </a:r>
+                      <a:endParaRPr lang="en-US" altLang="ko-KR" sz="1000" kern="1200">
+                        <a:solidFill>
+                          <a:schemeClr val="tx1"/>
+                        </a:solidFill>
+                        <a:latin typeface="맑은 고딕" panose="020B0503020000020004" charset="-127"/>
+                        <a:ea typeface="맑은 고딕" panose="020B0503020000020004" charset="-127"/>
+                        <a:sym typeface="+mn-ea"/>
+                      </a:endParaRPr>
+                    </a:p>
+                    <a:p>
+                      <a:pPr marL="0" indent="0" algn="ctr" defTabSz="914400" eaLnBrk="1" latinLnBrk="1" hangingPunct="1">
+                        <a:lnSpc>
+                          <a:spcPct val="100000"/>
+                        </a:lnSpc>
+                        <a:spcBef>
+                          <a:spcPts val="0"/>
+                        </a:spcBef>
+                        <a:spcAft>
+                          <a:spcPts val="0"/>
+                        </a:spcAft>
+                        <a:buFontTx/>
+                        <a:buNone/>
+                      </a:pPr>
+                      <a:r>
+                        <a:rPr altLang="en-US" sz="1000" kern="1200">
+                          <a:solidFill>
+                            <a:schemeClr val="tx1"/>
+                          </a:solidFill>
+                          <a:latin typeface="맑은 고딕" panose="020B0503020000020004" charset="-127"/>
+                          <a:ea typeface="맑은 고딕" panose="020B0503020000020004" charset="-127"/>
+                          <a:sym typeface="+mn-ea"/>
+                        </a:rPr>
+                        <a:t>선택시 사용자 선택</a:t>
+                      </a:r>
+                      <a:endParaRPr altLang="en-US" sz="1000" kern="1200">
+                        <a:solidFill>
+                          <a:schemeClr val="tx1"/>
+                        </a:solidFill>
+                        <a:latin typeface="맑은 고딕" panose="020B0503020000020004" charset="-127"/>
+                        <a:ea typeface="맑은 고딕" panose="020B0503020000020004" charset="-127"/>
+                        <a:sym typeface="+mn-ea"/>
+                      </a:endParaRPr>
+                    </a:p>
+                  </a:txBody>
+                  <a:tcPr marL="0" marR="0" marT="0" marB="0" anchor="ctr">
+                    <a:lnL w="12700" cap="flat" cmpd="sng" algn="ctr">
+                      <a:solidFill>
+                        <a:srgbClr val="000000">
+                          <a:alpha val="100000"/>
+                        </a:srgbClr>
+                      </a:solidFill>
+                      <a:prstDash val="solid"/>
+                      <a:round/>
+                      <a:headEnd type="none" w="med" len="med"/>
+                      <a:tailEnd type="none" w="med" len="med"/>
+                    </a:lnL>
+                    <a:lnR w="12700" cap="flat" cmpd="sng" algn="ctr">
+                      <a:solidFill>
+                        <a:srgbClr val="000000">
+                          <a:alpha val="100000"/>
+                        </a:srgbClr>
+                      </a:solidFill>
+                      <a:prstDash val="solid"/>
+                      <a:round/>
+                      <a:headEnd type="none" w="med" len="med"/>
+                      <a:tailEnd type="none" w="med" len="med"/>
+                    </a:lnR>
+                    <a:lnT w="12700" cap="flat" cmpd="sng" algn="ctr">
+                      <a:solidFill>
+                        <a:srgbClr val="000000">
+                          <a:alpha val="100000"/>
+                        </a:srgbClr>
+                      </a:solidFill>
+                      <a:prstDash val="solid"/>
+                      <a:round/>
+                      <a:headEnd type="none" w="med" len="med"/>
+                      <a:tailEnd type="none" w="med" len="med"/>
+                    </a:lnT>
+                    <a:lnB w="12700" cap="flat" cmpd="sng" algn="ctr">
+                      <a:solidFill>
+                        <a:srgbClr val="000000">
+                          <a:alpha val="100000"/>
+                        </a:srgbClr>
+                      </a:solidFill>
+                      <a:prstDash val="solid"/>
+                      <a:round/>
+                      <a:headEnd type="none" w="med" len="med"/>
+                      <a:tailEnd type="none" w="med" len="med"/>
+                    </a:lnB>
+                    <a:solidFill>
+                      <a:schemeClr val="bg1"/>
+                    </a:solidFill>
+                  </a:tcPr>
+                </a:tc>
+              </a:tr>
+              <a:tr h="526415">
+                <a:tc>
+                  <a:txBody>
+                    <a:bodyPr/>
+                    <a:lstStyle/>
+                    <a:p>
+                      <a:pPr marL="0" indent="0" algn="ctr" defTabSz="914400" eaLnBrk="1" latinLnBrk="1" hangingPunct="1">
+                        <a:lnSpc>
+                          <a:spcPct val="100000"/>
+                        </a:lnSpc>
+                        <a:spcBef>
+                          <a:spcPts val="0"/>
+                        </a:spcBef>
+                        <a:spcAft>
+                          <a:spcPts val="0"/>
+                        </a:spcAft>
+                        <a:buFontTx/>
+                        <a:buNone/>
+                      </a:pPr>
+                      <a:r>
+                        <a:rPr lang="en-US" altLang="ko-KR" sz="1000" b="0" i="0" kern="1200">
+                          <a:solidFill>
+                            <a:schemeClr val="tx1"/>
+                          </a:solidFill>
+                          <a:latin typeface="맑은 고딕" panose="020B0503020000020004" charset="-127"/>
+                          <a:ea typeface="맑은 고딕" panose="020B0503020000020004" charset="-127"/>
+                        </a:rPr>
+                        <a:t>6</a:t>
+                      </a:r>
+                      <a:endParaRPr lang="ko-KR" altLang="en-US" sz="1000" b="0" i="0" kern="1200">
                         <a:solidFill>
                           <a:schemeClr val="tx1"/>
                         </a:solidFill>
@@ -17825,7 +17883,7 @@
                   </a:tcPr>
                 </a:tc>
               </a:tr>
-              <a:tr h="526415">
+              <a:tr h="500380">
                 <a:tc>
                   <a:txBody>
                     <a:bodyPr/>
@@ -17852,9 +17910,9 @@
                           <a:latin typeface="맑은 고딕" panose="020B0503020000020004" charset="-127"/>
                           <a:ea typeface="맑은 고딕" panose="020B0503020000020004" charset="-127"/>
                         </a:rPr>
-                        <a:t>6</a:t>
+                        <a:t>7</a:t>
                       </a:r>
-                      <a:endParaRPr lang="en-US" altLang="ko-KR" sz="1000" b="0" i="0" kern="1200">
+                      <a:endParaRPr lang="ko-KR" altLang="en-US" sz="1000" b="0" i="0" kern="1200">
                         <a:solidFill>
                           <a:schemeClr val="tx1"/>
                         </a:solidFill>
@@ -18054,19 +18112,9 @@
                           <a:latin typeface="맑은 고딕" panose="020B0503020000020004" charset="-127"/>
                           <a:ea typeface="맑은 고딕" panose="020B0503020000020004" charset="-127"/>
                         </a:rPr>
-                        <a:t>선택시 사용자 입</a:t>
+                        <a:t>선택시 사용자 입력</a:t>
                       </a:r>
-                      <a:r>
-                        <a:rPr altLang="en-US" sz="1000" kern="1200">
-                          <a:solidFill>
-                            <a:schemeClr val="tx1"/>
-                          </a:solidFill>
-                          <a:latin typeface="맑은 고딕" panose="020B0503020000020004" charset="-127"/>
-                          <a:ea typeface="맑은 고딕" panose="020B0503020000020004" charset="-127"/>
-                        </a:rPr>
-                        <a:t>력</a:t>
-                      </a:r>
-                      <a:endParaRPr altLang="en-US" sz="1000" kern="1200">
+                      <a:endParaRPr lang="ko-KR" altLang="en-US" sz="1000" kern="1200">
                         <a:solidFill>
                           <a:schemeClr val="tx1"/>
                         </a:solidFill>
@@ -18126,7 +18174,7 @@
                   </a:tcPr>
                 </a:tc>
               </a:tr>
-              <a:tr h="500380">
+              <a:tr h="509270">
                 <a:tc>
                   <a:txBody>
                     <a:bodyPr/>
@@ -18153,9 +18201,9 @@
                           <a:latin typeface="맑은 고딕" panose="020B0503020000020004" charset="-127"/>
                           <a:ea typeface="맑은 고딕" panose="020B0503020000020004" charset="-127"/>
                         </a:rPr>
-                        <a:t>7</a:t>
+                        <a:t>8</a:t>
                       </a:r>
-                      <a:endParaRPr lang="en-US" altLang="ko-KR" sz="1000" b="0" i="0" kern="1200">
+                      <a:endParaRPr lang="ko-KR" altLang="en-US" sz="1000" b="0" i="0" kern="1200">
                         <a:solidFill>
                           <a:schemeClr val="tx1"/>
                         </a:solidFill>
@@ -18412,7 +18460,7 @@
                           <a:latin typeface="맑은 고딕" panose="020B0503020000020004" charset="-127"/>
                           <a:ea typeface="맑은 고딕" panose="020B0503020000020004" charset="-127"/>
                         </a:rPr>
-                        <a:t>8</a:t>
+                        <a:t>9</a:t>
                       </a:r>
                       <a:endParaRPr lang="en-US" altLang="ko-KR" sz="1000" b="0" i="0" kern="1200">
                         <a:solidFill>
@@ -18863,7 +18911,7 @@
                   </a:tcPr>
                 </a:tc>
               </a:tr>
-              <a:tr h="509270">
+              <a:tr h="491490">
                 <a:tc>
                   <a:txBody>
                     <a:bodyPr/>
@@ -19092,255 +19140,20 @@
                   </a:tcPr>
                 </a:tc>
               </a:tr>
-              <a:tr h="491490">
-                <a:tc>
-                  <a:txBody>
-                    <a:bodyPr/>
-                    <a:lstStyle/>
-                    <a:p>
-                      <a:pPr marL="0" indent="0" algn="ctr" defTabSz="914400" eaLnBrk="1" latinLnBrk="1" hangingPunct="1">
-                        <a:lnSpc>
-                          <a:spcPct val="100000"/>
-                        </a:lnSpc>
-                        <a:spcBef>
-                          <a:spcPts val="0"/>
-                        </a:spcBef>
-                        <a:spcAft>
-                          <a:spcPts val="0"/>
-                        </a:spcAft>
-                        <a:buFontTx/>
-                        <a:buNone/>
-                      </a:pPr>
-                      <a:endParaRPr lang="ko-KR" altLang="en-US" sz="1000" b="0" i="0" kern="1200">
-                        <a:solidFill>
-                          <a:schemeClr val="tx1"/>
-                        </a:solidFill>
-                        <a:latin typeface="맑은 고딕" panose="020B0503020000020004" charset="-127"/>
-                        <a:ea typeface="맑은 고딕" panose="020B0503020000020004" charset="-127"/>
-                      </a:endParaRPr>
-                    </a:p>
-                  </a:txBody>
-                  <a:tcPr marL="0" marR="0" marT="0" marB="0" anchor="ctr">
-                    <a:lnL w="12700" cap="flat" cmpd="sng" algn="ctr">
-                      <a:solidFill>
-                        <a:srgbClr val="000000">
-                          <a:alpha val="100000"/>
-                        </a:srgbClr>
-                      </a:solidFill>
-                      <a:prstDash val="solid"/>
-                      <a:round/>
-                      <a:headEnd type="none" w="med" len="med"/>
-                      <a:tailEnd type="none" w="med" len="med"/>
-                    </a:lnL>
-                    <a:lnR w="12700" cap="flat" cmpd="sng" algn="ctr">
-                      <a:solidFill>
-                        <a:srgbClr val="000000">
-                          <a:alpha val="100000"/>
-                        </a:srgbClr>
-                      </a:solidFill>
-                      <a:prstDash val="solid"/>
-                      <a:round/>
-                      <a:headEnd type="none" w="med" len="med"/>
-                      <a:tailEnd type="none" w="med" len="med"/>
-                    </a:lnR>
-                    <a:lnT w="12700" cap="flat" cmpd="sng" algn="ctr">
-                      <a:solidFill>
-                        <a:srgbClr val="000000">
-                          <a:alpha val="100000"/>
-                        </a:srgbClr>
-                      </a:solidFill>
-                      <a:prstDash val="solid"/>
-                      <a:round/>
-                      <a:headEnd type="none" w="med" len="med"/>
-                      <a:tailEnd type="none" w="med" len="med"/>
-                    </a:lnT>
-                    <a:lnB w="12700" cap="flat" cmpd="sng" algn="ctr">
-                      <a:solidFill>
-                        <a:srgbClr val="000000">
-                          <a:alpha val="100000"/>
-                        </a:srgbClr>
-                      </a:solidFill>
-                      <a:prstDash val="solid"/>
-                      <a:round/>
-                      <a:headEnd type="none" w="med" len="med"/>
-                      <a:tailEnd type="none" w="med" len="med"/>
-                    </a:lnB>
-                    <a:noFill/>
-                  </a:tcPr>
-                </a:tc>
-                <a:tc>
-                  <a:txBody>
-                    <a:bodyPr/>
-                    <a:lstStyle/>
-                    <a:p>
-                      <a:pPr marL="0" indent="0" algn="ctr" defTabSz="914400" eaLnBrk="1" latinLnBrk="1" hangingPunct="1">
-                        <a:lnSpc>
-                          <a:spcPct val="100000"/>
-                        </a:lnSpc>
-                        <a:spcBef>
-                          <a:spcPts val="0"/>
-                        </a:spcBef>
-                        <a:spcAft>
-                          <a:spcPts val="0"/>
-                        </a:spcAft>
-                        <a:buFontTx/>
-                        <a:buNone/>
-                      </a:pPr>
-                      <a:endParaRPr lang="ko-KR" altLang="en-US" sz="1000" b="0" i="0" kern="1200">
-                        <a:solidFill>
-                          <a:schemeClr val="tx1"/>
-                        </a:solidFill>
-                        <a:latin typeface="맑은 고딕" panose="020B0503020000020004" charset="-127"/>
-                        <a:ea typeface="맑은 고딕" panose="020B0503020000020004" charset="-127"/>
-                      </a:endParaRPr>
-                    </a:p>
-                  </a:txBody>
-                  <a:tcPr marL="0" marR="0" marT="0" marB="0" anchor="ctr">
-                    <a:lnL w="12700" cap="flat" cmpd="sng" algn="ctr">
-                      <a:solidFill>
-                        <a:srgbClr val="000000">
-                          <a:alpha val="100000"/>
-                        </a:srgbClr>
-                      </a:solidFill>
-                      <a:prstDash val="solid"/>
-                      <a:round/>
-                      <a:headEnd type="none" w="med" len="med"/>
-                      <a:tailEnd type="none" w="med" len="med"/>
-                    </a:lnL>
-                    <a:lnR w="12700" cap="flat" cmpd="sng" algn="ctr">
-                      <a:solidFill>
-                        <a:srgbClr val="000000">
-                          <a:alpha val="100000"/>
-                        </a:srgbClr>
-                      </a:solidFill>
-                      <a:prstDash val="solid"/>
-                      <a:round/>
-                      <a:headEnd type="none" w="med" len="med"/>
-                      <a:tailEnd type="none" w="med" len="med"/>
-                    </a:lnR>
-                    <a:lnT w="12700" cap="flat" cmpd="sng" algn="ctr">
-                      <a:solidFill>
-                        <a:srgbClr val="000000">
-                          <a:alpha val="100000"/>
-                        </a:srgbClr>
-                      </a:solidFill>
-                      <a:prstDash val="solid"/>
-                      <a:round/>
-                      <a:headEnd type="none" w="med" len="med"/>
-                      <a:tailEnd type="none" w="med" len="med"/>
-                    </a:lnT>
-                    <a:lnB w="12700" cap="flat" cmpd="sng" algn="ctr">
-                      <a:solidFill>
-                        <a:srgbClr val="000000">
-                          <a:alpha val="100000"/>
-                        </a:srgbClr>
-                      </a:solidFill>
-                      <a:prstDash val="solid"/>
-                      <a:round/>
-                      <a:headEnd type="none" w="med" len="med"/>
-                      <a:tailEnd type="none" w="med" len="med"/>
-                    </a:lnB>
-                    <a:noFill/>
-                  </a:tcPr>
-                </a:tc>
-                <a:tc>
-                  <a:txBody>
-                    <a:bodyPr/>
-                    <a:lstStyle/>
-                    <a:p>
-                      <a:pPr marL="0" indent="0" algn="ctr" defTabSz="914400" eaLnBrk="1" latinLnBrk="1" hangingPunct="1">
-                        <a:lnSpc>
-                          <a:spcPct val="100000"/>
-                        </a:lnSpc>
-                        <a:spcBef>
-                          <a:spcPts val="0"/>
-                        </a:spcBef>
-                        <a:spcAft>
-                          <a:spcPts val="0"/>
-                        </a:spcAft>
-                        <a:buFontTx/>
-                        <a:buNone/>
-                      </a:pPr>
-                      <a:endParaRPr lang="ko-KR" altLang="en-US" sz="1000" b="0" i="0" kern="1200">
-                        <a:solidFill>
-                          <a:schemeClr val="tx1"/>
-                        </a:solidFill>
-                        <a:latin typeface="맑은 고딕" panose="020B0503020000020004" charset="-127"/>
-                        <a:ea typeface="맑은 고딕" panose="020B0503020000020004" charset="-127"/>
-                      </a:endParaRPr>
-                    </a:p>
-                  </a:txBody>
-                  <a:tcPr marL="0" marR="0" marT="0" marB="0" anchor="ctr">
-                    <a:lnL w="12700" cap="flat" cmpd="sng" algn="ctr">
-                      <a:solidFill>
-                        <a:srgbClr val="000000">
-                          <a:alpha val="100000"/>
-                        </a:srgbClr>
-                      </a:solidFill>
-                      <a:prstDash val="solid"/>
-                      <a:round/>
-                      <a:headEnd type="none" w="med" len="med"/>
-                      <a:tailEnd type="none" w="med" len="med"/>
-                    </a:lnL>
-                    <a:lnR w="12700" cap="flat" cmpd="sng" algn="ctr">
-                      <a:solidFill>
-                        <a:srgbClr val="000000">
-                          <a:alpha val="100000"/>
-                        </a:srgbClr>
-                      </a:solidFill>
-                      <a:prstDash val="solid"/>
-                      <a:round/>
-                      <a:headEnd type="none" w="med" len="med"/>
-                      <a:tailEnd type="none" w="med" len="med"/>
-                    </a:lnR>
-                    <a:lnT w="12700" cap="flat" cmpd="sng" algn="ctr">
-                      <a:solidFill>
-                        <a:srgbClr val="000000">
-                          <a:alpha val="100000"/>
-                        </a:srgbClr>
-                      </a:solidFill>
-                      <a:prstDash val="solid"/>
-                      <a:round/>
-                      <a:headEnd type="none" w="med" len="med"/>
-                      <a:tailEnd type="none" w="med" len="med"/>
-                    </a:lnT>
-                    <a:lnB w="12700" cap="flat" cmpd="sng" algn="ctr">
-                      <a:solidFill>
-                        <a:srgbClr val="000000">
-                          <a:alpha val="100000"/>
-                        </a:srgbClr>
-                      </a:solidFill>
-                      <a:prstDash val="solid"/>
-                      <a:round/>
-                      <a:headEnd type="none" w="med" len="med"/>
-                      <a:tailEnd type="none" w="med" len="med"/>
-                    </a:lnB>
-                    <a:solidFill>
-                      <a:schemeClr val="bg1"/>
-                    </a:solidFill>
-                  </a:tcPr>
-                </a:tc>
-              </a:tr>
             </a:tbl>
           </a:graphicData>
         </a:graphic>
       </p:graphicFrame>
       <p:pic>
         <p:nvPicPr>
-          <p:cNvPr id="15" name="그림 14" descr="C:/Users/KOSMO-08/AppData/Roaming/PolarisOffice/ETemp/11312_17366784/fImage228049862995.png"/>
+          <p:cNvPr id="15" name="그림 14" descr="C:/Users/KOSMO-08/AppData/Roaming/PolarisOffice/ETemp/12752_7558552/fImage228043348145.png"/>
           <p:cNvPicPr>
             <a:picLocks noChangeAspect="1"/>
           </p:cNvPicPr>
           <p:nvPr/>
         </p:nvPicPr>
         <p:blipFill rotWithShape="1">
-          <a:blip r:embed="rId1" cstate="print">
-            <a:extLst>
-              <a:ext uri="{28A0092B-C50C-407E-A947-70E740481C1C}">
-                <a14:useLocalDpi xmlns:a14="http://schemas.microsoft.com/office/drawing/2010/main" val="0"/>
-              </a:ext>
-            </a:extLst>
-          </a:blip>
+          <a:blip r:embed="rId1" cstate="hqprint"/>
           <a:srcRect/>
           <a:stretch>
             <a:fillRect/>
@@ -19349,7 +19162,7 @@
         <p:spPr>
           <a:xfrm>
             <a:off x="271145" y="1101725"/>
-            <a:ext cx="8737600" cy="5060950"/>
+            <a:ext cx="8738235" cy="5061585"/>
           </a:xfrm>
           <a:prstGeom prst="rect">
             <a:avLst/>
@@ -19366,9 +19179,9 @@
         <p:grpSpPr>
           <a:xfrm rot="0">
             <a:off x="5444490" y="2632075"/>
-            <a:ext cx="239395" cy="260350"/>
-            <a:chOff x="5463540" y="2632075"/>
-            <a:chExt cx="239395" cy="260350"/>
+            <a:ext cx="240030" cy="260985"/>
+            <a:chOff x="5444490" y="2632075"/>
+            <a:chExt cx="240030" cy="260985"/>
           </a:xfrm>
         </p:grpSpPr>
         <p:sp>
@@ -19379,8 +19192,8 @@
           </p:nvSpPr>
           <p:spPr>
             <a:xfrm>
-              <a:off x="5493385" y="2667000"/>
-              <a:ext cx="209550" cy="209550"/>
+              <a:off x="5474335" y="2667000"/>
+              <a:ext cx="210185" cy="210185"/>
             </a:xfrm>
             <a:prstGeom prst="ellipse">
               <a:avLst/>
@@ -19440,8 +19253,8 @@
           </p:nvSpPr>
           <p:spPr>
             <a:xfrm>
-              <a:off x="5463540" y="2632075"/>
-              <a:ext cx="220345" cy="260350"/>
+              <a:off x="5444490" y="2632075"/>
+              <a:ext cx="220980" cy="260985"/>
             </a:xfrm>
             <a:prstGeom prst="rect">
               <a:avLst/>
@@ -19477,7 +19290,7 @@
                 </a:rPr>
                 <a:t>2</a:t>
               </a:r>
-              <a:endParaRPr lang="en-US" altLang="ko-KR" sz="1100" b="1">
+              <a:endParaRPr lang="ko-KR" altLang="en-US" sz="1100" b="1">
                 <a:solidFill>
                   <a:schemeClr val="bg1"/>
                 </a:solidFill>
@@ -19497,9 +19310,9 @@
         <p:grpSpPr>
           <a:xfrm rot="0">
             <a:off x="7463155" y="2640965"/>
-            <a:ext cx="239395" cy="260350"/>
+            <a:ext cx="240030" cy="260985"/>
             <a:chOff x="7463155" y="2640965"/>
-            <a:chExt cx="239395" cy="260350"/>
+            <a:chExt cx="240030" cy="260985"/>
           </a:xfrm>
         </p:grpSpPr>
         <p:sp>
@@ -19511,7 +19324,7 @@
           <p:spPr>
             <a:xfrm>
               <a:off x="7493000" y="2675890"/>
-              <a:ext cx="209550" cy="209550"/>
+              <a:ext cx="210185" cy="210185"/>
             </a:xfrm>
             <a:prstGeom prst="ellipse">
               <a:avLst/>
@@ -19572,7 +19385,7 @@
           <p:spPr>
             <a:xfrm>
               <a:off x="7463155" y="2640965"/>
-              <a:ext cx="220345" cy="260350"/>
+              <a:ext cx="220980" cy="260985"/>
             </a:xfrm>
             <a:prstGeom prst="rect">
               <a:avLst/>
@@ -19608,7 +19421,7 @@
                 </a:rPr>
                 <a:t>3</a:t>
               </a:r>
-              <a:endParaRPr lang="en-US" altLang="ko-KR" sz="1100" b="1">
+              <a:endParaRPr lang="ko-KR" altLang="en-US" sz="1100" b="1">
                 <a:solidFill>
                   <a:schemeClr val="bg1"/>
                 </a:solidFill>
@@ -19628,9 +19441,9 @@
         <p:grpSpPr>
           <a:xfrm rot="0">
             <a:off x="5607050" y="3279775"/>
-            <a:ext cx="239395" cy="260350"/>
+            <a:ext cx="240030" cy="260985"/>
             <a:chOff x="5607050" y="3279775"/>
-            <a:chExt cx="239395" cy="260350"/>
+            <a:chExt cx="240030" cy="260985"/>
           </a:xfrm>
         </p:grpSpPr>
         <p:sp>
@@ -19642,7 +19455,7 @@
           <p:spPr>
             <a:xfrm>
               <a:off x="5636895" y="3314700"/>
-              <a:ext cx="209550" cy="209550"/>
+              <a:ext cx="210185" cy="210185"/>
             </a:xfrm>
             <a:prstGeom prst="ellipse">
               <a:avLst/>
@@ -19703,7 +19516,7 @@
           <p:spPr>
             <a:xfrm>
               <a:off x="5607050" y="3279775"/>
-              <a:ext cx="220345" cy="260350"/>
+              <a:ext cx="220980" cy="260985"/>
             </a:xfrm>
             <a:prstGeom prst="rect">
               <a:avLst/>
@@ -19739,7 +19552,7 @@
                 </a:rPr>
                 <a:t>4</a:t>
               </a:r>
-              <a:endParaRPr lang="en-US" altLang="ko-KR" sz="1100" b="1">
+              <a:endParaRPr lang="ko-KR" altLang="en-US" sz="1100" b="1">
                 <a:solidFill>
                   <a:schemeClr val="bg1"/>
                 </a:solidFill>
@@ -19759,9 +19572,9 @@
         <p:grpSpPr>
           <a:xfrm rot="0">
             <a:off x="5826760" y="3892550"/>
-            <a:ext cx="239395" cy="260350"/>
+            <a:ext cx="240030" cy="260350"/>
             <a:chOff x="5826760" y="3892550"/>
-            <a:chExt cx="239395" cy="260350"/>
+            <a:chExt cx="240030" cy="260350"/>
           </a:xfrm>
         </p:grpSpPr>
         <p:sp>
@@ -19773,7 +19586,7 @@
           <p:spPr>
             <a:xfrm>
               <a:off x="5856605" y="3927475"/>
-              <a:ext cx="209550" cy="209550"/>
+              <a:ext cx="210185" cy="210185"/>
             </a:xfrm>
             <a:prstGeom prst="ellipse">
               <a:avLst/>
@@ -19834,7 +19647,7 @@
           <p:spPr>
             <a:xfrm>
               <a:off x="5826760" y="3892550"/>
-              <a:ext cx="220345" cy="260350"/>
+              <a:ext cx="220980" cy="260350"/>
             </a:xfrm>
             <a:prstGeom prst="rect">
               <a:avLst/>
@@ -19868,7 +19681,7 @@
                   <a:latin typeface="맑은 고딕" panose="020B0503020000020004" charset="-127"/>
                   <a:ea typeface="맑은 고딕" panose="020B0503020000020004" charset="-127"/>
                 </a:rPr>
-                <a:t>5</a:t>
+                <a:t>6</a:t>
               </a:r>
               <a:endParaRPr lang="en-US" altLang="ko-KR" sz="1100" b="1">
                 <a:solidFill>
@@ -19890,9 +19703,9 @@
         <p:grpSpPr>
           <a:xfrm rot="0">
             <a:off x="7039610" y="3892550"/>
-            <a:ext cx="239395" cy="260350"/>
+            <a:ext cx="240030" cy="260350"/>
             <a:chOff x="7039610" y="3892550"/>
-            <a:chExt cx="239395" cy="260350"/>
+            <a:chExt cx="240030" cy="260350"/>
           </a:xfrm>
         </p:grpSpPr>
         <p:sp>
@@ -19904,7 +19717,7 @@
           <p:spPr>
             <a:xfrm>
               <a:off x="7069455" y="3927475"/>
-              <a:ext cx="209550" cy="209550"/>
+              <a:ext cx="210185" cy="210185"/>
             </a:xfrm>
             <a:prstGeom prst="ellipse">
               <a:avLst/>
@@ -19965,7 +19778,7 @@
           <p:spPr>
             <a:xfrm>
               <a:off x="7039610" y="3892550"/>
-              <a:ext cx="220345" cy="260350"/>
+              <a:ext cx="220980" cy="260350"/>
             </a:xfrm>
             <a:prstGeom prst="rect">
               <a:avLst/>
@@ -19999,7 +19812,7 @@
                   <a:latin typeface="맑은 고딕" panose="020B0503020000020004" charset="-127"/>
                   <a:ea typeface="맑은 고딕" panose="020B0503020000020004" charset="-127"/>
                 </a:rPr>
-                <a:t>5</a:t>
+                <a:t>6</a:t>
               </a:r>
               <a:endParaRPr lang="en-US" altLang="ko-KR" sz="1100" b="1">
                 <a:solidFill>
@@ -20021,9 +19834,9 @@
         <p:grpSpPr>
           <a:xfrm rot="0">
             <a:off x="4886960" y="3892550"/>
-            <a:ext cx="239395" cy="260350"/>
+            <a:ext cx="240030" cy="260985"/>
             <a:chOff x="4886960" y="3892550"/>
-            <a:chExt cx="239395" cy="260350"/>
+            <a:chExt cx="240030" cy="260985"/>
           </a:xfrm>
         </p:grpSpPr>
         <p:sp>
@@ -20035,7 +19848,7 @@
           <p:spPr>
             <a:xfrm>
               <a:off x="4916805" y="3927475"/>
-              <a:ext cx="209550" cy="209550"/>
+              <a:ext cx="210185" cy="210185"/>
             </a:xfrm>
             <a:prstGeom prst="ellipse">
               <a:avLst/>
@@ -20096,7 +19909,7 @@
           <p:spPr>
             <a:xfrm>
               <a:off x="4886960" y="3892550"/>
-              <a:ext cx="220345" cy="260350"/>
+              <a:ext cx="220980" cy="260985"/>
             </a:xfrm>
             <a:prstGeom prst="rect">
               <a:avLst/>
@@ -20132,7 +19945,7 @@
                 </a:rPr>
                 <a:t>5</a:t>
               </a:r>
-              <a:endParaRPr lang="en-US" altLang="ko-KR" sz="1100" b="1">
+              <a:endParaRPr lang="ko-KR" altLang="en-US" sz="1100" b="1">
                 <a:solidFill>
                   <a:schemeClr val="bg1"/>
                 </a:solidFill>
@@ -20152,9 +19965,9 @@
         <p:grpSpPr>
           <a:xfrm rot="0">
             <a:off x="4892675" y="4562475"/>
-            <a:ext cx="239395" cy="260350"/>
-            <a:chOff x="4902200" y="4562475"/>
-            <a:chExt cx="239395" cy="260350"/>
+            <a:ext cx="240030" cy="260350"/>
+            <a:chOff x="4892675" y="4562475"/>
+            <a:chExt cx="240030" cy="260350"/>
           </a:xfrm>
         </p:grpSpPr>
         <p:sp>
@@ -20165,8 +19978,8 @@
           </p:nvSpPr>
           <p:spPr>
             <a:xfrm>
-              <a:off x="4932045" y="4597400"/>
-              <a:ext cx="209550" cy="209550"/>
+              <a:off x="4922520" y="4597400"/>
+              <a:ext cx="210185" cy="210185"/>
             </a:xfrm>
             <a:prstGeom prst="ellipse">
               <a:avLst/>
@@ -20226,8 +20039,8 @@
           </p:nvSpPr>
           <p:spPr>
             <a:xfrm>
-              <a:off x="4902200" y="4562475"/>
-              <a:ext cx="220345" cy="260350"/>
+              <a:off x="4892675" y="4562475"/>
+              <a:ext cx="220980" cy="260350"/>
             </a:xfrm>
             <a:prstGeom prst="rect">
               <a:avLst/>
@@ -20261,7 +20074,7 @@
                   <a:latin typeface="맑은 고딕" panose="020B0503020000020004" charset="-127"/>
                   <a:ea typeface="맑은 고딕" panose="020B0503020000020004" charset="-127"/>
                 </a:rPr>
-                <a:t>6</a:t>
+                <a:t>7</a:t>
               </a:r>
               <a:endParaRPr lang="en-US" altLang="ko-KR" sz="1100" b="1">
                 <a:solidFill>
@@ -20283,9 +20096,9 @@
         <p:grpSpPr>
           <a:xfrm rot="0">
             <a:off x="4901565" y="5191125"/>
-            <a:ext cx="239395" cy="260350"/>
+            <a:ext cx="240030" cy="260350"/>
             <a:chOff x="4901565" y="5191125"/>
-            <a:chExt cx="239395" cy="260350"/>
+            <a:chExt cx="240030" cy="260350"/>
           </a:xfrm>
         </p:grpSpPr>
         <p:sp>
@@ -20297,7 +20110,7 @@
           <p:spPr>
             <a:xfrm>
               <a:off x="4931410" y="5226050"/>
-              <a:ext cx="209550" cy="209550"/>
+              <a:ext cx="210185" cy="210185"/>
             </a:xfrm>
             <a:prstGeom prst="ellipse">
               <a:avLst/>
@@ -20358,7 +20171,7 @@
           <p:spPr>
             <a:xfrm>
               <a:off x="4901565" y="5191125"/>
-              <a:ext cx="220345" cy="260350"/>
+              <a:ext cx="220980" cy="260350"/>
             </a:xfrm>
             <a:prstGeom prst="rect">
               <a:avLst/>
@@ -20392,7 +20205,7 @@
                   <a:latin typeface="맑은 고딕" panose="020B0503020000020004" charset="-127"/>
                   <a:ea typeface="맑은 고딕" panose="020B0503020000020004" charset="-127"/>
                 </a:rPr>
-                <a:t>7</a:t>
+                <a:t>8</a:t>
               </a:r>
               <a:endParaRPr lang="en-US" altLang="ko-KR" sz="1100" b="1">
                 <a:solidFill>
@@ -20407,20 +20220,14 @@
       </p:grpSp>
       <p:pic>
         <p:nvPicPr>
-          <p:cNvPr id="40" name="그림 39" descr="C:/Users/KOSMO-08/AppData/Roaming/PolarisOffice/ETemp/11312_17366784/fImage415710111942.png"/>
+          <p:cNvPr id="40" name="그림 39" descr="C:/Users/KOSMO-08/AppData/Roaming/PolarisOffice/ETemp/12752_7558552/fImage41573593281.png"/>
           <p:cNvPicPr>
             <a:picLocks noChangeAspect="1"/>
           </p:cNvPicPr>
           <p:nvPr/>
         </p:nvPicPr>
         <p:blipFill rotWithShape="1">
-          <a:blip r:embed="rId2" cstate="print">
-            <a:extLst>
-              <a:ext uri="{28A0092B-C50C-407E-A947-70E740481C1C}">
-                <a14:useLocalDpi xmlns:a14="http://schemas.microsoft.com/office/drawing/2010/main" val="0"/>
-              </a:ext>
-            </a:extLst>
-          </a:blip>
+          <a:blip r:embed="rId2" cstate="hqprint"/>
           <a:srcRect/>
           <a:stretch>
             <a:fillRect/>
@@ -20429,7 +20236,7 @@
         <p:spPr>
           <a:xfrm>
             <a:off x="5702300" y="1485900"/>
-            <a:ext cx="2924810" cy="438785"/>
+            <a:ext cx="2925445" cy="439420"/>
           </a:xfrm>
           <a:prstGeom prst="rect">
             <a:avLst/>
@@ -20446,9 +20253,9 @@
         <p:grpSpPr>
           <a:xfrm rot="0">
             <a:off x="6963410" y="1317625"/>
-            <a:ext cx="239395" cy="260350"/>
+            <a:ext cx="240030" cy="260350"/>
             <a:chOff x="6963410" y="1317625"/>
-            <a:chExt cx="239395" cy="260350"/>
+            <a:chExt cx="240030" cy="260350"/>
           </a:xfrm>
         </p:grpSpPr>
         <p:sp>
@@ -20460,7 +20267,7 @@
           <p:spPr>
             <a:xfrm>
               <a:off x="6993255" y="1352550"/>
-              <a:ext cx="209550" cy="209550"/>
+              <a:ext cx="210185" cy="210185"/>
             </a:xfrm>
             <a:prstGeom prst="ellipse">
               <a:avLst/>
@@ -20521,7 +20328,7 @@
           <p:spPr>
             <a:xfrm>
               <a:off x="6963410" y="1317625"/>
-              <a:ext cx="220345" cy="260350"/>
+              <a:ext cx="220980" cy="260350"/>
             </a:xfrm>
             <a:prstGeom prst="rect">
               <a:avLst/>
@@ -20555,7 +20362,7 @@
                   <a:latin typeface="맑은 고딕" panose="020B0503020000020004" charset="-127"/>
                   <a:ea typeface="맑은 고딕" panose="020B0503020000020004" charset="-127"/>
                 </a:rPr>
-                <a:t>8</a:t>
+                <a:t>9</a:t>
               </a:r>
               <a:endParaRPr lang="en-US" altLang="ko-KR" sz="1100" b="1">
                 <a:solidFill>
@@ -20570,7 +20377,7 @@
       </p:grpSp>
       <p:graphicFrame>
         <p:nvGraphicFramePr>
-          <p:cNvPr id="7" name="표 1"/>
+          <p:cNvPr id="7" name="표 6"/>
           <p:cNvGraphicFramePr>
             <a:graphicFrameLocks noGrp="1"/>
           </p:cNvGraphicFramePr>
@@ -20596,6 +20403,7 @@
                 <a:tc>
                   <a:txBody>
                     <a:bodyPr/>
+                    <a:lstStyle/>
                     <a:p>
                       <a:pPr marL="0" indent="0" algn="ctr" defTabSz="914400" eaLnBrk="1" latinLnBrk="1" hangingPunct="1">
                         <a:lnSpc>
@@ -20685,6 +20493,7 @@
                 <a:tc>
                   <a:txBody>
                     <a:bodyPr/>
+                    <a:lstStyle/>
                     <a:p>
                       <a:pPr marL="0" indent="0" algn="ctr" defTabSz="914400" eaLnBrk="1" latinLnBrk="1" hangingPunct="1">
                         <a:lnSpc>
@@ -20774,6 +20583,7 @@
                 <a:tc>
                   <a:txBody>
                     <a:bodyPr/>
+                    <a:lstStyle/>
                     <a:p>
                       <a:pPr marL="0" indent="0" algn="ctr" defTabSz="914400" eaLnBrk="1" latinLnBrk="1" hangingPunct="1">
                         <a:lnSpc>
@@ -20863,6 +20673,7 @@
                 <a:tc>
                   <a:txBody>
                     <a:bodyPr/>
+                    <a:lstStyle/>
                     <a:p>
                       <a:pPr marL="0" indent="0" algn="ctr" defTabSz="914400" eaLnBrk="1" latinLnBrk="1" hangingPunct="1">
                         <a:lnSpc>
@@ -20954,6 +20765,7 @@
                 <a:tc>
                   <a:txBody>
                     <a:bodyPr/>
+                    <a:lstStyle/>
                     <a:p>
                       <a:pPr marL="0" indent="0" algn="ctr" defTabSz="914400" eaLnBrk="1" latinLnBrk="1" hangingPunct="1">
                         <a:lnSpc>
@@ -20969,17 +20781,16 @@
                         <a:buNone/>
                       </a:pPr>
                       <a:r>
-                        <a:rPr lang="en-US" altLang="ko-KR" sz="1000" b="0">
+                        <a:rPr lang="en-US" altLang="ko-KR" sz="1000" b="0" kern="1200">
                           <a:solidFill>
                             <a:schemeClr val="tx1"/>
                           </a:solidFill>
                           <a:latin typeface="맑은 고딕" panose="020B0503020000020004" charset="-127"/>
                           <a:ea typeface="맑은 고딕" panose="020B0503020000020004" charset="-127"/>
-                          <a:sym typeface="+mn-ea"/>
                         </a:rPr>
                         <a:t>F-BP-BO-DI</a:t>
                       </a:r>
-                      <a:endParaRPr lang="ko-KR" altLang="en-US" sz="1000" b="0" i="0" kern="1200">
+                      <a:endParaRPr lang="ko-KR" altLang="en-US" sz="1000" b="0" kern="1200">
                         <a:solidFill>
                           <a:schemeClr val="tx1"/>
                         </a:solidFill>
@@ -21041,6 +20852,7 @@
                 <a:tc>
                   <a:txBody>
                     <a:bodyPr/>
+                    <a:lstStyle/>
                     <a:p>
                       <a:pPr marL="0" indent="0" algn="ctr" defTabSz="914400" eaLnBrk="1" latinLnBrk="1" hangingPunct="1">
                         <a:lnSpc>
@@ -21065,7 +20877,7 @@
                         </a:rPr>
                         <a:t>order.html</a:t>
                       </a:r>
-                      <a:endParaRPr lang="en-US" altLang="ko-KR" sz="1000" b="0" i="0" kern="1200">
+                      <a:endParaRPr lang="ko-KR" altLang="en-US" sz="1000" b="0" i="0" kern="1200">
                         <a:solidFill>
                           <a:schemeClr val="tx1"/>
                         </a:solidFill>
@@ -21127,6 +20939,7 @@
                 <a:tc>
                   <a:txBody>
                     <a:bodyPr/>
+                    <a:lstStyle/>
                     <a:p>
                       <a:pPr marL="0" indent="0" algn="ctr" defTabSz="914400" eaLnBrk="1" latinLnBrk="1" hangingPunct="1">
                         <a:lnSpc>
@@ -21141,16 +20954,6 @@
                         <a:buFontTx/>
                         <a:buNone/>
                       </a:pPr>
-                      <a:r>
-                        <a:rPr lang="ko-KR" altLang="en-US" sz="1000" b="0" i="0" kern="1200">
-                          <a:solidFill>
-                            <a:schemeClr val="tx1"/>
-                          </a:solidFill>
-                          <a:latin typeface="맑은 고딕" panose="020B0503020000020004" charset="-127"/>
-                          <a:ea typeface="맑은 고딕" panose="020B0503020000020004" charset="-127"/>
-                        </a:rPr>
-                        <a:t>교재구매 </a:t>
-                      </a:r>
                       <a:r>
                         <a:rPr lang="en-US" altLang="ko-KR" sz="1000" b="0" i="0" kern="1200">
                           <a:solidFill>
@@ -21159,37 +20962,7 @@
                           <a:latin typeface="맑은 고딕" panose="020B0503020000020004" charset="-127"/>
                           <a:ea typeface="맑은 고딕" panose="020B0503020000020004" charset="-127"/>
                         </a:rPr>
-                        <a:t>&gt; </a:t>
-                      </a:r>
-                      <a:r>
-                        <a:rPr lang="ko-KR" altLang="en-US" sz="1000" b="0" i="0" kern="1200">
-                          <a:solidFill>
-                            <a:schemeClr val="tx1"/>
-                          </a:solidFill>
-                          <a:latin typeface="맑은 고딕" panose="020B0503020000020004" charset="-127"/>
-                          <a:ea typeface="맑은 고딕" panose="020B0503020000020004" charset="-127"/>
-                        </a:rPr>
-                        <a:t>주문결제 </a:t>
-                      </a:r>
-                      <a:r>
-                        <a:rPr lang="en-US" altLang="ko-KR" sz="1000" b="0" i="0" kern="1200">
-                          <a:solidFill>
-                            <a:schemeClr val="tx1"/>
-                          </a:solidFill>
-                          <a:latin typeface="맑은 고딕" panose="020B0503020000020004" charset="-127"/>
-                          <a:ea typeface="맑은 고딕" panose="020B0503020000020004" charset="-127"/>
-                        </a:rPr>
-                        <a:t>&gt; </a:t>
-                      </a:r>
-                      <a:r>
-                        <a:rPr lang="ko-KR" altLang="en-US" sz="1000" b="0" i="0" kern="1200">
-                          <a:solidFill>
-                            <a:schemeClr val="tx1"/>
-                          </a:solidFill>
-                          <a:latin typeface="맑은 고딕" panose="020B0503020000020004" charset="-127"/>
-                          <a:ea typeface="맑은 고딕" panose="020B0503020000020004" charset="-127"/>
-                        </a:rPr>
-                        <a:t>배송정보</a:t>
+                        <a:t>교재구매 &gt; 주문결제 &gt; 배송정보</a:t>
                       </a:r>
                       <a:endParaRPr lang="ko-KR" altLang="en-US" sz="1000" b="0" i="0" kern="1200">
                         <a:solidFill>
@@ -21253,6 +21026,7 @@
                 <a:tc>
                   <a:txBody>
                     <a:bodyPr/>
+                    <a:lstStyle/>
                     <a:p>
                       <a:pPr marL="0" indent="0" algn="ctr" defTabSz="914400" eaLnBrk="1" latinLnBrk="1" hangingPunct="1">
                         <a:lnSpc>
@@ -21268,7 +21042,7 @@
                         <a:buNone/>
                       </a:pPr>
                       <a:r>
-                        <a:rPr lang="ko-KR" altLang="en-US" sz="1000" b="0" i="0" kern="1200">
+                        <a:rPr lang="en-US" altLang="ko-KR" sz="1000" b="0" i="0" kern="1200">
                           <a:solidFill>
                             <a:schemeClr val="tx1"/>
                           </a:solidFill>
@@ -21343,28 +21117,28 @@
       </p:graphicFrame>
       <p:grpSp>
         <p:nvGrpSpPr>
-          <p:cNvPr id="8" name="그룹 19"/>
+          <p:cNvPr id="8" name="그룹 7"/>
           <p:cNvGrpSpPr/>
           <p:nvPr/>
         </p:nvGrpSpPr>
         <p:grpSpPr>
           <a:xfrm rot="0">
             <a:off x="6175375" y="2039620"/>
-            <a:ext cx="238760" cy="260985"/>
-            <a:chOff x="5463540" y="2632075"/>
-            <a:chExt cx="238760" cy="260985"/>
+            <a:ext cx="239395" cy="261620"/>
+            <a:chOff x="6175375" y="2039620"/>
+            <a:chExt cx="239395" cy="261620"/>
           </a:xfrm>
         </p:grpSpPr>
         <p:sp>
           <p:nvSpPr>
-            <p:cNvPr id="9" name="도형 15"/>
+            <p:cNvPr id="9" name="도형 8"/>
             <p:cNvSpPr/>
             <p:nvPr/>
           </p:nvSpPr>
           <p:spPr>
             <a:xfrm>
-              <a:off x="5493385" y="2667000"/>
-              <a:ext cx="209550" cy="209550"/>
+              <a:off x="6205220" y="2074545"/>
+              <a:ext cx="210185" cy="210185"/>
             </a:xfrm>
             <a:prstGeom prst="ellipse">
               <a:avLst/>
@@ -21391,6 +21165,7 @@
             <a:bodyPr vert="horz" wrap="square" lIns="91440" tIns="45720" rIns="91440" bIns="45720" anchor="ctr">
               <a:noAutofit/>
             </a:bodyPr>
+            <a:lstStyle/>
             <a:p>
               <a:pPr marL="0" indent="0" algn="ctr" defTabSz="914400" eaLnBrk="1" latinLnBrk="1" hangingPunct="1">
                 <a:lnSpc>
@@ -21417,14 +21192,14 @@
         </p:sp>
         <p:sp>
           <p:nvSpPr>
-            <p:cNvPr id="10" name="텍스트 상자 16"/>
+            <p:cNvPr id="10" name="텍스트 상자 9"/>
             <p:cNvSpPr txBox="1"/>
             <p:nvPr/>
           </p:nvSpPr>
           <p:spPr>
             <a:xfrm>
-              <a:off x="5463540" y="2632075"/>
-              <a:ext cx="220345" cy="260985"/>
+              <a:off x="6175375" y="2039620"/>
+              <a:ext cx="220980" cy="261620"/>
             </a:xfrm>
             <a:prstGeom prst="rect">
               <a:avLst/>
@@ -21435,6 +21210,7 @@
             <a:bodyPr vert="horz" wrap="square" lIns="91440" tIns="45720" rIns="91440" bIns="45720" anchor="t">
               <a:spAutoFit/>
             </a:bodyPr>
+            <a:lstStyle/>
             <a:p>
               <a:pPr marL="0" indent="0" algn="l" defTabSz="914400" eaLnBrk="1" latinLnBrk="1" hangingPunct="1">
                 <a:lnSpc>
@@ -21519,7 +21295,7 @@
         <p:spPr>
           <a:xfrm>
             <a:off x="142875" y="714375"/>
-            <a:ext cx="8993505" cy="5945505"/>
+            <a:ext cx="8994140" cy="5946140"/>
           </a:xfrm>
           <a:prstGeom prst="rect">
             <a:avLst/>
@@ -22072,7 +21848,27 @@
                           <a:latin typeface="맑은 고딕" panose="020B0503020000020004" charset="-127"/>
                           <a:ea typeface="맑은 고딕" panose="020B0503020000020004" charset="-127"/>
                         </a:rPr>
-                        <a:t>사용자가 선택한 [입금은행]을 </a:t>
+                        <a:t>사용자가 선택한 [</a:t>
+                      </a:r>
+                      <a:r>
+                        <a:rPr altLang="en-US" sz="1000" kern="1200">
+                          <a:solidFill>
+                            <a:schemeClr val="tx1"/>
+                          </a:solidFill>
+                          <a:latin typeface="맑은 고딕" panose="020B0503020000020004" charset="-127"/>
+                          <a:ea typeface="맑은 고딕" panose="020B0503020000020004" charset="-127"/>
+                        </a:rPr>
+                        <a:t>결제수단</a:t>
+                      </a:r>
+                      <a:r>
+                        <a:rPr lang="en-US" altLang="ko-KR" sz="1000" kern="1200">
+                          <a:solidFill>
+                            <a:schemeClr val="tx1"/>
+                          </a:solidFill>
+                          <a:latin typeface="맑은 고딕" panose="020B0503020000020004" charset="-127"/>
+                          <a:ea typeface="맑은 고딕" panose="020B0503020000020004" charset="-127"/>
+                        </a:rPr>
+                        <a:t>]을 </a:t>
                       </a:r>
                       <a:endParaRPr lang="ko-KR" altLang="en-US" sz="1000" kern="1200">
                         <a:solidFill>
@@ -22270,16 +22066,6 @@
                         <a:buFontTx/>
                         <a:buNone/>
                       </a:pPr>
-                      <a:r>
-                        <a:rPr lang="en-US" altLang="ko-KR" sz="1000" b="0" i="0" kern="1200">
-                          <a:solidFill>
-                            <a:schemeClr val="tx1"/>
-                          </a:solidFill>
-                          <a:latin typeface="맑은 고딕" panose="020B0503020000020004" charset="-127"/>
-                          <a:ea typeface="맑은 고딕" panose="020B0503020000020004" charset="-127"/>
-                        </a:rPr>
-                        <a:t>R</a:t>
-                      </a:r>
                       <a:endParaRPr lang="ko-KR" altLang="en-US" sz="1000" b="0" i="0" kern="1200">
                         <a:solidFill>
                           <a:schemeClr val="tx1"/>
@@ -22363,41 +22149,19 @@
                           <a:latin typeface="맑은 고딕" panose="020B0503020000020004" charset="-127"/>
                           <a:ea typeface="맑은 고딕" panose="020B0503020000020004" charset="-127"/>
                         </a:rPr>
-                        <a:t>사용자가 선택한 [입금은행]의 </a:t>
+                        <a:t>사용자가 선택한 [입금은행]</a:t>
                       </a:r>
-                      <a:endParaRPr lang="ko-KR" altLang="en-US" sz="1000" kern="1200">
-                        <a:solidFill>
-                          <a:schemeClr val="tx1"/>
-                        </a:solidFill>
-                        <a:latin typeface="맑은 고딕" panose="020B0503020000020004" charset="-127"/>
-                        <a:ea typeface="맑은 고딕" panose="020B0503020000020004" charset="-127"/>
-                      </a:endParaRPr>
-                    </a:p>
-                    <a:p>
-                      <a:pPr marL="0" indent="0" algn="ctr" defTabSz="914400" eaLnBrk="1" latinLnBrk="1" hangingPunct="1">
-                        <a:lnSpc>
-                          <a:spcPct val="100000"/>
-                        </a:lnSpc>
-                        <a:spcBef>
-                          <a:spcPts val="0"/>
-                        </a:spcBef>
-                        <a:spcAft>
-                          <a:spcPts val="0"/>
-                        </a:spcAft>
-                        <a:buFontTx/>
-                        <a:buNone/>
-                      </a:pPr>
                       <a:r>
-                        <a:rPr lang="en-US" altLang="ko-KR" sz="1000" kern="1200">
+                        <a:rPr altLang="en-US" sz="1000" kern="1200">
                           <a:solidFill>
                             <a:schemeClr val="tx1"/>
                           </a:solidFill>
                           <a:latin typeface="맑은 고딕" panose="020B0503020000020004" charset="-127"/>
                           <a:ea typeface="맑은 고딕" panose="020B0503020000020004" charset="-127"/>
                         </a:rPr>
-                        <a:t>[입금계좌] 번호를 DB로부터 불러와 번호 자동입력</a:t>
+                        <a:t> 입력</a:t>
                       </a:r>
-                      <a:endParaRPr lang="ko-KR" altLang="en-US" sz="1000" kern="1200">
+                      <a:endParaRPr altLang="en-US" sz="1000" kern="1200">
                         <a:solidFill>
                           <a:schemeClr val="tx1"/>
                         </a:solidFill>
@@ -22561,6 +22325,17 @@
                         <a:buFontTx/>
                         <a:buNone/>
                       </a:pPr>
+                      <a:r>
+                        <a:rPr lang="en-US" altLang="ko-KR" sz="1000" kern="1200">
+                          <a:solidFill>
+                            <a:schemeClr val="tx1"/>
+                          </a:solidFill>
+                          <a:latin typeface="맑은 고딕" panose="020B0503020000020004" charset="-127"/>
+                          <a:ea typeface="맑은 고딕" panose="020B0503020000020004" charset="-127"/>
+                          <a:sym typeface="+mn-ea"/>
+                        </a:rPr>
+                        <a:t>R</a:t>
+                      </a:r>
                       <a:endParaRPr lang="ko-KR" altLang="en-US" sz="1000" b="0" i="0" kern="1200">
                         <a:solidFill>
                           <a:schemeClr val="tx1"/>
@@ -22643,8 +22418,9 @@
                           </a:solidFill>
                           <a:latin typeface="맑은 고딕" panose="020B0503020000020004" charset="-127"/>
                           <a:ea typeface="맑은 고딕" panose="020B0503020000020004" charset="-127"/>
+                          <a:sym typeface="+mn-ea"/>
                         </a:rPr>
-                        <a:t>Mouseover 이벤트 발생 시, </a:t>
+                        <a:t>사용자가 선택한 [입금은행]의 </a:t>
                       </a:r>
                       <a:endParaRPr lang="ko-KR" altLang="en-US" sz="1000" kern="1200">
                         <a:solidFill>
@@ -22652,6 +22428,7 @@
                         </a:solidFill>
                         <a:latin typeface="맑은 고딕" panose="020B0503020000020004" charset="-127"/>
                         <a:ea typeface="맑은 고딕" panose="020B0503020000020004" charset="-127"/>
+                        <a:sym typeface="+mn-ea"/>
                       </a:endParaRPr>
                     </a:p>
                     <a:p>
@@ -22675,8 +22452,9 @@
                           </a:solidFill>
                           <a:latin typeface="맑은 고딕" panose="020B0503020000020004" charset="-127"/>
                           <a:ea typeface="맑은 고딕" panose="020B0503020000020004" charset="-127"/>
+                          <a:sym typeface="+mn-ea"/>
                         </a:rPr>
-                        <a:t>[무통장입금 이용안내] 표시</a:t>
+                        <a:t>[입금계좌] 번호를 DB로부터 불러와자동입력</a:t>
                       </a:r>
                       <a:endParaRPr lang="ko-KR" altLang="en-US" sz="1000" kern="1200">
                         <a:solidFill>
@@ -24576,20 +24354,14 @@
       </p:graphicFrame>
       <p:pic>
         <p:nvPicPr>
-          <p:cNvPr id="15" name="그림 14" descr="C:/Users/KOSMO-08/AppData/Roaming/PolarisOffice/ETemp/11312_17366784/fImage1497610234827.png"/>
+          <p:cNvPr id="15" name="그림 14" descr="C:/Users/KOSMO-08/AppData/Roaming/PolarisOffice/ETemp/12752_7558552/fImage149763726827.png"/>
           <p:cNvPicPr>
             <a:picLocks noChangeAspect="1"/>
           </p:cNvPicPr>
           <p:nvPr/>
         </p:nvPicPr>
         <p:blipFill rotWithShape="1">
-          <a:blip r:embed="rId1" cstate="print">
-            <a:extLst>
-              <a:ext uri="{28A0092B-C50C-407E-A947-70E740481C1C}">
-                <a14:useLocalDpi xmlns:a14="http://schemas.microsoft.com/office/drawing/2010/main" val="0"/>
-              </a:ext>
-            </a:extLst>
-          </a:blip>
+          <a:blip r:embed="rId1" cstate="hqprint"/>
           <a:srcRect/>
           <a:stretch>
             <a:fillRect/>
@@ -24598,7 +24370,7 @@
         <p:spPr>
           <a:xfrm>
             <a:off x="467360" y="1081405"/>
-            <a:ext cx="7581900" cy="4685665"/>
+            <a:ext cx="7582535" cy="4686300"/>
           </a:xfrm>
           <a:prstGeom prst="rect">
             <a:avLst/>
@@ -24615,9 +24387,9 @@
         <p:grpSpPr>
           <a:xfrm rot="0">
             <a:off x="4358640" y="2613025"/>
-            <a:ext cx="238760" cy="260985"/>
+            <a:ext cx="239395" cy="261620"/>
             <a:chOff x="4358640" y="2613025"/>
-            <a:chExt cx="238760" cy="260985"/>
+            <a:chExt cx="239395" cy="261620"/>
           </a:xfrm>
         </p:grpSpPr>
         <p:sp>
@@ -24629,7 +24401,7 @@
           <p:spPr>
             <a:xfrm>
               <a:off x="4388485" y="2647950"/>
-              <a:ext cx="209550" cy="209550"/>
+              <a:ext cx="210185" cy="210185"/>
             </a:xfrm>
             <a:prstGeom prst="ellipse">
               <a:avLst/>
@@ -24690,7 +24462,7 @@
           <p:spPr>
             <a:xfrm>
               <a:off x="4358640" y="2613025"/>
-              <a:ext cx="220345" cy="260985"/>
+              <a:ext cx="220980" cy="261620"/>
             </a:xfrm>
             <a:prstGeom prst="rect">
               <a:avLst/>
@@ -24746,9 +24518,9 @@
         <p:grpSpPr>
           <a:xfrm rot="0">
             <a:off x="5219065" y="3360420"/>
-            <a:ext cx="239395" cy="260985"/>
+            <a:ext cx="240030" cy="261620"/>
             <a:chOff x="5219065" y="3360420"/>
-            <a:chExt cx="239395" cy="260985"/>
+            <a:chExt cx="240030" cy="261620"/>
           </a:xfrm>
         </p:grpSpPr>
         <p:sp>
@@ -24760,7 +24532,7 @@
           <p:spPr>
             <a:xfrm>
               <a:off x="5248910" y="3395345"/>
-              <a:ext cx="209550" cy="209550"/>
+              <a:ext cx="210185" cy="210185"/>
             </a:xfrm>
             <a:prstGeom prst="ellipse">
               <a:avLst/>
@@ -24821,7 +24593,7 @@
           <p:spPr>
             <a:xfrm>
               <a:off x="5219065" y="3360420"/>
-              <a:ext cx="220345" cy="260985"/>
+              <a:ext cx="220980" cy="261620"/>
             </a:xfrm>
             <a:prstGeom prst="rect">
               <a:avLst/>
@@ -24877,9 +24649,9 @@
         <p:grpSpPr>
           <a:xfrm rot="0">
             <a:off x="5233670" y="3935095"/>
-            <a:ext cx="239395" cy="260985"/>
+            <a:ext cx="240030" cy="261620"/>
             <a:chOff x="5233670" y="3935095"/>
-            <a:chExt cx="239395" cy="260985"/>
+            <a:chExt cx="240030" cy="261620"/>
           </a:xfrm>
         </p:grpSpPr>
         <p:sp>
@@ -24891,7 +24663,7 @@
           <p:spPr>
             <a:xfrm>
               <a:off x="5263515" y="3970020"/>
-              <a:ext cx="209550" cy="209550"/>
+              <a:ext cx="210185" cy="210185"/>
             </a:xfrm>
             <a:prstGeom prst="ellipse">
               <a:avLst/>
@@ -24952,7 +24724,7 @@
           <p:spPr>
             <a:xfrm>
               <a:off x="5233670" y="3935095"/>
-              <a:ext cx="220345" cy="260985"/>
+              <a:ext cx="220980" cy="261620"/>
             </a:xfrm>
             <a:prstGeom prst="rect">
               <a:avLst/>
@@ -25001,7 +24773,7 @@
       </p:grpSp>
       <p:graphicFrame>
         <p:nvGraphicFramePr>
-          <p:cNvPr id="7" name="표 1"/>
+          <p:cNvPr id="7" name="표 6"/>
           <p:cNvGraphicFramePr>
             <a:graphicFrameLocks noGrp="1"/>
           </p:cNvGraphicFramePr>
@@ -25027,6 +24799,7 @@
                 <a:tc>
                   <a:txBody>
                     <a:bodyPr/>
+                    <a:lstStyle/>
                     <a:p>
                       <a:pPr marL="0" indent="0" algn="ctr" defTabSz="914400" eaLnBrk="1" latinLnBrk="1" hangingPunct="1">
                         <a:lnSpc>
@@ -25116,6 +24889,7 @@
                 <a:tc>
                   <a:txBody>
                     <a:bodyPr/>
+                    <a:lstStyle/>
                     <a:p>
                       <a:pPr marL="0" indent="0" algn="ctr" defTabSz="914400" eaLnBrk="1" latinLnBrk="1" hangingPunct="1">
                         <a:lnSpc>
@@ -25205,6 +24979,7 @@
                 <a:tc>
                   <a:txBody>
                     <a:bodyPr/>
+                    <a:lstStyle/>
                     <a:p>
                       <a:pPr marL="0" indent="0" algn="ctr" defTabSz="914400" eaLnBrk="1" latinLnBrk="1" hangingPunct="1">
                         <a:lnSpc>
@@ -25294,6 +25069,7 @@
                 <a:tc>
                   <a:txBody>
                     <a:bodyPr/>
+                    <a:lstStyle/>
                     <a:p>
                       <a:pPr marL="0" indent="0" algn="ctr" defTabSz="914400" eaLnBrk="1" latinLnBrk="1" hangingPunct="1">
                         <a:lnSpc>
@@ -25385,6 +25161,7 @@
                 <a:tc>
                   <a:txBody>
                     <a:bodyPr/>
+                    <a:lstStyle/>
                     <a:p>
                       <a:pPr marL="0" indent="0" algn="ctr" defTabSz="914400" eaLnBrk="1" latinLnBrk="1" hangingPunct="1">
                         <a:lnSpc>
@@ -25400,23 +25177,21 @@
                         <a:buNone/>
                       </a:pPr>
                       <a:r>
-                        <a:rPr lang="en-US" altLang="ko-KR" sz="1000" b="0">
+                        <a:rPr lang="en-US" altLang="ko-KR" sz="1000" b="0" kern="1200">
                           <a:solidFill>
                             <a:schemeClr val="tx1"/>
                           </a:solidFill>
                           <a:latin typeface="맑은 고딕" panose="020B0503020000020004" charset="-127"/>
                           <a:ea typeface="맑은 고딕" panose="020B0503020000020004" charset="-127"/>
-                          <a:sym typeface="+mn-ea"/>
                         </a:rPr>
                         <a:t>F-BP-BO-PI</a:t>
                       </a:r>
-                      <a:endParaRPr lang="en-US" altLang="ko-KR" sz="1000" b="0" i="0" kern="1200">
+                      <a:endParaRPr lang="ko-KR" altLang="en-US" sz="1000" b="0" kern="1200">
                         <a:solidFill>
                           <a:schemeClr val="tx1"/>
                         </a:solidFill>
                         <a:latin typeface="맑은 고딕" panose="020B0503020000020004" charset="-127"/>
                         <a:ea typeface="맑은 고딕" panose="020B0503020000020004" charset="-127"/>
-                        <a:sym typeface="+mn-ea"/>
                       </a:endParaRPr>
                     </a:p>
                   </a:txBody>
@@ -25473,6 +25248,7 @@
                 <a:tc>
                   <a:txBody>
                     <a:bodyPr/>
+                    <a:lstStyle/>
                     <a:p>
                       <a:pPr marL="0" indent="0" algn="ctr" defTabSz="914400" eaLnBrk="1" latinLnBrk="1" hangingPunct="1">
                         <a:lnSpc>
@@ -25497,7 +25273,7 @@
                         </a:rPr>
                         <a:t>order.html</a:t>
                       </a:r>
-                      <a:endParaRPr lang="en-US" altLang="ko-KR" sz="1000" b="0" i="0" kern="1200">
+                      <a:endParaRPr lang="ko-KR" altLang="en-US" sz="1000" b="0" i="0" kern="1200">
                         <a:solidFill>
                           <a:schemeClr val="tx1"/>
                         </a:solidFill>
@@ -25559,6 +25335,7 @@
                 <a:tc>
                   <a:txBody>
                     <a:bodyPr/>
+                    <a:lstStyle/>
                     <a:p>
                       <a:pPr marL="0" indent="0" algn="ctr" defTabSz="914400" eaLnBrk="1" latinLnBrk="1" hangingPunct="1">
                         <a:lnSpc>
@@ -25574,14 +25351,14 @@
                         <a:buNone/>
                       </a:pPr>
                       <a:r>
-                        <a:rPr lang="ko-KR" altLang="en-US" sz="1000" b="0" i="0" kern="1200">
+                        <a:rPr lang="en-US" altLang="ko-KR" sz="1000" b="0" i="0" kern="1200">
                           <a:solidFill>
                             <a:schemeClr val="tx1"/>
                           </a:solidFill>
                           <a:latin typeface="맑은 고딕" panose="020B0503020000020004" charset="-127"/>
                           <a:ea typeface="맑은 고딕" panose="020B0503020000020004" charset="-127"/>
                         </a:rPr>
-                        <a:t>교재구매 </a:t>
+                        <a:t>교재구매 &gt; 주문결제 &gt; 결제</a:t>
                       </a:r>
                       <a:r>
                         <a:rPr lang="en-US" altLang="ko-KR" sz="1000" b="0" i="0" kern="1200">
@@ -25591,17 +25368,7 @@
                           <a:latin typeface="맑은 고딕" panose="020B0503020000020004" charset="-127"/>
                           <a:ea typeface="맑은 고딕" panose="020B0503020000020004" charset="-127"/>
                         </a:rPr>
-                        <a:t>&gt; </a:t>
-                      </a:r>
-                      <a:r>
-                        <a:rPr lang="ko-KR" altLang="en-US" sz="1000" b="0" i="0" kern="1200">
-                          <a:solidFill>
-                            <a:schemeClr val="tx1"/>
-                          </a:solidFill>
-                          <a:latin typeface="맑은 고딕" panose="020B0503020000020004" charset="-127"/>
-                          <a:ea typeface="맑은 고딕" panose="020B0503020000020004" charset="-127"/>
-                        </a:rPr>
-                        <a:t>주문결제 </a:t>
+                        <a:t>정</a:t>
                       </a:r>
                       <a:r>
                         <a:rPr lang="en-US" altLang="ko-KR" sz="1000" b="0" i="0" kern="1200">
@@ -25611,17 +25378,7 @@
                           <a:latin typeface="맑은 고딕" panose="020B0503020000020004" charset="-127"/>
                           <a:ea typeface="맑은 고딕" panose="020B0503020000020004" charset="-127"/>
                         </a:rPr>
-                        <a:t>&gt; </a:t>
-                      </a:r>
-                      <a:r>
-                        <a:rPr lang="ko-KR" altLang="en-US" sz="1000" b="0" i="0" kern="1200">
-                          <a:solidFill>
-                            <a:schemeClr val="tx1"/>
-                          </a:solidFill>
-                          <a:latin typeface="맑은 고딕" panose="020B0503020000020004" charset="-127"/>
-                          <a:ea typeface="맑은 고딕" panose="020B0503020000020004" charset="-127"/>
-                        </a:rPr>
-                        <a:t>결제정보</a:t>
+                        <a:t>보</a:t>
                       </a:r>
                       <a:endParaRPr lang="ko-KR" altLang="en-US" sz="1000" b="0" i="0" kern="1200">
                         <a:solidFill>
@@ -25685,6 +25442,7 @@
                 <a:tc>
                   <a:txBody>
                     <a:bodyPr/>
+                    <a:lstStyle/>
                     <a:p>
                       <a:pPr marL="0" indent="0" algn="ctr" defTabSz="914400" eaLnBrk="1" latinLnBrk="1" hangingPunct="1">
                         <a:lnSpc>
@@ -25700,7 +25458,7 @@
                         <a:buNone/>
                       </a:pPr>
                       <a:r>
-                        <a:rPr lang="ko-KR" altLang="en-US" sz="1000" b="0" i="0" kern="1200">
+                        <a:rPr lang="en-US" altLang="ko-KR" sz="1000" b="0" i="0" kern="1200">
                           <a:solidFill>
                             <a:schemeClr val="tx1"/>
                           </a:solidFill>
@@ -25822,7 +25580,7 @@
         <p:spPr>
           <a:xfrm>
             <a:off x="142875" y="714375"/>
-            <a:ext cx="8993505" cy="5945505"/>
+            <a:ext cx="8994140" cy="5946140"/>
           </a:xfrm>
           <a:prstGeom prst="rect">
             <a:avLst/>
@@ -29035,20 +28793,14 @@
       </p:graphicFrame>
       <p:pic>
         <p:nvPicPr>
-          <p:cNvPr id="7" name="그림 6" descr="C:/Users/KOSMO-08/AppData/Roaming/PolarisOffice/ETemp/11312_17366784/fImage5580910415436.png"/>
+          <p:cNvPr id="7" name="그림 6" descr="C:/Users/KOSMO-08/AppData/Roaming/PolarisOffice/ETemp/12752_7558552/fImage558093889961.png"/>
           <p:cNvPicPr>
             <a:picLocks noChangeAspect="1"/>
           </p:cNvPicPr>
           <p:nvPr/>
         </p:nvPicPr>
         <p:blipFill rotWithShape="1">
-          <a:blip r:embed="rId1" cstate="print">
-            <a:extLst>
-              <a:ext uri="{28A0092B-C50C-407E-A947-70E740481C1C}">
-                <a14:useLocalDpi xmlns:a14="http://schemas.microsoft.com/office/drawing/2010/main" val="0"/>
-              </a:ext>
-            </a:extLst>
-          </a:blip>
+          <a:blip r:embed="rId1" cstate="hqprint"/>
           <a:srcRect/>
           <a:stretch>
             <a:fillRect/>
@@ -29057,7 +28809,7 @@
         <p:spPr>
           <a:xfrm>
             <a:off x="2156460" y="752475"/>
-            <a:ext cx="4966335" cy="5887720"/>
+            <a:ext cx="4966970" cy="5888355"/>
           </a:xfrm>
           <a:prstGeom prst="rect">
             <a:avLst/>
@@ -29074,9 +28826,9 @@
         <p:grpSpPr>
           <a:xfrm rot="0">
             <a:off x="6444615" y="1317625"/>
-            <a:ext cx="238760" cy="260985"/>
+            <a:ext cx="239395" cy="261620"/>
             <a:chOff x="6444615" y="1317625"/>
-            <a:chExt cx="238760" cy="260985"/>
+            <a:chExt cx="239395" cy="261620"/>
           </a:xfrm>
         </p:grpSpPr>
         <p:sp>
@@ -29088,7 +28840,7 @@
           <p:spPr>
             <a:xfrm>
               <a:off x="6474460" y="1352550"/>
-              <a:ext cx="209550" cy="209550"/>
+              <a:ext cx="210185" cy="210185"/>
             </a:xfrm>
             <a:prstGeom prst="ellipse">
               <a:avLst/>
@@ -29149,7 +28901,7 @@
           <p:spPr>
             <a:xfrm>
               <a:off x="6444615" y="1317625"/>
-              <a:ext cx="220345" cy="260985"/>
+              <a:ext cx="220980" cy="261620"/>
             </a:xfrm>
             <a:prstGeom prst="rect">
               <a:avLst/>
@@ -29205,9 +28957,9 @@
         <p:grpSpPr>
           <a:xfrm rot="0">
             <a:off x="6444615" y="1577975"/>
-            <a:ext cx="239395" cy="260985"/>
+            <a:ext cx="240030" cy="261620"/>
             <a:chOff x="6444615" y="1577975"/>
-            <a:chExt cx="239395" cy="260985"/>
+            <a:chExt cx="240030" cy="261620"/>
           </a:xfrm>
         </p:grpSpPr>
         <p:sp>
@@ -29219,7 +28971,7 @@
           <p:spPr>
             <a:xfrm>
               <a:off x="6474460" y="1612900"/>
-              <a:ext cx="209550" cy="209550"/>
+              <a:ext cx="210185" cy="210185"/>
             </a:xfrm>
             <a:prstGeom prst="ellipse">
               <a:avLst/>
@@ -29280,7 +29032,7 @@
           <p:spPr>
             <a:xfrm>
               <a:off x="6444615" y="1577975"/>
-              <a:ext cx="220345" cy="260985"/>
+              <a:ext cx="220980" cy="261620"/>
             </a:xfrm>
             <a:prstGeom prst="rect">
               <a:avLst/>
@@ -29336,9 +29088,9 @@
         <p:grpSpPr>
           <a:xfrm rot="0">
             <a:off x="2513965" y="1343025"/>
-            <a:ext cx="239395" cy="260985"/>
+            <a:ext cx="240030" cy="261620"/>
             <a:chOff x="2513965" y="1343025"/>
-            <a:chExt cx="239395" cy="260985"/>
+            <a:chExt cx="240030" cy="261620"/>
           </a:xfrm>
         </p:grpSpPr>
         <p:sp>
@@ -29350,7 +29102,7 @@
           <p:spPr>
             <a:xfrm>
               <a:off x="2543810" y="1377950"/>
-              <a:ext cx="209550" cy="209550"/>
+              <a:ext cx="210185" cy="210185"/>
             </a:xfrm>
             <a:prstGeom prst="ellipse">
               <a:avLst/>
@@ -29411,7 +29163,7 @@
           <p:spPr>
             <a:xfrm>
               <a:off x="2513965" y="1343025"/>
-              <a:ext cx="220345" cy="260985"/>
+              <a:ext cx="220980" cy="261620"/>
             </a:xfrm>
             <a:prstGeom prst="rect">
               <a:avLst/>
@@ -29467,9 +29219,9 @@
         <p:grpSpPr>
           <a:xfrm rot="0">
             <a:off x="2519045" y="2384425"/>
-            <a:ext cx="248920" cy="260985"/>
+            <a:ext cx="249555" cy="261620"/>
             <a:chOff x="2519045" y="2384425"/>
-            <a:chExt cx="248920" cy="260985"/>
+            <a:chExt cx="249555" cy="261620"/>
           </a:xfrm>
         </p:grpSpPr>
         <p:sp>
@@ -29481,7 +29233,7 @@
           <p:spPr>
             <a:xfrm>
               <a:off x="2558415" y="2419350"/>
-              <a:ext cx="209550" cy="209550"/>
+              <a:ext cx="210185" cy="210185"/>
             </a:xfrm>
             <a:prstGeom prst="ellipse">
               <a:avLst/>
@@ -29542,7 +29294,7 @@
           <p:spPr>
             <a:xfrm>
               <a:off x="2519045" y="2384425"/>
-              <a:ext cx="220345" cy="260985"/>
+              <a:ext cx="220980" cy="261620"/>
             </a:xfrm>
             <a:prstGeom prst="rect">
               <a:avLst/>
@@ -29598,9 +29350,9 @@
         <p:grpSpPr>
           <a:xfrm rot="0">
             <a:off x="2539365" y="3489960"/>
-            <a:ext cx="248920" cy="260985"/>
+            <a:ext cx="249555" cy="261620"/>
             <a:chOff x="2539365" y="3489960"/>
-            <a:chExt cx="248920" cy="260985"/>
+            <a:chExt cx="249555" cy="261620"/>
           </a:xfrm>
         </p:grpSpPr>
         <p:sp>
@@ -29612,7 +29364,7 @@
           <p:spPr>
             <a:xfrm>
               <a:off x="2578735" y="3524885"/>
-              <a:ext cx="209550" cy="209550"/>
+              <a:ext cx="210185" cy="210185"/>
             </a:xfrm>
             <a:prstGeom prst="ellipse">
               <a:avLst/>
@@ -29673,7 +29425,7 @@
           <p:spPr>
             <a:xfrm>
               <a:off x="2539365" y="3489960"/>
-              <a:ext cx="220345" cy="260985"/>
+              <a:ext cx="220980" cy="261620"/>
             </a:xfrm>
             <a:prstGeom prst="rect">
               <a:avLst/>
@@ -29729,9 +29481,9 @@
         <p:grpSpPr>
           <a:xfrm rot="0">
             <a:off x="2548890" y="4657725"/>
-            <a:ext cx="248920" cy="260985"/>
+            <a:ext cx="249555" cy="261620"/>
             <a:chOff x="2548890" y="4657725"/>
-            <a:chExt cx="248920" cy="260985"/>
+            <a:chExt cx="249555" cy="261620"/>
           </a:xfrm>
         </p:grpSpPr>
         <p:sp>
@@ -29743,7 +29495,7 @@
           <p:spPr>
             <a:xfrm>
               <a:off x="2588260" y="4692650"/>
-              <a:ext cx="209550" cy="209550"/>
+              <a:ext cx="210185" cy="210185"/>
             </a:xfrm>
             <a:prstGeom prst="ellipse">
               <a:avLst/>
@@ -29804,7 +29556,7 @@
           <p:spPr>
             <a:xfrm>
               <a:off x="2548890" y="4657725"/>
-              <a:ext cx="220345" cy="260985"/>
+              <a:ext cx="220980" cy="261620"/>
             </a:xfrm>
             <a:prstGeom prst="rect">
               <a:avLst/>
@@ -29860,9 +29612,9 @@
         <p:grpSpPr>
           <a:xfrm rot="0">
             <a:off x="3943985" y="5811520"/>
-            <a:ext cx="248920" cy="260985"/>
+            <a:ext cx="249555" cy="261620"/>
             <a:chOff x="3943985" y="5811520"/>
-            <a:chExt cx="248920" cy="260985"/>
+            <a:chExt cx="249555" cy="261620"/>
           </a:xfrm>
         </p:grpSpPr>
         <p:sp>
@@ -29874,7 +29626,7 @@
           <p:spPr>
             <a:xfrm>
               <a:off x="3983355" y="5846445"/>
-              <a:ext cx="209550" cy="209550"/>
+              <a:ext cx="210185" cy="210185"/>
             </a:xfrm>
             <a:prstGeom prst="ellipse">
               <a:avLst/>
@@ -29935,7 +29687,7 @@
           <p:spPr>
             <a:xfrm>
               <a:off x="3943985" y="5811520"/>
-              <a:ext cx="220345" cy="260985"/>
+              <a:ext cx="220980" cy="261620"/>
             </a:xfrm>
             <a:prstGeom prst="rect">
               <a:avLst/>
@@ -29984,7 +29736,7 @@
       </p:grpSp>
       <p:graphicFrame>
         <p:nvGraphicFramePr>
-          <p:cNvPr id="29" name="표 1"/>
+          <p:cNvPr id="29" name="표 28"/>
           <p:cNvGraphicFramePr>
             <a:graphicFrameLocks noGrp="1"/>
           </p:cNvGraphicFramePr>
@@ -30010,6 +29762,7 @@
                 <a:tc>
                   <a:txBody>
                     <a:bodyPr/>
+                    <a:lstStyle/>
                     <a:p>
                       <a:pPr marL="0" indent="0" algn="ctr" defTabSz="914400" eaLnBrk="1" latinLnBrk="1" hangingPunct="1">
                         <a:lnSpc>
@@ -30099,6 +29852,7 @@
                 <a:tc>
                   <a:txBody>
                     <a:bodyPr/>
+                    <a:lstStyle/>
                     <a:p>
                       <a:pPr marL="0" indent="0" algn="ctr" defTabSz="914400" eaLnBrk="1" latinLnBrk="1" hangingPunct="1">
                         <a:lnSpc>
@@ -30188,6 +29942,7 @@
                 <a:tc>
                   <a:txBody>
                     <a:bodyPr/>
+                    <a:lstStyle/>
                     <a:p>
                       <a:pPr marL="0" indent="0" algn="ctr" defTabSz="914400" eaLnBrk="1" latinLnBrk="1" hangingPunct="1">
                         <a:lnSpc>
@@ -30277,6 +30032,7 @@
                 <a:tc>
                   <a:txBody>
                     <a:bodyPr/>
+                    <a:lstStyle/>
                     <a:p>
                       <a:pPr marL="0" indent="0" algn="ctr" defTabSz="914400" eaLnBrk="1" latinLnBrk="1" hangingPunct="1">
                         <a:lnSpc>
@@ -30368,6 +30124,7 @@
                 <a:tc>
                   <a:txBody>
                     <a:bodyPr/>
+                    <a:lstStyle/>
                     <a:p>
                       <a:pPr marL="0" indent="0" algn="ctr" defTabSz="914400" eaLnBrk="1" latinLnBrk="1" hangingPunct="1">
                         <a:lnSpc>
@@ -30383,23 +30140,21 @@
                         <a:buNone/>
                       </a:pPr>
                       <a:r>
-                        <a:rPr lang="en-US" altLang="ko-KR" sz="1000" b="0">
+                        <a:rPr lang="en-US" altLang="ko-KR" sz="1000" b="0" kern="1200">
                           <a:solidFill>
                             <a:schemeClr val="tx1"/>
                           </a:solidFill>
                           <a:latin typeface="맑은 고딕" panose="020B0503020000020004" charset="-127"/>
                           <a:ea typeface="맑은 고딕" panose="020B0503020000020004" charset="-127"/>
-                          <a:sym typeface="+mn-ea"/>
                         </a:rPr>
                         <a:t>F-BP-BO-OA</a:t>
                       </a:r>
-                      <a:endParaRPr lang="en-US" altLang="ko-KR" sz="1000" b="0" i="0" kern="1200">
+                      <a:endParaRPr lang="ko-KR" altLang="en-US" sz="1000" b="0" kern="1200">
                         <a:solidFill>
                           <a:schemeClr val="tx1"/>
                         </a:solidFill>
                         <a:latin typeface="맑은 고딕" panose="020B0503020000020004" charset="-127"/>
                         <a:ea typeface="맑은 고딕" panose="020B0503020000020004" charset="-127"/>
-                        <a:sym typeface="+mn-ea"/>
                       </a:endParaRPr>
                     </a:p>
                   </a:txBody>
@@ -30456,6 +30211,7 @@
                 <a:tc>
                   <a:txBody>
                     <a:bodyPr/>
+                    <a:lstStyle/>
                     <a:p>
                       <a:pPr marL="0" indent="0" algn="ctr" defTabSz="914400" eaLnBrk="1" latinLnBrk="1" hangingPunct="1">
                         <a:lnSpc>
@@ -30480,7 +30236,7 @@
                         </a:rPr>
                         <a:t>order.html</a:t>
                       </a:r>
-                      <a:endParaRPr lang="en-US" altLang="ko-KR" sz="1000" b="0" i="0" kern="1200">
+                      <a:endParaRPr lang="ko-KR" altLang="en-US" sz="1000" b="0" i="0" kern="1200">
                         <a:solidFill>
                           <a:schemeClr val="tx1"/>
                         </a:solidFill>
@@ -30542,6 +30298,7 @@
                 <a:tc>
                   <a:txBody>
                     <a:bodyPr/>
+                    <a:lstStyle/>
                     <a:p>
                       <a:pPr marL="0" indent="0" algn="ctr" defTabSz="914400" eaLnBrk="1" latinLnBrk="1" hangingPunct="1">
                         <a:lnSpc>
@@ -30556,16 +30313,6 @@
                         <a:buFontTx/>
                         <a:buNone/>
                       </a:pPr>
-                      <a:r>
-                        <a:rPr lang="ko-KR" altLang="en-US" sz="1000" b="0" i="0" kern="1200">
-                          <a:solidFill>
-                            <a:schemeClr val="tx1"/>
-                          </a:solidFill>
-                          <a:latin typeface="맑은 고딕" panose="020B0503020000020004" charset="-127"/>
-                          <a:ea typeface="맑은 고딕" panose="020B0503020000020004" charset="-127"/>
-                        </a:rPr>
-                        <a:t>교재구매 </a:t>
-                      </a:r>
                       <a:r>
                         <a:rPr lang="en-US" altLang="ko-KR" sz="1000" b="0" i="0" kern="1200">
                           <a:solidFill>
@@ -30574,37 +30321,7 @@
                           <a:latin typeface="맑은 고딕" panose="020B0503020000020004" charset="-127"/>
                           <a:ea typeface="맑은 고딕" panose="020B0503020000020004" charset="-127"/>
                         </a:rPr>
-                        <a:t>&gt; </a:t>
-                      </a:r>
-                      <a:r>
-                        <a:rPr lang="ko-KR" altLang="en-US" sz="1000" b="0" i="0" kern="1200">
-                          <a:solidFill>
-                            <a:schemeClr val="tx1"/>
-                          </a:solidFill>
-                          <a:latin typeface="맑은 고딕" panose="020B0503020000020004" charset="-127"/>
-                          <a:ea typeface="맑은 고딕" panose="020B0503020000020004" charset="-127"/>
-                        </a:rPr>
-                        <a:t>주문결제 </a:t>
-                      </a:r>
-                      <a:r>
-                        <a:rPr lang="en-US" altLang="ko-KR" sz="1000" b="0" i="0" kern="1200">
-                          <a:solidFill>
-                            <a:schemeClr val="tx1"/>
-                          </a:solidFill>
-                          <a:latin typeface="맑은 고딕" panose="020B0503020000020004" charset="-127"/>
-                          <a:ea typeface="맑은 고딕" panose="020B0503020000020004" charset="-127"/>
-                        </a:rPr>
-                        <a:t>&gt; </a:t>
-                      </a:r>
-                      <a:r>
-                        <a:rPr lang="ko-KR" altLang="en-US" sz="1000" b="0" i="0" kern="1200">
-                          <a:solidFill>
-                            <a:schemeClr val="tx1"/>
-                          </a:solidFill>
-                          <a:latin typeface="맑은 고딕" panose="020B0503020000020004" charset="-127"/>
-                          <a:ea typeface="맑은 고딕" panose="020B0503020000020004" charset="-127"/>
-                        </a:rPr>
-                        <a:t>주문자동의</a:t>
+                        <a:t>교재구매 &gt; 주문결제 &gt; 주문자동의</a:t>
                       </a:r>
                       <a:endParaRPr lang="ko-KR" altLang="en-US" sz="1000" b="0" i="0" kern="1200">
                         <a:solidFill>
@@ -30668,6 +30385,7 @@
                 <a:tc>
                   <a:txBody>
                     <a:bodyPr/>
+                    <a:lstStyle/>
                     <a:p>
                       <a:pPr marL="0" indent="0" algn="ctr" defTabSz="914400" eaLnBrk="1" latinLnBrk="1" hangingPunct="1">
                         <a:lnSpc>
@@ -30683,7 +30401,7 @@
                         <a:buNone/>
                       </a:pPr>
                       <a:r>
-                        <a:rPr lang="ko-KR" altLang="en-US" sz="1000" b="0" i="0" kern="1200">
+                        <a:rPr lang="en-US" altLang="ko-KR" sz="1000" b="0" i="0" kern="1200">
                           <a:solidFill>
                             <a:schemeClr val="tx1"/>
                           </a:solidFill>
@@ -30805,7 +30523,7 @@
         <p:spPr>
           <a:xfrm>
             <a:off x="142875" y="714375"/>
-            <a:ext cx="8993505" cy="5945505"/>
+            <a:ext cx="8994140" cy="5946140"/>
           </a:xfrm>
           <a:prstGeom prst="rect">
             <a:avLst/>
@@ -34018,20 +33736,14 @@
       </p:graphicFrame>
       <p:pic>
         <p:nvPicPr>
-          <p:cNvPr id="30" name="그림 29" descr="C:/Users/KOSMO-08/AppData/Roaming/PolarisOffice/ETemp/11312_17366784/fImage2465410712391.png"/>
+          <p:cNvPr id="30" name="그림 29" descr="C:/Users/KOSMO-08/AppData/Roaming/PolarisOffice/ETemp/12752_7558552/fImage24654416491.png"/>
           <p:cNvPicPr>
             <a:picLocks noChangeAspect="1"/>
           </p:cNvPicPr>
           <p:nvPr/>
         </p:nvPicPr>
         <p:blipFill rotWithShape="1">
-          <a:blip r:embed="rId1" cstate="print">
-            <a:extLst>
-              <a:ext uri="{28A0092B-C50C-407E-A947-70E740481C1C}">
-                <a14:useLocalDpi xmlns:a14="http://schemas.microsoft.com/office/drawing/2010/main" val="0"/>
-              </a:ext>
-            </a:extLst>
-          </a:blip>
+          <a:blip r:embed="rId1" cstate="hqprint"/>
           <a:srcRect/>
           <a:stretch>
             <a:fillRect/>
@@ -34040,7 +33752,7 @@
         <p:spPr>
           <a:xfrm>
             <a:off x="594995" y="1336040"/>
-            <a:ext cx="8321040" cy="4358005"/>
+            <a:ext cx="8321675" cy="4358640"/>
           </a:xfrm>
           <a:prstGeom prst="rect">
             <a:avLst/>
@@ -34057,9 +33769,9 @@
         <p:grpSpPr>
           <a:xfrm rot="0">
             <a:off x="6210300" y="2229485"/>
-            <a:ext cx="238760" cy="260985"/>
+            <a:ext cx="239395" cy="261620"/>
             <a:chOff x="6210300" y="2229485"/>
-            <a:chExt cx="238760" cy="260985"/>
+            <a:chExt cx="239395" cy="261620"/>
           </a:xfrm>
         </p:grpSpPr>
         <p:sp>
@@ -34071,7 +33783,7 @@
           <p:spPr>
             <a:xfrm>
               <a:off x="6240145" y="2264410"/>
-              <a:ext cx="209550" cy="209550"/>
+              <a:ext cx="210185" cy="210185"/>
             </a:xfrm>
             <a:prstGeom prst="ellipse">
               <a:avLst/>
@@ -34132,7 +33844,7 @@
           <p:spPr>
             <a:xfrm>
               <a:off x="6210300" y="2229485"/>
-              <a:ext cx="220345" cy="260985"/>
+              <a:ext cx="220980" cy="261620"/>
             </a:xfrm>
             <a:prstGeom prst="rect">
               <a:avLst/>
@@ -34188,9 +33900,9 @@
         <p:grpSpPr>
           <a:xfrm rot="0">
             <a:off x="5723255" y="3018155"/>
-            <a:ext cx="239395" cy="260985"/>
+            <a:ext cx="240030" cy="261620"/>
             <a:chOff x="5723255" y="3018155"/>
-            <a:chExt cx="239395" cy="260985"/>
+            <a:chExt cx="240030" cy="261620"/>
           </a:xfrm>
         </p:grpSpPr>
         <p:sp>
@@ -34202,7 +33914,7 @@
           <p:spPr>
             <a:xfrm>
               <a:off x="5753100" y="3053080"/>
-              <a:ext cx="209550" cy="209550"/>
+              <a:ext cx="210185" cy="210185"/>
             </a:xfrm>
             <a:prstGeom prst="ellipse">
               <a:avLst/>
@@ -34263,7 +33975,7 @@
           <p:spPr>
             <a:xfrm>
               <a:off x="5723255" y="3018155"/>
-              <a:ext cx="220345" cy="260985"/>
+              <a:ext cx="220980" cy="261620"/>
             </a:xfrm>
             <a:prstGeom prst="rect">
               <a:avLst/>
@@ -34319,9 +34031,9 @@
         <p:grpSpPr>
           <a:xfrm rot="0">
             <a:off x="5293995" y="3806825"/>
-            <a:ext cx="239395" cy="260985"/>
+            <a:ext cx="240030" cy="261620"/>
             <a:chOff x="5293995" y="3806825"/>
-            <a:chExt cx="239395" cy="260985"/>
+            <a:chExt cx="240030" cy="261620"/>
           </a:xfrm>
         </p:grpSpPr>
         <p:sp>
@@ -34333,7 +34045,7 @@
           <p:spPr>
             <a:xfrm>
               <a:off x="5323840" y="3841750"/>
-              <a:ext cx="209550" cy="209550"/>
+              <a:ext cx="210185" cy="210185"/>
             </a:xfrm>
             <a:prstGeom prst="ellipse">
               <a:avLst/>
@@ -34394,7 +34106,7 @@
           <p:spPr>
             <a:xfrm>
               <a:off x="5293995" y="3806825"/>
-              <a:ext cx="220345" cy="260985"/>
+              <a:ext cx="220980" cy="261620"/>
             </a:xfrm>
             <a:prstGeom prst="rect">
               <a:avLst/>
@@ -34450,9 +34162,9 @@
         <p:grpSpPr>
           <a:xfrm rot="0">
             <a:off x="5236845" y="4874260"/>
-            <a:ext cx="239395" cy="260985"/>
+            <a:ext cx="240030" cy="261620"/>
             <a:chOff x="5236845" y="4874260"/>
-            <a:chExt cx="239395" cy="260985"/>
+            <a:chExt cx="240030" cy="261620"/>
           </a:xfrm>
         </p:grpSpPr>
         <p:sp>
@@ -34464,7 +34176,7 @@
           <p:spPr>
             <a:xfrm>
               <a:off x="5266690" y="4909185"/>
-              <a:ext cx="209550" cy="209550"/>
+              <a:ext cx="210185" cy="210185"/>
             </a:xfrm>
             <a:prstGeom prst="ellipse">
               <a:avLst/>
@@ -34525,7 +34237,7 @@
           <p:spPr>
             <a:xfrm>
               <a:off x="5236845" y="4874260"/>
-              <a:ext cx="220345" cy="260985"/>
+              <a:ext cx="220980" cy="261620"/>
             </a:xfrm>
             <a:prstGeom prst="rect">
               <a:avLst/>
@@ -34581,9 +34293,9 @@
         <p:grpSpPr>
           <a:xfrm rot="0">
             <a:off x="8098790" y="1443355"/>
-            <a:ext cx="389890" cy="260985"/>
+            <a:ext cx="390525" cy="261620"/>
             <a:chOff x="8098790" y="1443355"/>
-            <a:chExt cx="389890" cy="260985"/>
+            <a:chExt cx="390525" cy="261620"/>
           </a:xfrm>
         </p:grpSpPr>
         <p:sp>
@@ -34595,7 +34307,7 @@
           <p:spPr>
             <a:xfrm>
               <a:off x="8128635" y="1478280"/>
-              <a:ext cx="209550" cy="209550"/>
+              <a:ext cx="210185" cy="210185"/>
             </a:xfrm>
             <a:prstGeom prst="ellipse">
               <a:avLst/>
@@ -34656,7 +34368,7 @@
           <p:spPr>
             <a:xfrm>
               <a:off x="8098790" y="1443355"/>
-              <a:ext cx="389890" cy="260985"/>
+              <a:ext cx="390525" cy="261620"/>
             </a:xfrm>
             <a:prstGeom prst="rect">
               <a:avLst/>
@@ -34705,7 +34417,7 @@
       </p:grpSp>
       <p:graphicFrame>
         <p:nvGraphicFramePr>
-          <p:cNvPr id="7" name="표 1"/>
+          <p:cNvPr id="7" name="표 6"/>
           <p:cNvGraphicFramePr>
             <a:graphicFrameLocks noGrp="1"/>
           </p:cNvGraphicFramePr>
@@ -34731,6 +34443,7 @@
                 <a:tc>
                   <a:txBody>
                     <a:bodyPr/>
+                    <a:lstStyle/>
                     <a:p>
                       <a:pPr marL="0" indent="0" algn="ctr" defTabSz="914400" eaLnBrk="1" latinLnBrk="1" hangingPunct="1">
                         <a:lnSpc>
@@ -34820,6 +34533,7 @@
                 <a:tc>
                   <a:txBody>
                     <a:bodyPr/>
+                    <a:lstStyle/>
                     <a:p>
                       <a:pPr marL="0" indent="0" algn="ctr" defTabSz="914400" eaLnBrk="1" latinLnBrk="1" hangingPunct="1">
                         <a:lnSpc>
@@ -34909,6 +34623,7 @@
                 <a:tc>
                   <a:txBody>
                     <a:bodyPr/>
+                    <a:lstStyle/>
                     <a:p>
                       <a:pPr marL="0" indent="0" algn="ctr" defTabSz="914400" eaLnBrk="1" latinLnBrk="1" hangingPunct="1">
                         <a:lnSpc>
@@ -34998,6 +34713,7 @@
                 <a:tc>
                   <a:txBody>
                     <a:bodyPr/>
+                    <a:lstStyle/>
                     <a:p>
                       <a:pPr marL="0" indent="0" algn="ctr" defTabSz="914400" eaLnBrk="1" latinLnBrk="1" hangingPunct="1">
                         <a:lnSpc>
@@ -35089,6 +34805,7 @@
                 <a:tc>
                   <a:txBody>
                     <a:bodyPr/>
+                    <a:lstStyle/>
                     <a:p>
                       <a:pPr marL="0" indent="0" algn="ctr" defTabSz="914400" eaLnBrk="1" latinLnBrk="1" hangingPunct="1">
                         <a:lnSpc>
@@ -35104,23 +34821,21 @@
                         <a:buNone/>
                       </a:pPr>
                       <a:r>
-                        <a:rPr lang="en-US" altLang="ko-KR" sz="1000" b="0">
+                        <a:rPr lang="en-US" altLang="ko-KR" sz="1000" b="0" kern="1200">
                           <a:solidFill>
                             <a:schemeClr val="tx1"/>
                           </a:solidFill>
                           <a:latin typeface="맑은 고딕" panose="020B0503020000020004" charset="-127"/>
                           <a:ea typeface="맑은 고딕" panose="020B0503020000020004" charset="-127"/>
-                          <a:sym typeface="+mn-ea"/>
                         </a:rPr>
                         <a:t>F-BP-OC-DI</a:t>
                       </a:r>
-                      <a:endParaRPr lang="en-US" altLang="ko-KR" sz="1000" b="0" i="0" kern="1200">
+                      <a:endParaRPr lang="ko-KR" altLang="en-US" sz="1000" b="0" kern="1200">
                         <a:solidFill>
                           <a:schemeClr val="tx1"/>
                         </a:solidFill>
                         <a:latin typeface="맑은 고딕" panose="020B0503020000020004" charset="-127"/>
                         <a:ea typeface="맑은 고딕" panose="020B0503020000020004" charset="-127"/>
-                        <a:sym typeface="+mn-ea"/>
                       </a:endParaRPr>
                     </a:p>
                   </a:txBody>
@@ -35177,6 +34892,7 @@
                 <a:tc>
                   <a:txBody>
                     <a:bodyPr/>
+                    <a:lstStyle/>
                     <a:p>
                       <a:pPr marL="0" indent="0" algn="ctr" defTabSz="914400" eaLnBrk="1" latinLnBrk="1" hangingPunct="1">
                         <a:lnSpc>
@@ -35201,7 +34917,7 @@
                         </a:rPr>
                         <a:t>completed.html</a:t>
                       </a:r>
-                      <a:endParaRPr lang="en-US" altLang="ko-KR" sz="1000" b="0" i="0" kern="1200">
+                      <a:endParaRPr lang="ko-KR" altLang="en-US" sz="1000" b="0" i="0" kern="1200">
                         <a:solidFill>
                           <a:schemeClr val="tx1"/>
                         </a:solidFill>
@@ -35263,6 +34979,7 @@
                 <a:tc>
                   <a:txBody>
                     <a:bodyPr/>
+                    <a:lstStyle/>
                     <a:p>
                       <a:pPr marL="0" indent="0" algn="ctr" defTabSz="914400" eaLnBrk="1" latinLnBrk="1" hangingPunct="1">
                         <a:lnSpc>
@@ -35277,16 +34994,6 @@
                         <a:buFontTx/>
                         <a:buNone/>
                       </a:pPr>
-                      <a:r>
-                        <a:rPr lang="ko-KR" altLang="en-US" sz="1000" b="0" i="0" kern="1200">
-                          <a:solidFill>
-                            <a:schemeClr val="tx1"/>
-                          </a:solidFill>
-                          <a:latin typeface="맑은 고딕" panose="020B0503020000020004" charset="-127"/>
-                          <a:ea typeface="맑은 고딕" panose="020B0503020000020004" charset="-127"/>
-                        </a:rPr>
-                        <a:t>교재구매 </a:t>
-                      </a:r>
                       <a:r>
                         <a:rPr lang="en-US" altLang="ko-KR" sz="1000" b="0" i="0" kern="1200">
                           <a:solidFill>
@@ -35295,39 +35002,9 @@
                           <a:latin typeface="맑은 고딕" panose="020B0503020000020004" charset="-127"/>
                           <a:ea typeface="맑은 고딕" panose="020B0503020000020004" charset="-127"/>
                         </a:rPr>
-                        <a:t>&gt; </a:t>
+                        <a:t>교재구매 &gt; 주문완료 &gt; 배송지정보</a:t>
                       </a:r>
-                      <a:r>
-                        <a:rPr lang="ko-KR" altLang="en-US" sz="1000" b="0" i="0" kern="1200">
-                          <a:solidFill>
-                            <a:schemeClr val="tx1"/>
-                          </a:solidFill>
-                          <a:latin typeface="맑은 고딕" panose="020B0503020000020004" charset="-127"/>
-                          <a:ea typeface="맑은 고딕" panose="020B0503020000020004" charset="-127"/>
-                        </a:rPr>
-                        <a:t>주문완료 </a:t>
-                      </a:r>
-                      <a:r>
-                        <a:rPr lang="en-US" altLang="ko-KR" sz="1000" b="0" i="0" kern="1200">
-                          <a:solidFill>
-                            <a:schemeClr val="tx1"/>
-                          </a:solidFill>
-                          <a:latin typeface="맑은 고딕" panose="020B0503020000020004" charset="-127"/>
-                          <a:ea typeface="맑은 고딕" panose="020B0503020000020004" charset="-127"/>
-                        </a:rPr>
-                        <a:t>&gt; </a:t>
-                      </a:r>
-                      <a:r>
-                        <a:rPr altLang="en-US" sz="1000" b="0" i="0" kern="1200">
-                          <a:solidFill>
-                            <a:schemeClr val="tx1"/>
-                          </a:solidFill>
-                          <a:latin typeface="맑은 고딕" panose="020B0503020000020004" charset="-127"/>
-                          <a:ea typeface="맑은 고딕" panose="020B0503020000020004" charset="-127"/>
-                        </a:rPr>
-                        <a:t>배송지정보</a:t>
-                      </a:r>
-                      <a:endParaRPr altLang="en-US" sz="1000" b="0" i="0" kern="1200">
+                      <a:endParaRPr lang="ko-KR" altLang="en-US" sz="1000" b="0" i="0" kern="1200">
                         <a:solidFill>
                           <a:schemeClr val="tx1"/>
                         </a:solidFill>
@@ -35389,6 +35066,7 @@
                 <a:tc>
                   <a:txBody>
                     <a:bodyPr/>
+                    <a:lstStyle/>
                     <a:p>
                       <a:pPr marL="0" indent="0" algn="ctr" defTabSz="914400" eaLnBrk="1" latinLnBrk="1" hangingPunct="1">
                         <a:lnSpc>
@@ -35404,7 +35082,7 @@
                         <a:buNone/>
                       </a:pPr>
                       <a:r>
-                        <a:rPr lang="ko-KR" altLang="en-US" sz="1000" b="0" i="0" kern="1200">
+                        <a:rPr lang="en-US" altLang="ko-KR" sz="1000" b="0" i="0" kern="1200">
                           <a:solidFill>
                             <a:schemeClr val="tx1"/>
                           </a:solidFill>
@@ -35526,7 +35204,7 @@
         <p:spPr>
           <a:xfrm>
             <a:off x="142875" y="714375"/>
-            <a:ext cx="8993505" cy="5945505"/>
+            <a:ext cx="8994140" cy="5946140"/>
           </a:xfrm>
           <a:prstGeom prst="rect">
             <a:avLst/>
@@ -38729,20 +38407,14 @@
       </p:graphicFrame>
       <p:pic>
         <p:nvPicPr>
-          <p:cNvPr id="24" name="그림 23" descr="C:/Users/KOSMO-08/AppData/Roaming/PolarisOffice/ETemp/11312_17366784/fImage1762810954604.png"/>
+          <p:cNvPr id="24" name="그림 23" descr="C:/Users/KOSMO-08/AppData/Roaming/PolarisOffice/ETemp/12752_7558552/fImage176284382995.png"/>
           <p:cNvPicPr>
             <a:picLocks noChangeAspect="1"/>
           </p:cNvPicPr>
           <p:nvPr/>
         </p:nvPicPr>
         <p:blipFill rotWithShape="1">
-          <a:blip r:embed="rId1" cstate="print">
-            <a:extLst>
-              <a:ext uri="{28A0092B-C50C-407E-A947-70E740481C1C}">
-                <a14:useLocalDpi xmlns:a14="http://schemas.microsoft.com/office/drawing/2010/main" val="0"/>
-              </a:ext>
-            </a:extLst>
-          </a:blip>
+          <a:blip r:embed="rId1" cstate="hqprint"/>
           <a:srcRect/>
           <a:stretch>
             <a:fillRect/>
@@ -38751,7 +38423,7 @@
         <p:spPr>
           <a:xfrm>
             <a:off x="493395" y="1290955"/>
-            <a:ext cx="8503285" cy="4178300"/>
+            <a:ext cx="8503920" cy="4178935"/>
           </a:xfrm>
           <a:prstGeom prst="rect">
             <a:avLst/>
@@ -38768,9 +38440,9 @@
         <p:grpSpPr>
           <a:xfrm rot="0">
             <a:off x="4781550" y="2047240"/>
-            <a:ext cx="238760" cy="260985"/>
+            <a:ext cx="239395" cy="261620"/>
             <a:chOff x="4781550" y="2047240"/>
-            <a:chExt cx="238760" cy="260985"/>
+            <a:chExt cx="239395" cy="261620"/>
           </a:xfrm>
         </p:grpSpPr>
         <p:sp>
@@ -38782,7 +38454,7 @@
           <p:spPr>
             <a:xfrm>
               <a:off x="4811395" y="2082165"/>
-              <a:ext cx="209550" cy="209550"/>
+              <a:ext cx="210185" cy="210185"/>
             </a:xfrm>
             <a:prstGeom prst="ellipse">
               <a:avLst/>
@@ -38843,7 +38515,7 @@
           <p:spPr>
             <a:xfrm>
               <a:off x="4781550" y="2047240"/>
-              <a:ext cx="220345" cy="260985"/>
+              <a:ext cx="220980" cy="261620"/>
             </a:xfrm>
             <a:prstGeom prst="rect">
               <a:avLst/>
@@ -38899,9 +38571,9 @@
         <p:grpSpPr>
           <a:xfrm rot="0">
             <a:off x="5986145" y="2049780"/>
-            <a:ext cx="239395" cy="260985"/>
+            <a:ext cx="240030" cy="261620"/>
             <a:chOff x="5986145" y="2049780"/>
-            <a:chExt cx="239395" cy="260985"/>
+            <a:chExt cx="240030" cy="261620"/>
           </a:xfrm>
         </p:grpSpPr>
         <p:sp>
@@ -38913,7 +38585,7 @@
           <p:spPr>
             <a:xfrm>
               <a:off x="6015990" y="2084705"/>
-              <a:ext cx="209550" cy="209550"/>
+              <a:ext cx="210185" cy="210185"/>
             </a:xfrm>
             <a:prstGeom prst="ellipse">
               <a:avLst/>
@@ -38974,7 +38646,7 @@
           <p:spPr>
             <a:xfrm>
               <a:off x="5986145" y="2049780"/>
-              <a:ext cx="220345" cy="260985"/>
+              <a:ext cx="220980" cy="261620"/>
             </a:xfrm>
             <a:prstGeom prst="rect">
               <a:avLst/>
@@ -39030,9 +38702,9 @@
         <p:grpSpPr>
           <a:xfrm rot="0">
             <a:off x="4791075" y="2973070"/>
-            <a:ext cx="239395" cy="260985"/>
+            <a:ext cx="240030" cy="261620"/>
             <a:chOff x="4791075" y="2973070"/>
-            <a:chExt cx="239395" cy="260985"/>
+            <a:chExt cx="240030" cy="261620"/>
           </a:xfrm>
         </p:grpSpPr>
         <p:sp>
@@ -39044,7 +38716,7 @@
           <p:spPr>
             <a:xfrm>
               <a:off x="4820920" y="3007995"/>
-              <a:ext cx="209550" cy="209550"/>
+              <a:ext cx="210185" cy="210185"/>
             </a:xfrm>
             <a:prstGeom prst="ellipse">
               <a:avLst/>
@@ -39105,7 +38777,7 @@
           <p:spPr>
             <a:xfrm>
               <a:off x="4791075" y="2973070"/>
-              <a:ext cx="220345" cy="260985"/>
+              <a:ext cx="220980" cy="261620"/>
             </a:xfrm>
             <a:prstGeom prst="rect">
               <a:avLst/>
@@ -39161,9 +38833,9 @@
         <p:grpSpPr>
           <a:xfrm rot="0">
             <a:off x="2539365" y="4251325"/>
-            <a:ext cx="239395" cy="260985"/>
+            <a:ext cx="240030" cy="261620"/>
             <a:chOff x="2539365" y="4251325"/>
-            <a:chExt cx="239395" cy="260985"/>
+            <a:chExt cx="240030" cy="261620"/>
           </a:xfrm>
         </p:grpSpPr>
         <p:sp>
@@ -39175,7 +38847,7 @@
           <p:spPr>
             <a:xfrm>
               <a:off x="2569210" y="4286250"/>
-              <a:ext cx="209550" cy="209550"/>
+              <a:ext cx="210185" cy="210185"/>
             </a:xfrm>
             <a:prstGeom prst="ellipse">
               <a:avLst/>
@@ -39236,7 +38908,7 @@
           <p:spPr>
             <a:xfrm>
               <a:off x="2539365" y="4251325"/>
-              <a:ext cx="220345" cy="260985"/>
+              <a:ext cx="220980" cy="261620"/>
             </a:xfrm>
             <a:prstGeom prst="rect">
               <a:avLst/>
@@ -39292,9 +38964,9 @@
         <p:grpSpPr>
           <a:xfrm rot="0">
             <a:off x="4653915" y="4234815"/>
-            <a:ext cx="239395" cy="260985"/>
+            <a:ext cx="240030" cy="261620"/>
             <a:chOff x="4653915" y="4234815"/>
-            <a:chExt cx="239395" cy="260985"/>
+            <a:chExt cx="240030" cy="261620"/>
           </a:xfrm>
         </p:grpSpPr>
         <p:sp>
@@ -39306,7 +38978,7 @@
           <p:spPr>
             <a:xfrm>
               <a:off x="4683760" y="4269740"/>
-              <a:ext cx="209550" cy="209550"/>
+              <a:ext cx="210185" cy="210185"/>
             </a:xfrm>
             <a:prstGeom prst="ellipse">
               <a:avLst/>
@@ -39367,7 +39039,7 @@
           <p:spPr>
             <a:xfrm>
               <a:off x="4653915" y="4234815"/>
-              <a:ext cx="220345" cy="260985"/>
+              <a:ext cx="220980" cy="261620"/>
             </a:xfrm>
             <a:prstGeom prst="rect">
               <a:avLst/>
@@ -39416,7 +39088,7 @@
       </p:grpSp>
       <p:graphicFrame>
         <p:nvGraphicFramePr>
-          <p:cNvPr id="7" name="표 1"/>
+          <p:cNvPr id="7" name="표 6"/>
           <p:cNvGraphicFramePr>
             <a:graphicFrameLocks noGrp="1"/>
           </p:cNvGraphicFramePr>
@@ -39442,6 +39114,7 @@
                 <a:tc>
                   <a:txBody>
                     <a:bodyPr/>
+                    <a:lstStyle/>
                     <a:p>
                       <a:pPr marL="0" indent="0" algn="ctr" defTabSz="914400" eaLnBrk="1" latinLnBrk="1" hangingPunct="1">
                         <a:lnSpc>
@@ -39531,6 +39204,7 @@
                 <a:tc>
                   <a:txBody>
                     <a:bodyPr/>
+                    <a:lstStyle/>
                     <a:p>
                       <a:pPr marL="0" indent="0" algn="ctr" defTabSz="914400" eaLnBrk="1" latinLnBrk="1" hangingPunct="1">
                         <a:lnSpc>
@@ -39620,6 +39294,7 @@
                 <a:tc>
                   <a:txBody>
                     <a:bodyPr/>
+                    <a:lstStyle/>
                     <a:p>
                       <a:pPr marL="0" indent="0" algn="ctr" defTabSz="914400" eaLnBrk="1" latinLnBrk="1" hangingPunct="1">
                         <a:lnSpc>
@@ -39709,6 +39384,7 @@
                 <a:tc>
                   <a:txBody>
                     <a:bodyPr/>
+                    <a:lstStyle/>
                     <a:p>
                       <a:pPr marL="0" indent="0" algn="ctr" defTabSz="914400" eaLnBrk="1" latinLnBrk="1" hangingPunct="1">
                         <a:lnSpc>
@@ -39800,6 +39476,7 @@
                 <a:tc>
                   <a:txBody>
                     <a:bodyPr/>
+                    <a:lstStyle/>
                     <a:p>
                       <a:pPr marL="0" indent="0" algn="ctr" defTabSz="914400" eaLnBrk="1" latinLnBrk="1" hangingPunct="1">
                         <a:lnSpc>
@@ -39815,23 +39492,21 @@
                         <a:buNone/>
                       </a:pPr>
                       <a:r>
-                        <a:rPr lang="en-US" altLang="ko-KR" sz="1000" b="0">
+                        <a:rPr lang="en-US" altLang="ko-KR" sz="1000" b="0" kern="1200">
                           <a:solidFill>
                             <a:schemeClr val="tx1"/>
                           </a:solidFill>
                           <a:latin typeface="맑은 고딕" panose="020B0503020000020004" charset="-127"/>
                           <a:ea typeface="맑은 고딕" panose="020B0503020000020004" charset="-127"/>
-                          <a:sym typeface="+mn-ea"/>
                         </a:rPr>
                         <a:t>F-BP-OC-PI</a:t>
                       </a:r>
-                      <a:endParaRPr lang="en-US" altLang="ko-KR" sz="1000" b="0" i="0" kern="1200">
+                      <a:endParaRPr lang="ko-KR" altLang="en-US" sz="1000" b="0" kern="1200">
                         <a:solidFill>
                           <a:schemeClr val="tx1"/>
                         </a:solidFill>
                         <a:latin typeface="맑은 고딕" panose="020B0503020000020004" charset="-127"/>
                         <a:ea typeface="맑은 고딕" panose="020B0503020000020004" charset="-127"/>
-                        <a:sym typeface="+mn-ea"/>
                       </a:endParaRPr>
                     </a:p>
                   </a:txBody>
@@ -39888,6 +39563,7 @@
                 <a:tc>
                   <a:txBody>
                     <a:bodyPr/>
+                    <a:lstStyle/>
                     <a:p>
                       <a:pPr marL="0" indent="0" algn="ctr" defTabSz="914400" eaLnBrk="1" latinLnBrk="1" hangingPunct="1">
                         <a:lnSpc>
@@ -39912,7 +39588,7 @@
                         </a:rPr>
                         <a:t>completed.html</a:t>
                       </a:r>
-                      <a:endParaRPr lang="en-US" altLang="ko-KR" sz="1000" b="0" i="0" kern="1200">
+                      <a:endParaRPr lang="ko-KR" altLang="en-US" sz="1000" b="0" i="0" kern="1200">
                         <a:solidFill>
                           <a:schemeClr val="tx1"/>
                         </a:solidFill>
@@ -39974,6 +39650,7 @@
                 <a:tc>
                   <a:txBody>
                     <a:bodyPr/>
+                    <a:lstStyle/>
                     <a:p>
                       <a:pPr marL="0" indent="0" algn="ctr" defTabSz="914400" eaLnBrk="1" latinLnBrk="1" hangingPunct="1">
                         <a:lnSpc>
@@ -39988,16 +39665,6 @@
                         <a:buFontTx/>
                         <a:buNone/>
                       </a:pPr>
-                      <a:r>
-                        <a:rPr lang="ko-KR" altLang="en-US" sz="1000" b="0" i="0" kern="1200">
-                          <a:solidFill>
-                            <a:schemeClr val="tx1"/>
-                          </a:solidFill>
-                          <a:latin typeface="맑은 고딕" panose="020B0503020000020004" charset="-127"/>
-                          <a:ea typeface="맑은 고딕" panose="020B0503020000020004" charset="-127"/>
-                        </a:rPr>
-                        <a:t>교재구매 </a:t>
-                      </a:r>
                       <a:r>
                         <a:rPr lang="en-US" altLang="ko-KR" sz="1000" b="0" i="0" kern="1200">
                           <a:solidFill>
@@ -40006,37 +39673,7 @@
                           <a:latin typeface="맑은 고딕" panose="020B0503020000020004" charset="-127"/>
                           <a:ea typeface="맑은 고딕" panose="020B0503020000020004" charset="-127"/>
                         </a:rPr>
-                        <a:t>&gt; </a:t>
-                      </a:r>
-                      <a:r>
-                        <a:rPr lang="ko-KR" altLang="en-US" sz="1000" b="0" i="0" kern="1200">
-                          <a:solidFill>
-                            <a:schemeClr val="tx1"/>
-                          </a:solidFill>
-                          <a:latin typeface="맑은 고딕" panose="020B0503020000020004" charset="-127"/>
-                          <a:ea typeface="맑은 고딕" panose="020B0503020000020004" charset="-127"/>
-                        </a:rPr>
-                        <a:t>주문완료 </a:t>
-                      </a:r>
-                      <a:r>
-                        <a:rPr lang="en-US" altLang="ko-KR" sz="1000" b="0" i="0" kern="1200">
-                          <a:solidFill>
-                            <a:schemeClr val="tx1"/>
-                          </a:solidFill>
-                          <a:latin typeface="맑은 고딕" panose="020B0503020000020004" charset="-127"/>
-                          <a:ea typeface="맑은 고딕" panose="020B0503020000020004" charset="-127"/>
-                        </a:rPr>
-                        <a:t>&gt; </a:t>
-                      </a:r>
-                      <a:r>
-                        <a:rPr lang="ko-KR" altLang="en-US" sz="1000" b="0" i="0" kern="1200">
-                          <a:solidFill>
-                            <a:schemeClr val="tx1"/>
-                          </a:solidFill>
-                          <a:latin typeface="맑은 고딕" panose="020B0503020000020004" charset="-127"/>
-                          <a:ea typeface="맑은 고딕" panose="020B0503020000020004" charset="-127"/>
-                        </a:rPr>
-                        <a:t>결제정보</a:t>
+                        <a:t>교재구매 &gt; 주문완료 &gt; 결제정보</a:t>
                       </a:r>
                       <a:endParaRPr lang="ko-KR" altLang="en-US" sz="1000" b="0" i="0" kern="1200">
                         <a:solidFill>
@@ -40100,6 +39737,7 @@
                 <a:tc>
                   <a:txBody>
                     <a:bodyPr/>
+                    <a:lstStyle/>
                     <a:p>
                       <a:pPr marL="0" indent="0" algn="ctr" defTabSz="914400" eaLnBrk="1" latinLnBrk="1" hangingPunct="1">
                         <a:lnSpc>
@@ -40115,7 +39753,7 @@
                         <a:buNone/>
                       </a:pPr>
                       <a:r>
-                        <a:rPr lang="ko-KR" altLang="en-US" sz="1000" b="0" i="0" kern="1200">
+                        <a:rPr lang="en-US" altLang="ko-KR" sz="1000" b="0" i="0" kern="1200">
                           <a:solidFill>
                             <a:schemeClr val="tx1"/>
                           </a:solidFill>
